--- a/kainosSteg.pptx
+++ b/kainosSteg.pptx
@@ -173,7 +173,7 @@
           <a:noFill/>
           <a:extLst>
             <a:ext uri="{909E8E84-426E-40dd-AFC4-6F175D3DCCD1}">
-              <a14:hiddenFill xmlns:a14="http://schemas.microsoft.com/office/drawing/2010/main" xmlns="">
+              <a14:hiddenFill xmlns="" xmlns:a14="http://schemas.microsoft.com/office/drawing/2010/main">
                 <a:solidFill>
                   <a:srgbClr val="FFFFFF"/>
                 </a:solidFill>
@@ -233,7 +233,7 @@
             </a:ln>
             <a:extLst>
               <a:ext uri="{91240B29-F687-4f45-9708-019B960494DF}">
-                <a14:hiddenLine xmlns:a14="http://schemas.microsoft.com/office/drawing/2010/main" xmlns="" w="9525">
+                <a14:hiddenLine xmlns="" xmlns:a14="http://schemas.microsoft.com/office/drawing/2010/main" w="9525">
                   <a:solidFill>
                     <a:srgbClr val="000000"/>
                   </a:solidFill>
@@ -323,7 +323,7 @@
             </a:ln>
             <a:extLst>
               <a:ext uri="{91240B29-F687-4f45-9708-019B960494DF}">
-                <a14:hiddenLine xmlns:a14="http://schemas.microsoft.com/office/drawing/2010/main" xmlns="" w="9525">
+                <a14:hiddenLine xmlns="" xmlns:a14="http://schemas.microsoft.com/office/drawing/2010/main" w="9525">
                   <a:solidFill>
                     <a:srgbClr val="000000"/>
                   </a:solidFill>
@@ -413,7 +413,7 @@
             </a:ln>
             <a:extLst>
               <a:ext uri="{91240B29-F687-4f45-9708-019B960494DF}">
-                <a14:hiddenLine xmlns:a14="http://schemas.microsoft.com/office/drawing/2010/main" xmlns="" w="9525">
+                <a14:hiddenLine xmlns="" xmlns:a14="http://schemas.microsoft.com/office/drawing/2010/main" w="9525">
                   <a:solidFill>
                     <a:srgbClr val="000000"/>
                   </a:solidFill>
@@ -447,7 +447,7 @@
             </a:ln>
             <a:extLst>
               <a:ext uri="{91240B29-F687-4f45-9708-019B960494DF}">
-                <a14:hiddenLine xmlns:a14="http://schemas.microsoft.com/office/drawing/2010/main" xmlns="" w="9525">
+                <a14:hiddenLine xmlns="" xmlns:a14="http://schemas.microsoft.com/office/drawing/2010/main" w="9525">
                   <a:solidFill>
                     <a:srgbClr val="000000"/>
                   </a:solidFill>
@@ -537,7 +537,7 @@
             </a:ln>
             <a:extLst>
               <a:ext uri="{91240B29-F687-4f45-9708-019B960494DF}">
-                <a14:hiddenLine xmlns:a14="http://schemas.microsoft.com/office/drawing/2010/main" xmlns="" w="9525">
+                <a14:hiddenLine xmlns="" xmlns:a14="http://schemas.microsoft.com/office/drawing/2010/main" w="9525">
                   <a:solidFill>
                     <a:srgbClr val="000000"/>
                   </a:solidFill>
@@ -599,7 +599,7 @@
             </a:ln>
             <a:extLst>
               <a:ext uri="{91240B29-F687-4f45-9708-019B960494DF}">
-                <a14:hiddenLine xmlns:a14="http://schemas.microsoft.com/office/drawing/2010/main" xmlns="" w="9525">
+                <a14:hiddenLine xmlns="" xmlns:a14="http://schemas.microsoft.com/office/drawing/2010/main" w="9525">
                   <a:solidFill>
                     <a:srgbClr val="000000"/>
                   </a:solidFill>
@@ -661,7 +661,7 @@
             </a:ln>
             <a:extLst>
               <a:ext uri="{91240B29-F687-4f45-9708-019B960494DF}">
-                <a14:hiddenLine xmlns:a14="http://schemas.microsoft.com/office/drawing/2010/main" xmlns="" w="9525">
+                <a14:hiddenLine xmlns="" xmlns:a14="http://schemas.microsoft.com/office/drawing/2010/main" w="9525">
                   <a:solidFill>
                     <a:srgbClr val="000000"/>
                   </a:solidFill>
@@ -751,7 +751,7 @@
             </a:ln>
             <a:extLst>
               <a:ext uri="{91240B29-F687-4f45-9708-019B960494DF}">
-                <a14:hiddenLine xmlns:a14="http://schemas.microsoft.com/office/drawing/2010/main" xmlns="" w="9525">
+                <a14:hiddenLine xmlns="" xmlns:a14="http://schemas.microsoft.com/office/drawing/2010/main" w="9525">
                   <a:solidFill>
                     <a:srgbClr val="000000"/>
                   </a:solidFill>
@@ -813,7 +813,7 @@
             </a:ln>
             <a:extLst>
               <a:ext uri="{91240B29-F687-4f45-9708-019B960494DF}">
-                <a14:hiddenLine xmlns:a14="http://schemas.microsoft.com/office/drawing/2010/main" xmlns="" w="9525">
+                <a14:hiddenLine xmlns="" xmlns:a14="http://schemas.microsoft.com/office/drawing/2010/main" w="9525">
                   <a:solidFill>
                     <a:srgbClr val="000000"/>
                   </a:solidFill>
@@ -875,7 +875,7 @@
             </a:ln>
             <a:extLst>
               <a:ext uri="{91240B29-F687-4f45-9708-019B960494DF}">
-                <a14:hiddenLine xmlns:a14="http://schemas.microsoft.com/office/drawing/2010/main" xmlns="" w="9525">
+                <a14:hiddenLine xmlns="" xmlns:a14="http://schemas.microsoft.com/office/drawing/2010/main" w="9525">
                   <a:solidFill>
                     <a:srgbClr val="000000"/>
                   </a:solidFill>
@@ -965,7 +965,7 @@
             </a:ln>
             <a:extLst>
               <a:ext uri="{91240B29-F687-4f45-9708-019B960494DF}">
-                <a14:hiddenLine xmlns:a14="http://schemas.microsoft.com/office/drawing/2010/main" xmlns="" w="9525">
+                <a14:hiddenLine xmlns="" xmlns:a14="http://schemas.microsoft.com/office/drawing/2010/main" w="9525">
                   <a:solidFill>
                     <a:srgbClr val="000000"/>
                   </a:solidFill>
@@ -1055,7 +1055,7 @@
             </a:ln>
             <a:extLst>
               <a:ext uri="{91240B29-F687-4f45-9708-019B960494DF}">
-                <a14:hiddenLine xmlns:a14="http://schemas.microsoft.com/office/drawing/2010/main" xmlns="" w="9525">
+                <a14:hiddenLine xmlns="" xmlns:a14="http://schemas.microsoft.com/office/drawing/2010/main" w="9525">
                   <a:solidFill>
                     <a:srgbClr val="000000"/>
                   </a:solidFill>
@@ -1117,7 +1117,7 @@
             </a:ln>
             <a:extLst>
               <a:ext uri="{91240B29-F687-4f45-9708-019B960494DF}">
-                <a14:hiddenLine xmlns:a14="http://schemas.microsoft.com/office/drawing/2010/main" xmlns="" w="9525">
+                <a14:hiddenLine xmlns="" xmlns:a14="http://schemas.microsoft.com/office/drawing/2010/main" w="9525">
                   <a:solidFill>
                     <a:srgbClr val="000000"/>
                   </a:solidFill>
@@ -1227,7 +1227,7 @@
             </a:ln>
             <a:extLst>
               <a:ext uri="{91240B29-F687-4f45-9708-019B960494DF}">
-                <a14:hiddenLine xmlns:a14="http://schemas.microsoft.com/office/drawing/2010/main" xmlns="" w="9525">
+                <a14:hiddenLine xmlns="" xmlns:a14="http://schemas.microsoft.com/office/drawing/2010/main" w="9525">
                   <a:solidFill>
                     <a:srgbClr val="000000"/>
                   </a:solidFill>
@@ -1289,7 +1289,7 @@
             </a:ln>
             <a:extLst>
               <a:ext uri="{91240B29-F687-4f45-9708-019B960494DF}">
-                <a14:hiddenLine xmlns:a14="http://schemas.microsoft.com/office/drawing/2010/main" xmlns="" w="9525">
+                <a14:hiddenLine xmlns="" xmlns:a14="http://schemas.microsoft.com/office/drawing/2010/main" w="9525">
                   <a:solidFill>
                     <a:srgbClr val="000000"/>
                   </a:solidFill>
@@ -1379,7 +1379,7 @@
             </a:ln>
             <a:extLst>
               <a:ext uri="{91240B29-F687-4f45-9708-019B960494DF}">
-                <a14:hiddenLine xmlns:a14="http://schemas.microsoft.com/office/drawing/2010/main" xmlns="" w="9525">
+                <a14:hiddenLine xmlns="" xmlns:a14="http://schemas.microsoft.com/office/drawing/2010/main" w="9525">
                   <a:solidFill>
                     <a:srgbClr val="000000"/>
                   </a:solidFill>
@@ -1469,7 +1469,7 @@
             </a:ln>
             <a:extLst>
               <a:ext uri="{91240B29-F687-4f45-9708-019B960494DF}">
-                <a14:hiddenLine xmlns:a14="http://schemas.microsoft.com/office/drawing/2010/main" xmlns="" w="9525">
+                <a14:hiddenLine xmlns="" xmlns:a14="http://schemas.microsoft.com/office/drawing/2010/main" w="9525">
                   <a:solidFill>
                     <a:srgbClr val="000000"/>
                   </a:solidFill>
@@ -1531,7 +1531,7 @@
             </a:ln>
             <a:extLst>
               <a:ext uri="{91240B29-F687-4f45-9708-019B960494DF}">
-                <a14:hiddenLine xmlns:a14="http://schemas.microsoft.com/office/drawing/2010/main" xmlns="" w="9525">
+                <a14:hiddenLine xmlns="" xmlns:a14="http://schemas.microsoft.com/office/drawing/2010/main" w="9525">
                   <a:solidFill>
                     <a:srgbClr val="000000"/>
                   </a:solidFill>
@@ -1621,7 +1621,7 @@
             </a:ln>
             <a:extLst>
               <a:ext uri="{91240B29-F687-4f45-9708-019B960494DF}">
-                <a14:hiddenLine xmlns:a14="http://schemas.microsoft.com/office/drawing/2010/main" xmlns="" w="9525">
+                <a14:hiddenLine xmlns="" xmlns:a14="http://schemas.microsoft.com/office/drawing/2010/main" w="9525">
                   <a:solidFill>
                     <a:srgbClr val="000000"/>
                   </a:solidFill>
@@ -1711,7 +1711,7 @@
             </a:ln>
             <a:extLst>
               <a:ext uri="{91240B29-F687-4f45-9708-019B960494DF}">
-                <a14:hiddenLine xmlns:a14="http://schemas.microsoft.com/office/drawing/2010/main" xmlns="" w="9525">
+                <a14:hiddenLine xmlns="" xmlns:a14="http://schemas.microsoft.com/office/drawing/2010/main" w="9525">
                   <a:solidFill>
                     <a:srgbClr val="000000"/>
                   </a:solidFill>
@@ -1767,7 +1767,7 @@
             </a:ln>
             <a:extLst>
               <a:ext uri="{91240B29-F687-4f45-9708-019B960494DF}">
-                <a14:hiddenLine xmlns:a14="http://schemas.microsoft.com/office/drawing/2010/main" xmlns="" w="9525">
+                <a14:hiddenLine xmlns="" xmlns:a14="http://schemas.microsoft.com/office/drawing/2010/main" w="9525">
                   <a:solidFill>
                     <a:srgbClr val="000000"/>
                   </a:solidFill>
@@ -1857,7 +1857,7 @@
             </a:ln>
             <a:extLst>
               <a:ext uri="{91240B29-F687-4f45-9708-019B960494DF}">
-                <a14:hiddenLine xmlns:a14="http://schemas.microsoft.com/office/drawing/2010/main" xmlns="" w="9525">
+                <a14:hiddenLine xmlns="" xmlns:a14="http://schemas.microsoft.com/office/drawing/2010/main" w="9525">
                   <a:solidFill>
                     <a:srgbClr val="000000"/>
                   </a:solidFill>
@@ -1913,7 +1913,7 @@
             </a:ln>
             <a:extLst>
               <a:ext uri="{91240B29-F687-4f45-9708-019B960494DF}">
-                <a14:hiddenLine xmlns:a14="http://schemas.microsoft.com/office/drawing/2010/main" xmlns="" w="9525">
+                <a14:hiddenLine xmlns="" xmlns:a14="http://schemas.microsoft.com/office/drawing/2010/main" w="9525">
                   <a:solidFill>
                     <a:srgbClr val="000000"/>
                   </a:solidFill>
@@ -2003,7 +2003,7 @@
             </a:ln>
             <a:extLst>
               <a:ext uri="{91240B29-F687-4f45-9708-019B960494DF}">
-                <a14:hiddenLine xmlns:a14="http://schemas.microsoft.com/office/drawing/2010/main" xmlns="" w="9525">
+                <a14:hiddenLine xmlns="" xmlns:a14="http://schemas.microsoft.com/office/drawing/2010/main" w="9525">
                   <a:solidFill>
                     <a:srgbClr val="000000"/>
                   </a:solidFill>
@@ -2071,7 +2071,7 @@
             </a:ln>
             <a:extLst>
               <a:ext uri="{91240B29-F687-4f45-9708-019B960494DF}">
-                <a14:hiddenLine xmlns:a14="http://schemas.microsoft.com/office/drawing/2010/main" xmlns="" w="9525">
+                <a14:hiddenLine xmlns="" xmlns:a14="http://schemas.microsoft.com/office/drawing/2010/main" w="9525">
                   <a:solidFill>
                     <a:srgbClr val="000000"/>
                   </a:solidFill>
@@ -2161,7 +2161,7 @@
             </a:ln>
             <a:extLst>
               <a:ext uri="{91240B29-F687-4f45-9708-019B960494DF}">
-                <a14:hiddenLine xmlns:a14="http://schemas.microsoft.com/office/drawing/2010/main" xmlns="" w="9525">
+                <a14:hiddenLine xmlns="" xmlns:a14="http://schemas.microsoft.com/office/drawing/2010/main" w="9525">
                   <a:solidFill>
                     <a:srgbClr val="000000"/>
                   </a:solidFill>
@@ -2229,7 +2229,7 @@
             </a:ln>
             <a:extLst>
               <a:ext uri="{91240B29-F687-4f45-9708-019B960494DF}">
-                <a14:hiddenLine xmlns:a14="http://schemas.microsoft.com/office/drawing/2010/main" xmlns="" w="9525">
+                <a14:hiddenLine xmlns="" xmlns:a14="http://schemas.microsoft.com/office/drawing/2010/main" w="9525">
                   <a:solidFill>
                     <a:srgbClr val="000000"/>
                   </a:solidFill>
@@ -2319,7 +2319,7 @@
             </a:ln>
             <a:extLst>
               <a:ext uri="{91240B29-F687-4f45-9708-019B960494DF}">
-                <a14:hiddenLine xmlns:a14="http://schemas.microsoft.com/office/drawing/2010/main" xmlns="" w="9525">
+                <a14:hiddenLine xmlns="" xmlns:a14="http://schemas.microsoft.com/office/drawing/2010/main" w="9525">
                   <a:solidFill>
                     <a:srgbClr val="000000"/>
                   </a:solidFill>
@@ -2353,7 +2353,7 @@
             </a:ln>
             <a:extLst>
               <a:ext uri="{91240B29-F687-4f45-9708-019B960494DF}">
-                <a14:hiddenLine xmlns:a14="http://schemas.microsoft.com/office/drawing/2010/main" xmlns="" w="9525">
+                <a14:hiddenLine xmlns="" xmlns:a14="http://schemas.microsoft.com/office/drawing/2010/main" w="9525">
                   <a:solidFill>
                     <a:srgbClr val="000000"/>
                   </a:solidFill>
@@ -2443,7 +2443,7 @@
             </a:ln>
             <a:extLst>
               <a:ext uri="{91240B29-F687-4f45-9708-019B960494DF}">
-                <a14:hiddenLine xmlns:a14="http://schemas.microsoft.com/office/drawing/2010/main" xmlns="" w="9525">
+                <a14:hiddenLine xmlns="" xmlns:a14="http://schemas.microsoft.com/office/drawing/2010/main" w="9525">
                   <a:solidFill>
                     <a:srgbClr val="000000"/>
                   </a:solidFill>
@@ -2505,7 +2505,7 @@
             </a:ln>
             <a:extLst>
               <a:ext uri="{91240B29-F687-4f45-9708-019B960494DF}">
-                <a14:hiddenLine xmlns:a14="http://schemas.microsoft.com/office/drawing/2010/main" xmlns="" w="9525">
+                <a14:hiddenLine xmlns="" xmlns:a14="http://schemas.microsoft.com/office/drawing/2010/main" w="9525">
                   <a:solidFill>
                     <a:srgbClr val="000000"/>
                   </a:solidFill>
@@ -2567,7 +2567,7 @@
             </a:ln>
             <a:extLst>
               <a:ext uri="{91240B29-F687-4f45-9708-019B960494DF}">
-                <a14:hiddenLine xmlns:a14="http://schemas.microsoft.com/office/drawing/2010/main" xmlns="" w="9525">
+                <a14:hiddenLine xmlns="" xmlns:a14="http://schemas.microsoft.com/office/drawing/2010/main" w="9525">
                   <a:solidFill>
                     <a:srgbClr val="000000"/>
                   </a:solidFill>
@@ -2657,7 +2657,7 @@
             </a:ln>
             <a:extLst>
               <a:ext uri="{91240B29-F687-4f45-9708-019B960494DF}">
-                <a14:hiddenLine xmlns:a14="http://schemas.microsoft.com/office/drawing/2010/main" xmlns="" w="9525">
+                <a14:hiddenLine xmlns="" xmlns:a14="http://schemas.microsoft.com/office/drawing/2010/main" w="9525">
                   <a:solidFill>
                     <a:srgbClr val="000000"/>
                   </a:solidFill>
@@ -2725,7 +2725,7 @@
             </a:ln>
             <a:extLst>
               <a:ext uri="{91240B29-F687-4f45-9708-019B960494DF}">
-                <a14:hiddenLine xmlns:a14="http://schemas.microsoft.com/office/drawing/2010/main" xmlns="" w="9525">
+                <a14:hiddenLine xmlns="" xmlns:a14="http://schemas.microsoft.com/office/drawing/2010/main" w="9525">
                   <a:solidFill>
                     <a:srgbClr val="000000"/>
                   </a:solidFill>
@@ -2787,7 +2787,7 @@
             </a:ln>
             <a:extLst>
               <a:ext uri="{91240B29-F687-4f45-9708-019B960494DF}">
-                <a14:hiddenLine xmlns:a14="http://schemas.microsoft.com/office/drawing/2010/main" xmlns="" w="9525">
+                <a14:hiddenLine xmlns="" xmlns:a14="http://schemas.microsoft.com/office/drawing/2010/main" w="9525">
                   <a:solidFill>
                     <a:srgbClr val="000000"/>
                   </a:solidFill>
@@ -2877,7 +2877,7 @@
             </a:ln>
             <a:extLst>
               <a:ext uri="{91240B29-F687-4f45-9708-019B960494DF}">
-                <a14:hiddenLine xmlns:a14="http://schemas.microsoft.com/office/drawing/2010/main" xmlns="" w="9525">
+                <a14:hiddenLine xmlns="" xmlns:a14="http://schemas.microsoft.com/office/drawing/2010/main" w="9525">
                   <a:solidFill>
                     <a:srgbClr val="000000"/>
                   </a:solidFill>
@@ -2939,7 +2939,7 @@
             </a:ln>
             <a:extLst>
               <a:ext uri="{91240B29-F687-4f45-9708-019B960494DF}">
-                <a14:hiddenLine xmlns:a14="http://schemas.microsoft.com/office/drawing/2010/main" xmlns="" w="9525">
+                <a14:hiddenLine xmlns="" xmlns:a14="http://schemas.microsoft.com/office/drawing/2010/main" w="9525">
                   <a:solidFill>
                     <a:srgbClr val="000000"/>
                   </a:solidFill>
@@ -3029,7 +3029,7 @@
             </a:ln>
             <a:extLst>
               <a:ext uri="{91240B29-F687-4f45-9708-019B960494DF}">
-                <a14:hiddenLine xmlns:a14="http://schemas.microsoft.com/office/drawing/2010/main" xmlns="" w="9525">
+                <a14:hiddenLine xmlns="" xmlns:a14="http://schemas.microsoft.com/office/drawing/2010/main" w="9525">
                   <a:solidFill>
                     <a:srgbClr val="000000"/>
                   </a:solidFill>
@@ -3091,7 +3091,7 @@
             </a:ln>
             <a:extLst>
               <a:ext uri="{91240B29-F687-4f45-9708-019B960494DF}">
-                <a14:hiddenLine xmlns:a14="http://schemas.microsoft.com/office/drawing/2010/main" xmlns="" w="9525">
+                <a14:hiddenLine xmlns="" xmlns:a14="http://schemas.microsoft.com/office/drawing/2010/main" w="9525">
                   <a:solidFill>
                     <a:srgbClr val="000000"/>
                   </a:solidFill>
@@ -3181,7 +3181,7 @@
             </a:ln>
             <a:extLst>
               <a:ext uri="{91240B29-F687-4f45-9708-019B960494DF}">
-                <a14:hiddenLine xmlns:a14="http://schemas.microsoft.com/office/drawing/2010/main" xmlns="" w="9525">
+                <a14:hiddenLine xmlns="" xmlns:a14="http://schemas.microsoft.com/office/drawing/2010/main" w="9525">
                   <a:solidFill>
                     <a:srgbClr val="000000"/>
                   </a:solidFill>
@@ -3215,7 +3215,7 @@
             </a:ln>
             <a:extLst>
               <a:ext uri="{91240B29-F687-4f45-9708-019B960494DF}">
-                <a14:hiddenLine xmlns:a14="http://schemas.microsoft.com/office/drawing/2010/main" xmlns="" w="9525">
+                <a14:hiddenLine xmlns="" xmlns:a14="http://schemas.microsoft.com/office/drawing/2010/main" w="9525">
                   <a:solidFill>
                     <a:srgbClr val="000000"/>
                   </a:solidFill>
@@ -3280,7 +3280,7 @@
             </a:ln>
             <a:extLst>
               <a:ext uri="{91240B29-F687-4f45-9708-019B960494DF}">
-                <a14:hiddenLine xmlns:a14="http://schemas.microsoft.com/office/drawing/2010/main" xmlns="" w="9525">
+                <a14:hiddenLine xmlns="" xmlns:a14="http://schemas.microsoft.com/office/drawing/2010/main" w="9525">
                   <a:solidFill>
                     <a:srgbClr val="000000"/>
                   </a:solidFill>
@@ -3370,7 +3370,7 @@
             </a:ln>
             <a:extLst>
               <a:ext uri="{91240B29-F687-4f45-9708-019B960494DF}">
-                <a14:hiddenLine xmlns:a14="http://schemas.microsoft.com/office/drawing/2010/main" xmlns="" w="9525">
+                <a14:hiddenLine xmlns="" xmlns:a14="http://schemas.microsoft.com/office/drawing/2010/main" w="9525">
                   <a:solidFill>
                     <a:srgbClr val="000000"/>
                   </a:solidFill>
@@ -3432,7 +3432,7 @@
             </a:ln>
             <a:extLst>
               <a:ext uri="{91240B29-F687-4f45-9708-019B960494DF}">
-                <a14:hiddenLine xmlns:a14="http://schemas.microsoft.com/office/drawing/2010/main" xmlns="" w="9525">
+                <a14:hiddenLine xmlns="" xmlns:a14="http://schemas.microsoft.com/office/drawing/2010/main" w="9525">
                   <a:solidFill>
                     <a:srgbClr val="000000"/>
                   </a:solidFill>
@@ -3522,7 +3522,7 @@
             </a:ln>
             <a:extLst>
               <a:ext uri="{91240B29-F687-4f45-9708-019B960494DF}">
-                <a14:hiddenLine xmlns:a14="http://schemas.microsoft.com/office/drawing/2010/main" xmlns="" w="9525">
+                <a14:hiddenLine xmlns="" xmlns:a14="http://schemas.microsoft.com/office/drawing/2010/main" w="9525">
                   <a:solidFill>
                     <a:srgbClr val="000000"/>
                   </a:solidFill>
@@ -3612,7 +3612,7 @@
             </a:ln>
             <a:extLst>
               <a:ext uri="{91240B29-F687-4f45-9708-019B960494DF}">
-                <a14:hiddenLine xmlns:a14="http://schemas.microsoft.com/office/drawing/2010/main" xmlns="" w="9525">
+                <a14:hiddenLine xmlns="" xmlns:a14="http://schemas.microsoft.com/office/drawing/2010/main" w="9525">
                   <a:solidFill>
                     <a:srgbClr val="000000"/>
                   </a:solidFill>
@@ -3677,7 +3677,7 @@
             </a:ln>
             <a:extLst>
               <a:ext uri="{91240B29-F687-4f45-9708-019B960494DF}">
-                <a14:hiddenLine xmlns:a14="http://schemas.microsoft.com/office/drawing/2010/main" xmlns="" w="9525">
+                <a14:hiddenLine xmlns="" xmlns:a14="http://schemas.microsoft.com/office/drawing/2010/main" w="9525">
                   <a:solidFill>
                     <a:srgbClr val="000000"/>
                   </a:solidFill>
@@ -3739,7 +3739,7 @@
             </a:ln>
             <a:extLst>
               <a:ext uri="{91240B29-F687-4f45-9708-019B960494DF}">
-                <a14:hiddenLine xmlns:a14="http://schemas.microsoft.com/office/drawing/2010/main" xmlns="" w="9525">
+                <a14:hiddenLine xmlns="" xmlns:a14="http://schemas.microsoft.com/office/drawing/2010/main" w="9525">
                   <a:solidFill>
                     <a:srgbClr val="000000"/>
                   </a:solidFill>
@@ -3829,7 +3829,7 @@
             </a:ln>
             <a:extLst>
               <a:ext uri="{91240B29-F687-4f45-9708-019B960494DF}">
-                <a14:hiddenLine xmlns:a14="http://schemas.microsoft.com/office/drawing/2010/main" xmlns="" w="9525">
+                <a14:hiddenLine xmlns="" xmlns:a14="http://schemas.microsoft.com/office/drawing/2010/main" w="9525">
                   <a:solidFill>
                     <a:srgbClr val="000000"/>
                   </a:solidFill>
@@ -3919,7 +3919,7 @@
             </a:ln>
             <a:extLst>
               <a:ext uri="{91240B29-F687-4f45-9708-019B960494DF}">
-                <a14:hiddenLine xmlns:a14="http://schemas.microsoft.com/office/drawing/2010/main" xmlns="" w="9525">
+                <a14:hiddenLine xmlns="" xmlns:a14="http://schemas.microsoft.com/office/drawing/2010/main" w="9525">
                   <a:solidFill>
                     <a:srgbClr val="000000"/>
                   </a:solidFill>
@@ -3981,7 +3981,7 @@
             </a:ln>
             <a:extLst>
               <a:ext uri="{91240B29-F687-4f45-9708-019B960494DF}">
-                <a14:hiddenLine xmlns:a14="http://schemas.microsoft.com/office/drawing/2010/main" xmlns="" w="9525">
+                <a14:hiddenLine xmlns="" xmlns:a14="http://schemas.microsoft.com/office/drawing/2010/main" w="9525">
                   <a:solidFill>
                     <a:srgbClr val="000000"/>
                   </a:solidFill>
@@ -4101,7 +4101,7 @@
             </a:ln>
             <a:extLst>
               <a:ext uri="{91240B29-F687-4f45-9708-019B960494DF}">
-                <a14:hiddenLine xmlns:a14="http://schemas.microsoft.com/office/drawing/2010/main" xmlns="" w="9525">
+                <a14:hiddenLine xmlns="" xmlns:a14="http://schemas.microsoft.com/office/drawing/2010/main" w="9525">
                   <a:solidFill>
                     <a:srgbClr val="000000"/>
                   </a:solidFill>
@@ -4169,7 +4169,7 @@
             </a:ln>
             <a:extLst>
               <a:ext uri="{91240B29-F687-4f45-9708-019B960494DF}">
-                <a14:hiddenLine xmlns:a14="http://schemas.microsoft.com/office/drawing/2010/main" xmlns="" w="9525">
+                <a14:hiddenLine xmlns="" xmlns:a14="http://schemas.microsoft.com/office/drawing/2010/main" w="9525">
                   <a:solidFill>
                     <a:srgbClr val="000000"/>
                   </a:solidFill>
@@ -4259,7 +4259,7 @@
             </a:ln>
             <a:extLst>
               <a:ext uri="{91240B29-F687-4f45-9708-019B960494DF}">
-                <a14:hiddenLine xmlns:a14="http://schemas.microsoft.com/office/drawing/2010/main" xmlns="" w="9525">
+                <a14:hiddenLine xmlns="" xmlns:a14="http://schemas.microsoft.com/office/drawing/2010/main" w="9525">
                   <a:solidFill>
                     <a:srgbClr val="000000"/>
                   </a:solidFill>
@@ -8981,7 +8981,7 @@
           <a:noFill/>
           <a:extLst>
             <a:ext uri="{909E8E84-426E-40dd-AFC4-6F175D3DCCD1}">
-              <a14:hiddenFill xmlns:a14="http://schemas.microsoft.com/office/drawing/2010/main" xmlns="">
+              <a14:hiddenFill xmlns="" xmlns:a14="http://schemas.microsoft.com/office/drawing/2010/main">
                 <a:solidFill>
                   <a:srgbClr val="FFFFFF"/>
                 </a:solidFill>
@@ -9055,7 +9055,7 @@
               </a:ln>
               <a:extLst>
                 <a:ext uri="{91240B29-F687-4f45-9708-019B960494DF}">
-                  <a14:hiddenLine xmlns:a14="http://schemas.microsoft.com/office/drawing/2010/main" xmlns="" w="9525">
+                  <a14:hiddenLine xmlns="" xmlns:a14="http://schemas.microsoft.com/office/drawing/2010/main" w="9525">
                     <a:solidFill>
                       <a:srgbClr val="000000"/>
                     </a:solidFill>
@@ -9145,7 +9145,7 @@
               </a:ln>
               <a:extLst>
                 <a:ext uri="{91240B29-F687-4f45-9708-019B960494DF}">
-                  <a14:hiddenLine xmlns:a14="http://schemas.microsoft.com/office/drawing/2010/main" xmlns="" w="9525">
+                  <a14:hiddenLine xmlns="" xmlns:a14="http://schemas.microsoft.com/office/drawing/2010/main" w="9525">
                     <a:solidFill>
                       <a:srgbClr val="000000"/>
                     </a:solidFill>
@@ -9235,7 +9235,7 @@
               </a:ln>
               <a:extLst>
                 <a:ext uri="{91240B29-F687-4f45-9708-019B960494DF}">
-                  <a14:hiddenLine xmlns:a14="http://schemas.microsoft.com/office/drawing/2010/main" xmlns="" w="9525">
+                  <a14:hiddenLine xmlns="" xmlns:a14="http://schemas.microsoft.com/office/drawing/2010/main" w="9525">
                     <a:solidFill>
                       <a:srgbClr val="000000"/>
                     </a:solidFill>
@@ -9297,7 +9297,7 @@
               </a:ln>
               <a:extLst>
                 <a:ext uri="{91240B29-F687-4f45-9708-019B960494DF}">
-                  <a14:hiddenLine xmlns:a14="http://schemas.microsoft.com/office/drawing/2010/main" xmlns="" w="9525">
+                  <a14:hiddenLine xmlns="" xmlns:a14="http://schemas.microsoft.com/office/drawing/2010/main" w="9525">
                     <a:solidFill>
                       <a:srgbClr val="000000"/>
                     </a:solidFill>
@@ -9387,7 +9387,7 @@
               </a:ln>
               <a:extLst>
                 <a:ext uri="{91240B29-F687-4f45-9708-019B960494DF}">
-                  <a14:hiddenLine xmlns:a14="http://schemas.microsoft.com/office/drawing/2010/main" xmlns="" w="9525">
+                  <a14:hiddenLine xmlns="" xmlns:a14="http://schemas.microsoft.com/office/drawing/2010/main" w="9525">
                     <a:solidFill>
                       <a:srgbClr val="000000"/>
                     </a:solidFill>
@@ -9449,7 +9449,7 @@
               </a:ln>
               <a:extLst>
                 <a:ext uri="{91240B29-F687-4f45-9708-019B960494DF}">
-                  <a14:hiddenLine xmlns:a14="http://schemas.microsoft.com/office/drawing/2010/main" xmlns="" w="9525">
+                  <a14:hiddenLine xmlns="" xmlns:a14="http://schemas.microsoft.com/office/drawing/2010/main" w="9525">
                     <a:solidFill>
                       <a:srgbClr val="000000"/>
                     </a:solidFill>
@@ -9511,7 +9511,7 @@
               </a:ln>
               <a:extLst>
                 <a:ext uri="{91240B29-F687-4f45-9708-019B960494DF}">
-                  <a14:hiddenLine xmlns:a14="http://schemas.microsoft.com/office/drawing/2010/main" xmlns="" w="9525">
+                  <a14:hiddenLine xmlns="" xmlns:a14="http://schemas.microsoft.com/office/drawing/2010/main" w="9525">
                     <a:solidFill>
                       <a:srgbClr val="000000"/>
                     </a:solidFill>
@@ -9601,7 +9601,7 @@
               </a:ln>
               <a:extLst>
                 <a:ext uri="{91240B29-F687-4f45-9708-019B960494DF}">
-                  <a14:hiddenLine xmlns:a14="http://schemas.microsoft.com/office/drawing/2010/main" xmlns="" w="9525">
+                  <a14:hiddenLine xmlns="" xmlns:a14="http://schemas.microsoft.com/office/drawing/2010/main" w="9525">
                     <a:solidFill>
                       <a:srgbClr val="000000"/>
                     </a:solidFill>
@@ -9691,7 +9691,7 @@
               </a:ln>
               <a:extLst>
                 <a:ext uri="{91240B29-F687-4f45-9708-019B960494DF}">
-                  <a14:hiddenLine xmlns:a14="http://schemas.microsoft.com/office/drawing/2010/main" xmlns="" w="9525">
+                  <a14:hiddenLine xmlns="" xmlns:a14="http://schemas.microsoft.com/office/drawing/2010/main" w="9525">
                     <a:solidFill>
                       <a:srgbClr val="000000"/>
                     </a:solidFill>
@@ -9753,7 +9753,7 @@
               </a:ln>
               <a:extLst>
                 <a:ext uri="{91240B29-F687-4f45-9708-019B960494DF}">
-                  <a14:hiddenLine xmlns:a14="http://schemas.microsoft.com/office/drawing/2010/main" xmlns="" w="9525">
+                  <a14:hiddenLine xmlns="" xmlns:a14="http://schemas.microsoft.com/office/drawing/2010/main" w="9525">
                     <a:solidFill>
                       <a:srgbClr val="000000"/>
                     </a:solidFill>
@@ -9863,7 +9863,7 @@
               </a:ln>
               <a:extLst>
                 <a:ext uri="{91240B29-F687-4f45-9708-019B960494DF}">
-                  <a14:hiddenLine xmlns:a14="http://schemas.microsoft.com/office/drawing/2010/main" xmlns="" w="9525">
+                  <a14:hiddenLine xmlns="" xmlns:a14="http://schemas.microsoft.com/office/drawing/2010/main" w="9525">
                     <a:solidFill>
                       <a:srgbClr val="000000"/>
                     </a:solidFill>
@@ -9947,7 +9947,7 @@
               </a:ln>
               <a:extLst>
                 <a:ext uri="{91240B29-F687-4f45-9708-019B960494DF}">
-                  <a14:hiddenLine xmlns:a14="http://schemas.microsoft.com/office/drawing/2010/main" xmlns="" w="9525">
+                  <a14:hiddenLine xmlns="" xmlns:a14="http://schemas.microsoft.com/office/drawing/2010/main" w="9525">
                     <a:solidFill>
                       <a:srgbClr val="000000"/>
                     </a:solidFill>
@@ -10009,7 +10009,7 @@
               </a:ln>
               <a:extLst>
                 <a:ext uri="{91240B29-F687-4f45-9708-019B960494DF}">
-                  <a14:hiddenLine xmlns:a14="http://schemas.microsoft.com/office/drawing/2010/main" xmlns="" w="9525">
+                  <a14:hiddenLine xmlns="" xmlns:a14="http://schemas.microsoft.com/office/drawing/2010/main" w="9525">
                     <a:solidFill>
                       <a:srgbClr val="000000"/>
                     </a:solidFill>
@@ -10071,7 +10071,7 @@
               </a:ln>
               <a:extLst>
                 <a:ext uri="{91240B29-F687-4f45-9708-019B960494DF}">
-                  <a14:hiddenLine xmlns:a14="http://schemas.microsoft.com/office/drawing/2010/main" xmlns="" w="9525">
+                  <a14:hiddenLine xmlns="" xmlns:a14="http://schemas.microsoft.com/office/drawing/2010/main" w="9525">
                     <a:solidFill>
                       <a:srgbClr val="000000"/>
                     </a:solidFill>
@@ -10161,7 +10161,7 @@
               </a:ln>
               <a:extLst>
                 <a:ext uri="{91240B29-F687-4f45-9708-019B960494DF}">
-                  <a14:hiddenLine xmlns:a14="http://schemas.microsoft.com/office/drawing/2010/main" xmlns="" w="9525">
+                  <a14:hiddenLine xmlns="" xmlns:a14="http://schemas.microsoft.com/office/drawing/2010/main" w="9525">
                     <a:solidFill>
                       <a:srgbClr val="000000"/>
                     </a:solidFill>
@@ -10195,7 +10195,7 @@
               </a:ln>
               <a:extLst>
                 <a:ext uri="{91240B29-F687-4f45-9708-019B960494DF}">
-                  <a14:hiddenLine xmlns:a14="http://schemas.microsoft.com/office/drawing/2010/main" xmlns="" w="9525">
+                  <a14:hiddenLine xmlns="" xmlns:a14="http://schemas.microsoft.com/office/drawing/2010/main" w="9525">
                     <a:solidFill>
                       <a:srgbClr val="000000"/>
                     </a:solidFill>
@@ -10260,7 +10260,7 @@
               </a:ln>
               <a:extLst>
                 <a:ext uri="{91240B29-F687-4f45-9708-019B960494DF}">
-                  <a14:hiddenLine xmlns:a14="http://schemas.microsoft.com/office/drawing/2010/main" xmlns="" w="9525">
+                  <a14:hiddenLine xmlns="" xmlns:a14="http://schemas.microsoft.com/office/drawing/2010/main" w="9525">
                     <a:solidFill>
                       <a:srgbClr val="000000"/>
                     </a:solidFill>
@@ -10350,7 +10350,7 @@
               </a:ln>
               <a:extLst>
                 <a:ext uri="{91240B29-F687-4f45-9708-019B960494DF}">
-                  <a14:hiddenLine xmlns:a14="http://schemas.microsoft.com/office/drawing/2010/main" xmlns="" w="9525">
+                  <a14:hiddenLine xmlns="" xmlns:a14="http://schemas.microsoft.com/office/drawing/2010/main" w="9525">
                     <a:solidFill>
                       <a:srgbClr val="000000"/>
                     </a:solidFill>
@@ -10412,7 +10412,7 @@
               </a:ln>
               <a:extLst>
                 <a:ext uri="{91240B29-F687-4f45-9708-019B960494DF}">
-                  <a14:hiddenLine xmlns:a14="http://schemas.microsoft.com/office/drawing/2010/main" xmlns="" w="9525">
+                  <a14:hiddenLine xmlns="" xmlns:a14="http://schemas.microsoft.com/office/drawing/2010/main" w="9525">
                     <a:solidFill>
                       <a:srgbClr val="000000"/>
                     </a:solidFill>
@@ -10502,7 +10502,7 @@
               </a:ln>
               <a:extLst>
                 <a:ext uri="{91240B29-F687-4f45-9708-019B960494DF}">
-                  <a14:hiddenLine xmlns:a14="http://schemas.microsoft.com/office/drawing/2010/main" xmlns="" w="9525">
+                  <a14:hiddenLine xmlns="" xmlns:a14="http://schemas.microsoft.com/office/drawing/2010/main" w="9525">
                     <a:solidFill>
                       <a:srgbClr val="000000"/>
                     </a:solidFill>
@@ -10567,7 +10567,7 @@
               </a:ln>
               <a:extLst>
                 <a:ext uri="{91240B29-F687-4f45-9708-019B960494DF}">
-                  <a14:hiddenLine xmlns:a14="http://schemas.microsoft.com/office/drawing/2010/main" xmlns="" w="9525">
+                  <a14:hiddenLine xmlns="" xmlns:a14="http://schemas.microsoft.com/office/drawing/2010/main" w="9525">
                     <a:solidFill>
                       <a:srgbClr val="000000"/>
                     </a:solidFill>
@@ -10629,7 +10629,7 @@
               </a:ln>
               <a:extLst>
                 <a:ext uri="{91240B29-F687-4f45-9708-019B960494DF}">
-                  <a14:hiddenLine xmlns:a14="http://schemas.microsoft.com/office/drawing/2010/main" xmlns="" w="9525">
+                  <a14:hiddenLine xmlns="" xmlns:a14="http://schemas.microsoft.com/office/drawing/2010/main" w="9525">
                     <a:solidFill>
                       <a:srgbClr val="000000"/>
                     </a:solidFill>
@@ -10719,7 +10719,7 @@
               </a:ln>
               <a:extLst>
                 <a:ext uri="{91240B29-F687-4f45-9708-019B960494DF}">
-                  <a14:hiddenLine xmlns:a14="http://schemas.microsoft.com/office/drawing/2010/main" xmlns="" w="9525">
+                  <a14:hiddenLine xmlns="" xmlns:a14="http://schemas.microsoft.com/office/drawing/2010/main" w="9525">
                     <a:solidFill>
                       <a:srgbClr val="000000"/>
                     </a:solidFill>
@@ -10809,7 +10809,7 @@
               </a:ln>
               <a:extLst>
                 <a:ext uri="{91240B29-F687-4f45-9708-019B960494DF}">
-                  <a14:hiddenLine xmlns:a14="http://schemas.microsoft.com/office/drawing/2010/main" xmlns="" w="9525">
+                  <a14:hiddenLine xmlns="" xmlns:a14="http://schemas.microsoft.com/office/drawing/2010/main" w="9525">
                     <a:solidFill>
                       <a:srgbClr val="000000"/>
                     </a:solidFill>
@@ -10874,7 +10874,7 @@
               </a:ln>
               <a:extLst>
                 <a:ext uri="{91240B29-F687-4f45-9708-019B960494DF}">
-                  <a14:hiddenLine xmlns:a14="http://schemas.microsoft.com/office/drawing/2010/main" xmlns="" w="9525">
+                  <a14:hiddenLine xmlns="" xmlns:a14="http://schemas.microsoft.com/office/drawing/2010/main" w="9525">
                     <a:solidFill>
                       <a:srgbClr val="000000"/>
                     </a:solidFill>
@@ -10994,7 +10994,7 @@
               </a:ln>
               <a:extLst>
                 <a:ext uri="{91240B29-F687-4f45-9708-019B960494DF}">
-                  <a14:hiddenLine xmlns:a14="http://schemas.microsoft.com/office/drawing/2010/main" xmlns="" w="9525">
+                  <a14:hiddenLine xmlns="" xmlns:a14="http://schemas.microsoft.com/office/drawing/2010/main" w="9525">
                     <a:solidFill>
                       <a:srgbClr val="000000"/>
                     </a:solidFill>
@@ -11092,7 +11092,7 @@
               </a:ln>
               <a:extLst>
                 <a:ext uri="{91240B29-F687-4f45-9708-019B960494DF}">
-                  <a14:hiddenLine xmlns:a14="http://schemas.microsoft.com/office/drawing/2010/main" xmlns="" w="9525">
+                  <a14:hiddenLine xmlns="" xmlns:a14="http://schemas.microsoft.com/office/drawing/2010/main" w="9525">
                     <a:solidFill>
                       <a:srgbClr val="000000"/>
                     </a:solidFill>
@@ -11207,7 +11207,7 @@
               </a:ln>
               <a:extLst>
                 <a:ext uri="{91240B29-F687-4f45-9708-019B960494DF}">
-                  <a14:hiddenLine xmlns:a14="http://schemas.microsoft.com/office/drawing/2010/main" xmlns="" w="9525">
+                  <a14:hiddenLine xmlns="" xmlns:a14="http://schemas.microsoft.com/office/drawing/2010/main" w="9525">
                     <a:solidFill>
                       <a:srgbClr val="000000"/>
                     </a:solidFill>
@@ -11297,7 +11297,7 @@
               </a:ln>
               <a:extLst>
                 <a:ext uri="{91240B29-F687-4f45-9708-019B960494DF}">
-                  <a14:hiddenLine xmlns:a14="http://schemas.microsoft.com/office/drawing/2010/main" xmlns="" w="9525">
+                  <a14:hiddenLine xmlns="" xmlns:a14="http://schemas.microsoft.com/office/drawing/2010/main" w="9525">
                     <a:solidFill>
                       <a:srgbClr val="000000"/>
                     </a:solidFill>
@@ -11362,7 +11362,7 @@
               </a:ln>
               <a:extLst>
                 <a:ext uri="{91240B29-F687-4f45-9708-019B960494DF}">
-                  <a14:hiddenLine xmlns:a14="http://schemas.microsoft.com/office/drawing/2010/main" xmlns="" w="9525">
+                  <a14:hiddenLine xmlns="" xmlns:a14="http://schemas.microsoft.com/office/drawing/2010/main" w="9525">
                     <a:solidFill>
                       <a:srgbClr val="000000"/>
                     </a:solidFill>
@@ -11452,7 +11452,7 @@
               </a:ln>
               <a:extLst>
                 <a:ext uri="{91240B29-F687-4f45-9708-019B960494DF}">
-                  <a14:hiddenLine xmlns:a14="http://schemas.microsoft.com/office/drawing/2010/main" xmlns="" w="9525">
+                  <a14:hiddenLine xmlns="" xmlns:a14="http://schemas.microsoft.com/office/drawing/2010/main" w="9525">
                     <a:solidFill>
                       <a:srgbClr val="000000"/>
                     </a:solidFill>
@@ -11520,7 +11520,7 @@
               </a:ln>
               <a:extLst>
                 <a:ext uri="{91240B29-F687-4f45-9708-019B960494DF}">
-                  <a14:hiddenLine xmlns:a14="http://schemas.microsoft.com/office/drawing/2010/main" xmlns="" w="9525">
+                  <a14:hiddenLine xmlns="" xmlns:a14="http://schemas.microsoft.com/office/drawing/2010/main" w="9525">
                     <a:solidFill>
                       <a:srgbClr val="000000"/>
                     </a:solidFill>
@@ -11610,7 +11610,7 @@
               </a:ln>
               <a:extLst>
                 <a:ext uri="{91240B29-F687-4f45-9708-019B960494DF}">
-                  <a14:hiddenLine xmlns:a14="http://schemas.microsoft.com/office/drawing/2010/main" xmlns="" w="9525">
+                  <a14:hiddenLine xmlns="" xmlns:a14="http://schemas.microsoft.com/office/drawing/2010/main" w="9525">
                     <a:solidFill>
                       <a:srgbClr val="000000"/>
                     </a:solidFill>
@@ -11678,7 +11678,7 @@
               </a:ln>
               <a:extLst>
                 <a:ext uri="{91240B29-F687-4f45-9708-019B960494DF}">
-                  <a14:hiddenLine xmlns:a14="http://schemas.microsoft.com/office/drawing/2010/main" xmlns="" w="9525">
+                  <a14:hiddenLine xmlns="" xmlns:a14="http://schemas.microsoft.com/office/drawing/2010/main" w="9525">
                     <a:solidFill>
                       <a:srgbClr val="000000"/>
                     </a:solidFill>
@@ -11768,7 +11768,7 @@
               </a:ln>
               <a:extLst>
                 <a:ext uri="{91240B29-F687-4f45-9708-019B960494DF}">
-                  <a14:hiddenLine xmlns:a14="http://schemas.microsoft.com/office/drawing/2010/main" xmlns="" w="9525">
+                  <a14:hiddenLine xmlns="" xmlns:a14="http://schemas.microsoft.com/office/drawing/2010/main" w="9525">
                     <a:solidFill>
                       <a:srgbClr val="000000"/>
                     </a:solidFill>
@@ -11802,7 +11802,7 @@
               </a:ln>
               <a:extLst>
                 <a:ext uri="{91240B29-F687-4f45-9708-019B960494DF}">
-                  <a14:hiddenLine xmlns:a14="http://schemas.microsoft.com/office/drawing/2010/main" xmlns="" w="9525">
+                  <a14:hiddenLine xmlns="" xmlns:a14="http://schemas.microsoft.com/office/drawing/2010/main" w="9525">
                     <a:solidFill>
                       <a:srgbClr val="000000"/>
                     </a:solidFill>
@@ -12440,18 +12440,41 @@
         </p:nvSpPr>
         <p:spPr>
           <a:xfrm>
-            <a:off x="8977745" y="6047023"/>
-            <a:ext cx="3036126" cy="570015"/>
+            <a:off x="8977745" y="5700157"/>
+            <a:ext cx="3036126" cy="916882"/>
           </a:xfrm>
         </p:spPr>
         <p:txBody>
-          <a:bodyPr/>
+          <a:bodyPr>
+            <a:normAutofit lnSpcReduction="10000"/>
+          </a:bodyPr>
           <a:lstStyle/>
           <a:p>
             <a:r>
               <a:rPr lang="en-US" cap="none" dirty="0"/>
               <a:t>By Mark Torrens</a:t>
             </a:r>
+          </a:p>
+          <a:p>
+            <a:r>
+              <a:rPr lang="en-GB" cap="none" dirty="0">
+                <a:hlinkClick r:id="rId3"/>
+              </a:rPr>
+              <a:t>https://</a:t>
+            </a:r>
+            <a:r>
+              <a:rPr lang="en-GB" cap="none" dirty="0" err="1">
+                <a:hlinkClick r:id="rId3"/>
+              </a:rPr>
+              <a:t>goo.gl</a:t>
+            </a:r>
+            <a:r>
+              <a:rPr lang="en-GB" cap="none" dirty="0">
+                <a:hlinkClick r:id="rId3"/>
+              </a:rPr>
+              <a:t>/e7HLiK</a:t>
+            </a:r>
+            <a:endParaRPr lang="en-US" cap="none" dirty="0"/>
           </a:p>
           <a:p>
             <a:endParaRPr lang="en-US" dirty="0"/>

--- a/kainosSteg.pptx
+++ b/kainosSteg.pptx
@@ -1,9 +1,12 @@
 
 <file path=ppt/presentation.xml><?xml version="1.0" encoding="utf-8"?>
-<p:presentation xmlns:a="http://schemas.openxmlformats.org/drawingml/2006/main" xmlns:r="http://schemas.openxmlformats.org/officeDocument/2006/relationships" xmlns:p="http://schemas.openxmlformats.org/presentationml/2006/main" autoCompressPictures="0">
+<p:presentation xmlns:a="http://schemas.openxmlformats.org/drawingml/2006/main" xmlns:r="http://schemas.openxmlformats.org/officeDocument/2006/relationships" xmlns:p="http://schemas.openxmlformats.org/presentationml/2006/main" showSpecialPlsOnTitleSld="0" autoCompressPictures="0">
   <p:sldMasterIdLst>
     <p:sldMasterId id="2147483648" r:id="rId1"/>
   </p:sldMasterIdLst>
+  <p:notesMasterIdLst>
+    <p:notesMasterId r:id="rId14"/>
+  </p:notesMasterIdLst>
   <p:sldIdLst>
     <p:sldId id="256" r:id="rId2"/>
     <p:sldId id="259" r:id="rId3"/>
@@ -123,6 +126,355 @@
 </p:presentation>
 </file>
 
+<file path=ppt/notesMasters/notesMaster1.xml><?xml version="1.0" encoding="utf-8"?>
+<p:notesMaster xmlns:a="http://schemas.openxmlformats.org/drawingml/2006/main" xmlns:r="http://schemas.openxmlformats.org/officeDocument/2006/relationships" xmlns:p="http://schemas.openxmlformats.org/presentationml/2006/main">
+  <p:cSld>
+    <p:bg>
+      <p:bgRef idx="1001">
+        <a:schemeClr val="bg1"/>
+      </p:bgRef>
+    </p:bg>
+    <p:spTree>
+      <p:nvGrpSpPr>
+        <p:cNvPr id="1" name=""/>
+        <p:cNvGrpSpPr/>
+        <p:nvPr/>
+      </p:nvGrpSpPr>
+      <p:grpSpPr>
+        <a:xfrm>
+          <a:off x="0" y="0"/>
+          <a:ext cx="0" cy="0"/>
+          <a:chOff x="0" y="0"/>
+          <a:chExt cx="0" cy="0"/>
+        </a:xfrm>
+      </p:grpSpPr>
+      <p:sp>
+        <p:nvSpPr>
+          <p:cNvPr id="2" name="Header Placeholder 1"/>
+          <p:cNvSpPr>
+            <a:spLocks noGrp="1"/>
+          </p:cNvSpPr>
+          <p:nvPr>
+            <p:ph type="hdr" sz="quarter"/>
+          </p:nvPr>
+        </p:nvSpPr>
+        <p:spPr>
+          <a:xfrm>
+            <a:off x="0" y="0"/>
+            <a:ext cx="2971800" cy="458788"/>
+          </a:xfrm>
+          <a:prstGeom prst="rect">
+            <a:avLst/>
+          </a:prstGeom>
+        </p:spPr>
+        <p:txBody>
+          <a:bodyPr vert="horz" lIns="91440" tIns="45720" rIns="91440" bIns="45720" rtlCol="0"/>
+          <a:lstStyle>
+            <a:lvl1pPr algn="l">
+              <a:defRPr sz="1200"/>
+            </a:lvl1pPr>
+          </a:lstStyle>
+          <a:p>
+            <a:endParaRPr lang="en-US"/>
+          </a:p>
+        </p:txBody>
+      </p:sp>
+      <p:sp>
+        <p:nvSpPr>
+          <p:cNvPr id="3" name="Date Placeholder 2"/>
+          <p:cNvSpPr>
+            <a:spLocks noGrp="1"/>
+          </p:cNvSpPr>
+          <p:nvPr>
+            <p:ph type="dt" idx="1"/>
+          </p:nvPr>
+        </p:nvSpPr>
+        <p:spPr>
+          <a:xfrm>
+            <a:off x="3884613" y="0"/>
+            <a:ext cx="2971800" cy="458788"/>
+          </a:xfrm>
+          <a:prstGeom prst="rect">
+            <a:avLst/>
+          </a:prstGeom>
+        </p:spPr>
+        <p:txBody>
+          <a:bodyPr vert="horz" lIns="91440" tIns="45720" rIns="91440" bIns="45720" rtlCol="0"/>
+          <a:lstStyle>
+            <a:lvl1pPr algn="r">
+              <a:defRPr sz="1200"/>
+            </a:lvl1pPr>
+          </a:lstStyle>
+          <a:p>
+            <a:fld id="{38802A40-7C21-F942-8653-C2194C12E3D8}" type="datetimeFigureOut">
+              <a:rPr lang="en-US" smtClean="0"/>
+              <a:t>3/29/18</a:t>
+            </a:fld>
+            <a:endParaRPr lang="en-US"/>
+          </a:p>
+        </p:txBody>
+      </p:sp>
+      <p:sp>
+        <p:nvSpPr>
+          <p:cNvPr id="4" name="Slide Image Placeholder 3"/>
+          <p:cNvSpPr>
+            <a:spLocks noGrp="1" noRot="1" noChangeAspect="1"/>
+          </p:cNvSpPr>
+          <p:nvPr>
+            <p:ph type="sldImg" idx="2"/>
+          </p:nvPr>
+        </p:nvSpPr>
+        <p:spPr>
+          <a:xfrm>
+            <a:off x="685800" y="1143000"/>
+            <a:ext cx="5486400" cy="3086100"/>
+          </a:xfrm>
+          <a:prstGeom prst="rect">
+            <a:avLst/>
+          </a:prstGeom>
+          <a:noFill/>
+          <a:ln w="12700">
+            <a:solidFill>
+              <a:prstClr val="black"/>
+            </a:solidFill>
+          </a:ln>
+        </p:spPr>
+        <p:txBody>
+          <a:bodyPr vert="horz" lIns="91440" tIns="45720" rIns="91440" bIns="45720" rtlCol="0" anchor="ctr"/>
+          <a:lstStyle/>
+          <a:p>
+            <a:endParaRPr lang="en-US"/>
+          </a:p>
+        </p:txBody>
+      </p:sp>
+      <p:sp>
+        <p:nvSpPr>
+          <p:cNvPr id="5" name="Notes Placeholder 4"/>
+          <p:cNvSpPr>
+            <a:spLocks noGrp="1"/>
+          </p:cNvSpPr>
+          <p:nvPr>
+            <p:ph type="body" sz="quarter" idx="3"/>
+          </p:nvPr>
+        </p:nvSpPr>
+        <p:spPr>
+          <a:xfrm>
+            <a:off x="685800" y="4400550"/>
+            <a:ext cx="5486400" cy="3600450"/>
+          </a:xfrm>
+          <a:prstGeom prst="rect">
+            <a:avLst/>
+          </a:prstGeom>
+        </p:spPr>
+        <p:txBody>
+          <a:bodyPr vert="horz" lIns="91440" tIns="45720" rIns="91440" bIns="45720" rtlCol="0"/>
+          <a:lstStyle/>
+          <a:p>
+            <a:pPr lvl="0"/>
+            <a:r>
+              <a:rPr lang="en-US"/>
+              <a:t>Edit Master text styles</a:t>
+            </a:r>
+          </a:p>
+          <a:p>
+            <a:pPr lvl="1"/>
+            <a:r>
+              <a:rPr lang="en-US"/>
+              <a:t>Second level</a:t>
+            </a:r>
+          </a:p>
+          <a:p>
+            <a:pPr lvl="2"/>
+            <a:r>
+              <a:rPr lang="en-US"/>
+              <a:t>Third level</a:t>
+            </a:r>
+          </a:p>
+          <a:p>
+            <a:pPr lvl="3"/>
+            <a:r>
+              <a:rPr lang="en-US"/>
+              <a:t>Fourth level</a:t>
+            </a:r>
+          </a:p>
+          <a:p>
+            <a:pPr lvl="4"/>
+            <a:r>
+              <a:rPr lang="en-US"/>
+              <a:t>Fifth level</a:t>
+            </a:r>
+          </a:p>
+        </p:txBody>
+      </p:sp>
+      <p:sp>
+        <p:nvSpPr>
+          <p:cNvPr id="6" name="Footer Placeholder 5"/>
+          <p:cNvSpPr>
+            <a:spLocks noGrp="1"/>
+          </p:cNvSpPr>
+          <p:nvPr>
+            <p:ph type="ftr" sz="quarter" idx="4"/>
+          </p:nvPr>
+        </p:nvSpPr>
+        <p:spPr>
+          <a:xfrm>
+            <a:off x="0" y="8685213"/>
+            <a:ext cx="2971800" cy="458787"/>
+          </a:xfrm>
+          <a:prstGeom prst="rect">
+            <a:avLst/>
+          </a:prstGeom>
+        </p:spPr>
+        <p:txBody>
+          <a:bodyPr vert="horz" lIns="91440" tIns="45720" rIns="91440" bIns="45720" rtlCol="0" anchor="b"/>
+          <a:lstStyle>
+            <a:lvl1pPr algn="l">
+              <a:defRPr sz="1200"/>
+            </a:lvl1pPr>
+          </a:lstStyle>
+          <a:p>
+            <a:endParaRPr lang="en-US"/>
+          </a:p>
+        </p:txBody>
+      </p:sp>
+      <p:sp>
+        <p:nvSpPr>
+          <p:cNvPr id="7" name="Slide Number Placeholder 6"/>
+          <p:cNvSpPr>
+            <a:spLocks noGrp="1"/>
+          </p:cNvSpPr>
+          <p:nvPr>
+            <p:ph type="sldNum" sz="quarter" idx="5"/>
+          </p:nvPr>
+        </p:nvSpPr>
+        <p:spPr>
+          <a:xfrm>
+            <a:off x="3884613" y="8685213"/>
+            <a:ext cx="2971800" cy="458787"/>
+          </a:xfrm>
+          <a:prstGeom prst="rect">
+            <a:avLst/>
+          </a:prstGeom>
+        </p:spPr>
+        <p:txBody>
+          <a:bodyPr vert="horz" lIns="91440" tIns="45720" rIns="91440" bIns="45720" rtlCol="0" anchor="b"/>
+          <a:lstStyle>
+            <a:lvl1pPr algn="r">
+              <a:defRPr sz="1200"/>
+            </a:lvl1pPr>
+          </a:lstStyle>
+          <a:p>
+            <a:fld id="{BEC0FBBC-95C4-4E4D-954B-418FEE861FC8}" type="slidenum">
+              <a:rPr lang="en-US" smtClean="0"/>
+              <a:t>‹#›</a:t>
+            </a:fld>
+            <a:endParaRPr lang="en-US"/>
+          </a:p>
+        </p:txBody>
+      </p:sp>
+    </p:spTree>
+    <p:extLst>
+      <p:ext uri="{BB962C8B-B14F-4D97-AF65-F5344CB8AC3E}">
+        <p14:creationId xmlns:p14="http://schemas.microsoft.com/office/powerpoint/2010/main" val="240354351"/>
+      </p:ext>
+    </p:extLst>
+  </p:cSld>
+  <p:clrMap bg1="lt1" tx1="dk1" bg2="lt2" tx2="dk2" accent1="accent1" accent2="accent2" accent3="accent3" accent4="accent4" accent5="accent5" accent6="accent6" hlink="hlink" folHlink="folHlink"/>
+  <p:notesStyle>
+    <a:lvl1pPr marL="0" algn="l" defTabSz="914400" rtl="0" eaLnBrk="1" latinLnBrk="0" hangingPunct="1">
+      <a:defRPr sz="1200" kern="1200">
+        <a:solidFill>
+          <a:schemeClr val="tx1"/>
+        </a:solidFill>
+        <a:latin typeface="+mn-lt"/>
+        <a:ea typeface="+mn-ea"/>
+        <a:cs typeface="+mn-cs"/>
+      </a:defRPr>
+    </a:lvl1pPr>
+    <a:lvl2pPr marL="457200" algn="l" defTabSz="914400" rtl="0" eaLnBrk="1" latinLnBrk="0" hangingPunct="1">
+      <a:defRPr sz="1200" kern="1200">
+        <a:solidFill>
+          <a:schemeClr val="tx1"/>
+        </a:solidFill>
+        <a:latin typeface="+mn-lt"/>
+        <a:ea typeface="+mn-ea"/>
+        <a:cs typeface="+mn-cs"/>
+      </a:defRPr>
+    </a:lvl2pPr>
+    <a:lvl3pPr marL="914400" algn="l" defTabSz="914400" rtl="0" eaLnBrk="1" latinLnBrk="0" hangingPunct="1">
+      <a:defRPr sz="1200" kern="1200">
+        <a:solidFill>
+          <a:schemeClr val="tx1"/>
+        </a:solidFill>
+        <a:latin typeface="+mn-lt"/>
+        <a:ea typeface="+mn-ea"/>
+        <a:cs typeface="+mn-cs"/>
+      </a:defRPr>
+    </a:lvl3pPr>
+    <a:lvl4pPr marL="1371600" algn="l" defTabSz="914400" rtl="0" eaLnBrk="1" latinLnBrk="0" hangingPunct="1">
+      <a:defRPr sz="1200" kern="1200">
+        <a:solidFill>
+          <a:schemeClr val="tx1"/>
+        </a:solidFill>
+        <a:latin typeface="+mn-lt"/>
+        <a:ea typeface="+mn-ea"/>
+        <a:cs typeface="+mn-cs"/>
+      </a:defRPr>
+    </a:lvl4pPr>
+    <a:lvl5pPr marL="1828800" algn="l" defTabSz="914400" rtl="0" eaLnBrk="1" latinLnBrk="0" hangingPunct="1">
+      <a:defRPr sz="1200" kern="1200">
+        <a:solidFill>
+          <a:schemeClr val="tx1"/>
+        </a:solidFill>
+        <a:latin typeface="+mn-lt"/>
+        <a:ea typeface="+mn-ea"/>
+        <a:cs typeface="+mn-cs"/>
+      </a:defRPr>
+    </a:lvl5pPr>
+    <a:lvl6pPr marL="2286000" algn="l" defTabSz="914400" rtl="0" eaLnBrk="1" latinLnBrk="0" hangingPunct="1">
+      <a:defRPr sz="1200" kern="1200">
+        <a:solidFill>
+          <a:schemeClr val="tx1"/>
+        </a:solidFill>
+        <a:latin typeface="+mn-lt"/>
+        <a:ea typeface="+mn-ea"/>
+        <a:cs typeface="+mn-cs"/>
+      </a:defRPr>
+    </a:lvl6pPr>
+    <a:lvl7pPr marL="2743200" algn="l" defTabSz="914400" rtl="0" eaLnBrk="1" latinLnBrk="0" hangingPunct="1">
+      <a:defRPr sz="1200" kern="1200">
+        <a:solidFill>
+          <a:schemeClr val="tx1"/>
+        </a:solidFill>
+        <a:latin typeface="+mn-lt"/>
+        <a:ea typeface="+mn-ea"/>
+        <a:cs typeface="+mn-cs"/>
+      </a:defRPr>
+    </a:lvl7pPr>
+    <a:lvl8pPr marL="3200400" algn="l" defTabSz="914400" rtl="0" eaLnBrk="1" latinLnBrk="0" hangingPunct="1">
+      <a:defRPr sz="1200" kern="1200">
+        <a:solidFill>
+          <a:schemeClr val="tx1"/>
+        </a:solidFill>
+        <a:latin typeface="+mn-lt"/>
+        <a:ea typeface="+mn-ea"/>
+        <a:cs typeface="+mn-cs"/>
+      </a:defRPr>
+    </a:lvl8pPr>
+    <a:lvl9pPr marL="3657600" algn="l" defTabSz="914400" rtl="0" eaLnBrk="1" latinLnBrk="0" hangingPunct="1">
+      <a:defRPr sz="1200" kern="1200">
+        <a:solidFill>
+          <a:schemeClr val="tx1"/>
+        </a:solidFill>
+        <a:latin typeface="+mn-lt"/>
+        <a:ea typeface="+mn-ea"/>
+        <a:cs typeface="+mn-cs"/>
+      </a:defRPr>
+    </a:lvl9pPr>
+  </p:notesStyle>
+</p:notesMaster>
+</file>
+
 <file path=ppt/slideLayouts/slideLayout1.xml><?xml version="1.0" encoding="utf-8"?>
 <p:sldLayout xmlns:a="http://schemas.openxmlformats.org/drawingml/2006/main" xmlns:r="http://schemas.openxmlformats.org/officeDocument/2006/relationships" xmlns:p="http://schemas.openxmlformats.org/presentationml/2006/main" showMasterSp="0" type="title" preserve="1">
   <p:cSld name="Title Slide">
@@ -173,7 +525,7 @@
           <a:noFill/>
           <a:extLst>
             <a:ext uri="{909E8E84-426E-40dd-AFC4-6F175D3DCCD1}">
-              <a14:hiddenFill xmlns="" xmlns:a14="http://schemas.microsoft.com/office/drawing/2010/main">
+              <a14:hiddenFill xmlns:a14="http://schemas.microsoft.com/office/drawing/2010/main" xmlns="">
                 <a:solidFill>
                   <a:srgbClr val="FFFFFF"/>
                 </a:solidFill>
@@ -233,7 +585,7 @@
             </a:ln>
             <a:extLst>
               <a:ext uri="{91240B29-F687-4f45-9708-019B960494DF}">
-                <a14:hiddenLine xmlns="" xmlns:a14="http://schemas.microsoft.com/office/drawing/2010/main" w="9525">
+                <a14:hiddenLine xmlns:a14="http://schemas.microsoft.com/office/drawing/2010/main" xmlns="" w="9525">
                   <a:solidFill>
                     <a:srgbClr val="000000"/>
                   </a:solidFill>
@@ -323,7 +675,7 @@
             </a:ln>
             <a:extLst>
               <a:ext uri="{91240B29-F687-4f45-9708-019B960494DF}">
-                <a14:hiddenLine xmlns="" xmlns:a14="http://schemas.microsoft.com/office/drawing/2010/main" w="9525">
+                <a14:hiddenLine xmlns:a14="http://schemas.microsoft.com/office/drawing/2010/main" xmlns="" w="9525">
                   <a:solidFill>
                     <a:srgbClr val="000000"/>
                   </a:solidFill>
@@ -413,7 +765,7 @@
             </a:ln>
             <a:extLst>
               <a:ext uri="{91240B29-F687-4f45-9708-019B960494DF}">
-                <a14:hiddenLine xmlns="" xmlns:a14="http://schemas.microsoft.com/office/drawing/2010/main" w="9525">
+                <a14:hiddenLine xmlns:a14="http://schemas.microsoft.com/office/drawing/2010/main" xmlns="" w="9525">
                   <a:solidFill>
                     <a:srgbClr val="000000"/>
                   </a:solidFill>
@@ -447,7 +799,7 @@
             </a:ln>
             <a:extLst>
               <a:ext uri="{91240B29-F687-4f45-9708-019B960494DF}">
-                <a14:hiddenLine xmlns="" xmlns:a14="http://schemas.microsoft.com/office/drawing/2010/main" w="9525">
+                <a14:hiddenLine xmlns:a14="http://schemas.microsoft.com/office/drawing/2010/main" xmlns="" w="9525">
                   <a:solidFill>
                     <a:srgbClr val="000000"/>
                   </a:solidFill>
@@ -537,7 +889,7 @@
             </a:ln>
             <a:extLst>
               <a:ext uri="{91240B29-F687-4f45-9708-019B960494DF}">
-                <a14:hiddenLine xmlns="" xmlns:a14="http://schemas.microsoft.com/office/drawing/2010/main" w="9525">
+                <a14:hiddenLine xmlns:a14="http://schemas.microsoft.com/office/drawing/2010/main" xmlns="" w="9525">
                   <a:solidFill>
                     <a:srgbClr val="000000"/>
                   </a:solidFill>
@@ -599,7 +951,7 @@
             </a:ln>
             <a:extLst>
               <a:ext uri="{91240B29-F687-4f45-9708-019B960494DF}">
-                <a14:hiddenLine xmlns="" xmlns:a14="http://schemas.microsoft.com/office/drawing/2010/main" w="9525">
+                <a14:hiddenLine xmlns:a14="http://schemas.microsoft.com/office/drawing/2010/main" xmlns="" w="9525">
                   <a:solidFill>
                     <a:srgbClr val="000000"/>
                   </a:solidFill>
@@ -661,7 +1013,7 @@
             </a:ln>
             <a:extLst>
               <a:ext uri="{91240B29-F687-4f45-9708-019B960494DF}">
-                <a14:hiddenLine xmlns="" xmlns:a14="http://schemas.microsoft.com/office/drawing/2010/main" w="9525">
+                <a14:hiddenLine xmlns:a14="http://schemas.microsoft.com/office/drawing/2010/main" xmlns="" w="9525">
                   <a:solidFill>
                     <a:srgbClr val="000000"/>
                   </a:solidFill>
@@ -751,7 +1103,7 @@
             </a:ln>
             <a:extLst>
               <a:ext uri="{91240B29-F687-4f45-9708-019B960494DF}">
-                <a14:hiddenLine xmlns="" xmlns:a14="http://schemas.microsoft.com/office/drawing/2010/main" w="9525">
+                <a14:hiddenLine xmlns:a14="http://schemas.microsoft.com/office/drawing/2010/main" xmlns="" w="9525">
                   <a:solidFill>
                     <a:srgbClr val="000000"/>
                   </a:solidFill>
@@ -813,7 +1165,7 @@
             </a:ln>
             <a:extLst>
               <a:ext uri="{91240B29-F687-4f45-9708-019B960494DF}">
-                <a14:hiddenLine xmlns="" xmlns:a14="http://schemas.microsoft.com/office/drawing/2010/main" w="9525">
+                <a14:hiddenLine xmlns:a14="http://schemas.microsoft.com/office/drawing/2010/main" xmlns="" w="9525">
                   <a:solidFill>
                     <a:srgbClr val="000000"/>
                   </a:solidFill>
@@ -875,7 +1227,7 @@
             </a:ln>
             <a:extLst>
               <a:ext uri="{91240B29-F687-4f45-9708-019B960494DF}">
-                <a14:hiddenLine xmlns="" xmlns:a14="http://schemas.microsoft.com/office/drawing/2010/main" w="9525">
+                <a14:hiddenLine xmlns:a14="http://schemas.microsoft.com/office/drawing/2010/main" xmlns="" w="9525">
                   <a:solidFill>
                     <a:srgbClr val="000000"/>
                   </a:solidFill>
@@ -965,7 +1317,7 @@
             </a:ln>
             <a:extLst>
               <a:ext uri="{91240B29-F687-4f45-9708-019B960494DF}">
-                <a14:hiddenLine xmlns="" xmlns:a14="http://schemas.microsoft.com/office/drawing/2010/main" w="9525">
+                <a14:hiddenLine xmlns:a14="http://schemas.microsoft.com/office/drawing/2010/main" xmlns="" w="9525">
                   <a:solidFill>
                     <a:srgbClr val="000000"/>
                   </a:solidFill>
@@ -1055,7 +1407,7 @@
             </a:ln>
             <a:extLst>
               <a:ext uri="{91240B29-F687-4f45-9708-019B960494DF}">
-                <a14:hiddenLine xmlns="" xmlns:a14="http://schemas.microsoft.com/office/drawing/2010/main" w="9525">
+                <a14:hiddenLine xmlns:a14="http://schemas.microsoft.com/office/drawing/2010/main" xmlns="" w="9525">
                   <a:solidFill>
                     <a:srgbClr val="000000"/>
                   </a:solidFill>
@@ -1117,7 +1469,7 @@
             </a:ln>
             <a:extLst>
               <a:ext uri="{91240B29-F687-4f45-9708-019B960494DF}">
-                <a14:hiddenLine xmlns="" xmlns:a14="http://schemas.microsoft.com/office/drawing/2010/main" w="9525">
+                <a14:hiddenLine xmlns:a14="http://schemas.microsoft.com/office/drawing/2010/main" xmlns="" w="9525">
                   <a:solidFill>
                     <a:srgbClr val="000000"/>
                   </a:solidFill>
@@ -1227,7 +1579,7 @@
             </a:ln>
             <a:extLst>
               <a:ext uri="{91240B29-F687-4f45-9708-019B960494DF}">
-                <a14:hiddenLine xmlns="" xmlns:a14="http://schemas.microsoft.com/office/drawing/2010/main" w="9525">
+                <a14:hiddenLine xmlns:a14="http://schemas.microsoft.com/office/drawing/2010/main" xmlns="" w="9525">
                   <a:solidFill>
                     <a:srgbClr val="000000"/>
                   </a:solidFill>
@@ -1289,7 +1641,7 @@
             </a:ln>
             <a:extLst>
               <a:ext uri="{91240B29-F687-4f45-9708-019B960494DF}">
-                <a14:hiddenLine xmlns="" xmlns:a14="http://schemas.microsoft.com/office/drawing/2010/main" w="9525">
+                <a14:hiddenLine xmlns:a14="http://schemas.microsoft.com/office/drawing/2010/main" xmlns="" w="9525">
                   <a:solidFill>
                     <a:srgbClr val="000000"/>
                   </a:solidFill>
@@ -1379,7 +1731,7 @@
             </a:ln>
             <a:extLst>
               <a:ext uri="{91240B29-F687-4f45-9708-019B960494DF}">
-                <a14:hiddenLine xmlns="" xmlns:a14="http://schemas.microsoft.com/office/drawing/2010/main" w="9525">
+                <a14:hiddenLine xmlns:a14="http://schemas.microsoft.com/office/drawing/2010/main" xmlns="" w="9525">
                   <a:solidFill>
                     <a:srgbClr val="000000"/>
                   </a:solidFill>
@@ -1469,7 +1821,7 @@
             </a:ln>
             <a:extLst>
               <a:ext uri="{91240B29-F687-4f45-9708-019B960494DF}">
-                <a14:hiddenLine xmlns="" xmlns:a14="http://schemas.microsoft.com/office/drawing/2010/main" w="9525">
+                <a14:hiddenLine xmlns:a14="http://schemas.microsoft.com/office/drawing/2010/main" xmlns="" w="9525">
                   <a:solidFill>
                     <a:srgbClr val="000000"/>
                   </a:solidFill>
@@ -1531,7 +1883,7 @@
             </a:ln>
             <a:extLst>
               <a:ext uri="{91240B29-F687-4f45-9708-019B960494DF}">
-                <a14:hiddenLine xmlns="" xmlns:a14="http://schemas.microsoft.com/office/drawing/2010/main" w="9525">
+                <a14:hiddenLine xmlns:a14="http://schemas.microsoft.com/office/drawing/2010/main" xmlns="" w="9525">
                   <a:solidFill>
                     <a:srgbClr val="000000"/>
                   </a:solidFill>
@@ -1621,7 +1973,7 @@
             </a:ln>
             <a:extLst>
               <a:ext uri="{91240B29-F687-4f45-9708-019B960494DF}">
-                <a14:hiddenLine xmlns="" xmlns:a14="http://schemas.microsoft.com/office/drawing/2010/main" w="9525">
+                <a14:hiddenLine xmlns:a14="http://schemas.microsoft.com/office/drawing/2010/main" xmlns="" w="9525">
                   <a:solidFill>
                     <a:srgbClr val="000000"/>
                   </a:solidFill>
@@ -1711,7 +2063,7 @@
             </a:ln>
             <a:extLst>
               <a:ext uri="{91240B29-F687-4f45-9708-019B960494DF}">
-                <a14:hiddenLine xmlns="" xmlns:a14="http://schemas.microsoft.com/office/drawing/2010/main" w="9525">
+                <a14:hiddenLine xmlns:a14="http://schemas.microsoft.com/office/drawing/2010/main" xmlns="" w="9525">
                   <a:solidFill>
                     <a:srgbClr val="000000"/>
                   </a:solidFill>
@@ -1767,7 +2119,7 @@
             </a:ln>
             <a:extLst>
               <a:ext uri="{91240B29-F687-4f45-9708-019B960494DF}">
-                <a14:hiddenLine xmlns="" xmlns:a14="http://schemas.microsoft.com/office/drawing/2010/main" w="9525">
+                <a14:hiddenLine xmlns:a14="http://schemas.microsoft.com/office/drawing/2010/main" xmlns="" w="9525">
                   <a:solidFill>
                     <a:srgbClr val="000000"/>
                   </a:solidFill>
@@ -1857,7 +2209,7 @@
             </a:ln>
             <a:extLst>
               <a:ext uri="{91240B29-F687-4f45-9708-019B960494DF}">
-                <a14:hiddenLine xmlns="" xmlns:a14="http://schemas.microsoft.com/office/drawing/2010/main" w="9525">
+                <a14:hiddenLine xmlns:a14="http://schemas.microsoft.com/office/drawing/2010/main" xmlns="" w="9525">
                   <a:solidFill>
                     <a:srgbClr val="000000"/>
                   </a:solidFill>
@@ -1913,7 +2265,7 @@
             </a:ln>
             <a:extLst>
               <a:ext uri="{91240B29-F687-4f45-9708-019B960494DF}">
-                <a14:hiddenLine xmlns="" xmlns:a14="http://schemas.microsoft.com/office/drawing/2010/main" w="9525">
+                <a14:hiddenLine xmlns:a14="http://schemas.microsoft.com/office/drawing/2010/main" xmlns="" w="9525">
                   <a:solidFill>
                     <a:srgbClr val="000000"/>
                   </a:solidFill>
@@ -2003,7 +2355,7 @@
             </a:ln>
             <a:extLst>
               <a:ext uri="{91240B29-F687-4f45-9708-019B960494DF}">
-                <a14:hiddenLine xmlns="" xmlns:a14="http://schemas.microsoft.com/office/drawing/2010/main" w="9525">
+                <a14:hiddenLine xmlns:a14="http://schemas.microsoft.com/office/drawing/2010/main" xmlns="" w="9525">
                   <a:solidFill>
                     <a:srgbClr val="000000"/>
                   </a:solidFill>
@@ -2071,7 +2423,7 @@
             </a:ln>
             <a:extLst>
               <a:ext uri="{91240B29-F687-4f45-9708-019B960494DF}">
-                <a14:hiddenLine xmlns="" xmlns:a14="http://schemas.microsoft.com/office/drawing/2010/main" w="9525">
+                <a14:hiddenLine xmlns:a14="http://schemas.microsoft.com/office/drawing/2010/main" xmlns="" w="9525">
                   <a:solidFill>
                     <a:srgbClr val="000000"/>
                   </a:solidFill>
@@ -2161,7 +2513,7 @@
             </a:ln>
             <a:extLst>
               <a:ext uri="{91240B29-F687-4f45-9708-019B960494DF}">
-                <a14:hiddenLine xmlns="" xmlns:a14="http://schemas.microsoft.com/office/drawing/2010/main" w="9525">
+                <a14:hiddenLine xmlns:a14="http://schemas.microsoft.com/office/drawing/2010/main" xmlns="" w="9525">
                   <a:solidFill>
                     <a:srgbClr val="000000"/>
                   </a:solidFill>
@@ -2229,7 +2581,7 @@
             </a:ln>
             <a:extLst>
               <a:ext uri="{91240B29-F687-4f45-9708-019B960494DF}">
-                <a14:hiddenLine xmlns="" xmlns:a14="http://schemas.microsoft.com/office/drawing/2010/main" w="9525">
+                <a14:hiddenLine xmlns:a14="http://schemas.microsoft.com/office/drawing/2010/main" xmlns="" w="9525">
                   <a:solidFill>
                     <a:srgbClr val="000000"/>
                   </a:solidFill>
@@ -2319,7 +2671,7 @@
             </a:ln>
             <a:extLst>
               <a:ext uri="{91240B29-F687-4f45-9708-019B960494DF}">
-                <a14:hiddenLine xmlns="" xmlns:a14="http://schemas.microsoft.com/office/drawing/2010/main" w="9525">
+                <a14:hiddenLine xmlns:a14="http://schemas.microsoft.com/office/drawing/2010/main" xmlns="" w="9525">
                   <a:solidFill>
                     <a:srgbClr val="000000"/>
                   </a:solidFill>
@@ -2353,7 +2705,7 @@
             </a:ln>
             <a:extLst>
               <a:ext uri="{91240B29-F687-4f45-9708-019B960494DF}">
-                <a14:hiddenLine xmlns="" xmlns:a14="http://schemas.microsoft.com/office/drawing/2010/main" w="9525">
+                <a14:hiddenLine xmlns:a14="http://schemas.microsoft.com/office/drawing/2010/main" xmlns="" w="9525">
                   <a:solidFill>
                     <a:srgbClr val="000000"/>
                   </a:solidFill>
@@ -2443,7 +2795,7 @@
             </a:ln>
             <a:extLst>
               <a:ext uri="{91240B29-F687-4f45-9708-019B960494DF}">
-                <a14:hiddenLine xmlns="" xmlns:a14="http://schemas.microsoft.com/office/drawing/2010/main" w="9525">
+                <a14:hiddenLine xmlns:a14="http://schemas.microsoft.com/office/drawing/2010/main" xmlns="" w="9525">
                   <a:solidFill>
                     <a:srgbClr val="000000"/>
                   </a:solidFill>
@@ -2505,7 +2857,7 @@
             </a:ln>
             <a:extLst>
               <a:ext uri="{91240B29-F687-4f45-9708-019B960494DF}">
-                <a14:hiddenLine xmlns="" xmlns:a14="http://schemas.microsoft.com/office/drawing/2010/main" w="9525">
+                <a14:hiddenLine xmlns:a14="http://schemas.microsoft.com/office/drawing/2010/main" xmlns="" w="9525">
                   <a:solidFill>
                     <a:srgbClr val="000000"/>
                   </a:solidFill>
@@ -2567,7 +2919,7 @@
             </a:ln>
             <a:extLst>
               <a:ext uri="{91240B29-F687-4f45-9708-019B960494DF}">
-                <a14:hiddenLine xmlns="" xmlns:a14="http://schemas.microsoft.com/office/drawing/2010/main" w="9525">
+                <a14:hiddenLine xmlns:a14="http://schemas.microsoft.com/office/drawing/2010/main" xmlns="" w="9525">
                   <a:solidFill>
                     <a:srgbClr val="000000"/>
                   </a:solidFill>
@@ -2657,7 +3009,7 @@
             </a:ln>
             <a:extLst>
               <a:ext uri="{91240B29-F687-4f45-9708-019B960494DF}">
-                <a14:hiddenLine xmlns="" xmlns:a14="http://schemas.microsoft.com/office/drawing/2010/main" w="9525">
+                <a14:hiddenLine xmlns:a14="http://schemas.microsoft.com/office/drawing/2010/main" xmlns="" w="9525">
                   <a:solidFill>
                     <a:srgbClr val="000000"/>
                   </a:solidFill>
@@ -2725,7 +3077,7 @@
             </a:ln>
             <a:extLst>
               <a:ext uri="{91240B29-F687-4f45-9708-019B960494DF}">
-                <a14:hiddenLine xmlns="" xmlns:a14="http://schemas.microsoft.com/office/drawing/2010/main" w="9525">
+                <a14:hiddenLine xmlns:a14="http://schemas.microsoft.com/office/drawing/2010/main" xmlns="" w="9525">
                   <a:solidFill>
                     <a:srgbClr val="000000"/>
                   </a:solidFill>
@@ -2787,7 +3139,7 @@
             </a:ln>
             <a:extLst>
               <a:ext uri="{91240B29-F687-4f45-9708-019B960494DF}">
-                <a14:hiddenLine xmlns="" xmlns:a14="http://schemas.microsoft.com/office/drawing/2010/main" w="9525">
+                <a14:hiddenLine xmlns:a14="http://schemas.microsoft.com/office/drawing/2010/main" xmlns="" w="9525">
                   <a:solidFill>
                     <a:srgbClr val="000000"/>
                   </a:solidFill>
@@ -2877,7 +3229,7 @@
             </a:ln>
             <a:extLst>
               <a:ext uri="{91240B29-F687-4f45-9708-019B960494DF}">
-                <a14:hiddenLine xmlns="" xmlns:a14="http://schemas.microsoft.com/office/drawing/2010/main" w="9525">
+                <a14:hiddenLine xmlns:a14="http://schemas.microsoft.com/office/drawing/2010/main" xmlns="" w="9525">
                   <a:solidFill>
                     <a:srgbClr val="000000"/>
                   </a:solidFill>
@@ -2939,7 +3291,7 @@
             </a:ln>
             <a:extLst>
               <a:ext uri="{91240B29-F687-4f45-9708-019B960494DF}">
-                <a14:hiddenLine xmlns="" xmlns:a14="http://schemas.microsoft.com/office/drawing/2010/main" w="9525">
+                <a14:hiddenLine xmlns:a14="http://schemas.microsoft.com/office/drawing/2010/main" xmlns="" w="9525">
                   <a:solidFill>
                     <a:srgbClr val="000000"/>
                   </a:solidFill>
@@ -3029,7 +3381,7 @@
             </a:ln>
             <a:extLst>
               <a:ext uri="{91240B29-F687-4f45-9708-019B960494DF}">
-                <a14:hiddenLine xmlns="" xmlns:a14="http://schemas.microsoft.com/office/drawing/2010/main" w="9525">
+                <a14:hiddenLine xmlns:a14="http://schemas.microsoft.com/office/drawing/2010/main" xmlns="" w="9525">
                   <a:solidFill>
                     <a:srgbClr val="000000"/>
                   </a:solidFill>
@@ -3091,7 +3443,7 @@
             </a:ln>
             <a:extLst>
               <a:ext uri="{91240B29-F687-4f45-9708-019B960494DF}">
-                <a14:hiddenLine xmlns="" xmlns:a14="http://schemas.microsoft.com/office/drawing/2010/main" w="9525">
+                <a14:hiddenLine xmlns:a14="http://schemas.microsoft.com/office/drawing/2010/main" xmlns="" w="9525">
                   <a:solidFill>
                     <a:srgbClr val="000000"/>
                   </a:solidFill>
@@ -3181,7 +3533,7 @@
             </a:ln>
             <a:extLst>
               <a:ext uri="{91240B29-F687-4f45-9708-019B960494DF}">
-                <a14:hiddenLine xmlns="" xmlns:a14="http://schemas.microsoft.com/office/drawing/2010/main" w="9525">
+                <a14:hiddenLine xmlns:a14="http://schemas.microsoft.com/office/drawing/2010/main" xmlns="" w="9525">
                   <a:solidFill>
                     <a:srgbClr val="000000"/>
                   </a:solidFill>
@@ -3215,7 +3567,7 @@
             </a:ln>
             <a:extLst>
               <a:ext uri="{91240B29-F687-4f45-9708-019B960494DF}">
-                <a14:hiddenLine xmlns="" xmlns:a14="http://schemas.microsoft.com/office/drawing/2010/main" w="9525">
+                <a14:hiddenLine xmlns:a14="http://schemas.microsoft.com/office/drawing/2010/main" xmlns="" w="9525">
                   <a:solidFill>
                     <a:srgbClr val="000000"/>
                   </a:solidFill>
@@ -3280,7 +3632,7 @@
             </a:ln>
             <a:extLst>
               <a:ext uri="{91240B29-F687-4f45-9708-019B960494DF}">
-                <a14:hiddenLine xmlns="" xmlns:a14="http://schemas.microsoft.com/office/drawing/2010/main" w="9525">
+                <a14:hiddenLine xmlns:a14="http://schemas.microsoft.com/office/drawing/2010/main" xmlns="" w="9525">
                   <a:solidFill>
                     <a:srgbClr val="000000"/>
                   </a:solidFill>
@@ -3370,7 +3722,7 @@
             </a:ln>
             <a:extLst>
               <a:ext uri="{91240B29-F687-4f45-9708-019B960494DF}">
-                <a14:hiddenLine xmlns="" xmlns:a14="http://schemas.microsoft.com/office/drawing/2010/main" w="9525">
+                <a14:hiddenLine xmlns:a14="http://schemas.microsoft.com/office/drawing/2010/main" xmlns="" w="9525">
                   <a:solidFill>
                     <a:srgbClr val="000000"/>
                   </a:solidFill>
@@ -3432,7 +3784,7 @@
             </a:ln>
             <a:extLst>
               <a:ext uri="{91240B29-F687-4f45-9708-019B960494DF}">
-                <a14:hiddenLine xmlns="" xmlns:a14="http://schemas.microsoft.com/office/drawing/2010/main" w="9525">
+                <a14:hiddenLine xmlns:a14="http://schemas.microsoft.com/office/drawing/2010/main" xmlns="" w="9525">
                   <a:solidFill>
                     <a:srgbClr val="000000"/>
                   </a:solidFill>
@@ -3522,7 +3874,7 @@
             </a:ln>
             <a:extLst>
               <a:ext uri="{91240B29-F687-4f45-9708-019B960494DF}">
-                <a14:hiddenLine xmlns="" xmlns:a14="http://schemas.microsoft.com/office/drawing/2010/main" w="9525">
+                <a14:hiddenLine xmlns:a14="http://schemas.microsoft.com/office/drawing/2010/main" xmlns="" w="9525">
                   <a:solidFill>
                     <a:srgbClr val="000000"/>
                   </a:solidFill>
@@ -3612,7 +3964,7 @@
             </a:ln>
             <a:extLst>
               <a:ext uri="{91240B29-F687-4f45-9708-019B960494DF}">
-                <a14:hiddenLine xmlns="" xmlns:a14="http://schemas.microsoft.com/office/drawing/2010/main" w="9525">
+                <a14:hiddenLine xmlns:a14="http://schemas.microsoft.com/office/drawing/2010/main" xmlns="" w="9525">
                   <a:solidFill>
                     <a:srgbClr val="000000"/>
                   </a:solidFill>
@@ -3677,7 +4029,7 @@
             </a:ln>
             <a:extLst>
               <a:ext uri="{91240B29-F687-4f45-9708-019B960494DF}">
-                <a14:hiddenLine xmlns="" xmlns:a14="http://schemas.microsoft.com/office/drawing/2010/main" w="9525">
+                <a14:hiddenLine xmlns:a14="http://schemas.microsoft.com/office/drawing/2010/main" xmlns="" w="9525">
                   <a:solidFill>
                     <a:srgbClr val="000000"/>
                   </a:solidFill>
@@ -3739,7 +4091,7 @@
             </a:ln>
             <a:extLst>
               <a:ext uri="{91240B29-F687-4f45-9708-019B960494DF}">
-                <a14:hiddenLine xmlns="" xmlns:a14="http://schemas.microsoft.com/office/drawing/2010/main" w="9525">
+                <a14:hiddenLine xmlns:a14="http://schemas.microsoft.com/office/drawing/2010/main" xmlns="" w="9525">
                   <a:solidFill>
                     <a:srgbClr val="000000"/>
                   </a:solidFill>
@@ -3829,7 +4181,7 @@
             </a:ln>
             <a:extLst>
               <a:ext uri="{91240B29-F687-4f45-9708-019B960494DF}">
-                <a14:hiddenLine xmlns="" xmlns:a14="http://schemas.microsoft.com/office/drawing/2010/main" w="9525">
+                <a14:hiddenLine xmlns:a14="http://schemas.microsoft.com/office/drawing/2010/main" xmlns="" w="9525">
                   <a:solidFill>
                     <a:srgbClr val="000000"/>
                   </a:solidFill>
@@ -3919,7 +4271,7 @@
             </a:ln>
             <a:extLst>
               <a:ext uri="{91240B29-F687-4f45-9708-019B960494DF}">
-                <a14:hiddenLine xmlns="" xmlns:a14="http://schemas.microsoft.com/office/drawing/2010/main" w="9525">
+                <a14:hiddenLine xmlns:a14="http://schemas.microsoft.com/office/drawing/2010/main" xmlns="" w="9525">
                   <a:solidFill>
                     <a:srgbClr val="000000"/>
                   </a:solidFill>
@@ -3981,7 +4333,7 @@
             </a:ln>
             <a:extLst>
               <a:ext uri="{91240B29-F687-4f45-9708-019B960494DF}">
-                <a14:hiddenLine xmlns="" xmlns:a14="http://schemas.microsoft.com/office/drawing/2010/main" w="9525">
+                <a14:hiddenLine xmlns:a14="http://schemas.microsoft.com/office/drawing/2010/main" xmlns="" w="9525">
                   <a:solidFill>
                     <a:srgbClr val="000000"/>
                   </a:solidFill>
@@ -4101,7 +4453,7 @@
             </a:ln>
             <a:extLst>
               <a:ext uri="{91240B29-F687-4f45-9708-019B960494DF}">
-                <a14:hiddenLine xmlns="" xmlns:a14="http://schemas.microsoft.com/office/drawing/2010/main" w="9525">
+                <a14:hiddenLine xmlns:a14="http://schemas.microsoft.com/office/drawing/2010/main" xmlns="" w="9525">
                   <a:solidFill>
                     <a:srgbClr val="000000"/>
                   </a:solidFill>
@@ -4169,7 +4521,7 @@
             </a:ln>
             <a:extLst>
               <a:ext uri="{91240B29-F687-4f45-9708-019B960494DF}">
-                <a14:hiddenLine xmlns="" xmlns:a14="http://schemas.microsoft.com/office/drawing/2010/main" w="9525">
+                <a14:hiddenLine xmlns:a14="http://schemas.microsoft.com/office/drawing/2010/main" xmlns="" w="9525">
                   <a:solidFill>
                     <a:srgbClr val="000000"/>
                   </a:solidFill>
@@ -4259,7 +4611,7 @@
             </a:ln>
             <a:extLst>
               <a:ext uri="{91240B29-F687-4f45-9708-019B960494DF}">
-                <a14:hiddenLine xmlns="" xmlns:a14="http://schemas.microsoft.com/office/drawing/2010/main" w="9525">
+                <a14:hiddenLine xmlns:a14="http://schemas.microsoft.com/office/drawing/2010/main" xmlns="" w="9525">
                   <a:solidFill>
                     <a:srgbClr val="000000"/>
                   </a:solidFill>
@@ -4397,9 +4749,9 @@
           <a:bodyPr/>
           <a:lstStyle/>
           <a:p>
-            <a:fld id="{48A87A34-81AB-432B-8DAE-1953F412C126}" type="datetimeFigureOut">
-              <a:rPr lang="en-US" dirty="0"/>
-              <a:t>3/28/18</a:t>
+            <a:fld id="{86E7910F-3943-7D40-915C-A295276C9DFD}" type="datetime1">
+              <a:rPr lang="en-GB" smtClean="0"/>
+              <a:t>29/03/2018</a:t>
             </a:fld>
             <a:endParaRPr lang="en-US" dirty="0"/>
           </a:p>
@@ -4659,9 +5011,9 @@
           <a:bodyPr/>
           <a:lstStyle/>
           <a:p>
-            <a:fld id="{48A87A34-81AB-432B-8DAE-1953F412C126}" type="datetimeFigureOut">
-              <a:rPr lang="en-US" dirty="0"/>
-              <a:t>3/28/18</a:t>
+            <a:fld id="{A5E6CFB9-DDDE-CA40-8EDA-4F2FCEFDF60B}" type="datetime1">
+              <a:rPr lang="en-GB" smtClean="0"/>
+              <a:t>29/03/2018</a:t>
             </a:fld>
             <a:endParaRPr lang="en-US" dirty="0"/>
           </a:p>
@@ -4850,9 +5202,9 @@
           <a:bodyPr/>
           <a:lstStyle/>
           <a:p>
-            <a:fld id="{48A87A34-81AB-432B-8DAE-1953F412C126}" type="datetimeFigureOut">
-              <a:rPr lang="en-US" dirty="0"/>
-              <a:t>3/28/18</a:t>
+            <a:fld id="{A83B39AF-B7BC-1643-A489-1576635FCAE0}" type="datetime1">
+              <a:rPr lang="en-GB" smtClean="0"/>
+              <a:t>29/03/2018</a:t>
             </a:fld>
             <a:endParaRPr lang="en-US" dirty="0"/>
           </a:p>
@@ -5108,9 +5460,9 @@
           <a:bodyPr/>
           <a:lstStyle/>
           <a:p>
-            <a:fld id="{48A87A34-81AB-432B-8DAE-1953F412C126}" type="datetimeFigureOut">
-              <a:rPr lang="en-US" dirty="0"/>
-              <a:t>3/28/18</a:t>
+            <a:fld id="{3A5835CB-C976-C246-9208-E48792322CC0}" type="datetime1">
+              <a:rPr lang="en-GB" smtClean="0"/>
+              <a:t>29/03/2018</a:t>
             </a:fld>
             <a:endParaRPr lang="en-US" dirty="0"/>
           </a:p>
@@ -5537,9 +5889,9 @@
           <a:bodyPr/>
           <a:lstStyle/>
           <a:p>
-            <a:fld id="{48A87A34-81AB-432B-8DAE-1953F412C126}" type="datetimeFigureOut">
-              <a:rPr lang="en-US" dirty="0"/>
-              <a:t>3/28/18</a:t>
+            <a:fld id="{91DAB050-6DF7-E840-8452-D7DC0CFB2A9A}" type="datetime1">
+              <a:rPr lang="en-GB" smtClean="0"/>
+              <a:t>29/03/2018</a:t>
             </a:fld>
             <a:endParaRPr lang="en-US" dirty="0"/>
           </a:p>
@@ -6078,9 +6430,9 @@
           <a:bodyPr/>
           <a:lstStyle/>
           <a:p>
-            <a:fld id="{48A87A34-81AB-432B-8DAE-1953F412C126}" type="datetimeFigureOut">
-              <a:rPr lang="en-US" dirty="0"/>
-              <a:t>3/28/18</a:t>
+            <a:fld id="{695D80C4-22B4-DB48-B491-3F3CB7EF3BCA}" type="datetime1">
+              <a:rPr lang="en-GB" smtClean="0"/>
+              <a:t>29/03/2018</a:t>
             </a:fld>
             <a:endParaRPr lang="en-US" dirty="0"/>
           </a:p>
@@ -6793,9 +7145,9 @@
           <a:bodyPr/>
           <a:lstStyle/>
           <a:p>
-            <a:fld id="{48A87A34-81AB-432B-8DAE-1953F412C126}" type="datetimeFigureOut">
-              <a:rPr lang="en-US" dirty="0"/>
-              <a:t>3/28/18</a:t>
+            <a:fld id="{47CA9D41-C468-4749-A818-268C04CE0FC0}" type="datetime1">
+              <a:rPr lang="en-GB" smtClean="0"/>
+              <a:t>29/03/2018</a:t>
             </a:fld>
             <a:endParaRPr lang="en-US" dirty="0"/>
           </a:p>
@@ -6958,9 +7310,9 @@
           <a:bodyPr/>
           <a:lstStyle/>
           <a:p>
-            <a:fld id="{48A87A34-81AB-432B-8DAE-1953F412C126}" type="datetimeFigureOut">
-              <a:rPr lang="en-US" dirty="0"/>
-              <a:t>3/28/18</a:t>
+            <a:fld id="{E2E15665-3782-0445-AE96-9A3127954B04}" type="datetime1">
+              <a:rPr lang="en-GB" smtClean="0"/>
+              <a:t>29/03/2018</a:t>
             </a:fld>
             <a:endParaRPr lang="en-US" dirty="0"/>
           </a:p>
@@ -7133,9 +7485,9 @@
           <a:bodyPr/>
           <a:lstStyle/>
           <a:p>
-            <a:fld id="{48A87A34-81AB-432B-8DAE-1953F412C126}" type="datetimeFigureOut">
-              <a:rPr lang="en-US" dirty="0"/>
-              <a:t>3/28/18</a:t>
+            <a:fld id="{EAC26E2D-46E4-154A-A098-A7B1A5F853D4}" type="datetime1">
+              <a:rPr lang="en-GB" smtClean="0"/>
+              <a:t>29/03/2018</a:t>
             </a:fld>
             <a:endParaRPr lang="en-US" dirty="0"/>
           </a:p>
@@ -7298,9 +7650,9 @@
           <a:bodyPr/>
           <a:lstStyle/>
           <a:p>
-            <a:fld id="{48A87A34-81AB-432B-8DAE-1953F412C126}" type="datetimeFigureOut">
-              <a:rPr lang="en-US" dirty="0"/>
-              <a:t>3/28/18</a:t>
+            <a:fld id="{F701AC8C-1FD3-E94E-B603-E87B455A19A6}" type="datetime1">
+              <a:rPr lang="en-GB" smtClean="0"/>
+              <a:t>29/03/2018</a:t>
             </a:fld>
             <a:endParaRPr lang="en-US" dirty="0"/>
           </a:p>
@@ -7543,9 +7895,9 @@
           <a:bodyPr/>
           <a:lstStyle/>
           <a:p>
-            <a:fld id="{48A87A34-81AB-432B-8DAE-1953F412C126}" type="datetimeFigureOut">
-              <a:rPr lang="en-US" dirty="0"/>
-              <a:t>3/28/18</a:t>
+            <a:fld id="{D3EAC69F-01BE-3341-A835-055998B1C7B8}" type="datetime1">
+              <a:rPr lang="en-GB" smtClean="0"/>
+              <a:t>29/03/2018</a:t>
             </a:fld>
             <a:endParaRPr lang="en-US" dirty="0"/>
           </a:p>
@@ -7770,9 +8122,9 @@
           <a:bodyPr/>
           <a:lstStyle/>
           <a:p>
-            <a:fld id="{48A87A34-81AB-432B-8DAE-1953F412C126}" type="datetimeFigureOut">
-              <a:rPr lang="en-US" dirty="0"/>
-              <a:t>3/28/18</a:t>
+            <a:fld id="{5919416B-685F-AF47-9274-EB47410CDBC6}" type="datetime1">
+              <a:rPr lang="en-GB" smtClean="0"/>
+              <a:t>29/03/2018</a:t>
             </a:fld>
             <a:endParaRPr lang="en-US" dirty="0"/>
           </a:p>
@@ -8146,9 +8498,9 @@
           <a:bodyPr/>
           <a:lstStyle/>
           <a:p>
-            <a:fld id="{48A87A34-81AB-432B-8DAE-1953F412C126}" type="datetimeFigureOut">
-              <a:rPr lang="en-US" dirty="0"/>
-              <a:t>3/28/18</a:t>
+            <a:fld id="{A90CDC08-C1DB-8545-BAE6-529E24CF8925}" type="datetime1">
+              <a:rPr lang="en-GB" smtClean="0"/>
+              <a:t>29/03/2018</a:t>
             </a:fld>
             <a:endParaRPr lang="en-US" dirty="0"/>
           </a:p>
@@ -8259,9 +8611,9 @@
           <a:bodyPr/>
           <a:lstStyle/>
           <a:p>
-            <a:fld id="{48A87A34-81AB-432B-8DAE-1953F412C126}" type="datetimeFigureOut">
-              <a:rPr lang="en-US" dirty="0"/>
-              <a:t>3/28/18</a:t>
+            <a:fld id="{D116BA6D-183D-294A-86CD-5BDCC5DA65D3}" type="datetime1">
+              <a:rPr lang="en-GB" smtClean="0"/>
+              <a:t>29/03/2018</a:t>
             </a:fld>
             <a:endParaRPr lang="en-US" dirty="0"/>
           </a:p>
@@ -8349,9 +8701,9 @@
           <a:bodyPr/>
           <a:lstStyle/>
           <a:p>
-            <a:fld id="{48A87A34-81AB-432B-8DAE-1953F412C126}" type="datetimeFigureOut">
-              <a:rPr lang="en-US" dirty="0"/>
-              <a:t>3/28/18</a:t>
+            <a:fld id="{36CEEC03-456A-E04A-9BD8-79892E3FF11E}" type="datetime1">
+              <a:rPr lang="en-GB" smtClean="0"/>
+              <a:t>29/03/2018</a:t>
             </a:fld>
             <a:endParaRPr lang="en-US" dirty="0"/>
           </a:p>
@@ -8593,9 +8945,9 @@
           <a:bodyPr/>
           <a:lstStyle/>
           <a:p>
-            <a:fld id="{48A87A34-81AB-432B-8DAE-1953F412C126}" type="datetimeFigureOut">
-              <a:rPr lang="en-US" dirty="0"/>
-              <a:t>3/28/18</a:t>
+            <a:fld id="{4BF09FB1-1CDB-4E4C-B9F3-B01C507F6B83}" type="datetime1">
+              <a:rPr lang="en-GB" smtClean="0"/>
+              <a:t>29/03/2018</a:t>
             </a:fld>
             <a:endParaRPr lang="en-US" dirty="0"/>
           </a:p>
@@ -8868,9 +9220,9 @@
           <a:bodyPr/>
           <a:lstStyle/>
           <a:p>
-            <a:fld id="{48A87A34-81AB-432B-8DAE-1953F412C126}" type="datetimeFigureOut">
-              <a:rPr lang="en-US" dirty="0"/>
-              <a:t>3/28/18</a:t>
+            <a:fld id="{EAB5E29B-7ECA-F941-90B5-CE1A4EBDA50B}" type="datetime1">
+              <a:rPr lang="en-GB" smtClean="0"/>
+              <a:t>29/03/2018</a:t>
             </a:fld>
             <a:endParaRPr lang="en-US" dirty="0"/>
           </a:p>
@@ -8981,7 +9333,7 @@
           <a:noFill/>
           <a:extLst>
             <a:ext uri="{909E8E84-426E-40dd-AFC4-6F175D3DCCD1}">
-              <a14:hiddenFill xmlns="" xmlns:a14="http://schemas.microsoft.com/office/drawing/2010/main">
+              <a14:hiddenFill xmlns:a14="http://schemas.microsoft.com/office/drawing/2010/main" xmlns="">
                 <a:solidFill>
                   <a:srgbClr val="FFFFFF"/>
                 </a:solidFill>
@@ -9055,7 +9407,7 @@
               </a:ln>
               <a:extLst>
                 <a:ext uri="{91240B29-F687-4f45-9708-019B960494DF}">
-                  <a14:hiddenLine xmlns="" xmlns:a14="http://schemas.microsoft.com/office/drawing/2010/main" w="9525">
+                  <a14:hiddenLine xmlns:a14="http://schemas.microsoft.com/office/drawing/2010/main" xmlns="" w="9525">
                     <a:solidFill>
                       <a:srgbClr val="000000"/>
                     </a:solidFill>
@@ -9145,7 +9497,7 @@
               </a:ln>
               <a:extLst>
                 <a:ext uri="{91240B29-F687-4f45-9708-019B960494DF}">
-                  <a14:hiddenLine xmlns="" xmlns:a14="http://schemas.microsoft.com/office/drawing/2010/main" w="9525">
+                  <a14:hiddenLine xmlns:a14="http://schemas.microsoft.com/office/drawing/2010/main" xmlns="" w="9525">
                     <a:solidFill>
                       <a:srgbClr val="000000"/>
                     </a:solidFill>
@@ -9235,7 +9587,7 @@
               </a:ln>
               <a:extLst>
                 <a:ext uri="{91240B29-F687-4f45-9708-019B960494DF}">
-                  <a14:hiddenLine xmlns="" xmlns:a14="http://schemas.microsoft.com/office/drawing/2010/main" w="9525">
+                  <a14:hiddenLine xmlns:a14="http://schemas.microsoft.com/office/drawing/2010/main" xmlns="" w="9525">
                     <a:solidFill>
                       <a:srgbClr val="000000"/>
                     </a:solidFill>
@@ -9297,7 +9649,7 @@
               </a:ln>
               <a:extLst>
                 <a:ext uri="{91240B29-F687-4f45-9708-019B960494DF}">
-                  <a14:hiddenLine xmlns="" xmlns:a14="http://schemas.microsoft.com/office/drawing/2010/main" w="9525">
+                  <a14:hiddenLine xmlns:a14="http://schemas.microsoft.com/office/drawing/2010/main" xmlns="" w="9525">
                     <a:solidFill>
                       <a:srgbClr val="000000"/>
                     </a:solidFill>
@@ -9387,7 +9739,7 @@
               </a:ln>
               <a:extLst>
                 <a:ext uri="{91240B29-F687-4f45-9708-019B960494DF}">
-                  <a14:hiddenLine xmlns="" xmlns:a14="http://schemas.microsoft.com/office/drawing/2010/main" w="9525">
+                  <a14:hiddenLine xmlns:a14="http://schemas.microsoft.com/office/drawing/2010/main" xmlns="" w="9525">
                     <a:solidFill>
                       <a:srgbClr val="000000"/>
                     </a:solidFill>
@@ -9449,7 +9801,7 @@
               </a:ln>
               <a:extLst>
                 <a:ext uri="{91240B29-F687-4f45-9708-019B960494DF}">
-                  <a14:hiddenLine xmlns="" xmlns:a14="http://schemas.microsoft.com/office/drawing/2010/main" w="9525">
+                  <a14:hiddenLine xmlns:a14="http://schemas.microsoft.com/office/drawing/2010/main" xmlns="" w="9525">
                     <a:solidFill>
                       <a:srgbClr val="000000"/>
                     </a:solidFill>
@@ -9511,7 +9863,7 @@
               </a:ln>
               <a:extLst>
                 <a:ext uri="{91240B29-F687-4f45-9708-019B960494DF}">
-                  <a14:hiddenLine xmlns="" xmlns:a14="http://schemas.microsoft.com/office/drawing/2010/main" w="9525">
+                  <a14:hiddenLine xmlns:a14="http://schemas.microsoft.com/office/drawing/2010/main" xmlns="" w="9525">
                     <a:solidFill>
                       <a:srgbClr val="000000"/>
                     </a:solidFill>
@@ -9601,7 +9953,7 @@
               </a:ln>
               <a:extLst>
                 <a:ext uri="{91240B29-F687-4f45-9708-019B960494DF}">
-                  <a14:hiddenLine xmlns="" xmlns:a14="http://schemas.microsoft.com/office/drawing/2010/main" w="9525">
+                  <a14:hiddenLine xmlns:a14="http://schemas.microsoft.com/office/drawing/2010/main" xmlns="" w="9525">
                     <a:solidFill>
                       <a:srgbClr val="000000"/>
                     </a:solidFill>
@@ -9691,7 +10043,7 @@
               </a:ln>
               <a:extLst>
                 <a:ext uri="{91240B29-F687-4f45-9708-019B960494DF}">
-                  <a14:hiddenLine xmlns="" xmlns:a14="http://schemas.microsoft.com/office/drawing/2010/main" w="9525">
+                  <a14:hiddenLine xmlns:a14="http://schemas.microsoft.com/office/drawing/2010/main" xmlns="" w="9525">
                     <a:solidFill>
                       <a:srgbClr val="000000"/>
                     </a:solidFill>
@@ -9753,7 +10105,7 @@
               </a:ln>
               <a:extLst>
                 <a:ext uri="{91240B29-F687-4f45-9708-019B960494DF}">
-                  <a14:hiddenLine xmlns="" xmlns:a14="http://schemas.microsoft.com/office/drawing/2010/main" w="9525">
+                  <a14:hiddenLine xmlns:a14="http://schemas.microsoft.com/office/drawing/2010/main" xmlns="" w="9525">
                     <a:solidFill>
                       <a:srgbClr val="000000"/>
                     </a:solidFill>
@@ -9863,7 +10215,7 @@
               </a:ln>
               <a:extLst>
                 <a:ext uri="{91240B29-F687-4f45-9708-019B960494DF}">
-                  <a14:hiddenLine xmlns="" xmlns:a14="http://schemas.microsoft.com/office/drawing/2010/main" w="9525">
+                  <a14:hiddenLine xmlns:a14="http://schemas.microsoft.com/office/drawing/2010/main" xmlns="" w="9525">
                     <a:solidFill>
                       <a:srgbClr val="000000"/>
                     </a:solidFill>
@@ -9947,7 +10299,7 @@
               </a:ln>
               <a:extLst>
                 <a:ext uri="{91240B29-F687-4f45-9708-019B960494DF}">
-                  <a14:hiddenLine xmlns="" xmlns:a14="http://schemas.microsoft.com/office/drawing/2010/main" w="9525">
+                  <a14:hiddenLine xmlns:a14="http://schemas.microsoft.com/office/drawing/2010/main" xmlns="" w="9525">
                     <a:solidFill>
                       <a:srgbClr val="000000"/>
                     </a:solidFill>
@@ -10009,7 +10361,7 @@
               </a:ln>
               <a:extLst>
                 <a:ext uri="{91240B29-F687-4f45-9708-019B960494DF}">
-                  <a14:hiddenLine xmlns="" xmlns:a14="http://schemas.microsoft.com/office/drawing/2010/main" w="9525">
+                  <a14:hiddenLine xmlns:a14="http://schemas.microsoft.com/office/drawing/2010/main" xmlns="" w="9525">
                     <a:solidFill>
                       <a:srgbClr val="000000"/>
                     </a:solidFill>
@@ -10071,7 +10423,7 @@
               </a:ln>
               <a:extLst>
                 <a:ext uri="{91240B29-F687-4f45-9708-019B960494DF}">
-                  <a14:hiddenLine xmlns="" xmlns:a14="http://schemas.microsoft.com/office/drawing/2010/main" w="9525">
+                  <a14:hiddenLine xmlns:a14="http://schemas.microsoft.com/office/drawing/2010/main" xmlns="" w="9525">
                     <a:solidFill>
                       <a:srgbClr val="000000"/>
                     </a:solidFill>
@@ -10161,7 +10513,7 @@
               </a:ln>
               <a:extLst>
                 <a:ext uri="{91240B29-F687-4f45-9708-019B960494DF}">
-                  <a14:hiddenLine xmlns="" xmlns:a14="http://schemas.microsoft.com/office/drawing/2010/main" w="9525">
+                  <a14:hiddenLine xmlns:a14="http://schemas.microsoft.com/office/drawing/2010/main" xmlns="" w="9525">
                     <a:solidFill>
                       <a:srgbClr val="000000"/>
                     </a:solidFill>
@@ -10195,7 +10547,7 @@
               </a:ln>
               <a:extLst>
                 <a:ext uri="{91240B29-F687-4f45-9708-019B960494DF}">
-                  <a14:hiddenLine xmlns="" xmlns:a14="http://schemas.microsoft.com/office/drawing/2010/main" w="9525">
+                  <a14:hiddenLine xmlns:a14="http://schemas.microsoft.com/office/drawing/2010/main" xmlns="" w="9525">
                     <a:solidFill>
                       <a:srgbClr val="000000"/>
                     </a:solidFill>
@@ -10260,7 +10612,7 @@
               </a:ln>
               <a:extLst>
                 <a:ext uri="{91240B29-F687-4f45-9708-019B960494DF}">
-                  <a14:hiddenLine xmlns="" xmlns:a14="http://schemas.microsoft.com/office/drawing/2010/main" w="9525">
+                  <a14:hiddenLine xmlns:a14="http://schemas.microsoft.com/office/drawing/2010/main" xmlns="" w="9525">
                     <a:solidFill>
                       <a:srgbClr val="000000"/>
                     </a:solidFill>
@@ -10350,7 +10702,7 @@
               </a:ln>
               <a:extLst>
                 <a:ext uri="{91240B29-F687-4f45-9708-019B960494DF}">
-                  <a14:hiddenLine xmlns="" xmlns:a14="http://schemas.microsoft.com/office/drawing/2010/main" w="9525">
+                  <a14:hiddenLine xmlns:a14="http://schemas.microsoft.com/office/drawing/2010/main" xmlns="" w="9525">
                     <a:solidFill>
                       <a:srgbClr val="000000"/>
                     </a:solidFill>
@@ -10412,7 +10764,7 @@
               </a:ln>
               <a:extLst>
                 <a:ext uri="{91240B29-F687-4f45-9708-019B960494DF}">
-                  <a14:hiddenLine xmlns="" xmlns:a14="http://schemas.microsoft.com/office/drawing/2010/main" w="9525">
+                  <a14:hiddenLine xmlns:a14="http://schemas.microsoft.com/office/drawing/2010/main" xmlns="" w="9525">
                     <a:solidFill>
                       <a:srgbClr val="000000"/>
                     </a:solidFill>
@@ -10502,7 +10854,7 @@
               </a:ln>
               <a:extLst>
                 <a:ext uri="{91240B29-F687-4f45-9708-019B960494DF}">
-                  <a14:hiddenLine xmlns="" xmlns:a14="http://schemas.microsoft.com/office/drawing/2010/main" w="9525">
+                  <a14:hiddenLine xmlns:a14="http://schemas.microsoft.com/office/drawing/2010/main" xmlns="" w="9525">
                     <a:solidFill>
                       <a:srgbClr val="000000"/>
                     </a:solidFill>
@@ -10567,7 +10919,7 @@
               </a:ln>
               <a:extLst>
                 <a:ext uri="{91240B29-F687-4f45-9708-019B960494DF}">
-                  <a14:hiddenLine xmlns="" xmlns:a14="http://schemas.microsoft.com/office/drawing/2010/main" w="9525">
+                  <a14:hiddenLine xmlns:a14="http://schemas.microsoft.com/office/drawing/2010/main" xmlns="" w="9525">
                     <a:solidFill>
                       <a:srgbClr val="000000"/>
                     </a:solidFill>
@@ -10629,7 +10981,7 @@
               </a:ln>
               <a:extLst>
                 <a:ext uri="{91240B29-F687-4f45-9708-019B960494DF}">
-                  <a14:hiddenLine xmlns="" xmlns:a14="http://schemas.microsoft.com/office/drawing/2010/main" w="9525">
+                  <a14:hiddenLine xmlns:a14="http://schemas.microsoft.com/office/drawing/2010/main" xmlns="" w="9525">
                     <a:solidFill>
                       <a:srgbClr val="000000"/>
                     </a:solidFill>
@@ -10719,7 +11071,7 @@
               </a:ln>
               <a:extLst>
                 <a:ext uri="{91240B29-F687-4f45-9708-019B960494DF}">
-                  <a14:hiddenLine xmlns="" xmlns:a14="http://schemas.microsoft.com/office/drawing/2010/main" w="9525">
+                  <a14:hiddenLine xmlns:a14="http://schemas.microsoft.com/office/drawing/2010/main" xmlns="" w="9525">
                     <a:solidFill>
                       <a:srgbClr val="000000"/>
                     </a:solidFill>
@@ -10809,7 +11161,7 @@
               </a:ln>
               <a:extLst>
                 <a:ext uri="{91240B29-F687-4f45-9708-019B960494DF}">
-                  <a14:hiddenLine xmlns="" xmlns:a14="http://schemas.microsoft.com/office/drawing/2010/main" w="9525">
+                  <a14:hiddenLine xmlns:a14="http://schemas.microsoft.com/office/drawing/2010/main" xmlns="" w="9525">
                     <a:solidFill>
                       <a:srgbClr val="000000"/>
                     </a:solidFill>
@@ -10874,7 +11226,7 @@
               </a:ln>
               <a:extLst>
                 <a:ext uri="{91240B29-F687-4f45-9708-019B960494DF}">
-                  <a14:hiddenLine xmlns="" xmlns:a14="http://schemas.microsoft.com/office/drawing/2010/main" w="9525">
+                  <a14:hiddenLine xmlns:a14="http://schemas.microsoft.com/office/drawing/2010/main" xmlns="" w="9525">
                     <a:solidFill>
                       <a:srgbClr val="000000"/>
                     </a:solidFill>
@@ -10994,7 +11346,7 @@
               </a:ln>
               <a:extLst>
                 <a:ext uri="{91240B29-F687-4f45-9708-019B960494DF}">
-                  <a14:hiddenLine xmlns="" xmlns:a14="http://schemas.microsoft.com/office/drawing/2010/main" w="9525">
+                  <a14:hiddenLine xmlns:a14="http://schemas.microsoft.com/office/drawing/2010/main" xmlns="" w="9525">
                     <a:solidFill>
                       <a:srgbClr val="000000"/>
                     </a:solidFill>
@@ -11092,7 +11444,7 @@
               </a:ln>
               <a:extLst>
                 <a:ext uri="{91240B29-F687-4f45-9708-019B960494DF}">
-                  <a14:hiddenLine xmlns="" xmlns:a14="http://schemas.microsoft.com/office/drawing/2010/main" w="9525">
+                  <a14:hiddenLine xmlns:a14="http://schemas.microsoft.com/office/drawing/2010/main" xmlns="" w="9525">
                     <a:solidFill>
                       <a:srgbClr val="000000"/>
                     </a:solidFill>
@@ -11207,7 +11559,7 @@
               </a:ln>
               <a:extLst>
                 <a:ext uri="{91240B29-F687-4f45-9708-019B960494DF}">
-                  <a14:hiddenLine xmlns="" xmlns:a14="http://schemas.microsoft.com/office/drawing/2010/main" w="9525">
+                  <a14:hiddenLine xmlns:a14="http://schemas.microsoft.com/office/drawing/2010/main" xmlns="" w="9525">
                     <a:solidFill>
                       <a:srgbClr val="000000"/>
                     </a:solidFill>
@@ -11297,7 +11649,7 @@
               </a:ln>
               <a:extLst>
                 <a:ext uri="{91240B29-F687-4f45-9708-019B960494DF}">
-                  <a14:hiddenLine xmlns="" xmlns:a14="http://schemas.microsoft.com/office/drawing/2010/main" w="9525">
+                  <a14:hiddenLine xmlns:a14="http://schemas.microsoft.com/office/drawing/2010/main" xmlns="" w="9525">
                     <a:solidFill>
                       <a:srgbClr val="000000"/>
                     </a:solidFill>
@@ -11362,7 +11714,7 @@
               </a:ln>
               <a:extLst>
                 <a:ext uri="{91240B29-F687-4f45-9708-019B960494DF}">
-                  <a14:hiddenLine xmlns="" xmlns:a14="http://schemas.microsoft.com/office/drawing/2010/main" w="9525">
+                  <a14:hiddenLine xmlns:a14="http://schemas.microsoft.com/office/drawing/2010/main" xmlns="" w="9525">
                     <a:solidFill>
                       <a:srgbClr val="000000"/>
                     </a:solidFill>
@@ -11452,7 +11804,7 @@
               </a:ln>
               <a:extLst>
                 <a:ext uri="{91240B29-F687-4f45-9708-019B960494DF}">
-                  <a14:hiddenLine xmlns="" xmlns:a14="http://schemas.microsoft.com/office/drawing/2010/main" w="9525">
+                  <a14:hiddenLine xmlns:a14="http://schemas.microsoft.com/office/drawing/2010/main" xmlns="" w="9525">
                     <a:solidFill>
                       <a:srgbClr val="000000"/>
                     </a:solidFill>
@@ -11520,7 +11872,7 @@
               </a:ln>
               <a:extLst>
                 <a:ext uri="{91240B29-F687-4f45-9708-019B960494DF}">
-                  <a14:hiddenLine xmlns="" xmlns:a14="http://schemas.microsoft.com/office/drawing/2010/main" w="9525">
+                  <a14:hiddenLine xmlns:a14="http://schemas.microsoft.com/office/drawing/2010/main" xmlns="" w="9525">
                     <a:solidFill>
                       <a:srgbClr val="000000"/>
                     </a:solidFill>
@@ -11610,7 +11962,7 @@
               </a:ln>
               <a:extLst>
                 <a:ext uri="{91240B29-F687-4f45-9708-019B960494DF}">
-                  <a14:hiddenLine xmlns="" xmlns:a14="http://schemas.microsoft.com/office/drawing/2010/main" w="9525">
+                  <a14:hiddenLine xmlns:a14="http://schemas.microsoft.com/office/drawing/2010/main" xmlns="" w="9525">
                     <a:solidFill>
                       <a:srgbClr val="000000"/>
                     </a:solidFill>
@@ -11678,7 +12030,7 @@
               </a:ln>
               <a:extLst>
                 <a:ext uri="{91240B29-F687-4f45-9708-019B960494DF}">
-                  <a14:hiddenLine xmlns="" xmlns:a14="http://schemas.microsoft.com/office/drawing/2010/main" w="9525">
+                  <a14:hiddenLine xmlns:a14="http://schemas.microsoft.com/office/drawing/2010/main" xmlns="" w="9525">
                     <a:solidFill>
                       <a:srgbClr val="000000"/>
                     </a:solidFill>
@@ -11768,7 +12120,7 @@
               </a:ln>
               <a:extLst>
                 <a:ext uri="{91240B29-F687-4f45-9708-019B960494DF}">
-                  <a14:hiddenLine xmlns="" xmlns:a14="http://schemas.microsoft.com/office/drawing/2010/main" w="9525">
+                  <a14:hiddenLine xmlns:a14="http://schemas.microsoft.com/office/drawing/2010/main" xmlns="" w="9525">
                     <a:solidFill>
                       <a:srgbClr val="000000"/>
                     </a:solidFill>
@@ -11802,7 +12154,7 @@
               </a:ln>
               <a:extLst>
                 <a:ext uri="{91240B29-F687-4f45-9708-019B960494DF}">
-                  <a14:hiddenLine xmlns="" xmlns:a14="http://schemas.microsoft.com/office/drawing/2010/main" w="9525">
+                  <a14:hiddenLine xmlns:a14="http://schemas.microsoft.com/office/drawing/2010/main" xmlns="" w="9525">
                     <a:solidFill>
                       <a:srgbClr val="000000"/>
                     </a:solidFill>
@@ -11940,10 +12292,9 @@
             </a:lvl1pPr>
           </a:lstStyle>
           <a:p>
-            <a:fld id="{48A87A34-81AB-432B-8DAE-1953F412C126}" type="datetimeFigureOut">
-              <a:rPr lang="en-US" dirty="0"/>
-              <a:pPr/>
-              <a:t>3/28/18</a:t>
+            <a:fld id="{C58E6024-C5A8-EF4D-AFB6-F101F820D4A4}" type="datetime1">
+              <a:rPr lang="en-GB" smtClean="0"/>
+              <a:t>29/03/2018</a:t>
             </a:fld>
             <a:endParaRPr lang="en-US" dirty="0"/>
           </a:p>
@@ -12050,6 +12401,7 @@
     <p:sldLayoutId id="2147483658" r:id="rId16"/>
     <p:sldLayoutId id="2147483659" r:id="rId17"/>
   </p:sldLayoutIdLst>
+  <p:hf hdr="0" dt="0"/>
   <p:txStyles>
     <p:titleStyle>
       <a:lvl1pPr algn="l" defTabSz="914400" rtl="0" eaLnBrk="1" latinLnBrk="0" hangingPunct="1">
@@ -12457,21 +12809,15 @@
           </a:p>
           <a:p>
             <a:r>
-              <a:rPr lang="en-GB" cap="none" dirty="0">
-                <a:hlinkClick r:id="rId3"/>
-              </a:rPr>
+              <a:rPr lang="en-GB" cap="none" dirty="0"/>
               <a:t>https://</a:t>
             </a:r>
             <a:r>
-              <a:rPr lang="en-GB" cap="none" dirty="0" err="1">
-                <a:hlinkClick r:id="rId3"/>
-              </a:rPr>
+              <a:rPr lang="en-GB" cap="none" dirty="0" err="1"/>
               <a:t>goo.gl</a:t>
             </a:r>
             <a:r>
-              <a:rPr lang="en-GB" cap="none" dirty="0">
-                <a:hlinkClick r:id="rId3"/>
-              </a:rPr>
+              <a:rPr lang="en-GB" cap="none" dirty="0"/>
               <a:t>/e7HLiK</a:t>
             </a:r>
             <a:endParaRPr lang="en-US" cap="none" dirty="0"/>
@@ -12607,7 +12953,7 @@
             </a:pPr>
             <a:r>
               <a:rPr lang="en-US" dirty="0"/>
-              <a:t>Read the secret file</a:t>
+              <a:t>Read the secret file.</a:t>
             </a:r>
           </a:p>
           <a:p>
@@ -12938,6 +13284,60 @@
           </a:p>
         </p:txBody>
       </p:sp>
+      <p:sp>
+        <p:nvSpPr>
+          <p:cNvPr id="5" name="Footer Placeholder 4">
+            <a:extLst>
+              <a:ext uri="{FF2B5EF4-FFF2-40B4-BE49-F238E27FC236}">
+                <a16:creationId xmlns:a16="http://schemas.microsoft.com/office/drawing/2014/main" id="{2147A41B-9F8F-BA46-8E9C-5E6F2C904EA2}"/>
+              </a:ext>
+            </a:extLst>
+          </p:cNvPr>
+          <p:cNvSpPr>
+            <a:spLocks noGrp="1"/>
+          </p:cNvSpPr>
+          <p:nvPr>
+            <p:ph type="ftr" sz="quarter" idx="11"/>
+          </p:nvPr>
+        </p:nvSpPr>
+        <p:spPr/>
+        <p:txBody>
+          <a:bodyPr/>
+          <a:lstStyle/>
+          <a:p>
+            <a:endParaRPr lang="en-US" dirty="0"/>
+          </a:p>
+        </p:txBody>
+      </p:sp>
+      <p:sp>
+        <p:nvSpPr>
+          <p:cNvPr id="6" name="Slide Number Placeholder 5">
+            <a:extLst>
+              <a:ext uri="{FF2B5EF4-FFF2-40B4-BE49-F238E27FC236}">
+                <a16:creationId xmlns:a16="http://schemas.microsoft.com/office/drawing/2014/main" id="{048D2C7D-D4EC-A747-A11C-EB76C9D611E5}"/>
+              </a:ext>
+            </a:extLst>
+          </p:cNvPr>
+          <p:cNvSpPr>
+            <a:spLocks noGrp="1"/>
+          </p:cNvSpPr>
+          <p:nvPr>
+            <p:ph type="sldNum" sz="quarter" idx="12"/>
+          </p:nvPr>
+        </p:nvSpPr>
+        <p:spPr/>
+        <p:txBody>
+          <a:bodyPr/>
+          <a:lstStyle/>
+          <a:p>
+            <a:fld id="{6D22F896-40B5-4ADD-8801-0D06FADFA095}" type="slidenum">
+              <a:rPr lang="en-US" smtClean="0"/>
+              <a:t>10</a:t>
+            </a:fld>
+            <a:endParaRPr lang="en-US" dirty="0"/>
+          </a:p>
+        </p:txBody>
+      </p:sp>
     </p:spTree>
     <p:extLst>
       <p:ext uri="{BB962C8B-B14F-4D97-AF65-F5344CB8AC3E}">
@@ -13082,7 +13482,7 @@
                   <a:schemeClr val="bg1"/>
                 </a:solidFill>
               </a:rPr>
-              <a:t> - Given an index, return the x, y coordinates in an image</a:t>
+              <a:t> - Given an index, return the x, y coordinates of an image</a:t>
             </a:r>
           </a:p>
           <a:p>
@@ -13300,6 +13700,60 @@
               </a:rPr>
               <a:t> – Get a bit from a byte array</a:t>
             </a:r>
+          </a:p>
+        </p:txBody>
+      </p:sp>
+      <p:sp>
+        <p:nvSpPr>
+          <p:cNvPr id="4" name="Footer Placeholder 3">
+            <a:extLst>
+              <a:ext uri="{FF2B5EF4-FFF2-40B4-BE49-F238E27FC236}">
+                <a16:creationId xmlns:a16="http://schemas.microsoft.com/office/drawing/2014/main" id="{219D9B96-6C7B-DE45-AB5A-E951D1828E87}"/>
+              </a:ext>
+            </a:extLst>
+          </p:cNvPr>
+          <p:cNvSpPr>
+            <a:spLocks noGrp="1"/>
+          </p:cNvSpPr>
+          <p:nvPr>
+            <p:ph type="ftr" sz="quarter" idx="11"/>
+          </p:nvPr>
+        </p:nvSpPr>
+        <p:spPr/>
+        <p:txBody>
+          <a:bodyPr/>
+          <a:lstStyle/>
+          <a:p>
+            <a:endParaRPr lang="en-US" dirty="0"/>
+          </a:p>
+        </p:txBody>
+      </p:sp>
+      <p:sp>
+        <p:nvSpPr>
+          <p:cNvPr id="5" name="Slide Number Placeholder 4">
+            <a:extLst>
+              <a:ext uri="{FF2B5EF4-FFF2-40B4-BE49-F238E27FC236}">
+                <a16:creationId xmlns:a16="http://schemas.microsoft.com/office/drawing/2014/main" id="{F9176363-1DAE-E54E-B28A-6A9256DA6D09}"/>
+              </a:ext>
+            </a:extLst>
+          </p:cNvPr>
+          <p:cNvSpPr>
+            <a:spLocks noGrp="1"/>
+          </p:cNvSpPr>
+          <p:nvPr>
+            <p:ph type="sldNum" sz="quarter" idx="12"/>
+          </p:nvPr>
+        </p:nvSpPr>
+        <p:spPr/>
+        <p:txBody>
+          <a:bodyPr/>
+          <a:lstStyle/>
+          <a:p>
+            <a:fld id="{6D22F896-40B5-4ADD-8801-0D06FADFA095}" type="slidenum">
+              <a:rPr lang="en-US" smtClean="0"/>
+              <a:t>11</a:t>
+            </a:fld>
+            <a:endParaRPr lang="en-US" dirty="0"/>
           </a:p>
         </p:txBody>
       </p:sp>
@@ -13441,6 +13895,60 @@
           </a:p>
         </p:txBody>
       </p:sp>
+      <p:sp>
+        <p:nvSpPr>
+          <p:cNvPr id="4" name="Footer Placeholder 3">
+            <a:extLst>
+              <a:ext uri="{FF2B5EF4-FFF2-40B4-BE49-F238E27FC236}">
+                <a16:creationId xmlns:a16="http://schemas.microsoft.com/office/drawing/2014/main" id="{864417DC-CC1E-ED43-9730-22ECC32EE0B5}"/>
+              </a:ext>
+            </a:extLst>
+          </p:cNvPr>
+          <p:cNvSpPr>
+            <a:spLocks noGrp="1"/>
+          </p:cNvSpPr>
+          <p:nvPr>
+            <p:ph type="ftr" sz="quarter" idx="11"/>
+          </p:nvPr>
+        </p:nvSpPr>
+        <p:spPr/>
+        <p:txBody>
+          <a:bodyPr/>
+          <a:lstStyle/>
+          <a:p>
+            <a:endParaRPr lang="en-US" dirty="0"/>
+          </a:p>
+        </p:txBody>
+      </p:sp>
+      <p:sp>
+        <p:nvSpPr>
+          <p:cNvPr id="5" name="Slide Number Placeholder 4">
+            <a:extLst>
+              <a:ext uri="{FF2B5EF4-FFF2-40B4-BE49-F238E27FC236}">
+                <a16:creationId xmlns:a16="http://schemas.microsoft.com/office/drawing/2014/main" id="{A22EB552-3E2A-D246-9919-F907FBC733A7}"/>
+              </a:ext>
+            </a:extLst>
+          </p:cNvPr>
+          <p:cNvSpPr>
+            <a:spLocks noGrp="1"/>
+          </p:cNvSpPr>
+          <p:nvPr>
+            <p:ph type="sldNum" sz="quarter" idx="12"/>
+          </p:nvPr>
+        </p:nvSpPr>
+        <p:spPr/>
+        <p:txBody>
+          <a:bodyPr/>
+          <a:lstStyle/>
+          <a:p>
+            <a:fld id="{6D22F896-40B5-4ADD-8801-0D06FADFA095}" type="slidenum">
+              <a:rPr lang="en-US" smtClean="0"/>
+              <a:t>12</a:t>
+            </a:fld>
+            <a:endParaRPr lang="en-US" dirty="0"/>
+          </a:p>
+        </p:txBody>
+      </p:sp>
     </p:spTree>
     <p:extLst>
       <p:ext uri="{BB962C8B-B14F-4D97-AF65-F5344CB8AC3E}">
@@ -13547,6 +14055,60 @@
               <a:rPr lang="en-US" dirty="0"/>
               <a:t>Have a go</a:t>
             </a:r>
+          </a:p>
+        </p:txBody>
+      </p:sp>
+      <p:sp>
+        <p:nvSpPr>
+          <p:cNvPr id="4" name="Footer Placeholder 3">
+            <a:extLst>
+              <a:ext uri="{FF2B5EF4-FFF2-40B4-BE49-F238E27FC236}">
+                <a16:creationId xmlns:a16="http://schemas.microsoft.com/office/drawing/2014/main" id="{3C698E39-D973-8F4D-86B9-5F795F3B40BD}"/>
+              </a:ext>
+            </a:extLst>
+          </p:cNvPr>
+          <p:cNvSpPr>
+            <a:spLocks noGrp="1"/>
+          </p:cNvSpPr>
+          <p:nvPr>
+            <p:ph type="ftr" sz="quarter" idx="11"/>
+          </p:nvPr>
+        </p:nvSpPr>
+        <p:spPr/>
+        <p:txBody>
+          <a:bodyPr/>
+          <a:lstStyle/>
+          <a:p>
+            <a:endParaRPr lang="en-US" dirty="0"/>
+          </a:p>
+        </p:txBody>
+      </p:sp>
+      <p:sp>
+        <p:nvSpPr>
+          <p:cNvPr id="5" name="Slide Number Placeholder 4">
+            <a:extLst>
+              <a:ext uri="{FF2B5EF4-FFF2-40B4-BE49-F238E27FC236}">
+                <a16:creationId xmlns:a16="http://schemas.microsoft.com/office/drawing/2014/main" id="{3312A98F-59A1-4845-8A56-8B30DBA908BE}"/>
+              </a:ext>
+            </a:extLst>
+          </p:cNvPr>
+          <p:cNvSpPr>
+            <a:spLocks noGrp="1"/>
+          </p:cNvSpPr>
+          <p:nvPr>
+            <p:ph type="sldNum" sz="quarter" idx="12"/>
+          </p:nvPr>
+        </p:nvSpPr>
+        <p:spPr/>
+        <p:txBody>
+          <a:bodyPr/>
+          <a:lstStyle/>
+          <a:p>
+            <a:fld id="{6D22F896-40B5-4ADD-8801-0D06FADFA095}" type="slidenum">
+              <a:rPr lang="en-US" smtClean="0"/>
+              <a:t>2</a:t>
+            </a:fld>
+            <a:endParaRPr lang="en-US" dirty="0"/>
           </a:p>
         </p:txBody>
       </p:sp>
@@ -13641,7 +14203,7 @@
           <a:p>
             <a:r>
               <a:rPr lang="en-US" dirty="0"/>
-              <a:t>Steganography means data hiding.  </a:t>
+              <a:t>Steganography means hiding data.  </a:t>
             </a:r>
           </a:p>
           <a:p>
@@ -13661,6 +14223,60 @@
               <a:rPr lang="en-US" dirty="0"/>
               <a:t>We will be talking about steganography in images.</a:t>
             </a:r>
+          </a:p>
+        </p:txBody>
+      </p:sp>
+      <p:sp>
+        <p:nvSpPr>
+          <p:cNvPr id="4" name="Footer Placeholder 3">
+            <a:extLst>
+              <a:ext uri="{FF2B5EF4-FFF2-40B4-BE49-F238E27FC236}">
+                <a16:creationId xmlns:a16="http://schemas.microsoft.com/office/drawing/2014/main" id="{4375FADB-93A6-814F-85B5-8C7B205FF21C}"/>
+              </a:ext>
+            </a:extLst>
+          </p:cNvPr>
+          <p:cNvSpPr>
+            <a:spLocks noGrp="1"/>
+          </p:cNvSpPr>
+          <p:nvPr>
+            <p:ph type="ftr" sz="quarter" idx="11"/>
+          </p:nvPr>
+        </p:nvSpPr>
+        <p:spPr/>
+        <p:txBody>
+          <a:bodyPr/>
+          <a:lstStyle/>
+          <a:p>
+            <a:endParaRPr lang="en-US" dirty="0"/>
+          </a:p>
+        </p:txBody>
+      </p:sp>
+      <p:sp>
+        <p:nvSpPr>
+          <p:cNvPr id="5" name="Slide Number Placeholder 4">
+            <a:extLst>
+              <a:ext uri="{FF2B5EF4-FFF2-40B4-BE49-F238E27FC236}">
+                <a16:creationId xmlns:a16="http://schemas.microsoft.com/office/drawing/2014/main" id="{3FA8AA31-D4F4-074B-A6C6-2FC4C9971E5C}"/>
+              </a:ext>
+            </a:extLst>
+          </p:cNvPr>
+          <p:cNvSpPr>
+            <a:spLocks noGrp="1"/>
+          </p:cNvSpPr>
+          <p:nvPr>
+            <p:ph type="sldNum" sz="quarter" idx="12"/>
+          </p:nvPr>
+        </p:nvSpPr>
+        <p:spPr/>
+        <p:txBody>
+          <a:bodyPr/>
+          <a:lstStyle/>
+          <a:p>
+            <a:fld id="{6D22F896-40B5-4ADD-8801-0D06FADFA095}" type="slidenum">
+              <a:rPr lang="en-US" smtClean="0"/>
+              <a:t>3</a:t>
+            </a:fld>
+            <a:endParaRPr lang="en-US" dirty="0"/>
           </a:p>
         </p:txBody>
       </p:sp>
@@ -13833,6 +14449,60 @@
               <a:rPr lang="en-GB" dirty="0"/>
               <a:t>, 1998</a:t>
             </a:r>
+            <a:endParaRPr lang="en-US" dirty="0"/>
+          </a:p>
+        </p:txBody>
+      </p:sp>
+      <p:sp>
+        <p:nvSpPr>
+          <p:cNvPr id="5" name="Footer Placeholder 4">
+            <a:extLst>
+              <a:ext uri="{FF2B5EF4-FFF2-40B4-BE49-F238E27FC236}">
+                <a16:creationId xmlns:a16="http://schemas.microsoft.com/office/drawing/2014/main" id="{818EA4CC-2895-7A46-A8F0-CC247DADA7F4}"/>
+              </a:ext>
+            </a:extLst>
+          </p:cNvPr>
+          <p:cNvSpPr>
+            <a:spLocks noGrp="1"/>
+          </p:cNvSpPr>
+          <p:nvPr>
+            <p:ph type="ftr" sz="quarter" idx="11"/>
+          </p:nvPr>
+        </p:nvSpPr>
+        <p:spPr/>
+        <p:txBody>
+          <a:bodyPr/>
+          <a:lstStyle/>
+          <a:p>
+            <a:endParaRPr lang="en-US" dirty="0"/>
+          </a:p>
+        </p:txBody>
+      </p:sp>
+      <p:sp>
+        <p:nvSpPr>
+          <p:cNvPr id="6" name="Slide Number Placeholder 5">
+            <a:extLst>
+              <a:ext uri="{FF2B5EF4-FFF2-40B4-BE49-F238E27FC236}">
+                <a16:creationId xmlns:a16="http://schemas.microsoft.com/office/drawing/2014/main" id="{C1AFC7E8-4D85-9A4A-A7AF-CD74BA5FEFD4}"/>
+              </a:ext>
+            </a:extLst>
+          </p:cNvPr>
+          <p:cNvSpPr>
+            <a:spLocks noGrp="1"/>
+          </p:cNvSpPr>
+          <p:nvPr>
+            <p:ph type="sldNum" sz="quarter" idx="12"/>
+          </p:nvPr>
+        </p:nvSpPr>
+        <p:spPr/>
+        <p:txBody>
+          <a:bodyPr/>
+          <a:lstStyle/>
+          <a:p>
+            <a:fld id="{6D22F896-40B5-4ADD-8801-0D06FADFA095}" type="slidenum">
+              <a:rPr lang="en-US" smtClean="0"/>
+              <a:t>4</a:t>
+            </a:fld>
             <a:endParaRPr lang="en-US" dirty="0"/>
           </a:p>
         </p:txBody>
@@ -14099,6 +14769,60 @@
           </a:p>
         </p:txBody>
       </p:sp>
+      <p:sp>
+        <p:nvSpPr>
+          <p:cNvPr id="3" name="Footer Placeholder 2">
+            <a:extLst>
+              <a:ext uri="{FF2B5EF4-FFF2-40B4-BE49-F238E27FC236}">
+                <a16:creationId xmlns:a16="http://schemas.microsoft.com/office/drawing/2014/main" id="{786D9C94-F53B-2B42-B233-0E9334AD9C0D}"/>
+              </a:ext>
+            </a:extLst>
+          </p:cNvPr>
+          <p:cNvSpPr>
+            <a:spLocks noGrp="1"/>
+          </p:cNvSpPr>
+          <p:nvPr>
+            <p:ph type="ftr" sz="quarter" idx="11"/>
+          </p:nvPr>
+        </p:nvSpPr>
+        <p:spPr/>
+        <p:txBody>
+          <a:bodyPr/>
+          <a:lstStyle/>
+          <a:p>
+            <a:endParaRPr lang="en-US" dirty="0"/>
+          </a:p>
+        </p:txBody>
+      </p:sp>
+      <p:sp>
+        <p:nvSpPr>
+          <p:cNvPr id="4" name="Slide Number Placeholder 3">
+            <a:extLst>
+              <a:ext uri="{FF2B5EF4-FFF2-40B4-BE49-F238E27FC236}">
+                <a16:creationId xmlns:a16="http://schemas.microsoft.com/office/drawing/2014/main" id="{D9A21A22-0F95-CB47-8319-99937027EBDE}"/>
+              </a:ext>
+            </a:extLst>
+          </p:cNvPr>
+          <p:cNvSpPr>
+            <a:spLocks noGrp="1"/>
+          </p:cNvSpPr>
+          <p:nvPr>
+            <p:ph type="sldNum" sz="quarter" idx="12"/>
+          </p:nvPr>
+        </p:nvSpPr>
+        <p:spPr/>
+        <p:txBody>
+          <a:bodyPr/>
+          <a:lstStyle/>
+          <a:p>
+            <a:fld id="{6D22F896-40B5-4ADD-8801-0D06FADFA095}" type="slidenum">
+              <a:rPr lang="en-US" smtClean="0"/>
+              <a:t>5</a:t>
+            </a:fld>
+            <a:endParaRPr lang="en-US" dirty="0"/>
+          </a:p>
+        </p:txBody>
+      </p:sp>
     </p:spTree>
     <p:extLst>
       <p:ext uri="{BB962C8B-B14F-4D97-AF65-F5344CB8AC3E}">
@@ -14266,6 +14990,60 @@
               <a:rPr lang="en-US" dirty="0"/>
               <a:t>Each R, G, B part is a byte ranging from 0 - 255</a:t>
             </a:r>
+          </a:p>
+        </p:txBody>
+      </p:sp>
+      <p:sp>
+        <p:nvSpPr>
+          <p:cNvPr id="3" name="Footer Placeholder 2">
+            <a:extLst>
+              <a:ext uri="{FF2B5EF4-FFF2-40B4-BE49-F238E27FC236}">
+                <a16:creationId xmlns:a16="http://schemas.microsoft.com/office/drawing/2014/main" id="{716ABDEC-9C5F-B548-8FDF-B8499451EEA8}"/>
+              </a:ext>
+            </a:extLst>
+          </p:cNvPr>
+          <p:cNvSpPr>
+            <a:spLocks noGrp="1"/>
+          </p:cNvSpPr>
+          <p:nvPr>
+            <p:ph type="ftr" sz="quarter" idx="11"/>
+          </p:nvPr>
+        </p:nvSpPr>
+        <p:spPr/>
+        <p:txBody>
+          <a:bodyPr/>
+          <a:lstStyle/>
+          <a:p>
+            <a:endParaRPr lang="en-US" dirty="0"/>
+          </a:p>
+        </p:txBody>
+      </p:sp>
+      <p:sp>
+        <p:nvSpPr>
+          <p:cNvPr id="4" name="Slide Number Placeholder 3">
+            <a:extLst>
+              <a:ext uri="{FF2B5EF4-FFF2-40B4-BE49-F238E27FC236}">
+                <a16:creationId xmlns:a16="http://schemas.microsoft.com/office/drawing/2014/main" id="{FC576A45-EAF1-2C46-B218-7D113EC4A302}"/>
+              </a:ext>
+            </a:extLst>
+          </p:cNvPr>
+          <p:cNvSpPr>
+            <a:spLocks noGrp="1"/>
+          </p:cNvSpPr>
+          <p:nvPr>
+            <p:ph type="sldNum" sz="quarter" idx="12"/>
+          </p:nvPr>
+        </p:nvSpPr>
+        <p:spPr/>
+        <p:txBody>
+          <a:bodyPr/>
+          <a:lstStyle/>
+          <a:p>
+            <a:fld id="{6D22F896-40B5-4ADD-8801-0D06FADFA095}" type="slidenum">
+              <a:rPr lang="en-US" smtClean="0"/>
+              <a:t>6</a:t>
+            </a:fld>
+            <a:endParaRPr lang="en-US" dirty="0"/>
           </a:p>
         </p:txBody>
       </p:sp>
@@ -14796,6 +15574,60 @@
           </a:p>
         </p:txBody>
       </p:sp>
+      <p:sp>
+        <p:nvSpPr>
+          <p:cNvPr id="3" name="Footer Placeholder 2">
+            <a:extLst>
+              <a:ext uri="{FF2B5EF4-FFF2-40B4-BE49-F238E27FC236}">
+                <a16:creationId xmlns:a16="http://schemas.microsoft.com/office/drawing/2014/main" id="{4013A2F1-87AB-D24A-BC6C-55E02C252A4B}"/>
+              </a:ext>
+            </a:extLst>
+          </p:cNvPr>
+          <p:cNvSpPr>
+            <a:spLocks noGrp="1"/>
+          </p:cNvSpPr>
+          <p:nvPr>
+            <p:ph type="ftr" sz="quarter" idx="11"/>
+          </p:nvPr>
+        </p:nvSpPr>
+        <p:spPr/>
+        <p:txBody>
+          <a:bodyPr/>
+          <a:lstStyle/>
+          <a:p>
+            <a:endParaRPr lang="en-US" dirty="0"/>
+          </a:p>
+        </p:txBody>
+      </p:sp>
+      <p:sp>
+        <p:nvSpPr>
+          <p:cNvPr id="4" name="Slide Number Placeholder 3">
+            <a:extLst>
+              <a:ext uri="{FF2B5EF4-FFF2-40B4-BE49-F238E27FC236}">
+                <a16:creationId xmlns:a16="http://schemas.microsoft.com/office/drawing/2014/main" id="{B634B3C2-A865-4547-ABC4-B8778C4D4A1E}"/>
+              </a:ext>
+            </a:extLst>
+          </p:cNvPr>
+          <p:cNvSpPr>
+            <a:spLocks noGrp="1"/>
+          </p:cNvSpPr>
+          <p:nvPr>
+            <p:ph type="sldNum" sz="quarter" idx="12"/>
+          </p:nvPr>
+        </p:nvSpPr>
+        <p:spPr/>
+        <p:txBody>
+          <a:bodyPr/>
+          <a:lstStyle/>
+          <a:p>
+            <a:fld id="{6D22F896-40B5-4ADD-8801-0D06FADFA095}" type="slidenum">
+              <a:rPr lang="en-US" smtClean="0"/>
+              <a:t>7</a:t>
+            </a:fld>
+            <a:endParaRPr lang="en-US" dirty="0"/>
+          </a:p>
+        </p:txBody>
+      </p:sp>
     </p:spTree>
     <p:extLst>
       <p:ext uri="{BB962C8B-B14F-4D97-AF65-F5344CB8AC3E}">
@@ -15360,6 +16192,60 @@
               <a:rPr lang="en-US" dirty="0"/>
               <a:t>RGB( 0, 0, 254 )</a:t>
             </a:r>
+          </a:p>
+        </p:txBody>
+      </p:sp>
+      <p:sp>
+        <p:nvSpPr>
+          <p:cNvPr id="3" name="Footer Placeholder 2">
+            <a:extLst>
+              <a:ext uri="{FF2B5EF4-FFF2-40B4-BE49-F238E27FC236}">
+                <a16:creationId xmlns:a16="http://schemas.microsoft.com/office/drawing/2014/main" id="{0478CC43-8B97-A34D-89E0-070CDD2790FC}"/>
+              </a:ext>
+            </a:extLst>
+          </p:cNvPr>
+          <p:cNvSpPr>
+            <a:spLocks noGrp="1"/>
+          </p:cNvSpPr>
+          <p:nvPr>
+            <p:ph type="ftr" sz="quarter" idx="11"/>
+          </p:nvPr>
+        </p:nvSpPr>
+        <p:spPr/>
+        <p:txBody>
+          <a:bodyPr/>
+          <a:lstStyle/>
+          <a:p>
+            <a:endParaRPr lang="en-US" dirty="0"/>
+          </a:p>
+        </p:txBody>
+      </p:sp>
+      <p:sp>
+        <p:nvSpPr>
+          <p:cNvPr id="4" name="Slide Number Placeholder 3">
+            <a:extLst>
+              <a:ext uri="{FF2B5EF4-FFF2-40B4-BE49-F238E27FC236}">
+                <a16:creationId xmlns:a16="http://schemas.microsoft.com/office/drawing/2014/main" id="{3A4EFE36-79B0-8A41-B57F-65F7E3B35A48}"/>
+              </a:ext>
+            </a:extLst>
+          </p:cNvPr>
+          <p:cNvSpPr>
+            <a:spLocks noGrp="1"/>
+          </p:cNvSpPr>
+          <p:nvPr>
+            <p:ph type="sldNum" sz="quarter" idx="12"/>
+          </p:nvPr>
+        </p:nvSpPr>
+        <p:spPr/>
+        <p:txBody>
+          <a:bodyPr/>
+          <a:lstStyle/>
+          <a:p>
+            <a:fld id="{6D22F896-40B5-4ADD-8801-0D06FADFA095}" type="slidenum">
+              <a:rPr lang="en-US" smtClean="0"/>
+              <a:t>8</a:t>
+            </a:fld>
+            <a:endParaRPr lang="en-US" dirty="0"/>
           </a:p>
         </p:txBody>
       </p:sp>
@@ -17153,6 +18039,60 @@
           </a:p>
         </p:txBody>
       </p:sp>
+      <p:sp>
+        <p:nvSpPr>
+          <p:cNvPr id="4" name="Footer Placeholder 3">
+            <a:extLst>
+              <a:ext uri="{FF2B5EF4-FFF2-40B4-BE49-F238E27FC236}">
+                <a16:creationId xmlns:a16="http://schemas.microsoft.com/office/drawing/2014/main" id="{B0E2456F-68BA-F14F-881C-F9B90872059D}"/>
+              </a:ext>
+            </a:extLst>
+          </p:cNvPr>
+          <p:cNvSpPr>
+            <a:spLocks noGrp="1"/>
+          </p:cNvSpPr>
+          <p:nvPr>
+            <p:ph type="ftr" sz="quarter" idx="11"/>
+          </p:nvPr>
+        </p:nvSpPr>
+        <p:spPr/>
+        <p:txBody>
+          <a:bodyPr/>
+          <a:lstStyle/>
+          <a:p>
+            <a:endParaRPr lang="en-US" dirty="0"/>
+          </a:p>
+        </p:txBody>
+      </p:sp>
+      <p:sp>
+        <p:nvSpPr>
+          <p:cNvPr id="5" name="Slide Number Placeholder 4">
+            <a:extLst>
+              <a:ext uri="{FF2B5EF4-FFF2-40B4-BE49-F238E27FC236}">
+                <a16:creationId xmlns:a16="http://schemas.microsoft.com/office/drawing/2014/main" id="{A6F13C7A-3477-1E45-8926-24C65836A72F}"/>
+              </a:ext>
+            </a:extLst>
+          </p:cNvPr>
+          <p:cNvSpPr>
+            <a:spLocks noGrp="1"/>
+          </p:cNvSpPr>
+          <p:nvPr>
+            <p:ph type="sldNum" sz="quarter" idx="12"/>
+          </p:nvPr>
+        </p:nvSpPr>
+        <p:spPr/>
+        <p:txBody>
+          <a:bodyPr/>
+          <a:lstStyle/>
+          <a:p>
+            <a:fld id="{6D22F896-40B5-4ADD-8801-0D06FADFA095}" type="slidenum">
+              <a:rPr lang="en-US" smtClean="0"/>
+              <a:t>9</a:t>
+            </a:fld>
+            <a:endParaRPr lang="en-US" dirty="0"/>
+          </a:p>
+        </p:txBody>
+      </p:sp>
     </p:spTree>
     <p:extLst>
       <p:ext uri="{BB962C8B-B14F-4D97-AF65-F5344CB8AC3E}">
@@ -17415,4 +18355,299 @@
     </a:ext>
   </a:extLst>
 </a:theme>
+</file>
+
+<file path=ppt/theme/theme2.xml><?xml version="1.0" encoding="utf-8"?>
+<a:theme xmlns:a="http://schemas.openxmlformats.org/drawingml/2006/main" name="Office Theme">
+  <a:themeElements>
+    <a:clrScheme name="Office">
+      <a:dk1>
+        <a:sysClr val="windowText" lastClr="000000"/>
+      </a:dk1>
+      <a:lt1>
+        <a:sysClr val="window" lastClr="FFFFFF"/>
+      </a:lt1>
+      <a:dk2>
+        <a:srgbClr val="44546A"/>
+      </a:dk2>
+      <a:lt2>
+        <a:srgbClr val="E7E6E6"/>
+      </a:lt2>
+      <a:accent1>
+        <a:srgbClr val="4472C4"/>
+      </a:accent1>
+      <a:accent2>
+        <a:srgbClr val="ED7D31"/>
+      </a:accent2>
+      <a:accent3>
+        <a:srgbClr val="A5A5A5"/>
+      </a:accent3>
+      <a:accent4>
+        <a:srgbClr val="FFC000"/>
+      </a:accent4>
+      <a:accent5>
+        <a:srgbClr val="5B9BD5"/>
+      </a:accent5>
+      <a:accent6>
+        <a:srgbClr val="70AD47"/>
+      </a:accent6>
+      <a:hlink>
+        <a:srgbClr val="0563C1"/>
+      </a:hlink>
+      <a:folHlink>
+        <a:srgbClr val="954F72"/>
+      </a:folHlink>
+    </a:clrScheme>
+    <a:fontScheme name="Office">
+      <a:majorFont>
+        <a:latin typeface="Calibri Light" panose="020F0302020204030204"/>
+        <a:ea typeface=""/>
+        <a:cs typeface=""/>
+        <a:font script="Jpan" typeface="游ゴシック Light"/>
+        <a:font script="Hang" typeface="맑은 고딕"/>
+        <a:font script="Hans" typeface="等线 Light"/>
+        <a:font script="Hant" typeface="新細明體"/>
+        <a:font script="Arab" typeface="Times New Roman"/>
+        <a:font script="Hebr" typeface="Times New Roman"/>
+        <a:font script="Thai" typeface="Angsana New"/>
+        <a:font script="Ethi" typeface="Nyala"/>
+        <a:font script="Beng" typeface="Vrinda"/>
+        <a:font script="Gujr" typeface="Shruti"/>
+        <a:font script="Khmr" typeface="MoolBoran"/>
+        <a:font script="Knda" typeface="Tunga"/>
+        <a:font script="Guru" typeface="Raavi"/>
+        <a:font script="Cans" typeface="Euphemia"/>
+        <a:font script="Cher" typeface="Plantagenet Cherokee"/>
+        <a:font script="Yiii" typeface="Microsoft Yi Baiti"/>
+        <a:font script="Tibt" typeface="Microsoft Himalaya"/>
+        <a:font script="Thaa" typeface="MV Boli"/>
+        <a:font script="Deva" typeface="Mangal"/>
+        <a:font script="Telu" typeface="Gautami"/>
+        <a:font script="Taml" typeface="Latha"/>
+        <a:font script="Syrc" typeface="Estrangelo Edessa"/>
+        <a:font script="Orya" typeface="Kalinga"/>
+        <a:font script="Mlym" typeface="Kartika"/>
+        <a:font script="Laoo" typeface="DokChampa"/>
+        <a:font script="Sinh" typeface="Iskoola Pota"/>
+        <a:font script="Mong" typeface="Mongolian Baiti"/>
+        <a:font script="Viet" typeface="Times New Roman"/>
+        <a:font script="Uigh" typeface="Microsoft Uighur"/>
+        <a:font script="Geor" typeface="Sylfaen"/>
+        <a:font script="Armn" typeface="Arial"/>
+        <a:font script="Bugi" typeface="Leelawadee UI"/>
+        <a:font script="Bopo" typeface="Microsoft JhengHei"/>
+        <a:font script="Java" typeface="Javanese Text"/>
+        <a:font script="Lisu" typeface="Segoe UI"/>
+        <a:font script="Mymr" typeface="Myanmar Text"/>
+        <a:font script="Nkoo" typeface="Ebrima"/>
+        <a:font script="Olck" typeface="Nirmala UI"/>
+        <a:font script="Osma" typeface="Ebrima"/>
+        <a:font script="Phag" typeface="Phagspa"/>
+        <a:font script="Syrn" typeface="Estrangelo Edessa"/>
+        <a:font script="Syrj" typeface="Estrangelo Edessa"/>
+        <a:font script="Syre" typeface="Estrangelo Edessa"/>
+        <a:font script="Sora" typeface="Nirmala UI"/>
+        <a:font script="Tale" typeface="Microsoft Tai Le"/>
+        <a:font script="Talu" typeface="Microsoft New Tai Lue"/>
+        <a:font script="Tfng" typeface="Ebrima"/>
+      </a:majorFont>
+      <a:minorFont>
+        <a:latin typeface="Calibri" panose="020F0502020204030204"/>
+        <a:ea typeface=""/>
+        <a:cs typeface=""/>
+        <a:font script="Jpan" typeface="游ゴシック"/>
+        <a:font script="Hang" typeface="맑은 고딕"/>
+        <a:font script="Hans" typeface="等线"/>
+        <a:font script="Hant" typeface="新細明體"/>
+        <a:font script="Arab" typeface="Arial"/>
+        <a:font script="Hebr" typeface="Arial"/>
+        <a:font script="Thai" typeface="Cordia New"/>
+        <a:font script="Ethi" typeface="Nyala"/>
+        <a:font script="Beng" typeface="Vrinda"/>
+        <a:font script="Gujr" typeface="Shruti"/>
+        <a:font script="Khmr" typeface="DaunPenh"/>
+        <a:font script="Knda" typeface="Tunga"/>
+        <a:font script="Guru" typeface="Raavi"/>
+        <a:font script="Cans" typeface="Euphemia"/>
+        <a:font script="Cher" typeface="Plantagenet Cherokee"/>
+        <a:font script="Yiii" typeface="Microsoft Yi Baiti"/>
+        <a:font script="Tibt" typeface="Microsoft Himalaya"/>
+        <a:font script="Thaa" typeface="MV Boli"/>
+        <a:font script="Deva" typeface="Mangal"/>
+        <a:font script="Telu" typeface="Gautami"/>
+        <a:font script="Taml" typeface="Latha"/>
+        <a:font script="Syrc" typeface="Estrangelo Edessa"/>
+        <a:font script="Orya" typeface="Kalinga"/>
+        <a:font script="Mlym" typeface="Kartika"/>
+        <a:font script="Laoo" typeface="DokChampa"/>
+        <a:font script="Sinh" typeface="Iskoola Pota"/>
+        <a:font script="Mong" typeface="Mongolian Baiti"/>
+        <a:font script="Viet" typeface="Arial"/>
+        <a:font script="Uigh" typeface="Microsoft Uighur"/>
+        <a:font script="Geor" typeface="Sylfaen"/>
+        <a:font script="Armn" typeface="Arial"/>
+        <a:font script="Bugi" typeface="Leelawadee UI"/>
+        <a:font script="Bopo" typeface="Microsoft JhengHei"/>
+        <a:font script="Java" typeface="Javanese Text"/>
+        <a:font script="Lisu" typeface="Segoe UI"/>
+        <a:font script="Mymr" typeface="Myanmar Text"/>
+        <a:font script="Nkoo" typeface="Ebrima"/>
+        <a:font script="Olck" typeface="Nirmala UI"/>
+        <a:font script="Osma" typeface="Ebrima"/>
+        <a:font script="Phag" typeface="Phagspa"/>
+        <a:font script="Syrn" typeface="Estrangelo Edessa"/>
+        <a:font script="Syrj" typeface="Estrangelo Edessa"/>
+        <a:font script="Syre" typeface="Estrangelo Edessa"/>
+        <a:font script="Sora" typeface="Nirmala UI"/>
+        <a:font script="Tale" typeface="Microsoft Tai Le"/>
+        <a:font script="Talu" typeface="Microsoft New Tai Lue"/>
+        <a:font script="Tfng" typeface="Ebrima"/>
+      </a:minorFont>
+    </a:fontScheme>
+    <a:fmtScheme name="Office">
+      <a:fillStyleLst>
+        <a:solidFill>
+          <a:schemeClr val="phClr"/>
+        </a:solidFill>
+        <a:gradFill rotWithShape="1">
+          <a:gsLst>
+            <a:gs pos="0">
+              <a:schemeClr val="phClr">
+                <a:lumMod val="110000"/>
+                <a:satMod val="105000"/>
+                <a:tint val="67000"/>
+              </a:schemeClr>
+            </a:gs>
+            <a:gs pos="50000">
+              <a:schemeClr val="phClr">
+                <a:lumMod val="105000"/>
+                <a:satMod val="103000"/>
+                <a:tint val="73000"/>
+              </a:schemeClr>
+            </a:gs>
+            <a:gs pos="100000">
+              <a:schemeClr val="phClr">
+                <a:lumMod val="105000"/>
+                <a:satMod val="109000"/>
+                <a:tint val="81000"/>
+              </a:schemeClr>
+            </a:gs>
+          </a:gsLst>
+          <a:lin ang="5400000" scaled="0"/>
+        </a:gradFill>
+        <a:gradFill rotWithShape="1">
+          <a:gsLst>
+            <a:gs pos="0">
+              <a:schemeClr val="phClr">
+                <a:satMod val="103000"/>
+                <a:lumMod val="102000"/>
+                <a:tint val="94000"/>
+              </a:schemeClr>
+            </a:gs>
+            <a:gs pos="50000">
+              <a:schemeClr val="phClr">
+                <a:satMod val="110000"/>
+                <a:lumMod val="100000"/>
+                <a:shade val="100000"/>
+              </a:schemeClr>
+            </a:gs>
+            <a:gs pos="100000">
+              <a:schemeClr val="phClr">
+                <a:lumMod val="99000"/>
+                <a:satMod val="120000"/>
+                <a:shade val="78000"/>
+              </a:schemeClr>
+            </a:gs>
+          </a:gsLst>
+          <a:lin ang="5400000" scaled="0"/>
+        </a:gradFill>
+      </a:fillStyleLst>
+      <a:lnStyleLst>
+        <a:ln w="6350" cap="flat" cmpd="sng" algn="ctr">
+          <a:solidFill>
+            <a:schemeClr val="phClr"/>
+          </a:solidFill>
+          <a:prstDash val="solid"/>
+          <a:miter lim="800000"/>
+        </a:ln>
+        <a:ln w="12700" cap="flat" cmpd="sng" algn="ctr">
+          <a:solidFill>
+            <a:schemeClr val="phClr"/>
+          </a:solidFill>
+          <a:prstDash val="solid"/>
+          <a:miter lim="800000"/>
+        </a:ln>
+        <a:ln w="19050" cap="flat" cmpd="sng" algn="ctr">
+          <a:solidFill>
+            <a:schemeClr val="phClr"/>
+          </a:solidFill>
+          <a:prstDash val="solid"/>
+          <a:miter lim="800000"/>
+        </a:ln>
+      </a:lnStyleLst>
+      <a:effectStyleLst>
+        <a:effectStyle>
+          <a:effectLst/>
+        </a:effectStyle>
+        <a:effectStyle>
+          <a:effectLst/>
+        </a:effectStyle>
+        <a:effectStyle>
+          <a:effectLst>
+            <a:outerShdw blurRad="57150" dist="19050" dir="5400000" algn="ctr" rotWithShape="0">
+              <a:srgbClr val="000000">
+                <a:alpha val="63000"/>
+              </a:srgbClr>
+            </a:outerShdw>
+          </a:effectLst>
+        </a:effectStyle>
+      </a:effectStyleLst>
+      <a:bgFillStyleLst>
+        <a:solidFill>
+          <a:schemeClr val="phClr"/>
+        </a:solidFill>
+        <a:solidFill>
+          <a:schemeClr val="phClr">
+            <a:tint val="95000"/>
+            <a:satMod val="170000"/>
+          </a:schemeClr>
+        </a:solidFill>
+        <a:gradFill rotWithShape="1">
+          <a:gsLst>
+            <a:gs pos="0">
+              <a:schemeClr val="phClr">
+                <a:tint val="93000"/>
+                <a:satMod val="150000"/>
+                <a:shade val="98000"/>
+                <a:lumMod val="102000"/>
+              </a:schemeClr>
+            </a:gs>
+            <a:gs pos="50000">
+              <a:schemeClr val="phClr">
+                <a:tint val="98000"/>
+                <a:satMod val="130000"/>
+                <a:shade val="90000"/>
+                <a:lumMod val="103000"/>
+              </a:schemeClr>
+            </a:gs>
+            <a:gs pos="100000">
+              <a:schemeClr val="phClr">
+                <a:shade val="63000"/>
+                <a:satMod val="120000"/>
+              </a:schemeClr>
+            </a:gs>
+          </a:gsLst>
+          <a:lin ang="5400000" scaled="0"/>
+        </a:gradFill>
+      </a:bgFillStyleLst>
+    </a:fmtScheme>
+  </a:themeElements>
+  <a:objectDefaults/>
+  <a:extraClrSchemeLst/>
+  <a:extLst>
+    <a:ext uri="{05A4C25C-085E-4340-85A3-A5531E510DB2}">
+      <thm15:themeFamily xmlns:thm15="http://schemas.microsoft.com/office/thememl/2012/main" name="Office Theme" id="{62F939B6-93AF-4DB8-9C6B-D6C7DFDC589F}" vid="{4A3C46E8-61CC-4603-A589-7422A47A8E4A}"/>
+    </a:ext>
+  </a:extLst>
+</a:theme>
 </file>
--- a/kainosSteg.pptx
+++ b/kainosSteg.pptx
@@ -5,7 +5,7 @@
     <p:sldMasterId id="2147483648" r:id="rId1"/>
   </p:sldMasterIdLst>
   <p:notesMasterIdLst>
-    <p:notesMasterId r:id="rId14"/>
+    <p:notesMasterId r:id="rId18"/>
   </p:notesMasterIdLst>
   <p:sldIdLst>
     <p:sldId id="256" r:id="rId2"/>
@@ -15,11 +15,15 @@
     <p:sldId id="257" r:id="rId6"/>
     <p:sldId id="260" r:id="rId7"/>
     <p:sldId id="258" r:id="rId8"/>
-    <p:sldId id="261" r:id="rId9"/>
+    <p:sldId id="268" r:id="rId9"/>
     <p:sldId id="262" r:id="rId10"/>
-    <p:sldId id="266" r:id="rId11"/>
-    <p:sldId id="267" r:id="rId12"/>
-    <p:sldId id="264" r:id="rId13"/>
+    <p:sldId id="270" r:id="rId11"/>
+    <p:sldId id="269" r:id="rId12"/>
+    <p:sldId id="266" r:id="rId13"/>
+    <p:sldId id="267" r:id="rId14"/>
+    <p:sldId id="264" r:id="rId15"/>
+    <p:sldId id="271" r:id="rId16"/>
+    <p:sldId id="272" r:id="rId17"/>
   </p:sldIdLst>
   <p:sldSz cx="12192000" cy="6858000"/>
   <p:notesSz cx="6858000" cy="9144000"/>
@@ -208,7 +212,7 @@
           <a:p>
             <a:fld id="{38802A40-7C21-F942-8653-C2194C12E3D8}" type="datetimeFigureOut">
               <a:rPr lang="en-US" smtClean="0"/>
-              <a:t>3/29/18</a:t>
+              <a:t>4/13/18</a:t>
             </a:fld>
             <a:endParaRPr lang="en-US"/>
           </a:p>
@@ -4749,9 +4753,9 @@
           <a:bodyPr/>
           <a:lstStyle/>
           <a:p>
-            <a:fld id="{86E7910F-3943-7D40-915C-A295276C9DFD}" type="datetime1">
+            <a:fld id="{E66287FE-E6DB-6640-B2B1-BFB57AADA521}" type="datetime1">
               <a:rPr lang="en-GB" smtClean="0"/>
-              <a:t>29/03/2018</a:t>
+              <a:t>13/04/2018</a:t>
             </a:fld>
             <a:endParaRPr lang="en-US" dirty="0"/>
           </a:p>
@@ -5011,9 +5015,9 @@
           <a:bodyPr/>
           <a:lstStyle/>
           <a:p>
-            <a:fld id="{A5E6CFB9-DDDE-CA40-8EDA-4F2FCEFDF60B}" type="datetime1">
+            <a:fld id="{4D8A46F2-FD5C-F141-BAFB-10CBF39FB898}" type="datetime1">
               <a:rPr lang="en-GB" smtClean="0"/>
-              <a:t>29/03/2018</a:t>
+              <a:t>13/04/2018</a:t>
             </a:fld>
             <a:endParaRPr lang="en-US" dirty="0"/>
           </a:p>
@@ -5202,9 +5206,9 @@
           <a:bodyPr/>
           <a:lstStyle/>
           <a:p>
-            <a:fld id="{A83B39AF-B7BC-1643-A489-1576635FCAE0}" type="datetime1">
+            <a:fld id="{EBAEAF30-D115-CC46-9737-1135F6292321}" type="datetime1">
               <a:rPr lang="en-GB" smtClean="0"/>
-              <a:t>29/03/2018</a:t>
+              <a:t>13/04/2018</a:t>
             </a:fld>
             <a:endParaRPr lang="en-US" dirty="0"/>
           </a:p>
@@ -5460,9 +5464,9 @@
           <a:bodyPr/>
           <a:lstStyle/>
           <a:p>
-            <a:fld id="{3A5835CB-C976-C246-9208-E48792322CC0}" type="datetime1">
+            <a:fld id="{D406C959-642D-E34E-9D46-58394362E00A}" type="datetime1">
               <a:rPr lang="en-GB" smtClean="0"/>
-              <a:t>29/03/2018</a:t>
+              <a:t>13/04/2018</a:t>
             </a:fld>
             <a:endParaRPr lang="en-US" dirty="0"/>
           </a:p>
@@ -5889,9 +5893,9 @@
           <a:bodyPr/>
           <a:lstStyle/>
           <a:p>
-            <a:fld id="{91DAB050-6DF7-E840-8452-D7DC0CFB2A9A}" type="datetime1">
+            <a:fld id="{AC497D32-2840-2146-B40C-F512D97EA0E9}" type="datetime1">
               <a:rPr lang="en-GB" smtClean="0"/>
-              <a:t>29/03/2018</a:t>
+              <a:t>13/04/2018</a:t>
             </a:fld>
             <a:endParaRPr lang="en-US" dirty="0"/>
           </a:p>
@@ -6430,9 +6434,9 @@
           <a:bodyPr/>
           <a:lstStyle/>
           <a:p>
-            <a:fld id="{695D80C4-22B4-DB48-B491-3F3CB7EF3BCA}" type="datetime1">
+            <a:fld id="{D1D1E05D-5917-484A-9732-5B2D4D4A1CE6}" type="datetime1">
               <a:rPr lang="en-GB" smtClean="0"/>
-              <a:t>29/03/2018</a:t>
+              <a:t>13/04/2018</a:t>
             </a:fld>
             <a:endParaRPr lang="en-US" dirty="0"/>
           </a:p>
@@ -7145,9 +7149,9 @@
           <a:bodyPr/>
           <a:lstStyle/>
           <a:p>
-            <a:fld id="{47CA9D41-C468-4749-A818-268C04CE0FC0}" type="datetime1">
+            <a:fld id="{6A27734D-9DD0-8E40-A99A-935B1F878F10}" type="datetime1">
               <a:rPr lang="en-GB" smtClean="0"/>
-              <a:t>29/03/2018</a:t>
+              <a:t>13/04/2018</a:t>
             </a:fld>
             <a:endParaRPr lang="en-US" dirty="0"/>
           </a:p>
@@ -7310,9 +7314,9 @@
           <a:bodyPr/>
           <a:lstStyle/>
           <a:p>
-            <a:fld id="{E2E15665-3782-0445-AE96-9A3127954B04}" type="datetime1">
+            <a:fld id="{C111EEE5-F88A-A145-98C1-E080E6FF3829}" type="datetime1">
               <a:rPr lang="en-GB" smtClean="0"/>
-              <a:t>29/03/2018</a:t>
+              <a:t>13/04/2018</a:t>
             </a:fld>
             <a:endParaRPr lang="en-US" dirty="0"/>
           </a:p>
@@ -7485,9 +7489,9 @@
           <a:bodyPr/>
           <a:lstStyle/>
           <a:p>
-            <a:fld id="{EAC26E2D-46E4-154A-A098-A7B1A5F853D4}" type="datetime1">
+            <a:fld id="{AA3DB9F5-8892-B240-8F68-0E1DF5139BA9}" type="datetime1">
               <a:rPr lang="en-GB" smtClean="0"/>
-              <a:t>29/03/2018</a:t>
+              <a:t>13/04/2018</a:t>
             </a:fld>
             <a:endParaRPr lang="en-US" dirty="0"/>
           </a:p>
@@ -7650,9 +7654,9 @@
           <a:bodyPr/>
           <a:lstStyle/>
           <a:p>
-            <a:fld id="{F701AC8C-1FD3-E94E-B603-E87B455A19A6}" type="datetime1">
+            <a:fld id="{D9C34071-2D55-834B-ABA2-DBA3F1BC9487}" type="datetime1">
               <a:rPr lang="en-GB" smtClean="0"/>
-              <a:t>29/03/2018</a:t>
+              <a:t>13/04/2018</a:t>
             </a:fld>
             <a:endParaRPr lang="en-US" dirty="0"/>
           </a:p>
@@ -7895,9 +7899,9 @@
           <a:bodyPr/>
           <a:lstStyle/>
           <a:p>
-            <a:fld id="{D3EAC69F-01BE-3341-A835-055998B1C7B8}" type="datetime1">
+            <a:fld id="{CA9588CE-D72A-7144-B575-004E99DE10CD}" type="datetime1">
               <a:rPr lang="en-GB" smtClean="0"/>
-              <a:t>29/03/2018</a:t>
+              <a:t>13/04/2018</a:t>
             </a:fld>
             <a:endParaRPr lang="en-US" dirty="0"/>
           </a:p>
@@ -8122,9 +8126,9 @@
           <a:bodyPr/>
           <a:lstStyle/>
           <a:p>
-            <a:fld id="{5919416B-685F-AF47-9274-EB47410CDBC6}" type="datetime1">
+            <a:fld id="{046A8B55-F057-C14C-9D59-3FD572266CF0}" type="datetime1">
               <a:rPr lang="en-GB" smtClean="0"/>
-              <a:t>29/03/2018</a:t>
+              <a:t>13/04/2018</a:t>
             </a:fld>
             <a:endParaRPr lang="en-US" dirty="0"/>
           </a:p>
@@ -8498,9 +8502,9 @@
           <a:bodyPr/>
           <a:lstStyle/>
           <a:p>
-            <a:fld id="{A90CDC08-C1DB-8545-BAE6-529E24CF8925}" type="datetime1">
+            <a:fld id="{6EBFBBEE-E0FF-5F46-90AA-365964775437}" type="datetime1">
               <a:rPr lang="en-GB" smtClean="0"/>
-              <a:t>29/03/2018</a:t>
+              <a:t>13/04/2018</a:t>
             </a:fld>
             <a:endParaRPr lang="en-US" dirty="0"/>
           </a:p>
@@ -8611,9 +8615,9 @@
           <a:bodyPr/>
           <a:lstStyle/>
           <a:p>
-            <a:fld id="{D116BA6D-183D-294A-86CD-5BDCC5DA65D3}" type="datetime1">
+            <a:fld id="{67104C7E-6951-C942-B89F-1978CD77B240}" type="datetime1">
               <a:rPr lang="en-GB" smtClean="0"/>
-              <a:t>29/03/2018</a:t>
+              <a:t>13/04/2018</a:t>
             </a:fld>
             <a:endParaRPr lang="en-US" dirty="0"/>
           </a:p>
@@ -8701,9 +8705,9 @@
           <a:bodyPr/>
           <a:lstStyle/>
           <a:p>
-            <a:fld id="{36CEEC03-456A-E04A-9BD8-79892E3FF11E}" type="datetime1">
+            <a:fld id="{A56EC332-5D25-0D44-ACA5-4595425E575C}" type="datetime1">
               <a:rPr lang="en-GB" smtClean="0"/>
-              <a:t>29/03/2018</a:t>
+              <a:t>13/04/2018</a:t>
             </a:fld>
             <a:endParaRPr lang="en-US" dirty="0"/>
           </a:p>
@@ -8945,9 +8949,9 @@
           <a:bodyPr/>
           <a:lstStyle/>
           <a:p>
-            <a:fld id="{4BF09FB1-1CDB-4E4C-B9F3-B01C507F6B83}" type="datetime1">
+            <a:fld id="{BA7B8CEB-6545-EE4E-95E9-9E4FB7B57DB2}" type="datetime1">
               <a:rPr lang="en-GB" smtClean="0"/>
-              <a:t>29/03/2018</a:t>
+              <a:t>13/04/2018</a:t>
             </a:fld>
             <a:endParaRPr lang="en-US" dirty="0"/>
           </a:p>
@@ -9220,9 +9224,9 @@
           <a:bodyPr/>
           <a:lstStyle/>
           <a:p>
-            <a:fld id="{EAB5E29B-7ECA-F941-90B5-CE1A4EBDA50B}" type="datetime1">
+            <a:fld id="{C512505A-655C-694B-A88B-680700DC2E78}" type="datetime1">
               <a:rPr lang="en-GB" smtClean="0"/>
-              <a:t>29/03/2018</a:t>
+              <a:t>13/04/2018</a:t>
             </a:fld>
             <a:endParaRPr lang="en-US" dirty="0"/>
           </a:p>
@@ -12292,9 +12296,9 @@
             </a:lvl1pPr>
           </a:lstStyle>
           <a:p>
-            <a:fld id="{C58E6024-C5A8-EF4D-AFB6-F101F820D4A4}" type="datetime1">
+            <a:fld id="{BE97ED8E-737B-E442-9A16-1F9BE8B41904}" type="datetime1">
               <a:rPr lang="en-GB" smtClean="0"/>
-              <a:t>29/03/2018</a:t>
+              <a:t>13/04/2018</a:t>
             </a:fld>
             <a:endParaRPr lang="en-US" dirty="0"/>
           </a:p>
@@ -12401,7 +12405,7 @@
     <p:sldLayoutId id="2147483658" r:id="rId16"/>
     <p:sldLayoutId id="2147483659" r:id="rId17"/>
   </p:sldLayoutIdLst>
-  <p:hf hdr="0" dt="0"/>
+  <p:hf hdr="0" ftr="0" dt="0"/>
   <p:txStyles>
     <p:titleStyle>
       <a:lvl1pPr algn="l" defTabSz="914400" rtl="0" eaLnBrk="1" latinLnBrk="0" hangingPunct="1">
@@ -12810,15 +12814,7 @@
           <a:p>
             <a:r>
               <a:rPr lang="en-GB" cap="none" dirty="0"/>
-              <a:t>https://</a:t>
-            </a:r>
-            <a:r>
-              <a:rPr lang="en-GB" cap="none" dirty="0" err="1"/>
-              <a:t>goo.gl</a:t>
-            </a:r>
-            <a:r>
-              <a:rPr lang="en-GB" cap="none" dirty="0"/>
-              <a:t>/e7HLiK</a:t>
+              <a:t>Reviewed By: James Taylor</a:t>
             </a:r>
             <a:endParaRPr lang="en-US" cap="none" dirty="0"/>
           </a:p>
@@ -12862,7 +12858,7 @@
           <p:cNvPr id="2" name="Title 1">
             <a:extLst>
               <a:ext uri="{FF2B5EF4-FFF2-40B4-BE49-F238E27FC236}">
-                <a16:creationId xmlns:a16="http://schemas.microsoft.com/office/drawing/2014/main" id="{F4E6DB78-189F-9547-B399-C7704091ACA4}"/>
+                <a16:creationId xmlns:a16="http://schemas.microsoft.com/office/drawing/2014/main" id="{65117A83-6CC4-684A-87B6-3E39097EA9D9}"/>
               </a:ext>
             </a:extLst>
           </p:cNvPr>
@@ -12875,41 +12871,8 @@
         </p:nvSpPr>
         <p:spPr>
           <a:xfrm>
-            <a:off x="1141413" y="618518"/>
-            <a:ext cx="9905998" cy="640266"/>
-          </a:xfrm>
-        </p:spPr>
-        <p:txBody>
-          <a:bodyPr/>
-          <a:lstStyle/>
-          <a:p>
-            <a:r>
-              <a:rPr lang="en-US" cap="none" dirty="0"/>
-              <a:t>Implementation Pseudocode</a:t>
-            </a:r>
-          </a:p>
-        </p:txBody>
-      </p:sp>
-      <p:sp>
-        <p:nvSpPr>
-          <p:cNvPr id="3" name="Content Placeholder 2">
-            <a:extLst>
-              <a:ext uri="{FF2B5EF4-FFF2-40B4-BE49-F238E27FC236}">
-                <a16:creationId xmlns:a16="http://schemas.microsoft.com/office/drawing/2014/main" id="{6526CCC6-DA11-8947-8853-7DBE67F40981}"/>
-              </a:ext>
-            </a:extLst>
-          </p:cNvPr>
-          <p:cNvSpPr>
-            <a:spLocks noGrp="1"/>
-          </p:cNvSpPr>
-          <p:nvPr>
-            <p:ph idx="1"/>
-          </p:nvPr>
-        </p:nvSpPr>
-        <p:spPr>
-          <a:xfrm>
-            <a:off x="1141412" y="1531917"/>
-            <a:ext cx="4261861" cy="4259284"/>
+            <a:off x="1706758" y="447069"/>
+            <a:ext cx="7985882" cy="593062"/>
           </a:xfrm>
         </p:spPr>
         <p:txBody>
@@ -12918,403 +12881,19 @@
           </a:bodyPr>
           <a:lstStyle/>
           <a:p>
-            <a:pPr marL="0" indent="0">
-              <a:buNone/>
-            </a:pPr>
-            <a:r>
-              <a:rPr lang="en-US" dirty="0">
-                <a:solidFill>
-                  <a:schemeClr val="bg1"/>
-                </a:solidFill>
-              </a:rPr>
-              <a:t>Create the </a:t>
-            </a:r>
-            <a:r>
-              <a:rPr lang="en-US" dirty="0" err="1">
-                <a:solidFill>
-                  <a:schemeClr val="bg1"/>
-                </a:solidFill>
-              </a:rPr>
-              <a:t>Stego</a:t>
-            </a:r>
-            <a:r>
-              <a:rPr lang="en-US" dirty="0">
-                <a:solidFill>
-                  <a:schemeClr val="bg1"/>
-                </a:solidFill>
-              </a:rPr>
-              <a:t> Image</a:t>
-            </a:r>
-          </a:p>
-          <a:p>
-            <a:pPr marL="457200" indent="-457200">
-              <a:buFont typeface="+mj-lt"/>
-              <a:buAutoNum type="arabicPeriod"/>
-            </a:pPr>
-            <a:r>
-              <a:rPr lang="en-US" dirty="0"/>
-              <a:t>Read the secret file.</a:t>
-            </a:r>
-          </a:p>
-          <a:p>
-            <a:pPr marL="457200" indent="-457200">
-              <a:buFont typeface="+mj-lt"/>
-              <a:buAutoNum type="arabicPeriod"/>
-            </a:pPr>
-            <a:r>
-              <a:rPr lang="en-US" dirty="0"/>
-              <a:t>Read the cover image.</a:t>
-            </a:r>
-          </a:p>
-          <a:p>
-            <a:pPr marL="457200" indent="-457200">
-              <a:buFont typeface="+mj-lt"/>
-              <a:buAutoNum type="arabicPeriod"/>
-            </a:pPr>
-            <a:r>
-              <a:rPr lang="en-US" dirty="0"/>
-              <a:t>Write the size of the secret file to the cover image.</a:t>
-            </a:r>
-          </a:p>
-          <a:p>
-            <a:pPr marL="457200" indent="-457200">
-              <a:buFont typeface="+mj-lt"/>
-              <a:buAutoNum type="arabicPeriod"/>
-            </a:pPr>
-            <a:r>
-              <a:rPr lang="en-US" dirty="0"/>
-              <a:t>Using LSB, write the secret file to the cover image.</a:t>
-            </a:r>
-          </a:p>
-          <a:p>
-            <a:pPr marL="457200" indent="-457200">
-              <a:buFont typeface="+mj-lt"/>
-              <a:buAutoNum type="arabicPeriod"/>
-            </a:pPr>
-            <a:r>
-              <a:rPr lang="en-US" dirty="0"/>
-              <a:t>Write the </a:t>
-            </a:r>
-            <a:r>
-              <a:rPr lang="en-US" dirty="0" err="1"/>
-              <a:t>stego</a:t>
-            </a:r>
-            <a:r>
-              <a:rPr lang="en-US" dirty="0"/>
-              <a:t> image.</a:t>
-            </a:r>
-          </a:p>
-          <a:p>
-            <a:pPr marL="457200" indent="-457200">
-              <a:buFont typeface="+mj-lt"/>
-              <a:buAutoNum type="arabicPeriod"/>
-            </a:pPr>
-            <a:endParaRPr lang="en-US" dirty="0"/>
+            <a:r>
+              <a:rPr lang="en-US" cap="none" dirty="0"/>
+              <a:t>Hiding one picture in another</a:t>
+            </a:r>
           </a:p>
         </p:txBody>
       </p:sp>
       <p:sp>
         <p:nvSpPr>
-          <p:cNvPr id="4" name="Content Placeholder 2">
+          <p:cNvPr id="5" name="Slide Number Placeholder 4">
             <a:extLst>
               <a:ext uri="{FF2B5EF4-FFF2-40B4-BE49-F238E27FC236}">
-                <a16:creationId xmlns:a16="http://schemas.microsoft.com/office/drawing/2014/main" id="{262CB99F-8F1C-074D-B993-8C1EDA13C422}"/>
-              </a:ext>
-            </a:extLst>
-          </p:cNvPr>
-          <p:cNvSpPr txBox="1">
-            <a:spLocks/>
-          </p:cNvSpPr>
-          <p:nvPr/>
-        </p:nvSpPr>
-        <p:spPr>
-          <a:xfrm>
-            <a:off x="6340824" y="1531917"/>
-            <a:ext cx="4261861" cy="4259284"/>
-          </a:xfrm>
-          <a:prstGeom prst="rect">
-            <a:avLst/>
-          </a:prstGeom>
-        </p:spPr>
-        <p:txBody>
-          <a:bodyPr vert="horz" lIns="91440" tIns="45720" rIns="91440" bIns="45720" rtlCol="0">
-            <a:normAutofit/>
-          </a:bodyPr>
-          <a:lstStyle>
-            <a:lvl1pPr marL="228600" indent="-228600" algn="l" defTabSz="914400" rtl="0" eaLnBrk="1" latinLnBrk="0" hangingPunct="1">
-              <a:lnSpc>
-                <a:spcPct val="120000"/>
-              </a:lnSpc>
-              <a:spcBef>
-                <a:spcPts val="1000"/>
-              </a:spcBef>
-              <a:buSzPct val="125000"/>
-              <a:buFont typeface="Arial" panose="020B0604020202020204" pitchFamily="34" charset="0"/>
-              <a:buChar char="•"/>
-              <a:defRPr sz="2400" kern="1200">
-                <a:solidFill>
-                  <a:schemeClr val="tx1"/>
-                </a:solidFill>
-                <a:latin typeface="+mn-lt"/>
-                <a:ea typeface="+mn-ea"/>
-                <a:cs typeface="+mn-cs"/>
-              </a:defRPr>
-            </a:lvl1pPr>
-            <a:lvl2pPr marL="685800" indent="-228600" algn="l" defTabSz="914400" rtl="0" eaLnBrk="1" latinLnBrk="0" hangingPunct="1">
-              <a:lnSpc>
-                <a:spcPct val="120000"/>
-              </a:lnSpc>
-              <a:spcBef>
-                <a:spcPts val="500"/>
-              </a:spcBef>
-              <a:buSzPct val="125000"/>
-              <a:buFont typeface="Arial" panose="020B0604020202020204" pitchFamily="34" charset="0"/>
-              <a:buChar char="•"/>
-              <a:defRPr sz="2000" kern="1200">
-                <a:solidFill>
-                  <a:schemeClr val="tx1"/>
-                </a:solidFill>
-                <a:latin typeface="+mn-lt"/>
-                <a:ea typeface="+mn-ea"/>
-                <a:cs typeface="+mn-cs"/>
-              </a:defRPr>
-            </a:lvl2pPr>
-            <a:lvl3pPr marL="1143000" indent="-228600" algn="l" defTabSz="914400" rtl="0" eaLnBrk="1" latinLnBrk="0" hangingPunct="1">
-              <a:lnSpc>
-                <a:spcPct val="120000"/>
-              </a:lnSpc>
-              <a:spcBef>
-                <a:spcPts val="500"/>
-              </a:spcBef>
-              <a:buSzPct val="125000"/>
-              <a:buFont typeface="Arial" panose="020B0604020202020204" pitchFamily="34" charset="0"/>
-              <a:buChar char="•"/>
-              <a:defRPr sz="1800" kern="1200">
-                <a:solidFill>
-                  <a:schemeClr val="tx1"/>
-                </a:solidFill>
-                <a:latin typeface="+mn-lt"/>
-                <a:ea typeface="+mn-ea"/>
-                <a:cs typeface="+mn-cs"/>
-              </a:defRPr>
-            </a:lvl3pPr>
-            <a:lvl4pPr marL="1600200" indent="-228600" algn="l" defTabSz="914400" rtl="0" eaLnBrk="1" latinLnBrk="0" hangingPunct="1">
-              <a:lnSpc>
-                <a:spcPct val="120000"/>
-              </a:lnSpc>
-              <a:spcBef>
-                <a:spcPts val="500"/>
-              </a:spcBef>
-              <a:buSzPct val="125000"/>
-              <a:buFont typeface="Arial" panose="020B0604020202020204" pitchFamily="34" charset="0"/>
-              <a:buChar char="•"/>
-              <a:defRPr sz="1600" kern="1200">
-                <a:solidFill>
-                  <a:schemeClr val="tx1"/>
-                </a:solidFill>
-                <a:latin typeface="+mn-lt"/>
-                <a:ea typeface="+mn-ea"/>
-                <a:cs typeface="+mn-cs"/>
-              </a:defRPr>
-            </a:lvl4pPr>
-            <a:lvl5pPr marL="2057400" indent="-228600" algn="l" defTabSz="914400" rtl="0" eaLnBrk="1" latinLnBrk="0" hangingPunct="1">
-              <a:lnSpc>
-                <a:spcPct val="120000"/>
-              </a:lnSpc>
-              <a:spcBef>
-                <a:spcPts val="500"/>
-              </a:spcBef>
-              <a:buSzPct val="125000"/>
-              <a:buFont typeface="Arial" panose="020B0604020202020204" pitchFamily="34" charset="0"/>
-              <a:buChar char="•"/>
-              <a:defRPr sz="1600" kern="1200">
-                <a:solidFill>
-                  <a:schemeClr val="tx1"/>
-                </a:solidFill>
-                <a:latin typeface="+mn-lt"/>
-                <a:ea typeface="+mn-ea"/>
-                <a:cs typeface="+mn-cs"/>
-              </a:defRPr>
-            </a:lvl5pPr>
-            <a:lvl6pPr marL="2514600" indent="-228600" algn="l" defTabSz="914400" rtl="0" eaLnBrk="1" latinLnBrk="0" hangingPunct="1">
-              <a:lnSpc>
-                <a:spcPct val="120000"/>
-              </a:lnSpc>
-              <a:spcBef>
-                <a:spcPts val="500"/>
-              </a:spcBef>
-              <a:buSzPct val="125000"/>
-              <a:buFont typeface="Arial" panose="020B0604020202020204" pitchFamily="34" charset="0"/>
-              <a:buChar char="•"/>
-              <a:defRPr sz="1400" kern="1200">
-                <a:solidFill>
-                  <a:schemeClr val="tx1"/>
-                </a:solidFill>
-                <a:latin typeface="+mn-lt"/>
-                <a:ea typeface="+mn-ea"/>
-                <a:cs typeface="+mn-cs"/>
-              </a:defRPr>
-            </a:lvl6pPr>
-            <a:lvl7pPr marL="2971800" indent="-228600" algn="l" defTabSz="914400" rtl="0" eaLnBrk="1" latinLnBrk="0" hangingPunct="1">
-              <a:lnSpc>
-                <a:spcPct val="120000"/>
-              </a:lnSpc>
-              <a:spcBef>
-                <a:spcPts val="500"/>
-              </a:spcBef>
-              <a:buSzPct val="125000"/>
-              <a:buFont typeface="Arial" panose="020B0604020202020204" pitchFamily="34" charset="0"/>
-              <a:buChar char="•"/>
-              <a:defRPr sz="1400" kern="1200">
-                <a:solidFill>
-                  <a:schemeClr val="tx1"/>
-                </a:solidFill>
-                <a:latin typeface="+mn-lt"/>
-                <a:ea typeface="+mn-ea"/>
-                <a:cs typeface="+mn-cs"/>
-              </a:defRPr>
-            </a:lvl7pPr>
-            <a:lvl8pPr marL="3429000" indent="-228600" algn="l" defTabSz="914400" rtl="0" eaLnBrk="1" latinLnBrk="0" hangingPunct="1">
-              <a:lnSpc>
-                <a:spcPct val="120000"/>
-              </a:lnSpc>
-              <a:spcBef>
-                <a:spcPts val="500"/>
-              </a:spcBef>
-              <a:buSzPct val="125000"/>
-              <a:buFont typeface="Arial" panose="020B0604020202020204" pitchFamily="34" charset="0"/>
-              <a:buChar char="•"/>
-              <a:defRPr sz="1400" kern="1200">
-                <a:solidFill>
-                  <a:schemeClr val="tx1"/>
-                </a:solidFill>
-                <a:latin typeface="+mn-lt"/>
-                <a:ea typeface="+mn-ea"/>
-                <a:cs typeface="+mn-cs"/>
-              </a:defRPr>
-            </a:lvl8pPr>
-            <a:lvl9pPr marL="3886200" indent="-228600" algn="l" defTabSz="914400" rtl="0" eaLnBrk="1" latinLnBrk="0" hangingPunct="1">
-              <a:lnSpc>
-                <a:spcPct val="120000"/>
-              </a:lnSpc>
-              <a:spcBef>
-                <a:spcPts val="500"/>
-              </a:spcBef>
-              <a:buSzPct val="125000"/>
-              <a:buFont typeface="Arial" panose="020B0604020202020204" pitchFamily="34" charset="0"/>
-              <a:buChar char="•"/>
-              <a:defRPr sz="1400" kern="1200">
-                <a:solidFill>
-                  <a:schemeClr val="tx1"/>
-                </a:solidFill>
-                <a:latin typeface="+mn-lt"/>
-                <a:ea typeface="+mn-ea"/>
-                <a:cs typeface="+mn-cs"/>
-              </a:defRPr>
-            </a:lvl9pPr>
-          </a:lstStyle>
-          <a:p>
-            <a:pPr marL="0" indent="0">
-              <a:buFont typeface="Arial" panose="020B0604020202020204" pitchFamily="34" charset="0"/>
-              <a:buNone/>
-            </a:pPr>
-            <a:r>
-              <a:rPr lang="en-US" dirty="0">
-                <a:solidFill>
-                  <a:schemeClr val="bg1"/>
-                </a:solidFill>
-              </a:rPr>
-              <a:t>Extract the secret file</a:t>
-            </a:r>
-          </a:p>
-          <a:p>
-            <a:pPr marL="457200" indent="-457200">
-              <a:buFont typeface="+mj-lt"/>
-              <a:buAutoNum type="arabicPeriod"/>
-            </a:pPr>
-            <a:r>
-              <a:rPr lang="en-US" dirty="0"/>
-              <a:t>Read the </a:t>
-            </a:r>
-            <a:r>
-              <a:rPr lang="en-US" dirty="0" err="1"/>
-              <a:t>stego</a:t>
-            </a:r>
-            <a:r>
-              <a:rPr lang="en-US" dirty="0"/>
-              <a:t> file</a:t>
-            </a:r>
-          </a:p>
-          <a:p>
-            <a:pPr marL="457200" indent="-457200">
-              <a:buFont typeface="+mj-lt"/>
-              <a:buAutoNum type="arabicPeriod"/>
-            </a:pPr>
-            <a:r>
-              <a:rPr lang="en-US" dirty="0"/>
-              <a:t>Read the secret file header.</a:t>
-            </a:r>
-          </a:p>
-          <a:p>
-            <a:pPr marL="457200" indent="-457200">
-              <a:buFont typeface="+mj-lt"/>
-              <a:buAutoNum type="arabicPeriod"/>
-            </a:pPr>
-            <a:r>
-              <a:rPr lang="en-US" dirty="0"/>
-              <a:t>Read the LSBs.</a:t>
-            </a:r>
-          </a:p>
-          <a:p>
-            <a:pPr marL="457200" indent="-457200">
-              <a:buFont typeface="+mj-lt"/>
-              <a:buAutoNum type="arabicPeriod"/>
-            </a:pPr>
-            <a:r>
-              <a:rPr lang="en-US" dirty="0"/>
-              <a:t>Write the secret file.</a:t>
-            </a:r>
-          </a:p>
-          <a:p>
-            <a:pPr marL="457200" indent="-457200">
-              <a:buFont typeface="+mj-lt"/>
-              <a:buAutoNum type="arabicPeriod"/>
-            </a:pPr>
-            <a:endParaRPr lang="en-US" dirty="0"/>
-          </a:p>
-        </p:txBody>
-      </p:sp>
-      <p:sp>
-        <p:nvSpPr>
-          <p:cNvPr id="5" name="Footer Placeholder 4">
-            <a:extLst>
-              <a:ext uri="{FF2B5EF4-FFF2-40B4-BE49-F238E27FC236}">
-                <a16:creationId xmlns:a16="http://schemas.microsoft.com/office/drawing/2014/main" id="{2147A41B-9F8F-BA46-8E9C-5E6F2C904EA2}"/>
-              </a:ext>
-            </a:extLst>
-          </p:cNvPr>
-          <p:cNvSpPr>
-            <a:spLocks noGrp="1"/>
-          </p:cNvSpPr>
-          <p:nvPr>
-            <p:ph type="ftr" sz="quarter" idx="11"/>
-          </p:nvPr>
-        </p:nvSpPr>
-        <p:spPr/>
-        <p:txBody>
-          <a:bodyPr/>
-          <a:lstStyle/>
-          <a:p>
-            <a:endParaRPr lang="en-US" dirty="0"/>
-          </a:p>
-        </p:txBody>
-      </p:sp>
-      <p:sp>
-        <p:nvSpPr>
-          <p:cNvPr id="6" name="Slide Number Placeholder 5">
-            <a:extLst>
-              <a:ext uri="{FF2B5EF4-FFF2-40B4-BE49-F238E27FC236}">
-                <a16:creationId xmlns:a16="http://schemas.microsoft.com/office/drawing/2014/main" id="{048D2C7D-D4EC-A747-A11C-EB76C9D611E5}"/>
+                <a16:creationId xmlns:a16="http://schemas.microsoft.com/office/drawing/2014/main" id="{A6F13C7A-3477-1E45-8926-24C65836A72F}"/>
               </a:ext>
             </a:extLst>
           </p:cNvPr>
@@ -13338,1070 +12917,12 @@
           </a:p>
         </p:txBody>
       </p:sp>
-    </p:spTree>
-    <p:extLst>
-      <p:ext uri="{BB962C8B-B14F-4D97-AF65-F5344CB8AC3E}">
-        <p14:creationId xmlns:p14="http://schemas.microsoft.com/office/powerpoint/2010/main" val="160663354"/>
-      </p:ext>
-    </p:extLst>
-  </p:cSld>
-  <p:clrMapOvr>
-    <a:masterClrMapping/>
-  </p:clrMapOvr>
-</p:sld>
-</file>
-
-<file path=ppt/slides/slide11.xml><?xml version="1.0" encoding="utf-8"?>
-<p:sld xmlns:a="http://schemas.openxmlformats.org/drawingml/2006/main" xmlns:r="http://schemas.openxmlformats.org/officeDocument/2006/relationships" xmlns:p="http://schemas.openxmlformats.org/presentationml/2006/main">
-  <p:cSld>
-    <p:bg>
-      <p:bgPr>
-        <a:solidFill>
-          <a:schemeClr val="tx1"/>
-        </a:solidFill>
-        <a:effectLst/>
-      </p:bgPr>
-    </p:bg>
-    <p:spTree>
-      <p:nvGrpSpPr>
-        <p:cNvPr id="1" name=""/>
-        <p:cNvGrpSpPr/>
-        <p:nvPr/>
-      </p:nvGrpSpPr>
-      <p:grpSpPr>
-        <a:xfrm>
-          <a:off x="0" y="0"/>
-          <a:ext cx="0" cy="0"/>
-          <a:chOff x="0" y="0"/>
-          <a:chExt cx="0" cy="0"/>
-        </a:xfrm>
-      </p:grpSpPr>
       <p:sp>
         <p:nvSpPr>
-          <p:cNvPr id="2" name="Title 1">
+          <p:cNvPr id="6" name="TextBox 5">
             <a:extLst>
               <a:ext uri="{FF2B5EF4-FFF2-40B4-BE49-F238E27FC236}">
-                <a16:creationId xmlns:a16="http://schemas.microsoft.com/office/drawing/2014/main" id="{06BCF00D-6839-8248-8E31-61B97D84120B}"/>
-              </a:ext>
-            </a:extLst>
-          </p:cNvPr>
-          <p:cNvSpPr>
-            <a:spLocks noGrp="1"/>
-          </p:cNvSpPr>
-          <p:nvPr>
-            <p:ph type="title"/>
-          </p:nvPr>
-        </p:nvSpPr>
-        <p:spPr>
-          <a:xfrm>
-            <a:off x="1141413" y="618518"/>
-            <a:ext cx="9905998" cy="664017"/>
-          </a:xfrm>
-        </p:spPr>
-        <p:txBody>
-          <a:bodyPr/>
-          <a:lstStyle/>
-          <a:p>
-            <a:r>
-              <a:rPr lang="en-US" cap="none" dirty="0">
-                <a:solidFill>
-                  <a:schemeClr val="bg1"/>
-                </a:solidFill>
-              </a:rPr>
-              <a:t>Utility functions provided</a:t>
-            </a:r>
-          </a:p>
-        </p:txBody>
-      </p:sp>
-      <p:sp>
-        <p:nvSpPr>
-          <p:cNvPr id="3" name="Content Placeholder 2">
-            <a:extLst>
-              <a:ext uri="{FF2B5EF4-FFF2-40B4-BE49-F238E27FC236}">
-                <a16:creationId xmlns:a16="http://schemas.microsoft.com/office/drawing/2014/main" id="{92C40788-5192-3146-9D73-4D740953E773}"/>
-              </a:ext>
-            </a:extLst>
-          </p:cNvPr>
-          <p:cNvSpPr>
-            <a:spLocks noGrp="1"/>
-          </p:cNvSpPr>
-          <p:nvPr>
-            <p:ph idx="1"/>
-          </p:nvPr>
-        </p:nvSpPr>
-        <p:spPr>
-          <a:xfrm>
-            <a:off x="1141412" y="1401288"/>
-            <a:ext cx="9905999" cy="4389913"/>
-          </a:xfrm>
-        </p:spPr>
-        <p:txBody>
-          <a:bodyPr>
-            <a:normAutofit fontScale="92500"/>
-          </a:bodyPr>
-          <a:lstStyle/>
-          <a:p>
-            <a:pPr marL="0" indent="0">
-              <a:buNone/>
-            </a:pPr>
-            <a:r>
-              <a:rPr lang="en-GB" b="1" dirty="0" err="1">
-                <a:solidFill>
-                  <a:srgbClr val="0070C0"/>
-                </a:solidFill>
-              </a:rPr>
-              <a:t>def</a:t>
-            </a:r>
-            <a:r>
-              <a:rPr lang="en-GB" b="1" dirty="0">
-                <a:solidFill>
-                  <a:schemeClr val="bg1"/>
-                </a:solidFill>
-              </a:rPr>
-              <a:t> </a:t>
-            </a:r>
-            <a:r>
-              <a:rPr lang="en-GB" b="1" dirty="0" err="1">
-                <a:solidFill>
-                  <a:srgbClr val="00B050"/>
-                </a:solidFill>
-              </a:rPr>
-              <a:t>get_pixel_coordinates</a:t>
-            </a:r>
-            <a:r>
-              <a:rPr lang="en-GB" b="1" dirty="0">
-                <a:solidFill>
-                  <a:schemeClr val="bg1"/>
-                </a:solidFill>
-              </a:rPr>
-              <a:t>(index, cols)</a:t>
-            </a:r>
-            <a:r>
-              <a:rPr lang="en-GB" dirty="0">
-                <a:solidFill>
-                  <a:schemeClr val="bg1"/>
-                </a:solidFill>
-              </a:rPr>
-              <a:t> - Given an index, return the x, y coordinates of an image</a:t>
-            </a:r>
-          </a:p>
-          <a:p>
-            <a:pPr marL="0" indent="0">
-              <a:buNone/>
-            </a:pPr>
-            <a:endParaRPr lang="en-GB" dirty="0">
-              <a:solidFill>
-                <a:schemeClr val="bg1"/>
-              </a:solidFill>
-            </a:endParaRPr>
-          </a:p>
-          <a:p>
-            <a:pPr marL="0" indent="0">
-              <a:buNone/>
-            </a:pPr>
-            <a:r>
-              <a:rPr lang="en-GB" b="1" dirty="0" err="1">
-                <a:solidFill>
-                  <a:srgbClr val="0070C0"/>
-                </a:solidFill>
-              </a:rPr>
-              <a:t>def</a:t>
-            </a:r>
-            <a:r>
-              <a:rPr lang="en-GB" b="1" dirty="0">
-                <a:solidFill>
-                  <a:schemeClr val="bg1"/>
-                </a:solidFill>
-              </a:rPr>
-              <a:t> </a:t>
-            </a:r>
-            <a:r>
-              <a:rPr lang="en-GB" b="1" dirty="0" err="1">
-                <a:solidFill>
-                  <a:srgbClr val="00B050"/>
-                </a:solidFill>
-              </a:rPr>
-              <a:t>set_lsb</a:t>
-            </a:r>
-            <a:r>
-              <a:rPr lang="en-GB" b="1" dirty="0">
-                <a:solidFill>
-                  <a:schemeClr val="bg1"/>
-                </a:solidFill>
-              </a:rPr>
-              <a:t>(byte, bit)</a:t>
-            </a:r>
-            <a:r>
-              <a:rPr lang="en-GB" dirty="0">
-                <a:solidFill>
-                  <a:schemeClr val="bg1"/>
-                </a:solidFill>
-              </a:rPr>
-              <a:t> – Set the LSB of a byte</a:t>
-            </a:r>
-          </a:p>
-          <a:p>
-            <a:pPr marL="0" indent="0">
-              <a:buNone/>
-            </a:pPr>
-            <a:r>
-              <a:rPr lang="en-GB" b="1" dirty="0" err="1">
-                <a:solidFill>
-                  <a:srgbClr val="0070C0"/>
-                </a:solidFill>
-              </a:rPr>
-              <a:t>def</a:t>
-            </a:r>
-            <a:r>
-              <a:rPr lang="en-GB" b="1" dirty="0">
-                <a:solidFill>
-                  <a:schemeClr val="bg1"/>
-                </a:solidFill>
-              </a:rPr>
-              <a:t> </a:t>
-            </a:r>
-            <a:r>
-              <a:rPr lang="en-GB" b="1" dirty="0" err="1">
-                <a:solidFill>
-                  <a:srgbClr val="00B050"/>
-                </a:solidFill>
-              </a:rPr>
-              <a:t>set_bit</a:t>
-            </a:r>
-            <a:r>
-              <a:rPr lang="en-GB" b="1" dirty="0">
-                <a:solidFill>
-                  <a:schemeClr val="bg1"/>
-                </a:solidFill>
-              </a:rPr>
-              <a:t>(byte, value, position)</a:t>
-            </a:r>
-            <a:r>
-              <a:rPr lang="en-GB" dirty="0">
-                <a:solidFill>
-                  <a:schemeClr val="bg1"/>
-                </a:solidFill>
-              </a:rPr>
-              <a:t> – Set a bit position of a byte</a:t>
-            </a:r>
-          </a:p>
-          <a:p>
-            <a:pPr marL="0" indent="0">
-              <a:buNone/>
-            </a:pPr>
-            <a:endParaRPr lang="en-GB" dirty="0">
-              <a:solidFill>
-                <a:schemeClr val="bg1"/>
-              </a:solidFill>
-            </a:endParaRPr>
-          </a:p>
-          <a:p>
-            <a:pPr marL="0" indent="0">
-              <a:buNone/>
-            </a:pPr>
-            <a:r>
-              <a:rPr lang="en-GB" b="1" dirty="0" err="1">
-                <a:solidFill>
-                  <a:srgbClr val="0070C0"/>
-                </a:solidFill>
-              </a:rPr>
-              <a:t>def</a:t>
-            </a:r>
-            <a:r>
-              <a:rPr lang="en-GB" b="1" dirty="0">
-                <a:solidFill>
-                  <a:schemeClr val="bg1"/>
-                </a:solidFill>
-              </a:rPr>
-              <a:t> </a:t>
-            </a:r>
-            <a:r>
-              <a:rPr lang="en-GB" b="1" dirty="0" err="1">
-                <a:solidFill>
-                  <a:srgbClr val="00B050"/>
-                </a:solidFill>
-              </a:rPr>
-              <a:t>bit_from_byte</a:t>
-            </a:r>
-            <a:r>
-              <a:rPr lang="en-GB" b="1" dirty="0">
-                <a:solidFill>
-                  <a:schemeClr val="bg1"/>
-                </a:solidFill>
-              </a:rPr>
-              <a:t>(byte, position)</a:t>
-            </a:r>
-            <a:r>
-              <a:rPr lang="en-GB" dirty="0">
-                <a:solidFill>
-                  <a:schemeClr val="bg1"/>
-                </a:solidFill>
-              </a:rPr>
-              <a:t> – Get a bit value from a byte</a:t>
-            </a:r>
-          </a:p>
-          <a:p>
-            <a:pPr marL="0" indent="0">
-              <a:buNone/>
-            </a:pPr>
-            <a:r>
-              <a:rPr lang="en-GB" b="1" dirty="0" err="1">
-                <a:solidFill>
-                  <a:srgbClr val="0070C0"/>
-                </a:solidFill>
-              </a:rPr>
-              <a:t>def</a:t>
-            </a:r>
-            <a:r>
-              <a:rPr lang="en-GB" b="1" dirty="0">
-                <a:solidFill>
-                  <a:schemeClr val="bg1"/>
-                </a:solidFill>
-              </a:rPr>
-              <a:t> </a:t>
-            </a:r>
-            <a:r>
-              <a:rPr lang="en-GB" b="1" dirty="0" err="1">
-                <a:solidFill>
-                  <a:srgbClr val="00B050"/>
-                </a:solidFill>
-              </a:rPr>
-              <a:t>get_bit_from_byte_array</a:t>
-            </a:r>
-            <a:r>
-              <a:rPr lang="en-GB" b="1" dirty="0">
-                <a:solidFill>
-                  <a:schemeClr val="bg1"/>
-                </a:solidFill>
-              </a:rPr>
-              <a:t>(</a:t>
-            </a:r>
-            <a:r>
-              <a:rPr lang="en-GB" b="1" dirty="0" err="1">
-                <a:solidFill>
-                  <a:schemeClr val="bg1"/>
-                </a:solidFill>
-              </a:rPr>
-              <a:t>secret_data</a:t>
-            </a:r>
-            <a:r>
-              <a:rPr lang="en-GB" b="1" dirty="0">
-                <a:solidFill>
-                  <a:schemeClr val="bg1"/>
-                </a:solidFill>
-              </a:rPr>
-              <a:t>, position)</a:t>
-            </a:r>
-            <a:r>
-              <a:rPr lang="en-GB" dirty="0">
-                <a:solidFill>
-                  <a:schemeClr val="bg1"/>
-                </a:solidFill>
-              </a:rPr>
-              <a:t> – Get a bit from a byte array</a:t>
-            </a:r>
-          </a:p>
-        </p:txBody>
-      </p:sp>
-      <p:sp>
-        <p:nvSpPr>
-          <p:cNvPr id="4" name="Footer Placeholder 3">
-            <a:extLst>
-              <a:ext uri="{FF2B5EF4-FFF2-40B4-BE49-F238E27FC236}">
-                <a16:creationId xmlns:a16="http://schemas.microsoft.com/office/drawing/2014/main" id="{219D9B96-6C7B-DE45-AB5A-E951D1828E87}"/>
-              </a:ext>
-            </a:extLst>
-          </p:cNvPr>
-          <p:cNvSpPr>
-            <a:spLocks noGrp="1"/>
-          </p:cNvSpPr>
-          <p:nvPr>
-            <p:ph type="ftr" sz="quarter" idx="11"/>
-          </p:nvPr>
-        </p:nvSpPr>
-        <p:spPr/>
-        <p:txBody>
-          <a:bodyPr/>
-          <a:lstStyle/>
-          <a:p>
-            <a:endParaRPr lang="en-US" dirty="0"/>
-          </a:p>
-        </p:txBody>
-      </p:sp>
-      <p:sp>
-        <p:nvSpPr>
-          <p:cNvPr id="5" name="Slide Number Placeholder 4">
-            <a:extLst>
-              <a:ext uri="{FF2B5EF4-FFF2-40B4-BE49-F238E27FC236}">
-                <a16:creationId xmlns:a16="http://schemas.microsoft.com/office/drawing/2014/main" id="{F9176363-1DAE-E54E-B28A-6A9256DA6D09}"/>
-              </a:ext>
-            </a:extLst>
-          </p:cNvPr>
-          <p:cNvSpPr>
-            <a:spLocks noGrp="1"/>
-          </p:cNvSpPr>
-          <p:nvPr>
-            <p:ph type="sldNum" sz="quarter" idx="12"/>
-          </p:nvPr>
-        </p:nvSpPr>
-        <p:spPr/>
-        <p:txBody>
-          <a:bodyPr/>
-          <a:lstStyle/>
-          <a:p>
-            <a:fld id="{6D22F896-40B5-4ADD-8801-0D06FADFA095}" type="slidenum">
-              <a:rPr lang="en-US" smtClean="0"/>
-              <a:t>11</a:t>
-            </a:fld>
-            <a:endParaRPr lang="en-US" dirty="0"/>
-          </a:p>
-        </p:txBody>
-      </p:sp>
-    </p:spTree>
-    <p:extLst>
-      <p:ext uri="{BB962C8B-B14F-4D97-AF65-F5344CB8AC3E}">
-        <p14:creationId xmlns:p14="http://schemas.microsoft.com/office/powerpoint/2010/main" val="2579470889"/>
-      </p:ext>
-    </p:extLst>
-  </p:cSld>
-  <p:clrMapOvr>
-    <a:masterClrMapping/>
-  </p:clrMapOvr>
-</p:sld>
-</file>
-
-<file path=ppt/slides/slide12.xml><?xml version="1.0" encoding="utf-8"?>
-<p:sld xmlns:a="http://schemas.openxmlformats.org/drawingml/2006/main" xmlns:r="http://schemas.openxmlformats.org/officeDocument/2006/relationships" xmlns:p="http://schemas.openxmlformats.org/presentationml/2006/main">
-  <p:cSld>
-    <p:spTree>
-      <p:nvGrpSpPr>
-        <p:cNvPr id="1" name=""/>
-        <p:cNvGrpSpPr/>
-        <p:nvPr/>
-      </p:nvGrpSpPr>
-      <p:grpSpPr>
-        <a:xfrm>
-          <a:off x="0" y="0"/>
-          <a:ext cx="0" cy="0"/>
-          <a:chOff x="0" y="0"/>
-          <a:chExt cx="0" cy="0"/>
-        </a:xfrm>
-      </p:grpSpPr>
-      <p:sp>
-        <p:nvSpPr>
-          <p:cNvPr id="2" name="Title 1">
-            <a:extLst>
-              <a:ext uri="{FF2B5EF4-FFF2-40B4-BE49-F238E27FC236}">
-                <a16:creationId xmlns:a16="http://schemas.microsoft.com/office/drawing/2014/main" id="{E76ACBFC-6E6D-C64E-A436-A90FDA851B5E}"/>
-              </a:ext>
-            </a:extLst>
-          </p:cNvPr>
-          <p:cNvSpPr>
-            <a:spLocks noGrp="1"/>
-          </p:cNvSpPr>
-          <p:nvPr>
-            <p:ph type="title"/>
-          </p:nvPr>
-        </p:nvSpPr>
-        <p:spPr>
-          <a:xfrm>
-            <a:off x="1141413" y="618518"/>
-            <a:ext cx="2183678" cy="616516"/>
-          </a:xfrm>
-        </p:spPr>
-        <p:txBody>
-          <a:bodyPr/>
-          <a:lstStyle/>
-          <a:p>
-            <a:r>
-              <a:rPr lang="en-US" cap="none" dirty="0"/>
-              <a:t>Challenge</a:t>
-            </a:r>
-          </a:p>
-        </p:txBody>
-      </p:sp>
-      <p:sp>
-        <p:nvSpPr>
-          <p:cNvPr id="3" name="Content Placeholder 2">
-            <a:extLst>
-              <a:ext uri="{FF2B5EF4-FFF2-40B4-BE49-F238E27FC236}">
-                <a16:creationId xmlns:a16="http://schemas.microsoft.com/office/drawing/2014/main" id="{DB8573B4-A4C7-3F44-AEBF-15040796222B}"/>
-              </a:ext>
-            </a:extLst>
-          </p:cNvPr>
-          <p:cNvSpPr>
-            <a:spLocks noGrp="1"/>
-          </p:cNvSpPr>
-          <p:nvPr>
-            <p:ph idx="1"/>
-          </p:nvPr>
-        </p:nvSpPr>
-        <p:spPr/>
-        <p:txBody>
-          <a:bodyPr>
-            <a:normAutofit/>
-          </a:bodyPr>
-          <a:lstStyle/>
-          <a:p>
-            <a:r>
-              <a:rPr lang="en-US" dirty="0"/>
-              <a:t>Hide the poem </a:t>
-            </a:r>
-            <a:r>
-              <a:rPr lang="en-GB" dirty="0"/>
-              <a:t>Death of a Naturalist, by Seamus Heaney in the image </a:t>
-            </a:r>
-            <a:r>
-              <a:rPr lang="en-GB" dirty="0" err="1"/>
-              <a:t>mandril.jpg</a:t>
-            </a:r>
-            <a:endParaRPr lang="en-GB" dirty="0"/>
-          </a:p>
-          <a:p>
-            <a:r>
-              <a:rPr lang="en-GB" dirty="0"/>
-              <a:t>Death of a Naturalist 1,494 bytes, </a:t>
-            </a:r>
-            <a:r>
-              <a:rPr lang="en-GB" dirty="0" err="1"/>
-              <a:t>mandril.jpg</a:t>
-            </a:r>
-            <a:r>
-              <a:rPr lang="en-GB" dirty="0"/>
-              <a:t> 60,149 bytes</a:t>
-            </a:r>
-            <a:endParaRPr lang="en-US" dirty="0"/>
-          </a:p>
-          <a:p>
-            <a:r>
-              <a:rPr lang="en-US" dirty="0"/>
-              <a:t>How much of the book </a:t>
-            </a:r>
-            <a:r>
-              <a:rPr lang="en-GB" dirty="0"/>
-              <a:t>Frankenstein, by Mary Shelley 450,755 bytes can you hide in cover image?  Use more parts of the pixel or compression.  Does the </a:t>
-            </a:r>
-            <a:r>
-              <a:rPr lang="en-GB" dirty="0" err="1"/>
-              <a:t>stego</a:t>
-            </a:r>
-            <a:r>
-              <a:rPr lang="en-GB" dirty="0"/>
-              <a:t> image look suspect?</a:t>
-            </a:r>
-          </a:p>
-          <a:p>
-            <a:endParaRPr lang="en-GB" dirty="0"/>
-          </a:p>
-        </p:txBody>
-      </p:sp>
-      <p:sp>
-        <p:nvSpPr>
-          <p:cNvPr id="4" name="Footer Placeholder 3">
-            <a:extLst>
-              <a:ext uri="{FF2B5EF4-FFF2-40B4-BE49-F238E27FC236}">
-                <a16:creationId xmlns:a16="http://schemas.microsoft.com/office/drawing/2014/main" id="{864417DC-CC1E-ED43-9730-22ECC32EE0B5}"/>
-              </a:ext>
-            </a:extLst>
-          </p:cNvPr>
-          <p:cNvSpPr>
-            <a:spLocks noGrp="1"/>
-          </p:cNvSpPr>
-          <p:nvPr>
-            <p:ph type="ftr" sz="quarter" idx="11"/>
-          </p:nvPr>
-        </p:nvSpPr>
-        <p:spPr/>
-        <p:txBody>
-          <a:bodyPr/>
-          <a:lstStyle/>
-          <a:p>
-            <a:endParaRPr lang="en-US" dirty="0"/>
-          </a:p>
-        </p:txBody>
-      </p:sp>
-      <p:sp>
-        <p:nvSpPr>
-          <p:cNvPr id="5" name="Slide Number Placeholder 4">
-            <a:extLst>
-              <a:ext uri="{FF2B5EF4-FFF2-40B4-BE49-F238E27FC236}">
-                <a16:creationId xmlns:a16="http://schemas.microsoft.com/office/drawing/2014/main" id="{A22EB552-3E2A-D246-9919-F907FBC733A7}"/>
-              </a:ext>
-            </a:extLst>
-          </p:cNvPr>
-          <p:cNvSpPr>
-            <a:spLocks noGrp="1"/>
-          </p:cNvSpPr>
-          <p:nvPr>
-            <p:ph type="sldNum" sz="quarter" idx="12"/>
-          </p:nvPr>
-        </p:nvSpPr>
-        <p:spPr/>
-        <p:txBody>
-          <a:bodyPr/>
-          <a:lstStyle/>
-          <a:p>
-            <a:fld id="{6D22F896-40B5-4ADD-8801-0D06FADFA095}" type="slidenum">
-              <a:rPr lang="en-US" smtClean="0"/>
-              <a:t>12</a:t>
-            </a:fld>
-            <a:endParaRPr lang="en-US" dirty="0"/>
-          </a:p>
-        </p:txBody>
-      </p:sp>
-    </p:spTree>
-    <p:extLst>
-      <p:ext uri="{BB962C8B-B14F-4D97-AF65-F5344CB8AC3E}">
-        <p14:creationId xmlns:p14="http://schemas.microsoft.com/office/powerpoint/2010/main" val="3363327484"/>
-      </p:ext>
-    </p:extLst>
-  </p:cSld>
-  <p:clrMapOvr>
-    <a:masterClrMapping/>
-  </p:clrMapOvr>
-</p:sld>
-</file>
-
-<file path=ppt/slides/slide2.xml><?xml version="1.0" encoding="utf-8"?>
-<p:sld xmlns:a="http://schemas.openxmlformats.org/drawingml/2006/main" xmlns:r="http://schemas.openxmlformats.org/officeDocument/2006/relationships" xmlns:p="http://schemas.openxmlformats.org/presentationml/2006/main">
-  <p:cSld>
-    <p:spTree>
-      <p:nvGrpSpPr>
-        <p:cNvPr id="1" name=""/>
-        <p:cNvGrpSpPr/>
-        <p:nvPr/>
-      </p:nvGrpSpPr>
-      <p:grpSpPr>
-        <a:xfrm>
-          <a:off x="0" y="0"/>
-          <a:ext cx="0" cy="0"/>
-          <a:chOff x="0" y="0"/>
-          <a:chExt cx="0" cy="0"/>
-        </a:xfrm>
-      </p:grpSpPr>
-      <p:sp>
-        <p:nvSpPr>
-          <p:cNvPr id="2" name="Title 1">
-            <a:extLst>
-              <a:ext uri="{FF2B5EF4-FFF2-40B4-BE49-F238E27FC236}">
-                <a16:creationId xmlns:a16="http://schemas.microsoft.com/office/drawing/2014/main" id="{3BA7404A-23E3-5441-B2E1-B6A7787421B2}"/>
-              </a:ext>
-            </a:extLst>
-          </p:cNvPr>
-          <p:cNvSpPr>
-            <a:spLocks noGrp="1"/>
-          </p:cNvSpPr>
-          <p:nvPr>
-            <p:ph type="title"/>
-          </p:nvPr>
-        </p:nvSpPr>
-        <p:spPr>
-          <a:xfrm>
-            <a:off x="1141413" y="618518"/>
-            <a:ext cx="9905998" cy="735269"/>
-          </a:xfrm>
-        </p:spPr>
-        <p:txBody>
-          <a:bodyPr/>
-          <a:lstStyle/>
-          <a:p>
-            <a:r>
-              <a:rPr lang="en-US" cap="none" dirty="0"/>
-              <a:t>Steganography</a:t>
-            </a:r>
-          </a:p>
-        </p:txBody>
-      </p:sp>
-      <p:sp>
-        <p:nvSpPr>
-          <p:cNvPr id="3" name="Content Placeholder 2">
-            <a:extLst>
-              <a:ext uri="{FF2B5EF4-FFF2-40B4-BE49-F238E27FC236}">
-                <a16:creationId xmlns:a16="http://schemas.microsoft.com/office/drawing/2014/main" id="{469AD72A-3C84-D745-AE91-2E61B3E61B22}"/>
-              </a:ext>
-            </a:extLst>
-          </p:cNvPr>
-          <p:cNvSpPr>
-            <a:spLocks noGrp="1"/>
-          </p:cNvSpPr>
-          <p:nvPr>
-            <p:ph idx="1"/>
-          </p:nvPr>
-        </p:nvSpPr>
-        <p:spPr/>
-        <p:txBody>
-          <a:bodyPr/>
-          <a:lstStyle/>
-          <a:p>
-            <a:r>
-              <a:rPr lang="en-US" dirty="0"/>
-              <a:t>Overview</a:t>
-            </a:r>
-          </a:p>
-          <a:p>
-            <a:r>
-              <a:rPr lang="en-US" dirty="0"/>
-              <a:t>How to do it</a:t>
-            </a:r>
-          </a:p>
-          <a:p>
-            <a:r>
-              <a:rPr lang="en-US" dirty="0"/>
-              <a:t>Implementation Strategy</a:t>
-            </a:r>
-          </a:p>
-          <a:p>
-            <a:r>
-              <a:rPr lang="en-US" dirty="0"/>
-              <a:t>Have a go</a:t>
-            </a:r>
-          </a:p>
-        </p:txBody>
-      </p:sp>
-      <p:sp>
-        <p:nvSpPr>
-          <p:cNvPr id="4" name="Footer Placeholder 3">
-            <a:extLst>
-              <a:ext uri="{FF2B5EF4-FFF2-40B4-BE49-F238E27FC236}">
-                <a16:creationId xmlns:a16="http://schemas.microsoft.com/office/drawing/2014/main" id="{3C698E39-D973-8F4D-86B9-5F795F3B40BD}"/>
-              </a:ext>
-            </a:extLst>
-          </p:cNvPr>
-          <p:cNvSpPr>
-            <a:spLocks noGrp="1"/>
-          </p:cNvSpPr>
-          <p:nvPr>
-            <p:ph type="ftr" sz="quarter" idx="11"/>
-          </p:nvPr>
-        </p:nvSpPr>
-        <p:spPr/>
-        <p:txBody>
-          <a:bodyPr/>
-          <a:lstStyle/>
-          <a:p>
-            <a:endParaRPr lang="en-US" dirty="0"/>
-          </a:p>
-        </p:txBody>
-      </p:sp>
-      <p:sp>
-        <p:nvSpPr>
-          <p:cNvPr id="5" name="Slide Number Placeholder 4">
-            <a:extLst>
-              <a:ext uri="{FF2B5EF4-FFF2-40B4-BE49-F238E27FC236}">
-                <a16:creationId xmlns:a16="http://schemas.microsoft.com/office/drawing/2014/main" id="{3312A98F-59A1-4845-8A56-8B30DBA908BE}"/>
-              </a:ext>
-            </a:extLst>
-          </p:cNvPr>
-          <p:cNvSpPr>
-            <a:spLocks noGrp="1"/>
-          </p:cNvSpPr>
-          <p:nvPr>
-            <p:ph type="sldNum" sz="quarter" idx="12"/>
-          </p:nvPr>
-        </p:nvSpPr>
-        <p:spPr/>
-        <p:txBody>
-          <a:bodyPr/>
-          <a:lstStyle/>
-          <a:p>
-            <a:fld id="{6D22F896-40B5-4ADD-8801-0D06FADFA095}" type="slidenum">
-              <a:rPr lang="en-US" smtClean="0"/>
-              <a:t>2</a:t>
-            </a:fld>
-            <a:endParaRPr lang="en-US" dirty="0"/>
-          </a:p>
-        </p:txBody>
-      </p:sp>
-    </p:spTree>
-    <p:extLst>
-      <p:ext uri="{BB962C8B-B14F-4D97-AF65-F5344CB8AC3E}">
-        <p14:creationId xmlns:p14="http://schemas.microsoft.com/office/powerpoint/2010/main" val="4219069814"/>
-      </p:ext>
-    </p:extLst>
-  </p:cSld>
-  <p:clrMapOvr>
-    <a:masterClrMapping/>
-  </p:clrMapOvr>
-</p:sld>
-</file>
-
-<file path=ppt/slides/slide3.xml><?xml version="1.0" encoding="utf-8"?>
-<p:sld xmlns:a="http://schemas.openxmlformats.org/drawingml/2006/main" xmlns:r="http://schemas.openxmlformats.org/officeDocument/2006/relationships" xmlns:p="http://schemas.openxmlformats.org/presentationml/2006/main">
-  <p:cSld>
-    <p:spTree>
-      <p:nvGrpSpPr>
-        <p:cNvPr id="1" name=""/>
-        <p:cNvGrpSpPr/>
-        <p:nvPr/>
-      </p:nvGrpSpPr>
-      <p:grpSpPr>
-        <a:xfrm>
-          <a:off x="0" y="0"/>
-          <a:ext cx="0" cy="0"/>
-          <a:chOff x="0" y="0"/>
-          <a:chExt cx="0" cy="0"/>
-        </a:xfrm>
-      </p:grpSpPr>
-      <p:sp>
-        <p:nvSpPr>
-          <p:cNvPr id="2" name="Title 1">
-            <a:extLst>
-              <a:ext uri="{FF2B5EF4-FFF2-40B4-BE49-F238E27FC236}">
-                <a16:creationId xmlns:a16="http://schemas.microsoft.com/office/drawing/2014/main" id="{539C6FA6-74AE-E145-82CA-C45527DFED95}"/>
-              </a:ext>
-            </a:extLst>
-          </p:cNvPr>
-          <p:cNvSpPr>
-            <a:spLocks noGrp="1"/>
-          </p:cNvSpPr>
-          <p:nvPr>
-            <p:ph type="title"/>
-          </p:nvPr>
-        </p:nvSpPr>
-        <p:spPr>
-          <a:xfrm>
-            <a:off x="1141413" y="618518"/>
-            <a:ext cx="9905998" cy="652142"/>
-          </a:xfrm>
-        </p:spPr>
-        <p:txBody>
-          <a:bodyPr/>
-          <a:lstStyle/>
-          <a:p>
-            <a:r>
-              <a:rPr lang="en-US" cap="none" dirty="0"/>
-              <a:t>Steganography</a:t>
-            </a:r>
-          </a:p>
-        </p:txBody>
-      </p:sp>
-      <p:sp>
-        <p:nvSpPr>
-          <p:cNvPr id="3" name="Content Placeholder 2">
-            <a:extLst>
-              <a:ext uri="{FF2B5EF4-FFF2-40B4-BE49-F238E27FC236}">
-                <a16:creationId xmlns:a16="http://schemas.microsoft.com/office/drawing/2014/main" id="{CA0D80D8-AE27-D54C-9937-BC7D76B0958A}"/>
-              </a:ext>
-            </a:extLst>
-          </p:cNvPr>
-          <p:cNvSpPr>
-            <a:spLocks noGrp="1"/>
-          </p:cNvSpPr>
-          <p:nvPr>
-            <p:ph idx="1"/>
-          </p:nvPr>
-        </p:nvSpPr>
-        <p:spPr>
-          <a:xfrm>
-            <a:off x="1141412" y="2249487"/>
-            <a:ext cx="9905999" cy="2880653"/>
-          </a:xfrm>
-        </p:spPr>
-        <p:txBody>
-          <a:bodyPr/>
-          <a:lstStyle/>
-          <a:p>
-            <a:r>
-              <a:rPr lang="en-US" dirty="0"/>
-              <a:t>Steganography means hiding data.  </a:t>
-            </a:r>
-          </a:p>
-          <a:p>
-            <a:r>
-              <a:rPr lang="en-US" dirty="0"/>
-              <a:t>Not the same as cryptography, but cryptography is often involved.</a:t>
-            </a:r>
-          </a:p>
-          <a:p>
-            <a:r>
-              <a:rPr lang="en-US" dirty="0"/>
-              <a:t>Data can be hidden in images, videos, network protocols and anything else that’s digital.</a:t>
-            </a:r>
-          </a:p>
-          <a:p>
-            <a:r>
-              <a:rPr lang="en-US" dirty="0"/>
-              <a:t>We will be talking about steganography in images.</a:t>
-            </a:r>
-          </a:p>
-        </p:txBody>
-      </p:sp>
-      <p:sp>
-        <p:nvSpPr>
-          <p:cNvPr id="4" name="Footer Placeholder 3">
-            <a:extLst>
-              <a:ext uri="{FF2B5EF4-FFF2-40B4-BE49-F238E27FC236}">
-                <a16:creationId xmlns:a16="http://schemas.microsoft.com/office/drawing/2014/main" id="{4375FADB-93A6-814F-85B5-8C7B205FF21C}"/>
-              </a:ext>
-            </a:extLst>
-          </p:cNvPr>
-          <p:cNvSpPr>
-            <a:spLocks noGrp="1"/>
-          </p:cNvSpPr>
-          <p:nvPr>
-            <p:ph type="ftr" sz="quarter" idx="11"/>
-          </p:nvPr>
-        </p:nvSpPr>
-        <p:spPr/>
-        <p:txBody>
-          <a:bodyPr/>
-          <a:lstStyle/>
-          <a:p>
-            <a:endParaRPr lang="en-US" dirty="0"/>
-          </a:p>
-        </p:txBody>
-      </p:sp>
-      <p:sp>
-        <p:nvSpPr>
-          <p:cNvPr id="5" name="Slide Number Placeholder 4">
-            <a:extLst>
-              <a:ext uri="{FF2B5EF4-FFF2-40B4-BE49-F238E27FC236}">
-                <a16:creationId xmlns:a16="http://schemas.microsoft.com/office/drawing/2014/main" id="{3FA8AA31-D4F4-074B-A6C6-2FC4C9971E5C}"/>
-              </a:ext>
-            </a:extLst>
-          </p:cNvPr>
-          <p:cNvSpPr>
-            <a:spLocks noGrp="1"/>
-          </p:cNvSpPr>
-          <p:nvPr>
-            <p:ph type="sldNum" sz="quarter" idx="12"/>
-          </p:nvPr>
-        </p:nvSpPr>
-        <p:spPr/>
-        <p:txBody>
-          <a:bodyPr/>
-          <a:lstStyle/>
-          <a:p>
-            <a:fld id="{6D22F896-40B5-4ADD-8801-0D06FADFA095}" type="slidenum">
-              <a:rPr lang="en-US" smtClean="0"/>
-              <a:t>3</a:t>
-            </a:fld>
-            <a:endParaRPr lang="en-US" dirty="0"/>
-          </a:p>
-        </p:txBody>
-      </p:sp>
-    </p:spTree>
-    <p:extLst>
-      <p:ext uri="{BB962C8B-B14F-4D97-AF65-F5344CB8AC3E}">
-        <p14:creationId xmlns:p14="http://schemas.microsoft.com/office/powerpoint/2010/main" val="1320106038"/>
-      </p:ext>
-    </p:extLst>
-  </p:cSld>
-  <p:clrMapOvr>
-    <a:masterClrMapping/>
-  </p:clrMapOvr>
-</p:sld>
-</file>
-
-<file path=ppt/slides/slide4.xml><?xml version="1.0" encoding="utf-8"?>
-<p:sld xmlns:a="http://schemas.openxmlformats.org/drawingml/2006/main" xmlns:r="http://schemas.openxmlformats.org/officeDocument/2006/relationships" xmlns:p="http://schemas.openxmlformats.org/presentationml/2006/main">
-  <p:cSld>
-    <p:spTree>
-      <p:nvGrpSpPr>
-        <p:cNvPr id="1" name=""/>
-        <p:cNvGrpSpPr/>
-        <p:nvPr/>
-      </p:nvGrpSpPr>
-      <p:grpSpPr>
-        <a:xfrm>
-          <a:off x="0" y="0"/>
-          <a:ext cx="0" cy="0"/>
-          <a:chOff x="0" y="0"/>
-          <a:chExt cx="0" cy="0"/>
-        </a:xfrm>
-      </p:grpSpPr>
-      <p:sp>
-        <p:nvSpPr>
-          <p:cNvPr id="2" name="Title 1">
-            <a:extLst>
-              <a:ext uri="{FF2B5EF4-FFF2-40B4-BE49-F238E27FC236}">
-                <a16:creationId xmlns:a16="http://schemas.microsoft.com/office/drawing/2014/main" id="{BB6F3215-4384-3B45-A3BD-7FB2346ACD69}"/>
-              </a:ext>
-            </a:extLst>
-          </p:cNvPr>
-          <p:cNvSpPr>
-            <a:spLocks noGrp="1"/>
-          </p:cNvSpPr>
-          <p:nvPr>
-            <p:ph type="title"/>
-          </p:nvPr>
-        </p:nvSpPr>
-        <p:spPr>
-          <a:xfrm>
-            <a:off x="1141413" y="618518"/>
-            <a:ext cx="9905998" cy="628391"/>
-          </a:xfrm>
-        </p:spPr>
-        <p:txBody>
-          <a:bodyPr/>
-          <a:lstStyle/>
-          <a:p>
-            <a:r>
-              <a:rPr lang="en-US" cap="none" dirty="0"/>
-              <a:t>Uses in the wild</a:t>
-            </a:r>
-          </a:p>
-        </p:txBody>
-      </p:sp>
-      <p:sp>
-        <p:nvSpPr>
-          <p:cNvPr id="3" name="Content Placeholder 2">
-            <a:extLst>
-              <a:ext uri="{FF2B5EF4-FFF2-40B4-BE49-F238E27FC236}">
-                <a16:creationId xmlns:a16="http://schemas.microsoft.com/office/drawing/2014/main" id="{51C61E85-17A9-494C-A2A6-8205F38EC148}"/>
-              </a:ext>
-            </a:extLst>
-          </p:cNvPr>
-          <p:cNvSpPr>
-            <a:spLocks noGrp="1"/>
-          </p:cNvSpPr>
-          <p:nvPr>
-            <p:ph idx="1"/>
-          </p:nvPr>
-        </p:nvSpPr>
-        <p:spPr>
-          <a:xfrm>
-            <a:off x="1141412" y="2249487"/>
-            <a:ext cx="5865030" cy="2607521"/>
-          </a:xfrm>
-        </p:spPr>
-        <p:txBody>
-          <a:bodyPr>
-            <a:normAutofit/>
-          </a:bodyPr>
-          <a:lstStyle/>
-          <a:p>
-            <a:r>
-              <a:rPr lang="en-US" dirty="0"/>
-              <a:t>Data exfiltration and transport</a:t>
-            </a:r>
-          </a:p>
-          <a:p>
-            <a:r>
-              <a:rPr lang="en-US" dirty="0"/>
-              <a:t>Hiding malware payloads</a:t>
-            </a:r>
-          </a:p>
-          <a:p>
-            <a:r>
-              <a:rPr lang="en-US" dirty="0"/>
-              <a:t>Hiding botnet commands</a:t>
-            </a:r>
-          </a:p>
-          <a:p>
-            <a:r>
-              <a:rPr lang="en-US" dirty="0"/>
-              <a:t>Difficult to detect</a:t>
-            </a:r>
-          </a:p>
-        </p:txBody>
-      </p:sp>
-      <p:sp>
-        <p:nvSpPr>
-          <p:cNvPr id="4" name="TextBox 3">
-            <a:extLst>
-              <a:ext uri="{FF2B5EF4-FFF2-40B4-BE49-F238E27FC236}">
-                <a16:creationId xmlns:a16="http://schemas.microsoft.com/office/drawing/2014/main" id="{76BD1FDC-1E6C-3646-B7CB-1077E4520835}"/>
+                <a16:creationId xmlns:a16="http://schemas.microsoft.com/office/drawing/2014/main" id="{00FD1D17-6365-5148-9CFA-86E69F591740}"/>
               </a:ext>
             </a:extLst>
           </p:cNvPr>
@@ -14410,8 +12931,8 @@
         </p:nvSpPr>
         <p:spPr>
           <a:xfrm>
-            <a:off x="1141412" y="5533901"/>
-            <a:ext cx="4881208" cy="646331"/>
+            <a:off x="1706758" y="1428750"/>
+            <a:ext cx="3583320" cy="369332"/>
           </a:xfrm>
           <a:prstGeom prst="rect">
             <a:avLst/>
@@ -14419,163 +12940,98 @@
           <a:noFill/>
         </p:spPr>
         <p:txBody>
-          <a:bodyPr wrap="none" rtlCol="0">
+          <a:bodyPr wrap="square" rtlCol="0">
             <a:spAutoFit/>
           </a:bodyPr>
           <a:lstStyle/>
           <a:p>
             <a:r>
-              <a:rPr lang="en-GB" dirty="0">
-                <a:solidFill>
-                  <a:schemeClr val="bg1"/>
-                </a:solidFill>
-                <a:hlinkClick r:id="rId2"/>
-              </a:rPr>
-              <a:t>Trends in steganography</a:t>
-            </a:r>
-            <a:r>
-              <a:rPr lang="en-GB" dirty="0"/>
-              <a:t>, 2014 </a:t>
-            </a:r>
-          </a:p>
-          <a:p>
-            <a:r>
-              <a:rPr lang="en-GB" dirty="0">
-                <a:hlinkClick r:id="rId3"/>
-              </a:rPr>
-              <a:t>Exploring steganography: Seeing the unseen</a:t>
-            </a:r>
-            <a:r>
-              <a:rPr lang="en-GB" dirty="0"/>
-              <a:t>, 1998</a:t>
-            </a:r>
-            <a:endParaRPr lang="en-US" dirty="0"/>
+              <a:rPr lang="en-US" dirty="0"/>
+              <a:t>Cover Image</a:t>
+            </a:r>
           </a:p>
         </p:txBody>
       </p:sp>
       <p:sp>
         <p:nvSpPr>
-          <p:cNvPr id="5" name="Footer Placeholder 4">
+          <p:cNvPr id="11" name="TextBox 10">
             <a:extLst>
               <a:ext uri="{FF2B5EF4-FFF2-40B4-BE49-F238E27FC236}">
-                <a16:creationId xmlns:a16="http://schemas.microsoft.com/office/drawing/2014/main" id="{818EA4CC-2895-7A46-A8F0-CC247DADA7F4}"/>
+                <a16:creationId xmlns:a16="http://schemas.microsoft.com/office/drawing/2014/main" id="{476568B4-321A-3E40-9583-39B5E6726889}"/>
               </a:ext>
             </a:extLst>
           </p:cNvPr>
-          <p:cNvSpPr>
-            <a:spLocks noGrp="1"/>
-          </p:cNvSpPr>
-          <p:nvPr>
-            <p:ph type="ftr" sz="quarter" idx="11"/>
-          </p:nvPr>
+          <p:cNvSpPr txBox="1"/>
+          <p:nvPr/>
         </p:nvSpPr>
-        <p:spPr/>
+        <p:spPr>
+          <a:xfrm>
+            <a:off x="1706758" y="3735348"/>
+            <a:ext cx="3583320" cy="369332"/>
+          </a:xfrm>
+          <a:prstGeom prst="rect">
+            <a:avLst/>
+          </a:prstGeom>
+          <a:noFill/>
+        </p:spPr>
         <p:txBody>
-          <a:bodyPr/>
+          <a:bodyPr wrap="square" rtlCol="0">
+            <a:spAutoFit/>
+          </a:bodyPr>
           <a:lstStyle/>
           <a:p>
-            <a:endParaRPr lang="en-US" dirty="0"/>
+            <a:r>
+              <a:rPr lang="en-US" dirty="0"/>
+              <a:t>Secret Image</a:t>
+            </a:r>
           </a:p>
         </p:txBody>
       </p:sp>
       <p:sp>
         <p:nvSpPr>
-          <p:cNvPr id="6" name="Slide Number Placeholder 5">
+          <p:cNvPr id="27" name="TextBox 26">
             <a:extLst>
               <a:ext uri="{FF2B5EF4-FFF2-40B4-BE49-F238E27FC236}">
-                <a16:creationId xmlns:a16="http://schemas.microsoft.com/office/drawing/2014/main" id="{C1AFC7E8-4D85-9A4A-A7AF-CD74BA5FEFD4}"/>
+                <a16:creationId xmlns:a16="http://schemas.microsoft.com/office/drawing/2014/main" id="{65CF277C-A021-3348-9BFD-A380D7C41CCB}"/>
               </a:ext>
             </a:extLst>
           </p:cNvPr>
-          <p:cNvSpPr>
-            <a:spLocks noGrp="1"/>
-          </p:cNvSpPr>
-          <p:nvPr>
-            <p:ph type="sldNum" sz="quarter" idx="12"/>
-          </p:nvPr>
-        </p:nvSpPr>
-        <p:spPr/>
-        <p:txBody>
-          <a:bodyPr/>
-          <a:lstStyle/>
-          <a:p>
-            <a:fld id="{6D22F896-40B5-4ADD-8801-0D06FADFA095}" type="slidenum">
-              <a:rPr lang="en-US" smtClean="0"/>
-              <a:t>4</a:t>
-            </a:fld>
-            <a:endParaRPr lang="en-US" dirty="0"/>
-          </a:p>
-        </p:txBody>
-      </p:sp>
-    </p:spTree>
-    <p:extLst>
-      <p:ext uri="{BB962C8B-B14F-4D97-AF65-F5344CB8AC3E}">
-        <p14:creationId xmlns:p14="http://schemas.microsoft.com/office/powerpoint/2010/main" val="1068870267"/>
-      </p:ext>
-    </p:extLst>
-  </p:cSld>
-  <p:clrMapOvr>
-    <a:masterClrMapping/>
-  </p:clrMapOvr>
-</p:sld>
-</file>
-
-<file path=ppt/slides/slide5.xml><?xml version="1.0" encoding="utf-8"?>
-<p:sld xmlns:a="http://schemas.openxmlformats.org/drawingml/2006/main" xmlns:r="http://schemas.openxmlformats.org/officeDocument/2006/relationships" xmlns:p="http://schemas.openxmlformats.org/presentationml/2006/main">
-  <p:cSld>
-    <p:spTree>
-      <p:nvGrpSpPr>
-        <p:cNvPr id="1" name=""/>
-        <p:cNvGrpSpPr/>
-        <p:nvPr/>
-      </p:nvGrpSpPr>
-      <p:grpSpPr>
-        <a:xfrm>
-          <a:off x="0" y="0"/>
-          <a:ext cx="0" cy="0"/>
-          <a:chOff x="0" y="0"/>
-          <a:chExt cx="0" cy="0"/>
-        </a:xfrm>
-      </p:grpSpPr>
-      <p:sp>
-        <p:nvSpPr>
-          <p:cNvPr id="2" name="Title 1">
-            <a:extLst>
-              <a:ext uri="{FF2B5EF4-FFF2-40B4-BE49-F238E27FC236}">
-                <a16:creationId xmlns:a16="http://schemas.microsoft.com/office/drawing/2014/main" id="{F9B02B04-F7F2-3A48-95C9-04FB39E5B253}"/>
-              </a:ext>
-            </a:extLst>
-          </p:cNvPr>
-          <p:cNvSpPr>
-            <a:spLocks noGrp="1"/>
-          </p:cNvSpPr>
-          <p:nvPr>
-            <p:ph type="title"/>
-          </p:nvPr>
+          <p:cNvSpPr txBox="1"/>
+          <p:nvPr/>
         </p:nvSpPr>
         <p:spPr>
           <a:xfrm>
-            <a:off x="1141413" y="618518"/>
-            <a:ext cx="9905998" cy="640266"/>
+            <a:off x="6693001" y="1428750"/>
+            <a:ext cx="3583320" cy="369332"/>
           </a:xfrm>
+          <a:prstGeom prst="rect">
+            <a:avLst/>
+          </a:prstGeom>
+          <a:noFill/>
         </p:spPr>
         <p:txBody>
-          <a:bodyPr/>
+          <a:bodyPr wrap="square" rtlCol="0">
+            <a:spAutoFit/>
+          </a:bodyPr>
           <a:lstStyle/>
           <a:p>
             <a:r>
-              <a:rPr lang="en-US" cap="none" dirty="0"/>
-              <a:t>Steganography in images</a:t>
+              <a:rPr lang="en-US" dirty="0" err="1"/>
+              <a:t>Stego</a:t>
+            </a:r>
+            <a:r>
+              <a:rPr lang="en-US" dirty="0"/>
+              <a:t> Image</a:t>
             </a:r>
           </a:p>
         </p:txBody>
       </p:sp>
       <p:pic>
         <p:nvPicPr>
-          <p:cNvPr id="5" name="Picture 4">
+          <p:cNvPr id="7" name="Picture 6">
             <a:extLst>
               <a:ext uri="{FF2B5EF4-FFF2-40B4-BE49-F238E27FC236}">
-                <a16:creationId xmlns:a16="http://schemas.microsoft.com/office/drawing/2014/main" id="{E9FB130E-9611-234A-BB82-731501E04F4E}"/>
+                <a16:creationId xmlns:a16="http://schemas.microsoft.com/office/drawing/2014/main" id="{3D6E297F-349C-854A-9111-5E48332412B0}"/>
               </a:ext>
             </a:extLst>
           </p:cNvPr>
@@ -14592,8 +13048,8 @@
         </p:blipFill>
         <p:spPr>
           <a:xfrm>
-            <a:off x="4470400" y="1871133"/>
-            <a:ext cx="1947333" cy="2921000"/>
+            <a:off x="1706758" y="1798082"/>
+            <a:ext cx="4347534" cy="1752600"/>
           </a:xfrm>
           <a:prstGeom prst="rect">
             <a:avLst/>
@@ -14602,40 +13058,10 @@
       </p:pic>
       <p:pic>
         <p:nvPicPr>
-          <p:cNvPr id="6" name="Picture 5">
+          <p:cNvPr id="13" name="Picture 12">
             <a:extLst>
               <a:ext uri="{FF2B5EF4-FFF2-40B4-BE49-F238E27FC236}">
-                <a16:creationId xmlns:a16="http://schemas.microsoft.com/office/drawing/2014/main" id="{58B4870C-C5E9-F94F-8174-77D2F8628190}"/>
-              </a:ext>
-            </a:extLst>
-          </p:cNvPr>
-          <p:cNvPicPr>
-            <a:picLocks noChangeAspect="1"/>
-          </p:cNvPicPr>
-          <p:nvPr/>
-        </p:nvPicPr>
-        <p:blipFill>
-          <a:blip r:embed="rId2"/>
-          <a:stretch>
-            <a:fillRect/>
-          </a:stretch>
-        </p:blipFill>
-        <p:spPr>
-          <a:xfrm>
-            <a:off x="8009466" y="1871133"/>
-            <a:ext cx="1947333" cy="2921000"/>
-          </a:xfrm>
-          <a:prstGeom prst="rect">
-            <a:avLst/>
-          </a:prstGeom>
-        </p:spPr>
-      </p:pic>
-      <p:pic>
-        <p:nvPicPr>
-          <p:cNvPr id="8" name="Picture 7">
-            <a:extLst>
-              <a:ext uri="{FF2B5EF4-FFF2-40B4-BE49-F238E27FC236}">
-                <a16:creationId xmlns:a16="http://schemas.microsoft.com/office/drawing/2014/main" id="{9F60902F-5870-A246-99E9-E3A6C4F3CF05}"/>
+                <a16:creationId xmlns:a16="http://schemas.microsoft.com/office/drawing/2014/main" id="{03BEC696-D100-C24F-A486-8EEC04C65FF0}"/>
               </a:ext>
             </a:extLst>
           </p:cNvPr>
@@ -14652,8 +13078,8 @@
         </p:blipFill>
         <p:spPr>
           <a:xfrm>
-            <a:off x="1224540" y="1871133"/>
-            <a:ext cx="2025120" cy="2752823"/>
+            <a:off x="1706758" y="4145424"/>
+            <a:ext cx="4347534" cy="1752600"/>
           </a:xfrm>
           <a:prstGeom prst="rect">
             <a:avLst/>
@@ -14662,10 +13088,10 @@
       </p:pic>
       <p:sp>
         <p:nvSpPr>
-          <p:cNvPr id="9" name="TextBox 8">
+          <p:cNvPr id="31" name="TextBox 30">
             <a:extLst>
               <a:ext uri="{FF2B5EF4-FFF2-40B4-BE49-F238E27FC236}">
-                <a16:creationId xmlns:a16="http://schemas.microsoft.com/office/drawing/2014/main" id="{FB4309C6-62AF-6845-9977-A5CED46A2454}"/>
+                <a16:creationId xmlns:a16="http://schemas.microsoft.com/office/drawing/2014/main" id="{159ADCE9-3F09-5042-B0E2-5632494882AC}"/>
               </a:ext>
             </a:extLst>
           </p:cNvPr>
@@ -14674,8 +13100,8 @@
         </p:nvSpPr>
         <p:spPr>
           <a:xfrm>
-            <a:off x="1141413" y="4792133"/>
-            <a:ext cx="1726755" cy="461665"/>
+            <a:off x="6699876" y="3776092"/>
+            <a:ext cx="3583320" cy="369332"/>
           </a:xfrm>
           <a:prstGeom prst="rect">
             <a:avLst/>
@@ -14683,150 +13109,82 @@
           <a:noFill/>
         </p:spPr>
         <p:txBody>
-          <a:bodyPr wrap="none" rtlCol="0">
+          <a:bodyPr wrap="square" rtlCol="0">
             <a:spAutoFit/>
           </a:bodyPr>
           <a:lstStyle/>
           <a:p>
             <a:r>
-              <a:rPr lang="en-US" sz="2400" dirty="0"/>
-              <a:t>Data to hide</a:t>
+              <a:rPr lang="en-US" dirty="0"/>
+              <a:t>Retrieved Image</a:t>
             </a:r>
           </a:p>
         </p:txBody>
       </p:sp>
-      <p:sp>
-        <p:nvSpPr>
-          <p:cNvPr id="10" name="TextBox 9">
+      <p:pic>
+        <p:nvPicPr>
+          <p:cNvPr id="35" name="Picture 34">
             <a:extLst>
               <a:ext uri="{FF2B5EF4-FFF2-40B4-BE49-F238E27FC236}">
-                <a16:creationId xmlns:a16="http://schemas.microsoft.com/office/drawing/2014/main" id="{B2DEED33-91C9-D440-93A8-0582EABB0693}"/>
+                <a16:creationId xmlns:a16="http://schemas.microsoft.com/office/drawing/2014/main" id="{D984C28E-DD47-5241-94D5-36181516729E}"/>
               </a:ext>
             </a:extLst>
           </p:cNvPr>
-          <p:cNvSpPr txBox="1"/>
+          <p:cNvPicPr>
+            <a:picLocks noChangeAspect="1"/>
+          </p:cNvPicPr>
           <p:nvPr/>
-        </p:nvSpPr>
+        </p:nvPicPr>
+        <p:blipFill>
+          <a:blip r:embed="rId4"/>
+          <a:stretch>
+            <a:fillRect/>
+          </a:stretch>
+        </p:blipFill>
         <p:spPr>
           <a:xfrm>
-            <a:off x="4470400" y="4854788"/>
-            <a:ext cx="1754519" cy="461665"/>
+            <a:off x="6693001" y="1798082"/>
+            <a:ext cx="4347534" cy="1752600"/>
           </a:xfrm>
           <a:prstGeom prst="rect">
             <a:avLst/>
           </a:prstGeom>
-          <a:noFill/>
         </p:spPr>
-        <p:txBody>
-          <a:bodyPr wrap="none" rtlCol="0">
-            <a:spAutoFit/>
-          </a:bodyPr>
-          <a:lstStyle/>
-          <a:p>
-            <a:r>
-              <a:rPr lang="en-US" sz="2400" dirty="0"/>
-              <a:t>Cover Image</a:t>
-            </a:r>
-          </a:p>
-        </p:txBody>
-      </p:sp>
-      <p:sp>
-        <p:nvSpPr>
-          <p:cNvPr id="11" name="TextBox 10">
+      </p:pic>
+      <p:pic>
+        <p:nvPicPr>
+          <p:cNvPr id="37" name="Picture 36">
             <a:extLst>
               <a:ext uri="{FF2B5EF4-FFF2-40B4-BE49-F238E27FC236}">
-                <a16:creationId xmlns:a16="http://schemas.microsoft.com/office/drawing/2014/main" id="{F448BF06-1713-E74D-9CBD-5310C855C01A}"/>
+                <a16:creationId xmlns:a16="http://schemas.microsoft.com/office/drawing/2014/main" id="{9210E46C-A28E-E24C-8FF5-D0C12E8ECF75}"/>
               </a:ext>
             </a:extLst>
           </p:cNvPr>
-          <p:cNvSpPr txBox="1"/>
+          <p:cNvPicPr>
+            <a:picLocks noChangeAspect="1"/>
+          </p:cNvPicPr>
           <p:nvPr/>
-        </p:nvSpPr>
+        </p:nvPicPr>
+        <p:blipFill>
+          <a:blip r:embed="rId5"/>
+          <a:stretch>
+            <a:fillRect/>
+          </a:stretch>
+        </p:blipFill>
         <p:spPr>
           <a:xfrm>
-            <a:off x="8009466" y="4854788"/>
-            <a:ext cx="1744645" cy="461665"/>
+            <a:off x="6699876" y="4145424"/>
+            <a:ext cx="4347534" cy="1752600"/>
           </a:xfrm>
           <a:prstGeom prst="rect">
             <a:avLst/>
           </a:prstGeom>
-          <a:noFill/>
         </p:spPr>
-        <p:txBody>
-          <a:bodyPr wrap="none" rtlCol="0">
-            <a:spAutoFit/>
-          </a:bodyPr>
-          <a:lstStyle/>
-          <a:p>
-            <a:r>
-              <a:rPr lang="en-US" sz="2400" dirty="0" err="1"/>
-              <a:t>Stego</a:t>
-            </a:r>
-            <a:r>
-              <a:rPr lang="en-US" sz="2400" dirty="0"/>
-              <a:t> Image</a:t>
-            </a:r>
-          </a:p>
-        </p:txBody>
-      </p:sp>
-      <p:sp>
-        <p:nvSpPr>
-          <p:cNvPr id="3" name="Footer Placeholder 2">
-            <a:extLst>
-              <a:ext uri="{FF2B5EF4-FFF2-40B4-BE49-F238E27FC236}">
-                <a16:creationId xmlns:a16="http://schemas.microsoft.com/office/drawing/2014/main" id="{786D9C94-F53B-2B42-B233-0E9334AD9C0D}"/>
-              </a:ext>
-            </a:extLst>
-          </p:cNvPr>
-          <p:cNvSpPr>
-            <a:spLocks noGrp="1"/>
-          </p:cNvSpPr>
-          <p:nvPr>
-            <p:ph type="ftr" sz="quarter" idx="11"/>
-          </p:nvPr>
-        </p:nvSpPr>
-        <p:spPr/>
-        <p:txBody>
-          <a:bodyPr/>
-          <a:lstStyle/>
-          <a:p>
-            <a:endParaRPr lang="en-US" dirty="0"/>
-          </a:p>
-        </p:txBody>
-      </p:sp>
-      <p:sp>
-        <p:nvSpPr>
-          <p:cNvPr id="4" name="Slide Number Placeholder 3">
-            <a:extLst>
-              <a:ext uri="{FF2B5EF4-FFF2-40B4-BE49-F238E27FC236}">
-                <a16:creationId xmlns:a16="http://schemas.microsoft.com/office/drawing/2014/main" id="{D9A21A22-0F95-CB47-8319-99937027EBDE}"/>
-              </a:ext>
-            </a:extLst>
-          </p:cNvPr>
-          <p:cNvSpPr>
-            <a:spLocks noGrp="1"/>
-          </p:cNvSpPr>
-          <p:nvPr>
-            <p:ph type="sldNum" sz="quarter" idx="12"/>
-          </p:nvPr>
-        </p:nvSpPr>
-        <p:spPr/>
-        <p:txBody>
-          <a:bodyPr/>
-          <a:lstStyle/>
-          <a:p>
-            <a:fld id="{6D22F896-40B5-4ADD-8801-0D06FADFA095}" type="slidenum">
-              <a:rPr lang="en-US" smtClean="0"/>
-              <a:t>5</a:t>
-            </a:fld>
-            <a:endParaRPr lang="en-US" dirty="0"/>
-          </a:p>
-        </p:txBody>
-      </p:sp>
+      </p:pic>
     </p:spTree>
     <p:extLst>
       <p:ext uri="{BB962C8B-B14F-4D97-AF65-F5344CB8AC3E}">
-        <p14:creationId xmlns:p14="http://schemas.microsoft.com/office/powerpoint/2010/main" val="3398999166"/>
+        <p14:creationId xmlns:p14="http://schemas.microsoft.com/office/powerpoint/2010/main" val="3590901692"/>
       </p:ext>
     </p:extLst>
   </p:cSld>
@@ -14836,1433 +13194,7 @@
 </p:sld>
 </file>
 
-<file path=ppt/slides/slide6.xml><?xml version="1.0" encoding="utf-8"?>
-<p:sld xmlns:a="http://schemas.openxmlformats.org/drawingml/2006/main" xmlns:r="http://schemas.openxmlformats.org/officeDocument/2006/relationships" xmlns:p="http://schemas.openxmlformats.org/presentationml/2006/main">
-  <p:cSld>
-    <p:spTree>
-      <p:nvGrpSpPr>
-        <p:cNvPr id="1" name=""/>
-        <p:cNvGrpSpPr/>
-        <p:nvPr/>
-      </p:nvGrpSpPr>
-      <p:grpSpPr>
-        <a:xfrm>
-          <a:off x="0" y="0"/>
-          <a:ext cx="0" cy="0"/>
-          <a:chOff x="0" y="0"/>
-          <a:chExt cx="0" cy="0"/>
-        </a:xfrm>
-      </p:grpSpPr>
-      <p:sp>
-        <p:nvSpPr>
-          <p:cNvPr id="2" name="Title 1">
-            <a:extLst>
-              <a:ext uri="{FF2B5EF4-FFF2-40B4-BE49-F238E27FC236}">
-                <a16:creationId xmlns:a16="http://schemas.microsoft.com/office/drawing/2014/main" id="{F9A46120-3913-6F48-973B-67BB109289D9}"/>
-              </a:ext>
-            </a:extLst>
-          </p:cNvPr>
-          <p:cNvSpPr>
-            <a:spLocks noGrp="1"/>
-          </p:cNvSpPr>
-          <p:nvPr>
-            <p:ph type="title"/>
-          </p:nvPr>
-        </p:nvSpPr>
-        <p:spPr>
-          <a:xfrm>
-            <a:off x="1141413" y="618518"/>
-            <a:ext cx="9905998" cy="838500"/>
-          </a:xfrm>
-        </p:spPr>
-        <p:txBody>
-          <a:bodyPr/>
-          <a:lstStyle/>
-          <a:p>
-            <a:r>
-              <a:rPr lang="en-US" cap="none" dirty="0"/>
-              <a:t>Pixels made of </a:t>
-            </a:r>
-            <a:r>
-              <a:rPr lang="en-US" cap="none" dirty="0">
-                <a:solidFill>
-                  <a:srgbClr val="FF0000"/>
-                </a:solidFill>
-              </a:rPr>
-              <a:t>red</a:t>
-            </a:r>
-            <a:r>
-              <a:rPr lang="en-US" cap="none" dirty="0"/>
-              <a:t>, </a:t>
-            </a:r>
-            <a:r>
-              <a:rPr lang="en-US" cap="none" dirty="0">
-                <a:solidFill>
-                  <a:srgbClr val="00B050"/>
-                </a:solidFill>
-              </a:rPr>
-              <a:t>green</a:t>
-            </a:r>
-            <a:r>
-              <a:rPr lang="en-US" cap="none" dirty="0"/>
-              <a:t> &amp; </a:t>
-            </a:r>
-            <a:r>
-              <a:rPr lang="en-US" cap="none" dirty="0">
-                <a:solidFill>
-                  <a:srgbClr val="0070C0"/>
-                </a:solidFill>
-              </a:rPr>
-              <a:t>blue</a:t>
-            </a:r>
-            <a:r>
-              <a:rPr lang="en-US" cap="none" dirty="0"/>
-              <a:t> </a:t>
-            </a:r>
-            <a:r>
-              <a:rPr lang="en-US" cap="none" dirty="0" err="1"/>
-              <a:t>colour</a:t>
-            </a:r>
-            <a:r>
-              <a:rPr lang="en-US" cap="none" dirty="0"/>
-              <a:t> values </a:t>
-            </a:r>
-          </a:p>
-        </p:txBody>
-      </p:sp>
-      <p:pic>
-        <p:nvPicPr>
-          <p:cNvPr id="7" name="Picture 6">
-            <a:extLst>
-              <a:ext uri="{FF2B5EF4-FFF2-40B4-BE49-F238E27FC236}">
-                <a16:creationId xmlns:a16="http://schemas.microsoft.com/office/drawing/2014/main" id="{FF4A90BD-7035-0444-8845-F8FEC8951DFF}"/>
-              </a:ext>
-            </a:extLst>
-          </p:cNvPr>
-          <p:cNvPicPr>
-            <a:picLocks noChangeAspect="1"/>
-          </p:cNvPicPr>
-          <p:nvPr/>
-        </p:nvPicPr>
-        <p:blipFill>
-          <a:blip r:embed="rId2"/>
-          <a:stretch>
-            <a:fillRect/>
-          </a:stretch>
-        </p:blipFill>
-        <p:spPr>
-          <a:xfrm>
-            <a:off x="1141413" y="1972807"/>
-            <a:ext cx="4737100" cy="1447800"/>
-          </a:xfrm>
-          <a:prstGeom prst="rect">
-            <a:avLst/>
-          </a:prstGeom>
-        </p:spPr>
-      </p:pic>
-      <p:sp>
-        <p:nvSpPr>
-          <p:cNvPr id="10" name="Content Placeholder 2">
-            <a:extLst>
-              <a:ext uri="{FF2B5EF4-FFF2-40B4-BE49-F238E27FC236}">
-                <a16:creationId xmlns:a16="http://schemas.microsoft.com/office/drawing/2014/main" id="{DCEB1A91-A348-5648-ADCC-B70CB0F0991F}"/>
-              </a:ext>
-            </a:extLst>
-          </p:cNvPr>
-          <p:cNvSpPr>
-            <a:spLocks noGrp="1"/>
-          </p:cNvSpPr>
-          <p:nvPr>
-            <p:ph idx="1"/>
-          </p:nvPr>
-        </p:nvSpPr>
-        <p:spPr>
-          <a:xfrm>
-            <a:off x="1141412" y="3936396"/>
-            <a:ext cx="6530047" cy="694981"/>
-          </a:xfrm>
-        </p:spPr>
-        <p:txBody>
-          <a:bodyPr/>
-          <a:lstStyle/>
-          <a:p>
-            <a:r>
-              <a:rPr lang="en-US" dirty="0"/>
-              <a:t>Each R, G, B part is a byte ranging from 0 - 255</a:t>
-            </a:r>
-          </a:p>
-        </p:txBody>
-      </p:sp>
-      <p:sp>
-        <p:nvSpPr>
-          <p:cNvPr id="3" name="Footer Placeholder 2">
-            <a:extLst>
-              <a:ext uri="{FF2B5EF4-FFF2-40B4-BE49-F238E27FC236}">
-                <a16:creationId xmlns:a16="http://schemas.microsoft.com/office/drawing/2014/main" id="{716ABDEC-9C5F-B548-8FDF-B8499451EEA8}"/>
-              </a:ext>
-            </a:extLst>
-          </p:cNvPr>
-          <p:cNvSpPr>
-            <a:spLocks noGrp="1"/>
-          </p:cNvSpPr>
-          <p:nvPr>
-            <p:ph type="ftr" sz="quarter" idx="11"/>
-          </p:nvPr>
-        </p:nvSpPr>
-        <p:spPr/>
-        <p:txBody>
-          <a:bodyPr/>
-          <a:lstStyle/>
-          <a:p>
-            <a:endParaRPr lang="en-US" dirty="0"/>
-          </a:p>
-        </p:txBody>
-      </p:sp>
-      <p:sp>
-        <p:nvSpPr>
-          <p:cNvPr id="4" name="Slide Number Placeholder 3">
-            <a:extLst>
-              <a:ext uri="{FF2B5EF4-FFF2-40B4-BE49-F238E27FC236}">
-                <a16:creationId xmlns:a16="http://schemas.microsoft.com/office/drawing/2014/main" id="{FC576A45-EAF1-2C46-B218-7D113EC4A302}"/>
-              </a:ext>
-            </a:extLst>
-          </p:cNvPr>
-          <p:cNvSpPr>
-            <a:spLocks noGrp="1"/>
-          </p:cNvSpPr>
-          <p:nvPr>
-            <p:ph type="sldNum" sz="quarter" idx="12"/>
-          </p:nvPr>
-        </p:nvSpPr>
-        <p:spPr/>
-        <p:txBody>
-          <a:bodyPr/>
-          <a:lstStyle/>
-          <a:p>
-            <a:fld id="{6D22F896-40B5-4ADD-8801-0D06FADFA095}" type="slidenum">
-              <a:rPr lang="en-US" smtClean="0"/>
-              <a:t>6</a:t>
-            </a:fld>
-            <a:endParaRPr lang="en-US" dirty="0"/>
-          </a:p>
-        </p:txBody>
-      </p:sp>
-    </p:spTree>
-    <p:extLst>
-      <p:ext uri="{BB962C8B-B14F-4D97-AF65-F5344CB8AC3E}">
-        <p14:creationId xmlns:p14="http://schemas.microsoft.com/office/powerpoint/2010/main" val="1387754857"/>
-      </p:ext>
-    </p:extLst>
-  </p:cSld>
-  <p:clrMapOvr>
-    <a:masterClrMapping/>
-  </p:clrMapOvr>
-</p:sld>
-</file>
-
-<file path=ppt/slides/slide7.xml><?xml version="1.0" encoding="utf-8"?>
-<p:sld xmlns:a="http://schemas.openxmlformats.org/drawingml/2006/main" xmlns:r="http://schemas.openxmlformats.org/officeDocument/2006/relationships" xmlns:p="http://schemas.openxmlformats.org/presentationml/2006/main">
-  <p:cSld>
-    <p:spTree>
-      <p:nvGrpSpPr>
-        <p:cNvPr id="1" name=""/>
-        <p:cNvGrpSpPr/>
-        <p:nvPr/>
-      </p:nvGrpSpPr>
-      <p:grpSpPr>
-        <a:xfrm>
-          <a:off x="0" y="0"/>
-          <a:ext cx="0" cy="0"/>
-          <a:chOff x="0" y="0"/>
-          <a:chExt cx="0" cy="0"/>
-        </a:xfrm>
-      </p:grpSpPr>
-      <p:sp>
-        <p:nvSpPr>
-          <p:cNvPr id="2" name="Title 1">
-            <a:extLst>
-              <a:ext uri="{FF2B5EF4-FFF2-40B4-BE49-F238E27FC236}">
-                <a16:creationId xmlns:a16="http://schemas.microsoft.com/office/drawing/2014/main" id="{0C5DBDCD-DB96-2945-A2E1-02173207EE33}"/>
-              </a:ext>
-            </a:extLst>
-          </p:cNvPr>
-          <p:cNvSpPr>
-            <a:spLocks noGrp="1"/>
-          </p:cNvSpPr>
-          <p:nvPr>
-            <p:ph type="title"/>
-          </p:nvPr>
-        </p:nvSpPr>
-        <p:spPr>
-          <a:xfrm>
-            <a:off x="1141413" y="618518"/>
-            <a:ext cx="9905998" cy="664017"/>
-          </a:xfrm>
-        </p:spPr>
-        <p:txBody>
-          <a:bodyPr/>
-          <a:lstStyle/>
-          <a:p>
-            <a:r>
-              <a:rPr lang="en-US" cap="none" dirty="0"/>
-              <a:t>Least significant bit (LSB)</a:t>
-            </a:r>
-          </a:p>
-        </p:txBody>
-      </p:sp>
-      <p:graphicFrame>
-        <p:nvGraphicFramePr>
-          <p:cNvPr id="5" name="Table 4">
-            <a:extLst>
-              <a:ext uri="{FF2B5EF4-FFF2-40B4-BE49-F238E27FC236}">
-                <a16:creationId xmlns:a16="http://schemas.microsoft.com/office/drawing/2014/main" id="{5072C951-A914-2E47-94FE-21D240D4FB2E}"/>
-              </a:ext>
-            </a:extLst>
-          </p:cNvPr>
-          <p:cNvGraphicFramePr>
-            <a:graphicFrameLocks noGrp="1"/>
-          </p:cNvGraphicFramePr>
-          <p:nvPr>
-            <p:extLst>
-              <p:ext uri="{D42A27DB-BD31-4B8C-83A1-F6EECF244321}">
-                <p14:modId xmlns:p14="http://schemas.microsoft.com/office/powerpoint/2010/main" val="585775115"/>
-              </p:ext>
-            </p:extLst>
-          </p:nvPr>
-        </p:nvGraphicFramePr>
-        <p:xfrm>
-          <a:off x="1141413" y="1883332"/>
-          <a:ext cx="8128000" cy="1112520"/>
-        </p:xfrm>
-        <a:graphic>
-          <a:graphicData uri="http://schemas.openxmlformats.org/drawingml/2006/table">
-            <a:tbl>
-              <a:tblPr firstRow="1" bandRow="1">
-                <a:tableStyleId>{5C22544A-7EE6-4342-B048-85BDC9FD1C3A}</a:tableStyleId>
-              </a:tblPr>
-              <a:tblGrid>
-                <a:gridCol w="1016000">
-                  <a:extLst>
-                    <a:ext uri="{9D8B030D-6E8A-4147-A177-3AD203B41FA5}">
-                      <a16:colId xmlns:a16="http://schemas.microsoft.com/office/drawing/2014/main" val="2671422537"/>
-                    </a:ext>
-                  </a:extLst>
-                </a:gridCol>
-                <a:gridCol w="1016000">
-                  <a:extLst>
-                    <a:ext uri="{9D8B030D-6E8A-4147-A177-3AD203B41FA5}">
-                      <a16:colId xmlns:a16="http://schemas.microsoft.com/office/drawing/2014/main" val="2111798565"/>
-                    </a:ext>
-                  </a:extLst>
-                </a:gridCol>
-                <a:gridCol w="1016000">
-                  <a:extLst>
-                    <a:ext uri="{9D8B030D-6E8A-4147-A177-3AD203B41FA5}">
-                      <a16:colId xmlns:a16="http://schemas.microsoft.com/office/drawing/2014/main" val="3388073585"/>
-                    </a:ext>
-                  </a:extLst>
-                </a:gridCol>
-                <a:gridCol w="1016000">
-                  <a:extLst>
-                    <a:ext uri="{9D8B030D-6E8A-4147-A177-3AD203B41FA5}">
-                      <a16:colId xmlns:a16="http://schemas.microsoft.com/office/drawing/2014/main" val="2113521827"/>
-                    </a:ext>
-                  </a:extLst>
-                </a:gridCol>
-                <a:gridCol w="1016000">
-                  <a:extLst>
-                    <a:ext uri="{9D8B030D-6E8A-4147-A177-3AD203B41FA5}">
-                      <a16:colId xmlns:a16="http://schemas.microsoft.com/office/drawing/2014/main" val="461181146"/>
-                    </a:ext>
-                  </a:extLst>
-                </a:gridCol>
-                <a:gridCol w="1016000">
-                  <a:extLst>
-                    <a:ext uri="{9D8B030D-6E8A-4147-A177-3AD203B41FA5}">
-                      <a16:colId xmlns:a16="http://schemas.microsoft.com/office/drawing/2014/main" val="420478473"/>
-                    </a:ext>
-                  </a:extLst>
-                </a:gridCol>
-                <a:gridCol w="1016000">
-                  <a:extLst>
-                    <a:ext uri="{9D8B030D-6E8A-4147-A177-3AD203B41FA5}">
-                      <a16:colId xmlns:a16="http://schemas.microsoft.com/office/drawing/2014/main" val="685313925"/>
-                    </a:ext>
-                  </a:extLst>
-                </a:gridCol>
-                <a:gridCol w="1016000">
-                  <a:extLst>
-                    <a:ext uri="{9D8B030D-6E8A-4147-A177-3AD203B41FA5}">
-                      <a16:colId xmlns:a16="http://schemas.microsoft.com/office/drawing/2014/main" val="3612542373"/>
-                    </a:ext>
-                  </a:extLst>
-                </a:gridCol>
-              </a:tblGrid>
-              <a:tr h="370840">
-                <a:tc>
-                  <a:txBody>
-                    <a:bodyPr/>
-                    <a:lstStyle/>
-                    <a:p>
-                      <a:r>
-                        <a:rPr lang="en-US" dirty="0"/>
-                        <a:t>Bit 8</a:t>
-                      </a:r>
-                    </a:p>
-                  </a:txBody>
-                  <a:tcPr/>
-                </a:tc>
-                <a:tc>
-                  <a:txBody>
-                    <a:bodyPr/>
-                    <a:lstStyle/>
-                    <a:p>
-                      <a:r>
-                        <a:rPr lang="en-US" dirty="0"/>
-                        <a:t>Bit 7</a:t>
-                      </a:r>
-                    </a:p>
-                  </a:txBody>
-                  <a:tcPr/>
-                </a:tc>
-                <a:tc>
-                  <a:txBody>
-                    <a:bodyPr/>
-                    <a:lstStyle/>
-                    <a:p>
-                      <a:r>
-                        <a:rPr lang="en-US" dirty="0"/>
-                        <a:t>Bit 6</a:t>
-                      </a:r>
-                    </a:p>
-                  </a:txBody>
-                  <a:tcPr/>
-                </a:tc>
-                <a:tc>
-                  <a:txBody>
-                    <a:bodyPr/>
-                    <a:lstStyle/>
-                    <a:p>
-                      <a:r>
-                        <a:rPr lang="en-US" dirty="0"/>
-                        <a:t>Bit 5</a:t>
-                      </a:r>
-                    </a:p>
-                  </a:txBody>
-                  <a:tcPr/>
-                </a:tc>
-                <a:tc>
-                  <a:txBody>
-                    <a:bodyPr/>
-                    <a:lstStyle/>
-                    <a:p>
-                      <a:r>
-                        <a:rPr lang="en-US" dirty="0"/>
-                        <a:t>Bit 4</a:t>
-                      </a:r>
-                    </a:p>
-                  </a:txBody>
-                  <a:tcPr/>
-                </a:tc>
-                <a:tc>
-                  <a:txBody>
-                    <a:bodyPr/>
-                    <a:lstStyle/>
-                    <a:p>
-                      <a:r>
-                        <a:rPr lang="en-US" dirty="0"/>
-                        <a:t>Bit 3</a:t>
-                      </a:r>
-                    </a:p>
-                  </a:txBody>
-                  <a:tcPr/>
-                </a:tc>
-                <a:tc>
-                  <a:txBody>
-                    <a:bodyPr/>
-                    <a:lstStyle/>
-                    <a:p>
-                      <a:r>
-                        <a:rPr lang="en-US" dirty="0"/>
-                        <a:t>Bit 2</a:t>
-                      </a:r>
-                    </a:p>
-                  </a:txBody>
-                  <a:tcPr/>
-                </a:tc>
-                <a:tc>
-                  <a:txBody>
-                    <a:bodyPr/>
-                    <a:lstStyle/>
-                    <a:p>
-                      <a:r>
-                        <a:rPr lang="en-US" dirty="0"/>
-                        <a:t>Bit 1</a:t>
-                      </a:r>
-                    </a:p>
-                  </a:txBody>
-                  <a:tcPr/>
-                </a:tc>
-                <a:extLst>
-                  <a:ext uri="{0D108BD9-81ED-4DB2-BD59-A6C34878D82A}">
-                    <a16:rowId xmlns:a16="http://schemas.microsoft.com/office/drawing/2014/main" val="4286968109"/>
-                  </a:ext>
-                </a:extLst>
-              </a:tr>
-              <a:tr h="370840">
-                <a:tc>
-                  <a:txBody>
-                    <a:bodyPr/>
-                    <a:lstStyle/>
-                    <a:p>
-                      <a:r>
-                        <a:rPr lang="en-US" dirty="0"/>
-                        <a:t>128</a:t>
-                      </a:r>
-                    </a:p>
-                  </a:txBody>
-                  <a:tcPr/>
-                </a:tc>
-                <a:tc>
-                  <a:txBody>
-                    <a:bodyPr/>
-                    <a:lstStyle/>
-                    <a:p>
-                      <a:r>
-                        <a:rPr lang="en-US" dirty="0"/>
-                        <a:t>64</a:t>
-                      </a:r>
-                    </a:p>
-                  </a:txBody>
-                  <a:tcPr/>
-                </a:tc>
-                <a:tc>
-                  <a:txBody>
-                    <a:bodyPr/>
-                    <a:lstStyle/>
-                    <a:p>
-                      <a:r>
-                        <a:rPr lang="en-US" dirty="0"/>
-                        <a:t>32</a:t>
-                      </a:r>
-                    </a:p>
-                  </a:txBody>
-                  <a:tcPr/>
-                </a:tc>
-                <a:tc>
-                  <a:txBody>
-                    <a:bodyPr/>
-                    <a:lstStyle/>
-                    <a:p>
-                      <a:r>
-                        <a:rPr lang="en-US" dirty="0"/>
-                        <a:t>16</a:t>
-                      </a:r>
-                    </a:p>
-                  </a:txBody>
-                  <a:tcPr/>
-                </a:tc>
-                <a:tc>
-                  <a:txBody>
-                    <a:bodyPr/>
-                    <a:lstStyle/>
-                    <a:p>
-                      <a:r>
-                        <a:rPr lang="en-US" dirty="0"/>
-                        <a:t>8</a:t>
-                      </a:r>
-                    </a:p>
-                  </a:txBody>
-                  <a:tcPr/>
-                </a:tc>
-                <a:tc>
-                  <a:txBody>
-                    <a:bodyPr/>
-                    <a:lstStyle/>
-                    <a:p>
-                      <a:r>
-                        <a:rPr lang="en-US" dirty="0"/>
-                        <a:t>4</a:t>
-                      </a:r>
-                    </a:p>
-                  </a:txBody>
-                  <a:tcPr/>
-                </a:tc>
-                <a:tc>
-                  <a:txBody>
-                    <a:bodyPr/>
-                    <a:lstStyle/>
-                    <a:p>
-                      <a:r>
-                        <a:rPr lang="en-US" dirty="0"/>
-                        <a:t>2</a:t>
-                      </a:r>
-                    </a:p>
-                  </a:txBody>
-                  <a:tcPr/>
-                </a:tc>
-                <a:tc>
-                  <a:txBody>
-                    <a:bodyPr/>
-                    <a:lstStyle/>
-                    <a:p>
-                      <a:r>
-                        <a:rPr lang="en-US" dirty="0"/>
-                        <a:t>1</a:t>
-                      </a:r>
-                    </a:p>
-                  </a:txBody>
-                  <a:tcPr/>
-                </a:tc>
-                <a:extLst>
-                  <a:ext uri="{0D108BD9-81ED-4DB2-BD59-A6C34878D82A}">
-                    <a16:rowId xmlns:a16="http://schemas.microsoft.com/office/drawing/2014/main" val="1146354593"/>
-                  </a:ext>
-                </a:extLst>
-              </a:tr>
-              <a:tr h="370840">
-                <a:tc>
-                  <a:txBody>
-                    <a:bodyPr/>
-                    <a:lstStyle/>
-                    <a:p>
-                      <a:r>
-                        <a:rPr lang="en-US" dirty="0"/>
-                        <a:t>0</a:t>
-                      </a:r>
-                    </a:p>
-                  </a:txBody>
-                  <a:tcPr/>
-                </a:tc>
-                <a:tc>
-                  <a:txBody>
-                    <a:bodyPr/>
-                    <a:lstStyle/>
-                    <a:p>
-                      <a:r>
-                        <a:rPr lang="en-US" dirty="0"/>
-                        <a:t>1</a:t>
-                      </a:r>
-                    </a:p>
-                  </a:txBody>
-                  <a:tcPr/>
-                </a:tc>
-                <a:tc>
-                  <a:txBody>
-                    <a:bodyPr/>
-                    <a:lstStyle/>
-                    <a:p>
-                      <a:r>
-                        <a:rPr lang="en-US" dirty="0"/>
-                        <a:t>0</a:t>
-                      </a:r>
-                    </a:p>
-                  </a:txBody>
-                  <a:tcPr/>
-                </a:tc>
-                <a:tc>
-                  <a:txBody>
-                    <a:bodyPr/>
-                    <a:lstStyle/>
-                    <a:p>
-                      <a:r>
-                        <a:rPr lang="en-US" dirty="0"/>
-                        <a:t>0</a:t>
-                      </a:r>
-                    </a:p>
-                  </a:txBody>
-                  <a:tcPr/>
-                </a:tc>
-                <a:tc>
-                  <a:txBody>
-                    <a:bodyPr/>
-                    <a:lstStyle/>
-                    <a:p>
-                      <a:r>
-                        <a:rPr lang="en-US" dirty="0"/>
-                        <a:t>0</a:t>
-                      </a:r>
-                    </a:p>
-                  </a:txBody>
-                  <a:tcPr/>
-                </a:tc>
-                <a:tc>
-                  <a:txBody>
-                    <a:bodyPr/>
-                    <a:lstStyle/>
-                    <a:p>
-                      <a:r>
-                        <a:rPr lang="en-US" dirty="0"/>
-                        <a:t>0</a:t>
-                      </a:r>
-                    </a:p>
-                  </a:txBody>
-                  <a:tcPr/>
-                </a:tc>
-                <a:tc>
-                  <a:txBody>
-                    <a:bodyPr/>
-                    <a:lstStyle/>
-                    <a:p>
-                      <a:r>
-                        <a:rPr lang="en-US" dirty="0"/>
-                        <a:t>0</a:t>
-                      </a:r>
-                    </a:p>
-                  </a:txBody>
-                  <a:tcPr/>
-                </a:tc>
-                <a:tc>
-                  <a:txBody>
-                    <a:bodyPr/>
-                    <a:lstStyle/>
-                    <a:p>
-                      <a:r>
-                        <a:rPr lang="en-US" dirty="0"/>
-                        <a:t>1</a:t>
-                      </a:r>
-                    </a:p>
-                  </a:txBody>
-                  <a:tcPr/>
-                </a:tc>
-                <a:extLst>
-                  <a:ext uri="{0D108BD9-81ED-4DB2-BD59-A6C34878D82A}">
-                    <a16:rowId xmlns:a16="http://schemas.microsoft.com/office/drawing/2014/main" val="1394148078"/>
-                  </a:ext>
-                </a:extLst>
-              </a:tr>
-            </a:tbl>
-          </a:graphicData>
-        </a:graphic>
-      </p:graphicFrame>
-      <p:sp>
-        <p:nvSpPr>
-          <p:cNvPr id="7" name="Content Placeholder 2">
-            <a:extLst>
-              <a:ext uri="{FF2B5EF4-FFF2-40B4-BE49-F238E27FC236}">
-                <a16:creationId xmlns:a16="http://schemas.microsoft.com/office/drawing/2014/main" id="{65F10F65-6AEC-444D-8C91-760644313E7B}"/>
-              </a:ext>
-            </a:extLst>
-          </p:cNvPr>
-          <p:cNvSpPr>
-            <a:spLocks noGrp="1"/>
-          </p:cNvSpPr>
-          <p:nvPr>
-            <p:ph idx="1"/>
-          </p:nvPr>
-        </p:nvSpPr>
-        <p:spPr>
-          <a:xfrm>
-            <a:off x="1141412" y="3253839"/>
-            <a:ext cx="8128001" cy="1781299"/>
-          </a:xfrm>
-        </p:spPr>
-        <p:txBody>
-          <a:bodyPr/>
-          <a:lstStyle/>
-          <a:p>
-            <a:r>
-              <a:rPr lang="en-US" dirty="0"/>
-              <a:t>These 8 bits (a byte) represent 65 ASCII A</a:t>
-            </a:r>
-          </a:p>
-          <a:p>
-            <a:r>
-              <a:rPr lang="en-US" dirty="0"/>
-              <a:t>LSB – Bit 1</a:t>
-            </a:r>
-          </a:p>
-        </p:txBody>
-      </p:sp>
-      <p:sp>
-        <p:nvSpPr>
-          <p:cNvPr id="3" name="Footer Placeholder 2">
-            <a:extLst>
-              <a:ext uri="{FF2B5EF4-FFF2-40B4-BE49-F238E27FC236}">
-                <a16:creationId xmlns:a16="http://schemas.microsoft.com/office/drawing/2014/main" id="{4013A2F1-87AB-D24A-BC6C-55E02C252A4B}"/>
-              </a:ext>
-            </a:extLst>
-          </p:cNvPr>
-          <p:cNvSpPr>
-            <a:spLocks noGrp="1"/>
-          </p:cNvSpPr>
-          <p:nvPr>
-            <p:ph type="ftr" sz="quarter" idx="11"/>
-          </p:nvPr>
-        </p:nvSpPr>
-        <p:spPr/>
-        <p:txBody>
-          <a:bodyPr/>
-          <a:lstStyle/>
-          <a:p>
-            <a:endParaRPr lang="en-US" dirty="0"/>
-          </a:p>
-        </p:txBody>
-      </p:sp>
-      <p:sp>
-        <p:nvSpPr>
-          <p:cNvPr id="4" name="Slide Number Placeholder 3">
-            <a:extLst>
-              <a:ext uri="{FF2B5EF4-FFF2-40B4-BE49-F238E27FC236}">
-                <a16:creationId xmlns:a16="http://schemas.microsoft.com/office/drawing/2014/main" id="{B634B3C2-A865-4547-ABC4-B8778C4D4A1E}"/>
-              </a:ext>
-            </a:extLst>
-          </p:cNvPr>
-          <p:cNvSpPr>
-            <a:spLocks noGrp="1"/>
-          </p:cNvSpPr>
-          <p:nvPr>
-            <p:ph type="sldNum" sz="quarter" idx="12"/>
-          </p:nvPr>
-        </p:nvSpPr>
-        <p:spPr/>
-        <p:txBody>
-          <a:bodyPr/>
-          <a:lstStyle/>
-          <a:p>
-            <a:fld id="{6D22F896-40B5-4ADD-8801-0D06FADFA095}" type="slidenum">
-              <a:rPr lang="en-US" smtClean="0"/>
-              <a:t>7</a:t>
-            </a:fld>
-            <a:endParaRPr lang="en-US" dirty="0"/>
-          </a:p>
-        </p:txBody>
-      </p:sp>
-    </p:spTree>
-    <p:extLst>
-      <p:ext uri="{BB962C8B-B14F-4D97-AF65-F5344CB8AC3E}">
-        <p14:creationId xmlns:p14="http://schemas.microsoft.com/office/powerpoint/2010/main" val="1186706910"/>
-      </p:ext>
-    </p:extLst>
-  </p:cSld>
-  <p:clrMapOvr>
-    <a:masterClrMapping/>
-  </p:clrMapOvr>
-</p:sld>
-</file>
-
-<file path=ppt/slides/slide8.xml><?xml version="1.0" encoding="utf-8"?>
-<p:sld xmlns:a="http://schemas.openxmlformats.org/drawingml/2006/main" xmlns:r="http://schemas.openxmlformats.org/officeDocument/2006/relationships" xmlns:p="http://schemas.openxmlformats.org/presentationml/2006/main">
-  <p:cSld>
-    <p:spTree>
-      <p:nvGrpSpPr>
-        <p:cNvPr id="1" name=""/>
-        <p:cNvGrpSpPr/>
-        <p:nvPr/>
-      </p:nvGrpSpPr>
-      <p:grpSpPr>
-        <a:xfrm>
-          <a:off x="0" y="0"/>
-          <a:ext cx="0" cy="0"/>
-          <a:chOff x="0" y="0"/>
-          <a:chExt cx="0" cy="0"/>
-        </a:xfrm>
-      </p:grpSpPr>
-      <p:sp>
-        <p:nvSpPr>
-          <p:cNvPr id="2" name="Title 1">
-            <a:extLst>
-              <a:ext uri="{FF2B5EF4-FFF2-40B4-BE49-F238E27FC236}">
-                <a16:creationId xmlns:a16="http://schemas.microsoft.com/office/drawing/2014/main" id="{BCD6B80F-AFF0-2649-A343-C93F55B476E9}"/>
-              </a:ext>
-            </a:extLst>
-          </p:cNvPr>
-          <p:cNvSpPr>
-            <a:spLocks noGrp="1"/>
-          </p:cNvSpPr>
-          <p:nvPr>
-            <p:ph type="title"/>
-          </p:nvPr>
-        </p:nvSpPr>
-        <p:spPr>
-          <a:xfrm>
-            <a:off x="1141413" y="618518"/>
-            <a:ext cx="3394961" cy="699643"/>
-          </a:xfrm>
-        </p:spPr>
-        <p:txBody>
-          <a:bodyPr/>
-          <a:lstStyle/>
-          <a:p>
-            <a:r>
-              <a:rPr lang="en-US" cap="none" dirty="0"/>
-              <a:t>Altering the LSB</a:t>
-            </a:r>
-          </a:p>
-        </p:txBody>
-      </p:sp>
-      <p:sp>
-        <p:nvSpPr>
-          <p:cNvPr id="5" name="Rounded Rectangle 4">
-            <a:extLst>
-              <a:ext uri="{FF2B5EF4-FFF2-40B4-BE49-F238E27FC236}">
-                <a16:creationId xmlns:a16="http://schemas.microsoft.com/office/drawing/2014/main" id="{99A1D3F3-1F0B-CE4A-99EA-D0C8444793FA}"/>
-              </a:ext>
-            </a:extLst>
-          </p:cNvPr>
-          <p:cNvSpPr/>
-          <p:nvPr/>
-        </p:nvSpPr>
-        <p:spPr>
-          <a:xfrm>
-            <a:off x="4452064" y="2673108"/>
-            <a:ext cx="1080655" cy="1080655"/>
-          </a:xfrm>
-          <a:prstGeom prst="roundRect">
-            <a:avLst/>
-          </a:prstGeom>
-          <a:solidFill>
-            <a:srgbClr val="00FF00"/>
-          </a:solidFill>
-        </p:spPr>
-        <p:style>
-          <a:lnRef idx="2">
-            <a:schemeClr val="accent1">
-              <a:shade val="50000"/>
-            </a:schemeClr>
-          </a:lnRef>
-          <a:fillRef idx="1">
-            <a:schemeClr val="accent1"/>
-          </a:fillRef>
-          <a:effectRef idx="0">
-            <a:schemeClr val="accent1"/>
-          </a:effectRef>
-          <a:fontRef idx="minor">
-            <a:schemeClr val="lt1"/>
-          </a:fontRef>
-        </p:style>
-        <p:txBody>
-          <a:bodyPr rtlCol="0" anchor="ctr"/>
-          <a:lstStyle/>
-          <a:p>
-            <a:pPr algn="ctr"/>
-            <a:endParaRPr lang="en-US"/>
-          </a:p>
-        </p:txBody>
-      </p:sp>
-      <p:sp>
-        <p:nvSpPr>
-          <p:cNvPr id="6" name="Rounded Rectangle 5">
-            <a:extLst>
-              <a:ext uri="{FF2B5EF4-FFF2-40B4-BE49-F238E27FC236}">
-                <a16:creationId xmlns:a16="http://schemas.microsoft.com/office/drawing/2014/main" id="{DCB10C9F-610D-434A-9D4D-6C2C02C1FE48}"/>
-              </a:ext>
-            </a:extLst>
-          </p:cNvPr>
-          <p:cNvSpPr/>
-          <p:nvPr/>
-        </p:nvSpPr>
-        <p:spPr>
-          <a:xfrm>
-            <a:off x="6128464" y="2673108"/>
-            <a:ext cx="1080655" cy="1080655"/>
-          </a:xfrm>
-          <a:prstGeom prst="roundRect">
-            <a:avLst/>
-          </a:prstGeom>
-          <a:solidFill>
-            <a:srgbClr val="00FE00"/>
-          </a:solidFill>
-        </p:spPr>
-        <p:style>
-          <a:lnRef idx="2">
-            <a:schemeClr val="accent1">
-              <a:shade val="50000"/>
-            </a:schemeClr>
-          </a:lnRef>
-          <a:fillRef idx="1">
-            <a:schemeClr val="accent1"/>
-          </a:fillRef>
-          <a:effectRef idx="0">
-            <a:schemeClr val="accent1"/>
-          </a:effectRef>
-          <a:fontRef idx="minor">
-            <a:schemeClr val="lt1"/>
-          </a:fontRef>
-        </p:style>
-        <p:txBody>
-          <a:bodyPr rtlCol="0" anchor="ctr"/>
-          <a:lstStyle/>
-          <a:p>
-            <a:pPr algn="ctr"/>
-            <a:endParaRPr lang="en-US"/>
-          </a:p>
-        </p:txBody>
-      </p:sp>
-      <p:sp>
-        <p:nvSpPr>
-          <p:cNvPr id="7" name="TextBox 6">
-            <a:extLst>
-              <a:ext uri="{FF2B5EF4-FFF2-40B4-BE49-F238E27FC236}">
-                <a16:creationId xmlns:a16="http://schemas.microsoft.com/office/drawing/2014/main" id="{15A34625-08C9-E045-BE4F-E4DD62E49410}"/>
-              </a:ext>
-            </a:extLst>
-          </p:cNvPr>
-          <p:cNvSpPr txBox="1"/>
-          <p:nvPr/>
-        </p:nvSpPr>
-        <p:spPr>
-          <a:xfrm>
-            <a:off x="4137028" y="3809928"/>
-            <a:ext cx="1710725" cy="369332"/>
-          </a:xfrm>
-          <a:prstGeom prst="rect">
-            <a:avLst/>
-          </a:prstGeom>
-          <a:noFill/>
-        </p:spPr>
-        <p:txBody>
-          <a:bodyPr wrap="none" rtlCol="0">
-            <a:spAutoFit/>
-          </a:bodyPr>
-          <a:lstStyle/>
-          <a:p>
-            <a:r>
-              <a:rPr lang="en-US" dirty="0"/>
-              <a:t>RGB( 0, 255, 0 )</a:t>
-            </a:r>
-          </a:p>
-        </p:txBody>
-      </p:sp>
-      <p:sp>
-        <p:nvSpPr>
-          <p:cNvPr id="8" name="TextBox 7">
-            <a:extLst>
-              <a:ext uri="{FF2B5EF4-FFF2-40B4-BE49-F238E27FC236}">
-                <a16:creationId xmlns:a16="http://schemas.microsoft.com/office/drawing/2014/main" id="{8BAE30B0-06CC-C54E-BFB5-BB5BCB7D60FA}"/>
-              </a:ext>
-            </a:extLst>
-          </p:cNvPr>
-          <p:cNvSpPr txBox="1"/>
-          <p:nvPr/>
-        </p:nvSpPr>
-        <p:spPr>
-          <a:xfrm>
-            <a:off x="5813428" y="3809928"/>
-            <a:ext cx="1710725" cy="369332"/>
-          </a:xfrm>
-          <a:prstGeom prst="rect">
-            <a:avLst/>
-          </a:prstGeom>
-          <a:noFill/>
-        </p:spPr>
-        <p:txBody>
-          <a:bodyPr wrap="none" rtlCol="0">
-            <a:spAutoFit/>
-          </a:bodyPr>
-          <a:lstStyle/>
-          <a:p>
-            <a:r>
-              <a:rPr lang="en-US" dirty="0"/>
-              <a:t>RGB( 0, 254, 0 )</a:t>
-            </a:r>
-          </a:p>
-        </p:txBody>
-      </p:sp>
-      <p:sp>
-        <p:nvSpPr>
-          <p:cNvPr id="9" name="Rounded Rectangle 8">
-            <a:extLst>
-              <a:ext uri="{FF2B5EF4-FFF2-40B4-BE49-F238E27FC236}">
-                <a16:creationId xmlns:a16="http://schemas.microsoft.com/office/drawing/2014/main" id="{03B59BEF-DB25-A04A-B2DF-BB2B7F23C68D}"/>
-              </a:ext>
-            </a:extLst>
-          </p:cNvPr>
-          <p:cNvSpPr/>
-          <p:nvPr/>
-        </p:nvSpPr>
-        <p:spPr>
-          <a:xfrm>
-            <a:off x="931800" y="2673108"/>
-            <a:ext cx="1080655" cy="1080655"/>
-          </a:xfrm>
-          <a:prstGeom prst="roundRect">
-            <a:avLst/>
-          </a:prstGeom>
-          <a:solidFill>
-            <a:srgbClr val="FF0000"/>
-          </a:solidFill>
-        </p:spPr>
-        <p:style>
-          <a:lnRef idx="2">
-            <a:schemeClr val="accent1">
-              <a:shade val="50000"/>
-            </a:schemeClr>
-          </a:lnRef>
-          <a:fillRef idx="1">
-            <a:schemeClr val="accent1"/>
-          </a:fillRef>
-          <a:effectRef idx="0">
-            <a:schemeClr val="accent1"/>
-          </a:effectRef>
-          <a:fontRef idx="minor">
-            <a:schemeClr val="lt1"/>
-          </a:fontRef>
-        </p:style>
-        <p:txBody>
-          <a:bodyPr rtlCol="0" anchor="ctr"/>
-          <a:lstStyle/>
-          <a:p>
-            <a:pPr algn="ctr"/>
-            <a:endParaRPr lang="en-US" dirty="0"/>
-          </a:p>
-        </p:txBody>
-      </p:sp>
-      <p:sp>
-        <p:nvSpPr>
-          <p:cNvPr id="10" name="Rounded Rectangle 9">
-            <a:extLst>
-              <a:ext uri="{FF2B5EF4-FFF2-40B4-BE49-F238E27FC236}">
-                <a16:creationId xmlns:a16="http://schemas.microsoft.com/office/drawing/2014/main" id="{3313E353-93C7-BE44-93C0-0ECB54BD0F7E}"/>
-              </a:ext>
-            </a:extLst>
-          </p:cNvPr>
-          <p:cNvSpPr/>
-          <p:nvPr/>
-        </p:nvSpPr>
-        <p:spPr>
-          <a:xfrm>
-            <a:off x="2608200" y="2673108"/>
-            <a:ext cx="1080655" cy="1080655"/>
-          </a:xfrm>
-          <a:prstGeom prst="roundRect">
-            <a:avLst/>
-          </a:prstGeom>
-          <a:solidFill>
-            <a:srgbClr val="FE0000"/>
-          </a:solidFill>
-        </p:spPr>
-        <p:style>
-          <a:lnRef idx="2">
-            <a:schemeClr val="accent1">
-              <a:shade val="50000"/>
-            </a:schemeClr>
-          </a:lnRef>
-          <a:fillRef idx="1">
-            <a:schemeClr val="accent1"/>
-          </a:fillRef>
-          <a:effectRef idx="0">
-            <a:schemeClr val="accent1"/>
-          </a:effectRef>
-          <a:fontRef idx="minor">
-            <a:schemeClr val="lt1"/>
-          </a:fontRef>
-        </p:style>
-        <p:txBody>
-          <a:bodyPr rtlCol="0" anchor="ctr"/>
-          <a:lstStyle/>
-          <a:p>
-            <a:pPr algn="ctr"/>
-            <a:endParaRPr lang="en-US" dirty="0"/>
-          </a:p>
-        </p:txBody>
-      </p:sp>
-      <p:sp>
-        <p:nvSpPr>
-          <p:cNvPr id="11" name="TextBox 10">
-            <a:extLst>
-              <a:ext uri="{FF2B5EF4-FFF2-40B4-BE49-F238E27FC236}">
-                <a16:creationId xmlns:a16="http://schemas.microsoft.com/office/drawing/2014/main" id="{F30FF892-322A-DF4A-B190-CBA80EF22F8A}"/>
-              </a:ext>
-            </a:extLst>
-          </p:cNvPr>
-          <p:cNvSpPr txBox="1"/>
-          <p:nvPr/>
-        </p:nvSpPr>
-        <p:spPr>
-          <a:xfrm>
-            <a:off x="616764" y="3809928"/>
-            <a:ext cx="1710725" cy="369332"/>
-          </a:xfrm>
-          <a:prstGeom prst="rect">
-            <a:avLst/>
-          </a:prstGeom>
-          <a:noFill/>
-        </p:spPr>
-        <p:txBody>
-          <a:bodyPr wrap="none" rtlCol="0">
-            <a:spAutoFit/>
-          </a:bodyPr>
-          <a:lstStyle/>
-          <a:p>
-            <a:r>
-              <a:rPr lang="en-US" dirty="0"/>
-              <a:t>RGB( 255, 0, 0 )</a:t>
-            </a:r>
-          </a:p>
-        </p:txBody>
-      </p:sp>
-      <p:sp>
-        <p:nvSpPr>
-          <p:cNvPr id="12" name="TextBox 11">
-            <a:extLst>
-              <a:ext uri="{FF2B5EF4-FFF2-40B4-BE49-F238E27FC236}">
-                <a16:creationId xmlns:a16="http://schemas.microsoft.com/office/drawing/2014/main" id="{FD9137A5-0659-D74F-93BE-D0A1F6874BB9}"/>
-              </a:ext>
-            </a:extLst>
-          </p:cNvPr>
-          <p:cNvSpPr txBox="1"/>
-          <p:nvPr/>
-        </p:nvSpPr>
-        <p:spPr>
-          <a:xfrm>
-            <a:off x="2293164" y="3809928"/>
-            <a:ext cx="1710725" cy="369332"/>
-          </a:xfrm>
-          <a:prstGeom prst="rect">
-            <a:avLst/>
-          </a:prstGeom>
-          <a:noFill/>
-        </p:spPr>
-        <p:txBody>
-          <a:bodyPr wrap="none" rtlCol="0">
-            <a:spAutoFit/>
-          </a:bodyPr>
-          <a:lstStyle/>
-          <a:p>
-            <a:r>
-              <a:rPr lang="en-US" dirty="0"/>
-              <a:t>RGB( 254, 0, 0 )</a:t>
-            </a:r>
-          </a:p>
-        </p:txBody>
-      </p:sp>
-      <p:sp>
-        <p:nvSpPr>
-          <p:cNvPr id="13" name="Rounded Rectangle 12">
-            <a:extLst>
-              <a:ext uri="{FF2B5EF4-FFF2-40B4-BE49-F238E27FC236}">
-                <a16:creationId xmlns:a16="http://schemas.microsoft.com/office/drawing/2014/main" id="{DEB1757D-7B41-214E-9729-46BC6DFD0790}"/>
-              </a:ext>
-            </a:extLst>
-          </p:cNvPr>
-          <p:cNvSpPr/>
-          <p:nvPr/>
-        </p:nvSpPr>
-        <p:spPr>
-          <a:xfrm>
-            <a:off x="7975322" y="2673108"/>
-            <a:ext cx="1080655" cy="1080655"/>
-          </a:xfrm>
-          <a:prstGeom prst="roundRect">
-            <a:avLst/>
-          </a:prstGeom>
-          <a:solidFill>
-            <a:srgbClr val="0000FF"/>
-          </a:solidFill>
-        </p:spPr>
-        <p:style>
-          <a:lnRef idx="2">
-            <a:schemeClr val="accent1">
-              <a:shade val="50000"/>
-            </a:schemeClr>
-          </a:lnRef>
-          <a:fillRef idx="1">
-            <a:schemeClr val="accent1"/>
-          </a:fillRef>
-          <a:effectRef idx="0">
-            <a:schemeClr val="accent1"/>
-          </a:effectRef>
-          <a:fontRef idx="minor">
-            <a:schemeClr val="lt1"/>
-          </a:fontRef>
-        </p:style>
-        <p:txBody>
-          <a:bodyPr rtlCol="0" anchor="ctr"/>
-          <a:lstStyle/>
-          <a:p>
-            <a:pPr algn="ctr"/>
-            <a:endParaRPr lang="en-US" dirty="0"/>
-          </a:p>
-        </p:txBody>
-      </p:sp>
-      <p:sp>
-        <p:nvSpPr>
-          <p:cNvPr id="14" name="Rounded Rectangle 13">
-            <a:extLst>
-              <a:ext uri="{FF2B5EF4-FFF2-40B4-BE49-F238E27FC236}">
-                <a16:creationId xmlns:a16="http://schemas.microsoft.com/office/drawing/2014/main" id="{8B01D1B6-68C4-7440-8702-AD178559A462}"/>
-              </a:ext>
-            </a:extLst>
-          </p:cNvPr>
-          <p:cNvSpPr/>
-          <p:nvPr/>
-        </p:nvSpPr>
-        <p:spPr>
-          <a:xfrm>
-            <a:off x="9651722" y="2673108"/>
-            <a:ext cx="1080655" cy="1080655"/>
-          </a:xfrm>
-          <a:prstGeom prst="roundRect">
-            <a:avLst/>
-          </a:prstGeom>
-          <a:solidFill>
-            <a:srgbClr val="0000FE"/>
-          </a:solidFill>
-        </p:spPr>
-        <p:style>
-          <a:lnRef idx="2">
-            <a:schemeClr val="accent1">
-              <a:shade val="50000"/>
-            </a:schemeClr>
-          </a:lnRef>
-          <a:fillRef idx="1">
-            <a:schemeClr val="accent1"/>
-          </a:fillRef>
-          <a:effectRef idx="0">
-            <a:schemeClr val="accent1"/>
-          </a:effectRef>
-          <a:fontRef idx="minor">
-            <a:schemeClr val="lt1"/>
-          </a:fontRef>
-        </p:style>
-        <p:txBody>
-          <a:bodyPr rtlCol="0" anchor="ctr"/>
-          <a:lstStyle/>
-          <a:p>
-            <a:pPr algn="ctr"/>
-            <a:endParaRPr lang="en-US"/>
-          </a:p>
-        </p:txBody>
-      </p:sp>
-      <p:sp>
-        <p:nvSpPr>
-          <p:cNvPr id="15" name="TextBox 14">
-            <a:extLst>
-              <a:ext uri="{FF2B5EF4-FFF2-40B4-BE49-F238E27FC236}">
-                <a16:creationId xmlns:a16="http://schemas.microsoft.com/office/drawing/2014/main" id="{2DD6ED9B-0A32-F144-8D0F-B8B2A56B1A93}"/>
-              </a:ext>
-            </a:extLst>
-          </p:cNvPr>
-          <p:cNvSpPr txBox="1"/>
-          <p:nvPr/>
-        </p:nvSpPr>
-        <p:spPr>
-          <a:xfrm>
-            <a:off x="7660286" y="3809928"/>
-            <a:ext cx="1710725" cy="369332"/>
-          </a:xfrm>
-          <a:prstGeom prst="rect">
-            <a:avLst/>
-          </a:prstGeom>
-          <a:noFill/>
-        </p:spPr>
-        <p:txBody>
-          <a:bodyPr wrap="none" rtlCol="0">
-            <a:spAutoFit/>
-          </a:bodyPr>
-          <a:lstStyle/>
-          <a:p>
-            <a:r>
-              <a:rPr lang="en-US" dirty="0"/>
-              <a:t>RGB( 0, 0, 255 )</a:t>
-            </a:r>
-          </a:p>
-        </p:txBody>
-      </p:sp>
-      <p:sp>
-        <p:nvSpPr>
-          <p:cNvPr id="16" name="TextBox 15">
-            <a:extLst>
-              <a:ext uri="{FF2B5EF4-FFF2-40B4-BE49-F238E27FC236}">
-                <a16:creationId xmlns:a16="http://schemas.microsoft.com/office/drawing/2014/main" id="{DE72199D-F410-0F40-989A-49A4F3393A2B}"/>
-              </a:ext>
-            </a:extLst>
-          </p:cNvPr>
-          <p:cNvSpPr txBox="1"/>
-          <p:nvPr/>
-        </p:nvSpPr>
-        <p:spPr>
-          <a:xfrm>
-            <a:off x="9336686" y="3809928"/>
-            <a:ext cx="1710725" cy="369332"/>
-          </a:xfrm>
-          <a:prstGeom prst="rect">
-            <a:avLst/>
-          </a:prstGeom>
-          <a:noFill/>
-        </p:spPr>
-        <p:txBody>
-          <a:bodyPr wrap="none" rtlCol="0">
-            <a:spAutoFit/>
-          </a:bodyPr>
-          <a:lstStyle/>
-          <a:p>
-            <a:r>
-              <a:rPr lang="en-US" dirty="0"/>
-              <a:t>RGB( 0, 0, 254 )</a:t>
-            </a:r>
-          </a:p>
-        </p:txBody>
-      </p:sp>
-      <p:sp>
-        <p:nvSpPr>
-          <p:cNvPr id="3" name="Footer Placeholder 2">
-            <a:extLst>
-              <a:ext uri="{FF2B5EF4-FFF2-40B4-BE49-F238E27FC236}">
-                <a16:creationId xmlns:a16="http://schemas.microsoft.com/office/drawing/2014/main" id="{0478CC43-8B97-A34D-89E0-070CDD2790FC}"/>
-              </a:ext>
-            </a:extLst>
-          </p:cNvPr>
-          <p:cNvSpPr>
-            <a:spLocks noGrp="1"/>
-          </p:cNvSpPr>
-          <p:nvPr>
-            <p:ph type="ftr" sz="quarter" idx="11"/>
-          </p:nvPr>
-        </p:nvSpPr>
-        <p:spPr/>
-        <p:txBody>
-          <a:bodyPr/>
-          <a:lstStyle/>
-          <a:p>
-            <a:endParaRPr lang="en-US" dirty="0"/>
-          </a:p>
-        </p:txBody>
-      </p:sp>
-      <p:sp>
-        <p:nvSpPr>
-          <p:cNvPr id="4" name="Slide Number Placeholder 3">
-            <a:extLst>
-              <a:ext uri="{FF2B5EF4-FFF2-40B4-BE49-F238E27FC236}">
-                <a16:creationId xmlns:a16="http://schemas.microsoft.com/office/drawing/2014/main" id="{3A4EFE36-79B0-8A41-B57F-65F7E3B35A48}"/>
-              </a:ext>
-            </a:extLst>
-          </p:cNvPr>
-          <p:cNvSpPr>
-            <a:spLocks noGrp="1"/>
-          </p:cNvSpPr>
-          <p:nvPr>
-            <p:ph type="sldNum" sz="quarter" idx="12"/>
-          </p:nvPr>
-        </p:nvSpPr>
-        <p:spPr/>
-        <p:txBody>
-          <a:bodyPr/>
-          <a:lstStyle/>
-          <a:p>
-            <a:fld id="{6D22F896-40B5-4ADD-8801-0D06FADFA095}" type="slidenum">
-              <a:rPr lang="en-US" smtClean="0"/>
-              <a:t>8</a:t>
-            </a:fld>
-            <a:endParaRPr lang="en-US" dirty="0"/>
-          </a:p>
-        </p:txBody>
-      </p:sp>
-    </p:spTree>
-    <p:extLst>
-      <p:ext uri="{BB962C8B-B14F-4D97-AF65-F5344CB8AC3E}">
-        <p14:creationId xmlns:p14="http://schemas.microsoft.com/office/powerpoint/2010/main" val="463343224"/>
-      </p:ext>
-    </p:extLst>
-  </p:cSld>
-  <p:clrMapOvr>
-    <a:masterClrMapping/>
-  </p:clrMapOvr>
-</p:sld>
-</file>
-
-<file path=ppt/slides/slide9.xml><?xml version="1.0" encoding="utf-8"?>
+<file path=ppt/slides/slide11.xml><?xml version="1.0" encoding="utf-8"?>
 <p:sld xmlns:a="http://schemas.openxmlformats.org/drawingml/2006/main" xmlns:r="http://schemas.openxmlformats.org/officeDocument/2006/relationships" xmlns:p="http://schemas.openxmlformats.org/presentationml/2006/main">
   <p:cSld>
     <p:spTree>
@@ -16334,11 +13266,7 @@
             <a:graphicFrameLocks noGrp="1"/>
           </p:cNvGraphicFramePr>
           <p:nvPr>
-            <p:extLst>
-              <p:ext uri="{D42A27DB-BD31-4B8C-83A1-F6EECF244321}">
-                <p14:modId xmlns:p14="http://schemas.microsoft.com/office/powerpoint/2010/main" val="722496153"/>
-              </p:ext>
-            </p:extLst>
+            <p:extLst/>
           </p:nvPr>
         </p:nvGraphicFramePr>
         <p:xfrm>
@@ -16448,11 +13376,7 @@
             <a:graphicFrameLocks noGrp="1"/>
           </p:cNvGraphicFramePr>
           <p:nvPr>
-            <p:extLst>
-              <p:ext uri="{D42A27DB-BD31-4B8C-83A1-F6EECF244321}">
-                <p14:modId xmlns:p14="http://schemas.microsoft.com/office/powerpoint/2010/main" val="4039499552"/>
-              </p:ext>
-            </p:extLst>
+            <p:extLst/>
           </p:nvPr>
         </p:nvGraphicFramePr>
         <p:xfrm>
@@ -17135,11 +14059,7 @@
             <a:graphicFrameLocks noGrp="1"/>
           </p:cNvGraphicFramePr>
           <p:nvPr>
-            <p:extLst>
-              <p:ext uri="{D42A27DB-BD31-4B8C-83A1-F6EECF244321}">
-                <p14:modId xmlns:p14="http://schemas.microsoft.com/office/powerpoint/2010/main" val="1858337988"/>
-              </p:ext>
-            </p:extLst>
+            <p:extLst/>
           </p:nvPr>
         </p:nvGraphicFramePr>
         <p:xfrm>
@@ -18041,10 +14961,10 @@
       </p:sp>
       <p:sp>
         <p:nvSpPr>
-          <p:cNvPr id="4" name="Footer Placeholder 3">
+          <p:cNvPr id="5" name="Slide Number Placeholder 4">
             <a:extLst>
               <a:ext uri="{FF2B5EF4-FFF2-40B4-BE49-F238E27FC236}">
-                <a16:creationId xmlns:a16="http://schemas.microsoft.com/office/drawing/2014/main" id="{B0E2456F-68BA-F14F-881C-F9B90872059D}"/>
+                <a16:creationId xmlns:a16="http://schemas.microsoft.com/office/drawing/2014/main" id="{A6F13C7A-3477-1E45-8926-24C65836A72F}"/>
               </a:ext>
             </a:extLst>
           </p:cNvPr>
@@ -18052,7 +14972,7 @@
             <a:spLocks noGrp="1"/>
           </p:cNvSpPr>
           <p:nvPr>
-            <p:ph type="ftr" sz="quarter" idx="11"/>
+            <p:ph type="sldNum" sz="quarter" idx="12"/>
           </p:nvPr>
         </p:nvSpPr>
         <p:spPr/>
@@ -18060,7 +14980,4381 @@
           <a:bodyPr/>
           <a:lstStyle/>
           <a:p>
+            <a:fld id="{6D22F896-40B5-4ADD-8801-0D06FADFA095}" type="slidenum">
+              <a:rPr lang="en-US" smtClean="0"/>
+              <a:t>11</a:t>
+            </a:fld>
             <a:endParaRPr lang="en-US" dirty="0"/>
+          </a:p>
+        </p:txBody>
+      </p:sp>
+      <p:sp>
+        <p:nvSpPr>
+          <p:cNvPr id="9" name="Frame 8">
+            <a:extLst>
+              <a:ext uri="{FF2B5EF4-FFF2-40B4-BE49-F238E27FC236}">
+                <a16:creationId xmlns:a16="http://schemas.microsoft.com/office/drawing/2014/main" id="{E2A67E17-E0BC-4646-8A8A-DAC56BCCA1A0}"/>
+              </a:ext>
+            </a:extLst>
+          </p:cNvPr>
+          <p:cNvSpPr/>
+          <p:nvPr/>
+        </p:nvSpPr>
+        <p:spPr>
+          <a:xfrm>
+            <a:off x="5281609" y="986592"/>
+            <a:ext cx="1617136" cy="368075"/>
+          </a:xfrm>
+          <a:prstGeom prst="frame">
+            <a:avLst/>
+          </a:prstGeom>
+        </p:spPr>
+        <p:style>
+          <a:lnRef idx="2">
+            <a:schemeClr val="accent1">
+              <a:shade val="50000"/>
+            </a:schemeClr>
+          </a:lnRef>
+          <a:fillRef idx="1">
+            <a:schemeClr val="accent1"/>
+          </a:fillRef>
+          <a:effectRef idx="0">
+            <a:schemeClr val="accent1"/>
+          </a:effectRef>
+          <a:fontRef idx="minor">
+            <a:schemeClr val="lt1"/>
+          </a:fontRef>
+        </p:style>
+        <p:txBody>
+          <a:bodyPr rtlCol="0" anchor="ctr"/>
+          <a:lstStyle/>
+          <a:p>
+            <a:pPr algn="ctr"/>
+            <a:endParaRPr lang="en-US">
+              <a:solidFill>
+                <a:schemeClr val="tx1"/>
+              </a:solidFill>
+            </a:endParaRPr>
+          </a:p>
+        </p:txBody>
+      </p:sp>
+      <p:cxnSp>
+        <p:nvCxnSpPr>
+          <p:cNvPr id="6" name="Curved Connector 5">
+            <a:extLst>
+              <a:ext uri="{FF2B5EF4-FFF2-40B4-BE49-F238E27FC236}">
+                <a16:creationId xmlns:a16="http://schemas.microsoft.com/office/drawing/2014/main" id="{2A880445-BB96-B54C-B3AF-43BF041E4E7B}"/>
+              </a:ext>
+            </a:extLst>
+          </p:cNvPr>
+          <p:cNvCxnSpPr>
+            <a:cxnSpLocks/>
+            <a:stCxn id="9" idx="3"/>
+            <a:endCxn id="3" idx="0"/>
+          </p:cNvCxnSpPr>
+          <p:nvPr/>
+        </p:nvCxnSpPr>
+        <p:spPr>
+          <a:xfrm>
+            <a:off x="6898745" y="1170630"/>
+            <a:ext cx="2372256" cy="621658"/>
+          </a:xfrm>
+          <a:prstGeom prst="curvedConnector2">
+            <a:avLst/>
+          </a:prstGeom>
+          <a:ln w="63500">
+            <a:tailEnd type="triangle"/>
+          </a:ln>
+        </p:spPr>
+        <p:style>
+          <a:lnRef idx="1">
+            <a:schemeClr val="accent1"/>
+          </a:lnRef>
+          <a:fillRef idx="0">
+            <a:schemeClr val="accent1"/>
+          </a:fillRef>
+          <a:effectRef idx="0">
+            <a:schemeClr val="accent1"/>
+          </a:effectRef>
+          <a:fontRef idx="minor">
+            <a:schemeClr val="tx1"/>
+          </a:fontRef>
+        </p:style>
+      </p:cxnSp>
+    </p:spTree>
+    <p:extLst>
+      <p:ext uri="{BB962C8B-B14F-4D97-AF65-F5344CB8AC3E}">
+        <p14:creationId xmlns:p14="http://schemas.microsoft.com/office/powerpoint/2010/main" val="540956423"/>
+      </p:ext>
+    </p:extLst>
+  </p:cSld>
+  <p:clrMapOvr>
+    <a:masterClrMapping/>
+  </p:clrMapOvr>
+</p:sld>
+</file>
+
+<file path=ppt/slides/slide12.xml><?xml version="1.0" encoding="utf-8"?>
+<p:sld xmlns:a="http://schemas.openxmlformats.org/drawingml/2006/main" xmlns:r="http://schemas.openxmlformats.org/officeDocument/2006/relationships" xmlns:p="http://schemas.openxmlformats.org/presentationml/2006/main">
+  <p:cSld>
+    <p:spTree>
+      <p:nvGrpSpPr>
+        <p:cNvPr id="1" name=""/>
+        <p:cNvGrpSpPr/>
+        <p:nvPr/>
+      </p:nvGrpSpPr>
+      <p:grpSpPr>
+        <a:xfrm>
+          <a:off x="0" y="0"/>
+          <a:ext cx="0" cy="0"/>
+          <a:chOff x="0" y="0"/>
+          <a:chExt cx="0" cy="0"/>
+        </a:xfrm>
+      </p:grpSpPr>
+      <p:sp>
+        <p:nvSpPr>
+          <p:cNvPr id="2" name="Title 1">
+            <a:extLst>
+              <a:ext uri="{FF2B5EF4-FFF2-40B4-BE49-F238E27FC236}">
+                <a16:creationId xmlns:a16="http://schemas.microsoft.com/office/drawing/2014/main" id="{F4E6DB78-189F-9547-B399-C7704091ACA4}"/>
+              </a:ext>
+            </a:extLst>
+          </p:cNvPr>
+          <p:cNvSpPr>
+            <a:spLocks noGrp="1"/>
+          </p:cNvSpPr>
+          <p:nvPr>
+            <p:ph type="title"/>
+          </p:nvPr>
+        </p:nvSpPr>
+        <p:spPr>
+          <a:xfrm>
+            <a:off x="1141413" y="618518"/>
+            <a:ext cx="9905998" cy="640266"/>
+          </a:xfrm>
+        </p:spPr>
+        <p:txBody>
+          <a:bodyPr/>
+          <a:lstStyle/>
+          <a:p>
+            <a:r>
+              <a:rPr lang="en-US" cap="none" dirty="0"/>
+              <a:t>Implementation Pseudocode</a:t>
+            </a:r>
+          </a:p>
+        </p:txBody>
+      </p:sp>
+      <p:sp>
+        <p:nvSpPr>
+          <p:cNvPr id="3" name="Content Placeholder 2">
+            <a:extLst>
+              <a:ext uri="{FF2B5EF4-FFF2-40B4-BE49-F238E27FC236}">
+                <a16:creationId xmlns:a16="http://schemas.microsoft.com/office/drawing/2014/main" id="{6526CCC6-DA11-8947-8853-7DBE67F40981}"/>
+              </a:ext>
+            </a:extLst>
+          </p:cNvPr>
+          <p:cNvSpPr>
+            <a:spLocks noGrp="1"/>
+          </p:cNvSpPr>
+          <p:nvPr>
+            <p:ph idx="1"/>
+          </p:nvPr>
+        </p:nvSpPr>
+        <p:spPr>
+          <a:xfrm>
+            <a:off x="1141412" y="1531917"/>
+            <a:ext cx="4261861" cy="4259284"/>
+          </a:xfrm>
+        </p:spPr>
+        <p:txBody>
+          <a:bodyPr>
+            <a:normAutofit/>
+          </a:bodyPr>
+          <a:lstStyle/>
+          <a:p>
+            <a:pPr marL="0" indent="0">
+              <a:buNone/>
+            </a:pPr>
+            <a:r>
+              <a:rPr lang="en-US" dirty="0">
+                <a:solidFill>
+                  <a:schemeClr val="bg1"/>
+                </a:solidFill>
+              </a:rPr>
+              <a:t>Create the </a:t>
+            </a:r>
+            <a:r>
+              <a:rPr lang="en-US" dirty="0" err="1">
+                <a:solidFill>
+                  <a:schemeClr val="bg1"/>
+                </a:solidFill>
+              </a:rPr>
+              <a:t>Stego</a:t>
+            </a:r>
+            <a:r>
+              <a:rPr lang="en-US" dirty="0">
+                <a:solidFill>
+                  <a:schemeClr val="bg1"/>
+                </a:solidFill>
+              </a:rPr>
+              <a:t> Image</a:t>
+            </a:r>
+          </a:p>
+          <a:p>
+            <a:pPr marL="457200" indent="-457200">
+              <a:buFont typeface="+mj-lt"/>
+              <a:buAutoNum type="arabicPeriod"/>
+            </a:pPr>
+            <a:r>
+              <a:rPr lang="en-US" dirty="0"/>
+              <a:t>Read the secret file.</a:t>
+            </a:r>
+          </a:p>
+          <a:p>
+            <a:pPr marL="457200" indent="-457200">
+              <a:buFont typeface="+mj-lt"/>
+              <a:buAutoNum type="arabicPeriod"/>
+            </a:pPr>
+            <a:r>
+              <a:rPr lang="en-US" dirty="0"/>
+              <a:t>Read the cover image.</a:t>
+            </a:r>
+          </a:p>
+          <a:p>
+            <a:pPr marL="457200" indent="-457200">
+              <a:buFont typeface="+mj-lt"/>
+              <a:buAutoNum type="arabicPeriod"/>
+            </a:pPr>
+            <a:r>
+              <a:rPr lang="en-US" dirty="0"/>
+              <a:t>Write the size of the secret file to the cover image.</a:t>
+            </a:r>
+          </a:p>
+          <a:p>
+            <a:pPr marL="457200" indent="-457200">
+              <a:buFont typeface="+mj-lt"/>
+              <a:buAutoNum type="arabicPeriod"/>
+            </a:pPr>
+            <a:r>
+              <a:rPr lang="en-US" dirty="0"/>
+              <a:t>Using LSB, write the secret file to the cover image.</a:t>
+            </a:r>
+          </a:p>
+          <a:p>
+            <a:pPr marL="457200" indent="-457200">
+              <a:buFont typeface="+mj-lt"/>
+              <a:buAutoNum type="arabicPeriod"/>
+            </a:pPr>
+            <a:r>
+              <a:rPr lang="en-US" dirty="0"/>
+              <a:t>Write the </a:t>
+            </a:r>
+            <a:r>
+              <a:rPr lang="en-US" dirty="0" err="1"/>
+              <a:t>stego</a:t>
+            </a:r>
+            <a:r>
+              <a:rPr lang="en-US" dirty="0"/>
+              <a:t> image.</a:t>
+            </a:r>
+          </a:p>
+          <a:p>
+            <a:pPr marL="457200" indent="-457200">
+              <a:buFont typeface="+mj-lt"/>
+              <a:buAutoNum type="arabicPeriod"/>
+            </a:pPr>
+            <a:endParaRPr lang="en-US" dirty="0"/>
+          </a:p>
+        </p:txBody>
+      </p:sp>
+      <p:sp>
+        <p:nvSpPr>
+          <p:cNvPr id="4" name="Content Placeholder 2">
+            <a:extLst>
+              <a:ext uri="{FF2B5EF4-FFF2-40B4-BE49-F238E27FC236}">
+                <a16:creationId xmlns:a16="http://schemas.microsoft.com/office/drawing/2014/main" id="{262CB99F-8F1C-074D-B993-8C1EDA13C422}"/>
+              </a:ext>
+            </a:extLst>
+          </p:cNvPr>
+          <p:cNvSpPr txBox="1">
+            <a:spLocks/>
+          </p:cNvSpPr>
+          <p:nvPr/>
+        </p:nvSpPr>
+        <p:spPr>
+          <a:xfrm>
+            <a:off x="6340824" y="1531917"/>
+            <a:ext cx="4261861" cy="4259284"/>
+          </a:xfrm>
+          <a:prstGeom prst="rect">
+            <a:avLst/>
+          </a:prstGeom>
+        </p:spPr>
+        <p:txBody>
+          <a:bodyPr vert="horz" lIns="91440" tIns="45720" rIns="91440" bIns="45720" rtlCol="0">
+            <a:normAutofit/>
+          </a:bodyPr>
+          <a:lstStyle>
+            <a:lvl1pPr marL="228600" indent="-228600" algn="l" defTabSz="914400" rtl="0" eaLnBrk="1" latinLnBrk="0" hangingPunct="1">
+              <a:lnSpc>
+                <a:spcPct val="120000"/>
+              </a:lnSpc>
+              <a:spcBef>
+                <a:spcPts val="1000"/>
+              </a:spcBef>
+              <a:buSzPct val="125000"/>
+              <a:buFont typeface="Arial" panose="020B0604020202020204" pitchFamily="34" charset="0"/>
+              <a:buChar char="•"/>
+              <a:defRPr sz="2400" kern="1200">
+                <a:solidFill>
+                  <a:schemeClr val="tx1"/>
+                </a:solidFill>
+                <a:latin typeface="+mn-lt"/>
+                <a:ea typeface="+mn-ea"/>
+                <a:cs typeface="+mn-cs"/>
+              </a:defRPr>
+            </a:lvl1pPr>
+            <a:lvl2pPr marL="685800" indent="-228600" algn="l" defTabSz="914400" rtl="0" eaLnBrk="1" latinLnBrk="0" hangingPunct="1">
+              <a:lnSpc>
+                <a:spcPct val="120000"/>
+              </a:lnSpc>
+              <a:spcBef>
+                <a:spcPts val="500"/>
+              </a:spcBef>
+              <a:buSzPct val="125000"/>
+              <a:buFont typeface="Arial" panose="020B0604020202020204" pitchFamily="34" charset="0"/>
+              <a:buChar char="•"/>
+              <a:defRPr sz="2000" kern="1200">
+                <a:solidFill>
+                  <a:schemeClr val="tx1"/>
+                </a:solidFill>
+                <a:latin typeface="+mn-lt"/>
+                <a:ea typeface="+mn-ea"/>
+                <a:cs typeface="+mn-cs"/>
+              </a:defRPr>
+            </a:lvl2pPr>
+            <a:lvl3pPr marL="1143000" indent="-228600" algn="l" defTabSz="914400" rtl="0" eaLnBrk="1" latinLnBrk="0" hangingPunct="1">
+              <a:lnSpc>
+                <a:spcPct val="120000"/>
+              </a:lnSpc>
+              <a:spcBef>
+                <a:spcPts val="500"/>
+              </a:spcBef>
+              <a:buSzPct val="125000"/>
+              <a:buFont typeface="Arial" panose="020B0604020202020204" pitchFamily="34" charset="0"/>
+              <a:buChar char="•"/>
+              <a:defRPr sz="1800" kern="1200">
+                <a:solidFill>
+                  <a:schemeClr val="tx1"/>
+                </a:solidFill>
+                <a:latin typeface="+mn-lt"/>
+                <a:ea typeface="+mn-ea"/>
+                <a:cs typeface="+mn-cs"/>
+              </a:defRPr>
+            </a:lvl3pPr>
+            <a:lvl4pPr marL="1600200" indent="-228600" algn="l" defTabSz="914400" rtl="0" eaLnBrk="1" latinLnBrk="0" hangingPunct="1">
+              <a:lnSpc>
+                <a:spcPct val="120000"/>
+              </a:lnSpc>
+              <a:spcBef>
+                <a:spcPts val="500"/>
+              </a:spcBef>
+              <a:buSzPct val="125000"/>
+              <a:buFont typeface="Arial" panose="020B0604020202020204" pitchFamily="34" charset="0"/>
+              <a:buChar char="•"/>
+              <a:defRPr sz="1600" kern="1200">
+                <a:solidFill>
+                  <a:schemeClr val="tx1"/>
+                </a:solidFill>
+                <a:latin typeface="+mn-lt"/>
+                <a:ea typeface="+mn-ea"/>
+                <a:cs typeface="+mn-cs"/>
+              </a:defRPr>
+            </a:lvl4pPr>
+            <a:lvl5pPr marL="2057400" indent="-228600" algn="l" defTabSz="914400" rtl="0" eaLnBrk="1" latinLnBrk="0" hangingPunct="1">
+              <a:lnSpc>
+                <a:spcPct val="120000"/>
+              </a:lnSpc>
+              <a:spcBef>
+                <a:spcPts val="500"/>
+              </a:spcBef>
+              <a:buSzPct val="125000"/>
+              <a:buFont typeface="Arial" panose="020B0604020202020204" pitchFamily="34" charset="0"/>
+              <a:buChar char="•"/>
+              <a:defRPr sz="1600" kern="1200">
+                <a:solidFill>
+                  <a:schemeClr val="tx1"/>
+                </a:solidFill>
+                <a:latin typeface="+mn-lt"/>
+                <a:ea typeface="+mn-ea"/>
+                <a:cs typeface="+mn-cs"/>
+              </a:defRPr>
+            </a:lvl5pPr>
+            <a:lvl6pPr marL="2514600" indent="-228600" algn="l" defTabSz="914400" rtl="0" eaLnBrk="1" latinLnBrk="0" hangingPunct="1">
+              <a:lnSpc>
+                <a:spcPct val="120000"/>
+              </a:lnSpc>
+              <a:spcBef>
+                <a:spcPts val="500"/>
+              </a:spcBef>
+              <a:buSzPct val="125000"/>
+              <a:buFont typeface="Arial" panose="020B0604020202020204" pitchFamily="34" charset="0"/>
+              <a:buChar char="•"/>
+              <a:defRPr sz="1400" kern="1200">
+                <a:solidFill>
+                  <a:schemeClr val="tx1"/>
+                </a:solidFill>
+                <a:latin typeface="+mn-lt"/>
+                <a:ea typeface="+mn-ea"/>
+                <a:cs typeface="+mn-cs"/>
+              </a:defRPr>
+            </a:lvl6pPr>
+            <a:lvl7pPr marL="2971800" indent="-228600" algn="l" defTabSz="914400" rtl="0" eaLnBrk="1" latinLnBrk="0" hangingPunct="1">
+              <a:lnSpc>
+                <a:spcPct val="120000"/>
+              </a:lnSpc>
+              <a:spcBef>
+                <a:spcPts val="500"/>
+              </a:spcBef>
+              <a:buSzPct val="125000"/>
+              <a:buFont typeface="Arial" panose="020B0604020202020204" pitchFamily="34" charset="0"/>
+              <a:buChar char="•"/>
+              <a:defRPr sz="1400" kern="1200">
+                <a:solidFill>
+                  <a:schemeClr val="tx1"/>
+                </a:solidFill>
+                <a:latin typeface="+mn-lt"/>
+                <a:ea typeface="+mn-ea"/>
+                <a:cs typeface="+mn-cs"/>
+              </a:defRPr>
+            </a:lvl7pPr>
+            <a:lvl8pPr marL="3429000" indent="-228600" algn="l" defTabSz="914400" rtl="0" eaLnBrk="1" latinLnBrk="0" hangingPunct="1">
+              <a:lnSpc>
+                <a:spcPct val="120000"/>
+              </a:lnSpc>
+              <a:spcBef>
+                <a:spcPts val="500"/>
+              </a:spcBef>
+              <a:buSzPct val="125000"/>
+              <a:buFont typeface="Arial" panose="020B0604020202020204" pitchFamily="34" charset="0"/>
+              <a:buChar char="•"/>
+              <a:defRPr sz="1400" kern="1200">
+                <a:solidFill>
+                  <a:schemeClr val="tx1"/>
+                </a:solidFill>
+                <a:latin typeface="+mn-lt"/>
+                <a:ea typeface="+mn-ea"/>
+                <a:cs typeface="+mn-cs"/>
+              </a:defRPr>
+            </a:lvl8pPr>
+            <a:lvl9pPr marL="3886200" indent="-228600" algn="l" defTabSz="914400" rtl="0" eaLnBrk="1" latinLnBrk="0" hangingPunct="1">
+              <a:lnSpc>
+                <a:spcPct val="120000"/>
+              </a:lnSpc>
+              <a:spcBef>
+                <a:spcPts val="500"/>
+              </a:spcBef>
+              <a:buSzPct val="125000"/>
+              <a:buFont typeface="Arial" panose="020B0604020202020204" pitchFamily="34" charset="0"/>
+              <a:buChar char="•"/>
+              <a:defRPr sz="1400" kern="1200">
+                <a:solidFill>
+                  <a:schemeClr val="tx1"/>
+                </a:solidFill>
+                <a:latin typeface="+mn-lt"/>
+                <a:ea typeface="+mn-ea"/>
+                <a:cs typeface="+mn-cs"/>
+              </a:defRPr>
+            </a:lvl9pPr>
+          </a:lstStyle>
+          <a:p>
+            <a:pPr marL="0" indent="0">
+              <a:buFont typeface="Arial" panose="020B0604020202020204" pitchFamily="34" charset="0"/>
+              <a:buNone/>
+            </a:pPr>
+            <a:r>
+              <a:rPr lang="en-US" dirty="0">
+                <a:solidFill>
+                  <a:schemeClr val="bg1"/>
+                </a:solidFill>
+              </a:rPr>
+              <a:t>Extract the secret file</a:t>
+            </a:r>
+          </a:p>
+          <a:p>
+            <a:pPr marL="457200" indent="-457200">
+              <a:buFont typeface="+mj-lt"/>
+              <a:buAutoNum type="arabicPeriod"/>
+            </a:pPr>
+            <a:r>
+              <a:rPr lang="en-US" dirty="0"/>
+              <a:t>Read the </a:t>
+            </a:r>
+            <a:r>
+              <a:rPr lang="en-US" dirty="0" err="1"/>
+              <a:t>stego</a:t>
+            </a:r>
+            <a:r>
+              <a:rPr lang="en-US" dirty="0"/>
+              <a:t> file</a:t>
+            </a:r>
+          </a:p>
+          <a:p>
+            <a:pPr marL="457200" indent="-457200">
+              <a:buFont typeface="+mj-lt"/>
+              <a:buAutoNum type="arabicPeriod"/>
+            </a:pPr>
+            <a:r>
+              <a:rPr lang="en-US" dirty="0"/>
+              <a:t>Read the secret file header.</a:t>
+            </a:r>
+          </a:p>
+          <a:p>
+            <a:pPr marL="457200" indent="-457200">
+              <a:buFont typeface="+mj-lt"/>
+              <a:buAutoNum type="arabicPeriod"/>
+            </a:pPr>
+            <a:r>
+              <a:rPr lang="en-US" dirty="0"/>
+              <a:t>Read the LSBs.</a:t>
+            </a:r>
+          </a:p>
+          <a:p>
+            <a:pPr marL="457200" indent="-457200">
+              <a:buFont typeface="+mj-lt"/>
+              <a:buAutoNum type="arabicPeriod"/>
+            </a:pPr>
+            <a:r>
+              <a:rPr lang="en-US" dirty="0"/>
+              <a:t>Write the secret file.</a:t>
+            </a:r>
+          </a:p>
+          <a:p>
+            <a:pPr marL="457200" indent="-457200">
+              <a:buFont typeface="+mj-lt"/>
+              <a:buAutoNum type="arabicPeriod"/>
+            </a:pPr>
+            <a:endParaRPr lang="en-US" dirty="0"/>
+          </a:p>
+        </p:txBody>
+      </p:sp>
+      <p:sp>
+        <p:nvSpPr>
+          <p:cNvPr id="6" name="Slide Number Placeholder 5">
+            <a:extLst>
+              <a:ext uri="{FF2B5EF4-FFF2-40B4-BE49-F238E27FC236}">
+                <a16:creationId xmlns:a16="http://schemas.microsoft.com/office/drawing/2014/main" id="{048D2C7D-D4EC-A747-A11C-EB76C9D611E5}"/>
+              </a:ext>
+            </a:extLst>
+          </p:cNvPr>
+          <p:cNvSpPr>
+            <a:spLocks noGrp="1"/>
+          </p:cNvSpPr>
+          <p:nvPr>
+            <p:ph type="sldNum" sz="quarter" idx="12"/>
+          </p:nvPr>
+        </p:nvSpPr>
+        <p:spPr/>
+        <p:txBody>
+          <a:bodyPr/>
+          <a:lstStyle/>
+          <a:p>
+            <a:fld id="{6D22F896-40B5-4ADD-8801-0D06FADFA095}" type="slidenum">
+              <a:rPr lang="en-US" smtClean="0"/>
+              <a:t>12</a:t>
+            </a:fld>
+            <a:endParaRPr lang="en-US" dirty="0"/>
+          </a:p>
+        </p:txBody>
+      </p:sp>
+    </p:spTree>
+    <p:extLst>
+      <p:ext uri="{BB962C8B-B14F-4D97-AF65-F5344CB8AC3E}">
+        <p14:creationId xmlns:p14="http://schemas.microsoft.com/office/powerpoint/2010/main" val="160663354"/>
+      </p:ext>
+    </p:extLst>
+  </p:cSld>
+  <p:clrMapOvr>
+    <a:masterClrMapping/>
+  </p:clrMapOvr>
+</p:sld>
+</file>
+
+<file path=ppt/slides/slide13.xml><?xml version="1.0" encoding="utf-8"?>
+<p:sld xmlns:a="http://schemas.openxmlformats.org/drawingml/2006/main" xmlns:r="http://schemas.openxmlformats.org/officeDocument/2006/relationships" xmlns:p="http://schemas.openxmlformats.org/presentationml/2006/main">
+  <p:cSld>
+    <p:bg>
+      <p:bgPr>
+        <a:solidFill>
+          <a:schemeClr val="tx1"/>
+        </a:solidFill>
+        <a:effectLst/>
+      </p:bgPr>
+    </p:bg>
+    <p:spTree>
+      <p:nvGrpSpPr>
+        <p:cNvPr id="1" name=""/>
+        <p:cNvGrpSpPr/>
+        <p:nvPr/>
+      </p:nvGrpSpPr>
+      <p:grpSpPr>
+        <a:xfrm>
+          <a:off x="0" y="0"/>
+          <a:ext cx="0" cy="0"/>
+          <a:chOff x="0" y="0"/>
+          <a:chExt cx="0" cy="0"/>
+        </a:xfrm>
+      </p:grpSpPr>
+      <p:sp>
+        <p:nvSpPr>
+          <p:cNvPr id="2" name="Title 1">
+            <a:extLst>
+              <a:ext uri="{FF2B5EF4-FFF2-40B4-BE49-F238E27FC236}">
+                <a16:creationId xmlns:a16="http://schemas.microsoft.com/office/drawing/2014/main" id="{06BCF00D-6839-8248-8E31-61B97D84120B}"/>
+              </a:ext>
+            </a:extLst>
+          </p:cNvPr>
+          <p:cNvSpPr>
+            <a:spLocks noGrp="1"/>
+          </p:cNvSpPr>
+          <p:nvPr>
+            <p:ph type="title"/>
+          </p:nvPr>
+        </p:nvSpPr>
+        <p:spPr>
+          <a:xfrm>
+            <a:off x="1141413" y="618518"/>
+            <a:ext cx="9905998" cy="664017"/>
+          </a:xfrm>
+        </p:spPr>
+        <p:txBody>
+          <a:bodyPr/>
+          <a:lstStyle/>
+          <a:p>
+            <a:r>
+              <a:rPr lang="en-US" cap="none" dirty="0">
+                <a:solidFill>
+                  <a:schemeClr val="bg1"/>
+                </a:solidFill>
+              </a:rPr>
+              <a:t>Utility functions provided</a:t>
+            </a:r>
+          </a:p>
+        </p:txBody>
+      </p:sp>
+      <p:sp>
+        <p:nvSpPr>
+          <p:cNvPr id="3" name="Content Placeholder 2">
+            <a:extLst>
+              <a:ext uri="{FF2B5EF4-FFF2-40B4-BE49-F238E27FC236}">
+                <a16:creationId xmlns:a16="http://schemas.microsoft.com/office/drawing/2014/main" id="{92C40788-5192-3146-9D73-4D740953E773}"/>
+              </a:ext>
+            </a:extLst>
+          </p:cNvPr>
+          <p:cNvSpPr>
+            <a:spLocks noGrp="1"/>
+          </p:cNvSpPr>
+          <p:nvPr>
+            <p:ph idx="1"/>
+          </p:nvPr>
+        </p:nvSpPr>
+        <p:spPr>
+          <a:xfrm>
+            <a:off x="1141412" y="1401288"/>
+            <a:ext cx="9905999" cy="4389913"/>
+          </a:xfrm>
+        </p:spPr>
+        <p:txBody>
+          <a:bodyPr>
+            <a:normAutofit fontScale="92500"/>
+          </a:bodyPr>
+          <a:lstStyle/>
+          <a:p>
+            <a:pPr marL="0" indent="0">
+              <a:buNone/>
+            </a:pPr>
+            <a:r>
+              <a:rPr lang="en-GB" b="1" dirty="0" err="1">
+                <a:solidFill>
+                  <a:srgbClr val="0070C0"/>
+                </a:solidFill>
+              </a:rPr>
+              <a:t>def</a:t>
+            </a:r>
+            <a:r>
+              <a:rPr lang="en-GB" b="1" dirty="0">
+                <a:solidFill>
+                  <a:schemeClr val="bg1"/>
+                </a:solidFill>
+              </a:rPr>
+              <a:t> </a:t>
+            </a:r>
+            <a:r>
+              <a:rPr lang="en-GB" b="1" dirty="0" err="1">
+                <a:solidFill>
+                  <a:srgbClr val="00B050"/>
+                </a:solidFill>
+              </a:rPr>
+              <a:t>get_pixel_coordinates</a:t>
+            </a:r>
+            <a:r>
+              <a:rPr lang="en-GB" b="1" dirty="0">
+                <a:solidFill>
+                  <a:schemeClr val="bg1"/>
+                </a:solidFill>
+              </a:rPr>
+              <a:t>(index, cols)</a:t>
+            </a:r>
+            <a:r>
+              <a:rPr lang="en-GB" dirty="0">
+                <a:solidFill>
+                  <a:schemeClr val="bg1"/>
+                </a:solidFill>
+              </a:rPr>
+              <a:t> - Given an index, return the x, y coordinates of an image</a:t>
+            </a:r>
+          </a:p>
+          <a:p>
+            <a:pPr marL="0" indent="0">
+              <a:buNone/>
+            </a:pPr>
+            <a:endParaRPr lang="en-GB" dirty="0">
+              <a:solidFill>
+                <a:schemeClr val="bg1"/>
+              </a:solidFill>
+            </a:endParaRPr>
+          </a:p>
+          <a:p>
+            <a:pPr marL="0" indent="0">
+              <a:buNone/>
+            </a:pPr>
+            <a:r>
+              <a:rPr lang="en-GB" b="1" dirty="0" err="1">
+                <a:solidFill>
+                  <a:srgbClr val="0070C0"/>
+                </a:solidFill>
+              </a:rPr>
+              <a:t>def</a:t>
+            </a:r>
+            <a:r>
+              <a:rPr lang="en-GB" b="1" dirty="0">
+                <a:solidFill>
+                  <a:schemeClr val="bg1"/>
+                </a:solidFill>
+              </a:rPr>
+              <a:t> </a:t>
+            </a:r>
+            <a:r>
+              <a:rPr lang="en-GB" b="1" dirty="0" err="1">
+                <a:solidFill>
+                  <a:srgbClr val="00B050"/>
+                </a:solidFill>
+              </a:rPr>
+              <a:t>set_lsb</a:t>
+            </a:r>
+            <a:r>
+              <a:rPr lang="en-GB" b="1" dirty="0">
+                <a:solidFill>
+                  <a:schemeClr val="bg1"/>
+                </a:solidFill>
+              </a:rPr>
+              <a:t>(byte, bit)</a:t>
+            </a:r>
+            <a:r>
+              <a:rPr lang="en-GB" dirty="0">
+                <a:solidFill>
+                  <a:schemeClr val="bg1"/>
+                </a:solidFill>
+              </a:rPr>
+              <a:t> – Set the LSB of a byte</a:t>
+            </a:r>
+          </a:p>
+          <a:p>
+            <a:pPr marL="0" indent="0">
+              <a:buNone/>
+            </a:pPr>
+            <a:r>
+              <a:rPr lang="en-GB" b="1" dirty="0" err="1">
+                <a:solidFill>
+                  <a:srgbClr val="0070C0"/>
+                </a:solidFill>
+              </a:rPr>
+              <a:t>def</a:t>
+            </a:r>
+            <a:r>
+              <a:rPr lang="en-GB" b="1" dirty="0">
+                <a:solidFill>
+                  <a:schemeClr val="bg1"/>
+                </a:solidFill>
+              </a:rPr>
+              <a:t> </a:t>
+            </a:r>
+            <a:r>
+              <a:rPr lang="en-GB" b="1" dirty="0" err="1">
+                <a:solidFill>
+                  <a:srgbClr val="00B050"/>
+                </a:solidFill>
+              </a:rPr>
+              <a:t>set_bit</a:t>
+            </a:r>
+            <a:r>
+              <a:rPr lang="en-GB" b="1" dirty="0">
+                <a:solidFill>
+                  <a:schemeClr val="bg1"/>
+                </a:solidFill>
+              </a:rPr>
+              <a:t>(byte, value, position)</a:t>
+            </a:r>
+            <a:r>
+              <a:rPr lang="en-GB" dirty="0">
+                <a:solidFill>
+                  <a:schemeClr val="bg1"/>
+                </a:solidFill>
+              </a:rPr>
+              <a:t> – Set a bit position of a byte</a:t>
+            </a:r>
+          </a:p>
+          <a:p>
+            <a:pPr marL="0" indent="0">
+              <a:buNone/>
+            </a:pPr>
+            <a:endParaRPr lang="en-GB" dirty="0">
+              <a:solidFill>
+                <a:schemeClr val="bg1"/>
+              </a:solidFill>
+            </a:endParaRPr>
+          </a:p>
+          <a:p>
+            <a:pPr marL="0" indent="0">
+              <a:buNone/>
+            </a:pPr>
+            <a:r>
+              <a:rPr lang="en-GB" b="1" dirty="0">
+                <a:solidFill>
+                  <a:srgbClr val="0070C0"/>
+                </a:solidFill>
+              </a:rPr>
+              <a:t>def</a:t>
+            </a:r>
+            <a:r>
+              <a:rPr lang="en-GB" b="1" dirty="0">
+                <a:solidFill>
+                  <a:schemeClr val="bg1"/>
+                </a:solidFill>
+              </a:rPr>
+              <a:t> </a:t>
+            </a:r>
+            <a:r>
+              <a:rPr lang="en-GB" b="1" dirty="0" err="1">
+                <a:solidFill>
+                  <a:srgbClr val="00B050"/>
+                </a:solidFill>
+              </a:rPr>
+              <a:t>get_bit_from_byte</a:t>
+            </a:r>
+            <a:r>
+              <a:rPr lang="en-GB" b="1" dirty="0">
+                <a:solidFill>
+                  <a:schemeClr val="bg1"/>
+                </a:solidFill>
+              </a:rPr>
+              <a:t>(byte, position)</a:t>
+            </a:r>
+            <a:r>
+              <a:rPr lang="en-GB" dirty="0">
+                <a:solidFill>
+                  <a:schemeClr val="bg1"/>
+                </a:solidFill>
+              </a:rPr>
+              <a:t> – Get a bit value from a byte</a:t>
+            </a:r>
+          </a:p>
+          <a:p>
+            <a:pPr marL="0" indent="0">
+              <a:buNone/>
+            </a:pPr>
+            <a:r>
+              <a:rPr lang="en-GB" b="1" dirty="0" err="1">
+                <a:solidFill>
+                  <a:srgbClr val="0070C0"/>
+                </a:solidFill>
+              </a:rPr>
+              <a:t>def</a:t>
+            </a:r>
+            <a:r>
+              <a:rPr lang="en-GB" b="1" dirty="0">
+                <a:solidFill>
+                  <a:schemeClr val="bg1"/>
+                </a:solidFill>
+              </a:rPr>
+              <a:t> </a:t>
+            </a:r>
+            <a:r>
+              <a:rPr lang="en-GB" b="1" dirty="0" err="1">
+                <a:solidFill>
+                  <a:srgbClr val="00B050"/>
+                </a:solidFill>
+              </a:rPr>
+              <a:t>get_bit_from_byte_array</a:t>
+            </a:r>
+            <a:r>
+              <a:rPr lang="en-GB" b="1" dirty="0">
+                <a:solidFill>
+                  <a:schemeClr val="bg1"/>
+                </a:solidFill>
+              </a:rPr>
+              <a:t>(</a:t>
+            </a:r>
+            <a:r>
+              <a:rPr lang="en-GB" b="1" dirty="0" err="1">
+                <a:solidFill>
+                  <a:schemeClr val="bg1"/>
+                </a:solidFill>
+              </a:rPr>
+              <a:t>secret_data</a:t>
+            </a:r>
+            <a:r>
+              <a:rPr lang="en-GB" b="1" dirty="0">
+                <a:solidFill>
+                  <a:schemeClr val="bg1"/>
+                </a:solidFill>
+              </a:rPr>
+              <a:t>, position)</a:t>
+            </a:r>
+            <a:r>
+              <a:rPr lang="en-GB" dirty="0">
+                <a:solidFill>
+                  <a:schemeClr val="bg1"/>
+                </a:solidFill>
+              </a:rPr>
+              <a:t> – Get a bit from a byte array</a:t>
+            </a:r>
+          </a:p>
+        </p:txBody>
+      </p:sp>
+      <p:sp>
+        <p:nvSpPr>
+          <p:cNvPr id="5" name="Slide Number Placeholder 4">
+            <a:extLst>
+              <a:ext uri="{FF2B5EF4-FFF2-40B4-BE49-F238E27FC236}">
+                <a16:creationId xmlns:a16="http://schemas.microsoft.com/office/drawing/2014/main" id="{F9176363-1DAE-E54E-B28A-6A9256DA6D09}"/>
+              </a:ext>
+            </a:extLst>
+          </p:cNvPr>
+          <p:cNvSpPr>
+            <a:spLocks noGrp="1"/>
+          </p:cNvSpPr>
+          <p:nvPr>
+            <p:ph type="sldNum" sz="quarter" idx="12"/>
+          </p:nvPr>
+        </p:nvSpPr>
+        <p:spPr/>
+        <p:txBody>
+          <a:bodyPr/>
+          <a:lstStyle/>
+          <a:p>
+            <a:fld id="{6D22F896-40B5-4ADD-8801-0D06FADFA095}" type="slidenum">
+              <a:rPr lang="en-US" smtClean="0"/>
+              <a:t>13</a:t>
+            </a:fld>
+            <a:endParaRPr lang="en-US" dirty="0"/>
+          </a:p>
+        </p:txBody>
+      </p:sp>
+    </p:spTree>
+    <p:extLst>
+      <p:ext uri="{BB962C8B-B14F-4D97-AF65-F5344CB8AC3E}">
+        <p14:creationId xmlns:p14="http://schemas.microsoft.com/office/powerpoint/2010/main" val="2579470889"/>
+      </p:ext>
+    </p:extLst>
+  </p:cSld>
+  <p:clrMapOvr>
+    <a:masterClrMapping/>
+  </p:clrMapOvr>
+</p:sld>
+</file>
+
+<file path=ppt/slides/slide14.xml><?xml version="1.0" encoding="utf-8"?>
+<p:sld xmlns:a="http://schemas.openxmlformats.org/drawingml/2006/main" xmlns:r="http://schemas.openxmlformats.org/officeDocument/2006/relationships" xmlns:p="http://schemas.openxmlformats.org/presentationml/2006/main">
+  <p:cSld>
+    <p:spTree>
+      <p:nvGrpSpPr>
+        <p:cNvPr id="1" name=""/>
+        <p:cNvGrpSpPr/>
+        <p:nvPr/>
+      </p:nvGrpSpPr>
+      <p:grpSpPr>
+        <a:xfrm>
+          <a:off x="0" y="0"/>
+          <a:ext cx="0" cy="0"/>
+          <a:chOff x="0" y="0"/>
+          <a:chExt cx="0" cy="0"/>
+        </a:xfrm>
+      </p:grpSpPr>
+      <p:sp>
+        <p:nvSpPr>
+          <p:cNvPr id="2" name="Title 1">
+            <a:extLst>
+              <a:ext uri="{FF2B5EF4-FFF2-40B4-BE49-F238E27FC236}">
+                <a16:creationId xmlns:a16="http://schemas.microsoft.com/office/drawing/2014/main" id="{E76ACBFC-6E6D-C64E-A436-A90FDA851B5E}"/>
+              </a:ext>
+            </a:extLst>
+          </p:cNvPr>
+          <p:cNvSpPr>
+            <a:spLocks noGrp="1"/>
+          </p:cNvSpPr>
+          <p:nvPr>
+            <p:ph type="title"/>
+          </p:nvPr>
+        </p:nvSpPr>
+        <p:spPr>
+          <a:xfrm>
+            <a:off x="1141413" y="618518"/>
+            <a:ext cx="2183678" cy="616516"/>
+          </a:xfrm>
+        </p:spPr>
+        <p:txBody>
+          <a:bodyPr>
+            <a:normAutofit fontScale="90000"/>
+          </a:bodyPr>
+          <a:lstStyle/>
+          <a:p>
+            <a:r>
+              <a:rPr lang="en-US" cap="none" dirty="0"/>
+              <a:t>Challenge 1</a:t>
+            </a:r>
+          </a:p>
+        </p:txBody>
+      </p:sp>
+      <p:sp>
+        <p:nvSpPr>
+          <p:cNvPr id="3" name="Content Placeholder 2">
+            <a:extLst>
+              <a:ext uri="{FF2B5EF4-FFF2-40B4-BE49-F238E27FC236}">
+                <a16:creationId xmlns:a16="http://schemas.microsoft.com/office/drawing/2014/main" id="{DB8573B4-A4C7-3F44-AEBF-15040796222B}"/>
+              </a:ext>
+            </a:extLst>
+          </p:cNvPr>
+          <p:cNvSpPr>
+            <a:spLocks noGrp="1"/>
+          </p:cNvSpPr>
+          <p:nvPr>
+            <p:ph idx="1"/>
+          </p:nvPr>
+        </p:nvSpPr>
+        <p:spPr/>
+        <p:txBody>
+          <a:bodyPr>
+            <a:normAutofit/>
+          </a:bodyPr>
+          <a:lstStyle/>
+          <a:p>
+            <a:r>
+              <a:rPr lang="en-US" dirty="0"/>
+              <a:t>Clone sample code from </a:t>
+            </a:r>
+            <a:r>
+              <a:rPr lang="en-US" b="1" dirty="0"/>
+              <a:t>https://</a:t>
+            </a:r>
+            <a:r>
+              <a:rPr lang="en-US" b="1" dirty="0" err="1"/>
+              <a:t>github.com</a:t>
+            </a:r>
+            <a:r>
+              <a:rPr lang="en-US" b="1" dirty="0"/>
+              <a:t>/</a:t>
+            </a:r>
+            <a:r>
+              <a:rPr lang="en-US" b="1" dirty="0" err="1"/>
+              <a:t>torrens</a:t>
+            </a:r>
+            <a:r>
+              <a:rPr lang="en-US" b="1" dirty="0"/>
+              <a:t>/</a:t>
+            </a:r>
+            <a:r>
+              <a:rPr lang="en-US" b="1" dirty="0" err="1"/>
+              <a:t>kainosSteg</a:t>
+            </a:r>
+            <a:endParaRPr lang="en-US" b="1" dirty="0"/>
+          </a:p>
+          <a:p>
+            <a:r>
+              <a:rPr lang="en-US" dirty="0"/>
+              <a:t>Install python3  - </a:t>
+            </a:r>
+            <a:r>
+              <a:rPr lang="en-US" b="1" dirty="0"/>
+              <a:t>brew install python </a:t>
+            </a:r>
+          </a:p>
+          <a:p>
+            <a:r>
+              <a:rPr lang="en-US" dirty="0"/>
+              <a:t>Install python image library - </a:t>
+            </a:r>
+            <a:r>
+              <a:rPr lang="en-GB" b="1" dirty="0"/>
+              <a:t>pip3 install pillow</a:t>
+            </a:r>
+            <a:endParaRPr lang="en-US" b="1" dirty="0"/>
+          </a:p>
+          <a:p>
+            <a:r>
+              <a:rPr lang="en-US" dirty="0"/>
+              <a:t>Prove that your environment can execute </a:t>
+            </a:r>
+            <a:r>
+              <a:rPr lang="en-US" dirty="0" err="1"/>
+              <a:t>image_run.sh</a:t>
+            </a:r>
+            <a:r>
+              <a:rPr lang="en-US" dirty="0"/>
+              <a:t> to see image hiding work.</a:t>
+            </a:r>
+          </a:p>
+          <a:p>
+            <a:r>
+              <a:rPr lang="en-US" dirty="0"/>
+              <a:t>Try and understand how the code is working</a:t>
+            </a:r>
+            <a:endParaRPr lang="en-GB" dirty="0"/>
+          </a:p>
+          <a:p>
+            <a:endParaRPr lang="en-GB" dirty="0"/>
+          </a:p>
+        </p:txBody>
+      </p:sp>
+      <p:sp>
+        <p:nvSpPr>
+          <p:cNvPr id="5" name="Slide Number Placeholder 4">
+            <a:extLst>
+              <a:ext uri="{FF2B5EF4-FFF2-40B4-BE49-F238E27FC236}">
+                <a16:creationId xmlns:a16="http://schemas.microsoft.com/office/drawing/2014/main" id="{A22EB552-3E2A-D246-9919-F907FBC733A7}"/>
+              </a:ext>
+            </a:extLst>
+          </p:cNvPr>
+          <p:cNvSpPr>
+            <a:spLocks noGrp="1"/>
+          </p:cNvSpPr>
+          <p:nvPr>
+            <p:ph type="sldNum" sz="quarter" idx="12"/>
+          </p:nvPr>
+        </p:nvSpPr>
+        <p:spPr/>
+        <p:txBody>
+          <a:bodyPr/>
+          <a:lstStyle/>
+          <a:p>
+            <a:fld id="{6D22F896-40B5-4ADD-8801-0D06FADFA095}" type="slidenum">
+              <a:rPr lang="en-US" smtClean="0"/>
+              <a:t>14</a:t>
+            </a:fld>
+            <a:endParaRPr lang="en-US" dirty="0"/>
+          </a:p>
+        </p:txBody>
+      </p:sp>
+    </p:spTree>
+    <p:extLst>
+      <p:ext uri="{BB962C8B-B14F-4D97-AF65-F5344CB8AC3E}">
+        <p14:creationId xmlns:p14="http://schemas.microsoft.com/office/powerpoint/2010/main" val="3363327484"/>
+      </p:ext>
+    </p:extLst>
+  </p:cSld>
+  <p:clrMapOvr>
+    <a:masterClrMapping/>
+  </p:clrMapOvr>
+</p:sld>
+</file>
+
+<file path=ppt/slides/slide15.xml><?xml version="1.0" encoding="utf-8"?>
+<p:sld xmlns:a="http://schemas.openxmlformats.org/drawingml/2006/main" xmlns:r="http://schemas.openxmlformats.org/officeDocument/2006/relationships" xmlns:p="http://schemas.openxmlformats.org/presentationml/2006/main">
+  <p:cSld>
+    <p:spTree>
+      <p:nvGrpSpPr>
+        <p:cNvPr id="1" name=""/>
+        <p:cNvGrpSpPr/>
+        <p:nvPr/>
+      </p:nvGrpSpPr>
+      <p:grpSpPr>
+        <a:xfrm>
+          <a:off x="0" y="0"/>
+          <a:ext cx="0" cy="0"/>
+          <a:chOff x="0" y="0"/>
+          <a:chExt cx="0" cy="0"/>
+        </a:xfrm>
+      </p:grpSpPr>
+      <p:sp>
+        <p:nvSpPr>
+          <p:cNvPr id="2" name="Title 1">
+            <a:extLst>
+              <a:ext uri="{FF2B5EF4-FFF2-40B4-BE49-F238E27FC236}">
+                <a16:creationId xmlns:a16="http://schemas.microsoft.com/office/drawing/2014/main" id="{E76ACBFC-6E6D-C64E-A436-A90FDA851B5E}"/>
+              </a:ext>
+            </a:extLst>
+          </p:cNvPr>
+          <p:cNvSpPr>
+            <a:spLocks noGrp="1"/>
+          </p:cNvSpPr>
+          <p:nvPr>
+            <p:ph type="title"/>
+          </p:nvPr>
+        </p:nvSpPr>
+        <p:spPr>
+          <a:xfrm>
+            <a:off x="1141413" y="618518"/>
+            <a:ext cx="2183678" cy="616516"/>
+          </a:xfrm>
+        </p:spPr>
+        <p:txBody>
+          <a:bodyPr>
+            <a:normAutofit fontScale="90000"/>
+          </a:bodyPr>
+          <a:lstStyle/>
+          <a:p>
+            <a:r>
+              <a:rPr lang="en-US" cap="none" dirty="0"/>
+              <a:t>Challenge 2</a:t>
+            </a:r>
+          </a:p>
+        </p:txBody>
+      </p:sp>
+      <p:sp>
+        <p:nvSpPr>
+          <p:cNvPr id="3" name="Content Placeholder 2">
+            <a:extLst>
+              <a:ext uri="{FF2B5EF4-FFF2-40B4-BE49-F238E27FC236}">
+                <a16:creationId xmlns:a16="http://schemas.microsoft.com/office/drawing/2014/main" id="{DB8573B4-A4C7-3F44-AEBF-15040796222B}"/>
+              </a:ext>
+            </a:extLst>
+          </p:cNvPr>
+          <p:cNvSpPr>
+            <a:spLocks noGrp="1"/>
+          </p:cNvSpPr>
+          <p:nvPr>
+            <p:ph idx="1"/>
+          </p:nvPr>
+        </p:nvSpPr>
+        <p:spPr/>
+        <p:txBody>
+          <a:bodyPr>
+            <a:normAutofit/>
+          </a:bodyPr>
+          <a:lstStyle/>
+          <a:p>
+            <a:r>
+              <a:rPr lang="en-US" dirty="0"/>
+              <a:t>Hide the poem </a:t>
+            </a:r>
+            <a:r>
+              <a:rPr lang="en-GB" dirty="0"/>
+              <a:t>Death of a Naturalist, by Seamus Heaney (1,494 bytes) in the image </a:t>
+            </a:r>
+            <a:r>
+              <a:rPr lang="en-GB" dirty="0" err="1"/>
+              <a:t>mandril.png</a:t>
+            </a:r>
+            <a:r>
+              <a:rPr lang="en-GB" dirty="0"/>
+              <a:t> using </a:t>
+            </a:r>
+            <a:r>
+              <a:rPr lang="en-GB" dirty="0" err="1"/>
+              <a:t>file_steg.py</a:t>
+            </a:r>
+            <a:r>
+              <a:rPr lang="en-GB" dirty="0"/>
+              <a:t> as a base.</a:t>
+            </a:r>
+          </a:p>
+          <a:p>
+            <a:r>
+              <a:rPr lang="en-GB" dirty="0"/>
+              <a:t>You only need to get the combine method working.</a:t>
+            </a:r>
+          </a:p>
+          <a:p>
+            <a:r>
+              <a:rPr lang="en-GB" dirty="0"/>
+              <a:t>Comments should guide you.</a:t>
+            </a:r>
+          </a:p>
+          <a:p>
+            <a:r>
+              <a:rPr lang="en-GB" dirty="0"/>
+              <a:t>A solution is in file </a:t>
+            </a:r>
+            <a:r>
+              <a:rPr lang="en-GB" dirty="0" err="1"/>
+              <a:t>file_steg_solution.py</a:t>
+            </a:r>
+            <a:endParaRPr lang="en-GB" dirty="0"/>
+          </a:p>
+        </p:txBody>
+      </p:sp>
+      <p:sp>
+        <p:nvSpPr>
+          <p:cNvPr id="5" name="Slide Number Placeholder 4">
+            <a:extLst>
+              <a:ext uri="{FF2B5EF4-FFF2-40B4-BE49-F238E27FC236}">
+                <a16:creationId xmlns:a16="http://schemas.microsoft.com/office/drawing/2014/main" id="{A22EB552-3E2A-D246-9919-F907FBC733A7}"/>
+              </a:ext>
+            </a:extLst>
+          </p:cNvPr>
+          <p:cNvSpPr>
+            <a:spLocks noGrp="1"/>
+          </p:cNvSpPr>
+          <p:nvPr>
+            <p:ph type="sldNum" sz="quarter" idx="12"/>
+          </p:nvPr>
+        </p:nvSpPr>
+        <p:spPr/>
+        <p:txBody>
+          <a:bodyPr/>
+          <a:lstStyle/>
+          <a:p>
+            <a:fld id="{6D22F896-40B5-4ADD-8801-0D06FADFA095}" type="slidenum">
+              <a:rPr lang="en-US" smtClean="0"/>
+              <a:t>15</a:t>
+            </a:fld>
+            <a:endParaRPr lang="en-US" dirty="0"/>
+          </a:p>
+        </p:txBody>
+      </p:sp>
+    </p:spTree>
+    <p:extLst>
+      <p:ext uri="{BB962C8B-B14F-4D97-AF65-F5344CB8AC3E}">
+        <p14:creationId xmlns:p14="http://schemas.microsoft.com/office/powerpoint/2010/main" val="1819234476"/>
+      </p:ext>
+    </p:extLst>
+  </p:cSld>
+  <p:clrMapOvr>
+    <a:masterClrMapping/>
+  </p:clrMapOvr>
+</p:sld>
+</file>
+
+<file path=ppt/slides/slide16.xml><?xml version="1.0" encoding="utf-8"?>
+<p:sld xmlns:a="http://schemas.openxmlformats.org/drawingml/2006/main" xmlns:r="http://schemas.openxmlformats.org/officeDocument/2006/relationships" xmlns:p="http://schemas.openxmlformats.org/presentationml/2006/main">
+  <p:cSld>
+    <p:spTree>
+      <p:nvGrpSpPr>
+        <p:cNvPr id="1" name=""/>
+        <p:cNvGrpSpPr/>
+        <p:nvPr/>
+      </p:nvGrpSpPr>
+      <p:grpSpPr>
+        <a:xfrm>
+          <a:off x="0" y="0"/>
+          <a:ext cx="0" cy="0"/>
+          <a:chOff x="0" y="0"/>
+          <a:chExt cx="0" cy="0"/>
+        </a:xfrm>
+      </p:grpSpPr>
+      <p:sp>
+        <p:nvSpPr>
+          <p:cNvPr id="2" name="Title 1">
+            <a:extLst>
+              <a:ext uri="{FF2B5EF4-FFF2-40B4-BE49-F238E27FC236}">
+                <a16:creationId xmlns:a16="http://schemas.microsoft.com/office/drawing/2014/main" id="{E76ACBFC-6E6D-C64E-A436-A90FDA851B5E}"/>
+              </a:ext>
+            </a:extLst>
+          </p:cNvPr>
+          <p:cNvSpPr>
+            <a:spLocks noGrp="1"/>
+          </p:cNvSpPr>
+          <p:nvPr>
+            <p:ph type="title"/>
+          </p:nvPr>
+        </p:nvSpPr>
+        <p:spPr>
+          <a:xfrm>
+            <a:off x="1141413" y="618518"/>
+            <a:ext cx="2183678" cy="616516"/>
+          </a:xfrm>
+        </p:spPr>
+        <p:txBody>
+          <a:bodyPr>
+            <a:normAutofit fontScale="90000"/>
+          </a:bodyPr>
+          <a:lstStyle/>
+          <a:p>
+            <a:r>
+              <a:rPr lang="en-US" cap="none" dirty="0"/>
+              <a:t>Challenge 3</a:t>
+            </a:r>
+          </a:p>
+        </p:txBody>
+      </p:sp>
+      <p:sp>
+        <p:nvSpPr>
+          <p:cNvPr id="3" name="Content Placeholder 2">
+            <a:extLst>
+              <a:ext uri="{FF2B5EF4-FFF2-40B4-BE49-F238E27FC236}">
+                <a16:creationId xmlns:a16="http://schemas.microsoft.com/office/drawing/2014/main" id="{DB8573B4-A4C7-3F44-AEBF-15040796222B}"/>
+              </a:ext>
+            </a:extLst>
+          </p:cNvPr>
+          <p:cNvSpPr>
+            <a:spLocks noGrp="1"/>
+          </p:cNvSpPr>
+          <p:nvPr>
+            <p:ph idx="1"/>
+          </p:nvPr>
+        </p:nvSpPr>
+        <p:spPr/>
+        <p:txBody>
+          <a:bodyPr>
+            <a:normAutofit/>
+          </a:bodyPr>
+          <a:lstStyle/>
+          <a:p>
+            <a:r>
+              <a:rPr lang="en-US" dirty="0"/>
+              <a:t>How much of the book </a:t>
+            </a:r>
+            <a:r>
+              <a:rPr lang="en-GB" dirty="0"/>
+              <a:t>Frankenstein, by Mary Shelley (450,755 bytes) can you hide in cover image?  </a:t>
+            </a:r>
+          </a:p>
+          <a:p>
+            <a:r>
+              <a:rPr lang="en-GB" dirty="0"/>
+              <a:t>Technique 1 - Use compression.</a:t>
+            </a:r>
+          </a:p>
+          <a:p>
+            <a:r>
+              <a:rPr lang="en-GB" dirty="0"/>
+              <a:t>Technique 2 – Use more parts of the pixel.  </a:t>
+            </a:r>
+          </a:p>
+          <a:p>
+            <a:r>
+              <a:rPr lang="en-GB" dirty="0"/>
+              <a:t>Does the </a:t>
+            </a:r>
+            <a:r>
+              <a:rPr lang="en-GB" dirty="0" err="1"/>
+              <a:t>stego</a:t>
+            </a:r>
+            <a:r>
+              <a:rPr lang="en-GB" dirty="0"/>
+              <a:t> image look suspect?</a:t>
+            </a:r>
+          </a:p>
+          <a:p>
+            <a:endParaRPr lang="en-GB" dirty="0"/>
+          </a:p>
+        </p:txBody>
+      </p:sp>
+      <p:sp>
+        <p:nvSpPr>
+          <p:cNvPr id="5" name="Slide Number Placeholder 4">
+            <a:extLst>
+              <a:ext uri="{FF2B5EF4-FFF2-40B4-BE49-F238E27FC236}">
+                <a16:creationId xmlns:a16="http://schemas.microsoft.com/office/drawing/2014/main" id="{A22EB552-3E2A-D246-9919-F907FBC733A7}"/>
+              </a:ext>
+            </a:extLst>
+          </p:cNvPr>
+          <p:cNvSpPr>
+            <a:spLocks noGrp="1"/>
+          </p:cNvSpPr>
+          <p:nvPr>
+            <p:ph type="sldNum" sz="quarter" idx="12"/>
+          </p:nvPr>
+        </p:nvSpPr>
+        <p:spPr/>
+        <p:txBody>
+          <a:bodyPr/>
+          <a:lstStyle/>
+          <a:p>
+            <a:fld id="{6D22F896-40B5-4ADD-8801-0D06FADFA095}" type="slidenum">
+              <a:rPr lang="en-US" smtClean="0"/>
+              <a:t>16</a:t>
+            </a:fld>
+            <a:endParaRPr lang="en-US" dirty="0"/>
+          </a:p>
+        </p:txBody>
+      </p:sp>
+    </p:spTree>
+    <p:extLst>
+      <p:ext uri="{BB962C8B-B14F-4D97-AF65-F5344CB8AC3E}">
+        <p14:creationId xmlns:p14="http://schemas.microsoft.com/office/powerpoint/2010/main" val="3449172127"/>
+      </p:ext>
+    </p:extLst>
+  </p:cSld>
+  <p:clrMapOvr>
+    <a:masterClrMapping/>
+  </p:clrMapOvr>
+</p:sld>
+</file>
+
+<file path=ppt/slides/slide2.xml><?xml version="1.0" encoding="utf-8"?>
+<p:sld xmlns:a="http://schemas.openxmlformats.org/drawingml/2006/main" xmlns:r="http://schemas.openxmlformats.org/officeDocument/2006/relationships" xmlns:p="http://schemas.openxmlformats.org/presentationml/2006/main">
+  <p:cSld>
+    <p:spTree>
+      <p:nvGrpSpPr>
+        <p:cNvPr id="1" name=""/>
+        <p:cNvGrpSpPr/>
+        <p:nvPr/>
+      </p:nvGrpSpPr>
+      <p:grpSpPr>
+        <a:xfrm>
+          <a:off x="0" y="0"/>
+          <a:ext cx="0" cy="0"/>
+          <a:chOff x="0" y="0"/>
+          <a:chExt cx="0" cy="0"/>
+        </a:xfrm>
+      </p:grpSpPr>
+      <p:sp>
+        <p:nvSpPr>
+          <p:cNvPr id="2" name="Title 1">
+            <a:extLst>
+              <a:ext uri="{FF2B5EF4-FFF2-40B4-BE49-F238E27FC236}">
+                <a16:creationId xmlns:a16="http://schemas.microsoft.com/office/drawing/2014/main" id="{3BA7404A-23E3-5441-B2E1-B6A7787421B2}"/>
+              </a:ext>
+            </a:extLst>
+          </p:cNvPr>
+          <p:cNvSpPr>
+            <a:spLocks noGrp="1"/>
+          </p:cNvSpPr>
+          <p:nvPr>
+            <p:ph type="title"/>
+          </p:nvPr>
+        </p:nvSpPr>
+        <p:spPr>
+          <a:xfrm>
+            <a:off x="1141413" y="618518"/>
+            <a:ext cx="9905998" cy="735269"/>
+          </a:xfrm>
+        </p:spPr>
+        <p:txBody>
+          <a:bodyPr/>
+          <a:lstStyle/>
+          <a:p>
+            <a:r>
+              <a:rPr lang="en-US" cap="none" dirty="0"/>
+              <a:t>Steganography</a:t>
+            </a:r>
+          </a:p>
+        </p:txBody>
+      </p:sp>
+      <p:sp>
+        <p:nvSpPr>
+          <p:cNvPr id="3" name="Content Placeholder 2">
+            <a:extLst>
+              <a:ext uri="{FF2B5EF4-FFF2-40B4-BE49-F238E27FC236}">
+                <a16:creationId xmlns:a16="http://schemas.microsoft.com/office/drawing/2014/main" id="{469AD72A-3C84-D745-AE91-2E61B3E61B22}"/>
+              </a:ext>
+            </a:extLst>
+          </p:cNvPr>
+          <p:cNvSpPr>
+            <a:spLocks noGrp="1"/>
+          </p:cNvSpPr>
+          <p:nvPr>
+            <p:ph idx="1"/>
+          </p:nvPr>
+        </p:nvSpPr>
+        <p:spPr/>
+        <p:txBody>
+          <a:bodyPr/>
+          <a:lstStyle/>
+          <a:p>
+            <a:r>
+              <a:rPr lang="en-US" dirty="0"/>
+              <a:t>Overview</a:t>
+            </a:r>
+          </a:p>
+          <a:p>
+            <a:r>
+              <a:rPr lang="en-US" dirty="0"/>
+              <a:t>How to do it</a:t>
+            </a:r>
+          </a:p>
+          <a:p>
+            <a:r>
+              <a:rPr lang="en-US" dirty="0"/>
+              <a:t>Implementation Strategy</a:t>
+            </a:r>
+          </a:p>
+          <a:p>
+            <a:r>
+              <a:rPr lang="en-US" dirty="0"/>
+              <a:t>Have a go</a:t>
+            </a:r>
+          </a:p>
+        </p:txBody>
+      </p:sp>
+      <p:sp>
+        <p:nvSpPr>
+          <p:cNvPr id="5" name="Slide Number Placeholder 4">
+            <a:extLst>
+              <a:ext uri="{FF2B5EF4-FFF2-40B4-BE49-F238E27FC236}">
+                <a16:creationId xmlns:a16="http://schemas.microsoft.com/office/drawing/2014/main" id="{3312A98F-59A1-4845-8A56-8B30DBA908BE}"/>
+              </a:ext>
+            </a:extLst>
+          </p:cNvPr>
+          <p:cNvSpPr>
+            <a:spLocks noGrp="1"/>
+          </p:cNvSpPr>
+          <p:nvPr>
+            <p:ph type="sldNum" sz="quarter" idx="12"/>
+          </p:nvPr>
+        </p:nvSpPr>
+        <p:spPr/>
+        <p:txBody>
+          <a:bodyPr/>
+          <a:lstStyle/>
+          <a:p>
+            <a:fld id="{6D22F896-40B5-4ADD-8801-0D06FADFA095}" type="slidenum">
+              <a:rPr lang="en-US" smtClean="0"/>
+              <a:t>2</a:t>
+            </a:fld>
+            <a:endParaRPr lang="en-US" dirty="0"/>
+          </a:p>
+        </p:txBody>
+      </p:sp>
+    </p:spTree>
+    <p:extLst>
+      <p:ext uri="{BB962C8B-B14F-4D97-AF65-F5344CB8AC3E}">
+        <p14:creationId xmlns:p14="http://schemas.microsoft.com/office/powerpoint/2010/main" val="4219069814"/>
+      </p:ext>
+    </p:extLst>
+  </p:cSld>
+  <p:clrMapOvr>
+    <a:masterClrMapping/>
+  </p:clrMapOvr>
+</p:sld>
+</file>
+
+<file path=ppt/slides/slide3.xml><?xml version="1.0" encoding="utf-8"?>
+<p:sld xmlns:a="http://schemas.openxmlformats.org/drawingml/2006/main" xmlns:r="http://schemas.openxmlformats.org/officeDocument/2006/relationships" xmlns:p="http://schemas.openxmlformats.org/presentationml/2006/main">
+  <p:cSld>
+    <p:spTree>
+      <p:nvGrpSpPr>
+        <p:cNvPr id="1" name=""/>
+        <p:cNvGrpSpPr/>
+        <p:nvPr/>
+      </p:nvGrpSpPr>
+      <p:grpSpPr>
+        <a:xfrm>
+          <a:off x="0" y="0"/>
+          <a:ext cx="0" cy="0"/>
+          <a:chOff x="0" y="0"/>
+          <a:chExt cx="0" cy="0"/>
+        </a:xfrm>
+      </p:grpSpPr>
+      <p:sp>
+        <p:nvSpPr>
+          <p:cNvPr id="2" name="Title 1">
+            <a:extLst>
+              <a:ext uri="{FF2B5EF4-FFF2-40B4-BE49-F238E27FC236}">
+                <a16:creationId xmlns:a16="http://schemas.microsoft.com/office/drawing/2014/main" id="{539C6FA6-74AE-E145-82CA-C45527DFED95}"/>
+              </a:ext>
+            </a:extLst>
+          </p:cNvPr>
+          <p:cNvSpPr>
+            <a:spLocks noGrp="1"/>
+          </p:cNvSpPr>
+          <p:nvPr>
+            <p:ph type="title"/>
+          </p:nvPr>
+        </p:nvSpPr>
+        <p:spPr>
+          <a:xfrm>
+            <a:off x="1141413" y="618518"/>
+            <a:ext cx="9905998" cy="652142"/>
+          </a:xfrm>
+        </p:spPr>
+        <p:txBody>
+          <a:bodyPr/>
+          <a:lstStyle/>
+          <a:p>
+            <a:r>
+              <a:rPr lang="en-US" cap="none" dirty="0"/>
+              <a:t>Steganography</a:t>
+            </a:r>
+          </a:p>
+        </p:txBody>
+      </p:sp>
+      <p:sp>
+        <p:nvSpPr>
+          <p:cNvPr id="3" name="Content Placeholder 2">
+            <a:extLst>
+              <a:ext uri="{FF2B5EF4-FFF2-40B4-BE49-F238E27FC236}">
+                <a16:creationId xmlns:a16="http://schemas.microsoft.com/office/drawing/2014/main" id="{CA0D80D8-AE27-D54C-9937-BC7D76B0958A}"/>
+              </a:ext>
+            </a:extLst>
+          </p:cNvPr>
+          <p:cNvSpPr>
+            <a:spLocks noGrp="1"/>
+          </p:cNvSpPr>
+          <p:nvPr>
+            <p:ph idx="1"/>
+          </p:nvPr>
+        </p:nvSpPr>
+        <p:spPr>
+          <a:xfrm>
+            <a:off x="1141412" y="2249487"/>
+            <a:ext cx="9905999" cy="2880653"/>
+          </a:xfrm>
+        </p:spPr>
+        <p:txBody>
+          <a:bodyPr/>
+          <a:lstStyle/>
+          <a:p>
+            <a:r>
+              <a:rPr lang="en-US" dirty="0"/>
+              <a:t>Steganography means hiding data.  </a:t>
+            </a:r>
+          </a:p>
+          <a:p>
+            <a:r>
+              <a:rPr lang="en-US" dirty="0"/>
+              <a:t>Not the same as cryptography, but cryptography is often involved.</a:t>
+            </a:r>
+          </a:p>
+          <a:p>
+            <a:r>
+              <a:rPr lang="en-US" dirty="0"/>
+              <a:t>Data can be hidden in images, videos, network protocols and anything else that’s digital.</a:t>
+            </a:r>
+          </a:p>
+          <a:p>
+            <a:r>
+              <a:rPr lang="en-US" dirty="0"/>
+              <a:t>We will be talking about steganography in images.</a:t>
+            </a:r>
+          </a:p>
+        </p:txBody>
+      </p:sp>
+      <p:sp>
+        <p:nvSpPr>
+          <p:cNvPr id="5" name="Slide Number Placeholder 4">
+            <a:extLst>
+              <a:ext uri="{FF2B5EF4-FFF2-40B4-BE49-F238E27FC236}">
+                <a16:creationId xmlns:a16="http://schemas.microsoft.com/office/drawing/2014/main" id="{3FA8AA31-D4F4-074B-A6C6-2FC4C9971E5C}"/>
+              </a:ext>
+            </a:extLst>
+          </p:cNvPr>
+          <p:cNvSpPr>
+            <a:spLocks noGrp="1"/>
+          </p:cNvSpPr>
+          <p:nvPr>
+            <p:ph type="sldNum" sz="quarter" idx="12"/>
+          </p:nvPr>
+        </p:nvSpPr>
+        <p:spPr/>
+        <p:txBody>
+          <a:bodyPr/>
+          <a:lstStyle/>
+          <a:p>
+            <a:fld id="{6D22F896-40B5-4ADD-8801-0D06FADFA095}" type="slidenum">
+              <a:rPr lang="en-US" smtClean="0"/>
+              <a:t>3</a:t>
+            </a:fld>
+            <a:endParaRPr lang="en-US" dirty="0"/>
+          </a:p>
+        </p:txBody>
+      </p:sp>
+    </p:spTree>
+    <p:extLst>
+      <p:ext uri="{BB962C8B-B14F-4D97-AF65-F5344CB8AC3E}">
+        <p14:creationId xmlns:p14="http://schemas.microsoft.com/office/powerpoint/2010/main" val="1320106038"/>
+      </p:ext>
+    </p:extLst>
+  </p:cSld>
+  <p:clrMapOvr>
+    <a:masterClrMapping/>
+  </p:clrMapOvr>
+</p:sld>
+</file>
+
+<file path=ppt/slides/slide4.xml><?xml version="1.0" encoding="utf-8"?>
+<p:sld xmlns:a="http://schemas.openxmlformats.org/drawingml/2006/main" xmlns:r="http://schemas.openxmlformats.org/officeDocument/2006/relationships" xmlns:p="http://schemas.openxmlformats.org/presentationml/2006/main">
+  <p:cSld>
+    <p:spTree>
+      <p:nvGrpSpPr>
+        <p:cNvPr id="1" name=""/>
+        <p:cNvGrpSpPr/>
+        <p:nvPr/>
+      </p:nvGrpSpPr>
+      <p:grpSpPr>
+        <a:xfrm>
+          <a:off x="0" y="0"/>
+          <a:ext cx="0" cy="0"/>
+          <a:chOff x="0" y="0"/>
+          <a:chExt cx="0" cy="0"/>
+        </a:xfrm>
+      </p:grpSpPr>
+      <p:sp>
+        <p:nvSpPr>
+          <p:cNvPr id="2" name="Title 1">
+            <a:extLst>
+              <a:ext uri="{FF2B5EF4-FFF2-40B4-BE49-F238E27FC236}">
+                <a16:creationId xmlns:a16="http://schemas.microsoft.com/office/drawing/2014/main" id="{BB6F3215-4384-3B45-A3BD-7FB2346ACD69}"/>
+              </a:ext>
+            </a:extLst>
+          </p:cNvPr>
+          <p:cNvSpPr>
+            <a:spLocks noGrp="1"/>
+          </p:cNvSpPr>
+          <p:nvPr>
+            <p:ph type="title"/>
+          </p:nvPr>
+        </p:nvSpPr>
+        <p:spPr>
+          <a:xfrm>
+            <a:off x="1141413" y="618518"/>
+            <a:ext cx="9905998" cy="628391"/>
+          </a:xfrm>
+        </p:spPr>
+        <p:txBody>
+          <a:bodyPr/>
+          <a:lstStyle/>
+          <a:p>
+            <a:r>
+              <a:rPr lang="en-US" cap="none" dirty="0"/>
+              <a:t>Uses in the wild</a:t>
+            </a:r>
+          </a:p>
+        </p:txBody>
+      </p:sp>
+      <p:sp>
+        <p:nvSpPr>
+          <p:cNvPr id="3" name="Content Placeholder 2">
+            <a:extLst>
+              <a:ext uri="{FF2B5EF4-FFF2-40B4-BE49-F238E27FC236}">
+                <a16:creationId xmlns:a16="http://schemas.microsoft.com/office/drawing/2014/main" id="{51C61E85-17A9-494C-A2A6-8205F38EC148}"/>
+              </a:ext>
+            </a:extLst>
+          </p:cNvPr>
+          <p:cNvSpPr>
+            <a:spLocks noGrp="1"/>
+          </p:cNvSpPr>
+          <p:nvPr>
+            <p:ph idx="1"/>
+          </p:nvPr>
+        </p:nvSpPr>
+        <p:spPr>
+          <a:xfrm>
+            <a:off x="1141412" y="2249487"/>
+            <a:ext cx="5865030" cy="2607521"/>
+          </a:xfrm>
+        </p:spPr>
+        <p:txBody>
+          <a:bodyPr>
+            <a:normAutofit/>
+          </a:bodyPr>
+          <a:lstStyle/>
+          <a:p>
+            <a:r>
+              <a:rPr lang="en-US" dirty="0"/>
+              <a:t>Data exfiltration and transport</a:t>
+            </a:r>
+          </a:p>
+          <a:p>
+            <a:r>
+              <a:rPr lang="en-US" dirty="0"/>
+              <a:t>Hiding malware payloads</a:t>
+            </a:r>
+          </a:p>
+          <a:p>
+            <a:r>
+              <a:rPr lang="en-US" dirty="0"/>
+              <a:t>Hiding botnet commands</a:t>
+            </a:r>
+          </a:p>
+          <a:p>
+            <a:r>
+              <a:rPr lang="en-US" dirty="0"/>
+              <a:t>Difficult to detect</a:t>
+            </a:r>
+          </a:p>
+        </p:txBody>
+      </p:sp>
+      <p:sp>
+        <p:nvSpPr>
+          <p:cNvPr id="4" name="TextBox 3">
+            <a:extLst>
+              <a:ext uri="{FF2B5EF4-FFF2-40B4-BE49-F238E27FC236}">
+                <a16:creationId xmlns:a16="http://schemas.microsoft.com/office/drawing/2014/main" id="{76BD1FDC-1E6C-3646-B7CB-1077E4520835}"/>
+              </a:ext>
+            </a:extLst>
+          </p:cNvPr>
+          <p:cNvSpPr txBox="1"/>
+          <p:nvPr/>
+        </p:nvSpPr>
+        <p:spPr>
+          <a:xfrm>
+            <a:off x="1141412" y="5533901"/>
+            <a:ext cx="4881208" cy="646331"/>
+          </a:xfrm>
+          <a:prstGeom prst="rect">
+            <a:avLst/>
+          </a:prstGeom>
+          <a:noFill/>
+        </p:spPr>
+        <p:txBody>
+          <a:bodyPr wrap="none" rtlCol="0">
+            <a:spAutoFit/>
+          </a:bodyPr>
+          <a:lstStyle/>
+          <a:p>
+            <a:r>
+              <a:rPr lang="en-GB" dirty="0">
+                <a:solidFill>
+                  <a:schemeClr val="bg1"/>
+                </a:solidFill>
+                <a:hlinkClick r:id="rId2"/>
+              </a:rPr>
+              <a:t>Trends in steganography</a:t>
+            </a:r>
+            <a:r>
+              <a:rPr lang="en-GB" dirty="0"/>
+              <a:t>, 2014 </a:t>
+            </a:r>
+          </a:p>
+          <a:p>
+            <a:r>
+              <a:rPr lang="en-GB" dirty="0">
+                <a:hlinkClick r:id="rId3"/>
+              </a:rPr>
+              <a:t>Exploring steganography: Seeing the unseen</a:t>
+            </a:r>
+            <a:r>
+              <a:rPr lang="en-GB" dirty="0"/>
+              <a:t>, 1998</a:t>
+            </a:r>
+            <a:endParaRPr lang="en-US" dirty="0"/>
+          </a:p>
+        </p:txBody>
+      </p:sp>
+      <p:sp>
+        <p:nvSpPr>
+          <p:cNvPr id="6" name="Slide Number Placeholder 5">
+            <a:extLst>
+              <a:ext uri="{FF2B5EF4-FFF2-40B4-BE49-F238E27FC236}">
+                <a16:creationId xmlns:a16="http://schemas.microsoft.com/office/drawing/2014/main" id="{C1AFC7E8-4D85-9A4A-A7AF-CD74BA5FEFD4}"/>
+              </a:ext>
+            </a:extLst>
+          </p:cNvPr>
+          <p:cNvSpPr>
+            <a:spLocks noGrp="1"/>
+          </p:cNvSpPr>
+          <p:nvPr>
+            <p:ph type="sldNum" sz="quarter" idx="12"/>
+          </p:nvPr>
+        </p:nvSpPr>
+        <p:spPr/>
+        <p:txBody>
+          <a:bodyPr/>
+          <a:lstStyle/>
+          <a:p>
+            <a:fld id="{6D22F896-40B5-4ADD-8801-0D06FADFA095}" type="slidenum">
+              <a:rPr lang="en-US" smtClean="0"/>
+              <a:t>4</a:t>
+            </a:fld>
+            <a:endParaRPr lang="en-US" dirty="0"/>
+          </a:p>
+        </p:txBody>
+      </p:sp>
+    </p:spTree>
+    <p:extLst>
+      <p:ext uri="{BB962C8B-B14F-4D97-AF65-F5344CB8AC3E}">
+        <p14:creationId xmlns:p14="http://schemas.microsoft.com/office/powerpoint/2010/main" val="1068870267"/>
+      </p:ext>
+    </p:extLst>
+  </p:cSld>
+  <p:clrMapOvr>
+    <a:masterClrMapping/>
+  </p:clrMapOvr>
+</p:sld>
+</file>
+
+<file path=ppt/slides/slide5.xml><?xml version="1.0" encoding="utf-8"?>
+<p:sld xmlns:a="http://schemas.openxmlformats.org/drawingml/2006/main" xmlns:r="http://schemas.openxmlformats.org/officeDocument/2006/relationships" xmlns:p="http://schemas.openxmlformats.org/presentationml/2006/main">
+  <p:cSld>
+    <p:spTree>
+      <p:nvGrpSpPr>
+        <p:cNvPr id="1" name=""/>
+        <p:cNvGrpSpPr/>
+        <p:nvPr/>
+      </p:nvGrpSpPr>
+      <p:grpSpPr>
+        <a:xfrm>
+          <a:off x="0" y="0"/>
+          <a:ext cx="0" cy="0"/>
+          <a:chOff x="0" y="0"/>
+          <a:chExt cx="0" cy="0"/>
+        </a:xfrm>
+      </p:grpSpPr>
+      <p:sp>
+        <p:nvSpPr>
+          <p:cNvPr id="2" name="Title 1">
+            <a:extLst>
+              <a:ext uri="{FF2B5EF4-FFF2-40B4-BE49-F238E27FC236}">
+                <a16:creationId xmlns:a16="http://schemas.microsoft.com/office/drawing/2014/main" id="{F9B02B04-F7F2-3A48-95C9-04FB39E5B253}"/>
+              </a:ext>
+            </a:extLst>
+          </p:cNvPr>
+          <p:cNvSpPr>
+            <a:spLocks noGrp="1"/>
+          </p:cNvSpPr>
+          <p:nvPr>
+            <p:ph type="title"/>
+          </p:nvPr>
+        </p:nvSpPr>
+        <p:spPr>
+          <a:xfrm>
+            <a:off x="1141413" y="618518"/>
+            <a:ext cx="9905998" cy="640266"/>
+          </a:xfrm>
+        </p:spPr>
+        <p:txBody>
+          <a:bodyPr/>
+          <a:lstStyle/>
+          <a:p>
+            <a:r>
+              <a:rPr lang="en-US" cap="none" dirty="0"/>
+              <a:t>Steganography in images</a:t>
+            </a:r>
+          </a:p>
+        </p:txBody>
+      </p:sp>
+      <p:pic>
+        <p:nvPicPr>
+          <p:cNvPr id="5" name="Picture 4">
+            <a:extLst>
+              <a:ext uri="{FF2B5EF4-FFF2-40B4-BE49-F238E27FC236}">
+                <a16:creationId xmlns:a16="http://schemas.microsoft.com/office/drawing/2014/main" id="{E9FB130E-9611-234A-BB82-731501E04F4E}"/>
+              </a:ext>
+            </a:extLst>
+          </p:cNvPr>
+          <p:cNvPicPr>
+            <a:picLocks noChangeAspect="1"/>
+          </p:cNvPicPr>
+          <p:nvPr/>
+        </p:nvPicPr>
+        <p:blipFill>
+          <a:blip r:embed="rId2"/>
+          <a:stretch>
+            <a:fillRect/>
+          </a:stretch>
+        </p:blipFill>
+        <p:spPr>
+          <a:xfrm>
+            <a:off x="4470400" y="1871133"/>
+            <a:ext cx="1947333" cy="2921000"/>
+          </a:xfrm>
+          <a:prstGeom prst="rect">
+            <a:avLst/>
+          </a:prstGeom>
+        </p:spPr>
+      </p:pic>
+      <p:pic>
+        <p:nvPicPr>
+          <p:cNvPr id="6" name="Picture 5">
+            <a:extLst>
+              <a:ext uri="{FF2B5EF4-FFF2-40B4-BE49-F238E27FC236}">
+                <a16:creationId xmlns:a16="http://schemas.microsoft.com/office/drawing/2014/main" id="{58B4870C-C5E9-F94F-8174-77D2F8628190}"/>
+              </a:ext>
+            </a:extLst>
+          </p:cNvPr>
+          <p:cNvPicPr>
+            <a:picLocks noChangeAspect="1"/>
+          </p:cNvPicPr>
+          <p:nvPr/>
+        </p:nvPicPr>
+        <p:blipFill>
+          <a:blip r:embed="rId2"/>
+          <a:stretch>
+            <a:fillRect/>
+          </a:stretch>
+        </p:blipFill>
+        <p:spPr>
+          <a:xfrm>
+            <a:off x="8009466" y="1871133"/>
+            <a:ext cx="1947333" cy="2921000"/>
+          </a:xfrm>
+          <a:prstGeom prst="rect">
+            <a:avLst/>
+          </a:prstGeom>
+        </p:spPr>
+      </p:pic>
+      <p:pic>
+        <p:nvPicPr>
+          <p:cNvPr id="8" name="Picture 7">
+            <a:extLst>
+              <a:ext uri="{FF2B5EF4-FFF2-40B4-BE49-F238E27FC236}">
+                <a16:creationId xmlns:a16="http://schemas.microsoft.com/office/drawing/2014/main" id="{9F60902F-5870-A246-99E9-E3A6C4F3CF05}"/>
+              </a:ext>
+            </a:extLst>
+          </p:cNvPr>
+          <p:cNvPicPr>
+            <a:picLocks noChangeAspect="1"/>
+          </p:cNvPicPr>
+          <p:nvPr/>
+        </p:nvPicPr>
+        <p:blipFill>
+          <a:blip r:embed="rId3"/>
+          <a:stretch>
+            <a:fillRect/>
+          </a:stretch>
+        </p:blipFill>
+        <p:spPr>
+          <a:xfrm>
+            <a:off x="1224540" y="1871133"/>
+            <a:ext cx="2025120" cy="2752823"/>
+          </a:xfrm>
+          <a:prstGeom prst="rect">
+            <a:avLst/>
+          </a:prstGeom>
+        </p:spPr>
+      </p:pic>
+      <p:sp>
+        <p:nvSpPr>
+          <p:cNvPr id="9" name="TextBox 8">
+            <a:extLst>
+              <a:ext uri="{FF2B5EF4-FFF2-40B4-BE49-F238E27FC236}">
+                <a16:creationId xmlns:a16="http://schemas.microsoft.com/office/drawing/2014/main" id="{FB4309C6-62AF-6845-9977-A5CED46A2454}"/>
+              </a:ext>
+            </a:extLst>
+          </p:cNvPr>
+          <p:cNvSpPr txBox="1"/>
+          <p:nvPr/>
+        </p:nvSpPr>
+        <p:spPr>
+          <a:xfrm>
+            <a:off x="1141413" y="4792133"/>
+            <a:ext cx="1726755" cy="461665"/>
+          </a:xfrm>
+          <a:prstGeom prst="rect">
+            <a:avLst/>
+          </a:prstGeom>
+          <a:noFill/>
+        </p:spPr>
+        <p:txBody>
+          <a:bodyPr wrap="none" rtlCol="0">
+            <a:spAutoFit/>
+          </a:bodyPr>
+          <a:lstStyle/>
+          <a:p>
+            <a:r>
+              <a:rPr lang="en-US" sz="2400" dirty="0"/>
+              <a:t>Data to hide</a:t>
+            </a:r>
+          </a:p>
+        </p:txBody>
+      </p:sp>
+      <p:sp>
+        <p:nvSpPr>
+          <p:cNvPr id="10" name="TextBox 9">
+            <a:extLst>
+              <a:ext uri="{FF2B5EF4-FFF2-40B4-BE49-F238E27FC236}">
+                <a16:creationId xmlns:a16="http://schemas.microsoft.com/office/drawing/2014/main" id="{B2DEED33-91C9-D440-93A8-0582EABB0693}"/>
+              </a:ext>
+            </a:extLst>
+          </p:cNvPr>
+          <p:cNvSpPr txBox="1"/>
+          <p:nvPr/>
+        </p:nvSpPr>
+        <p:spPr>
+          <a:xfrm>
+            <a:off x="4470400" y="4854788"/>
+            <a:ext cx="1754519" cy="461665"/>
+          </a:xfrm>
+          <a:prstGeom prst="rect">
+            <a:avLst/>
+          </a:prstGeom>
+          <a:noFill/>
+        </p:spPr>
+        <p:txBody>
+          <a:bodyPr wrap="none" rtlCol="0">
+            <a:spAutoFit/>
+          </a:bodyPr>
+          <a:lstStyle/>
+          <a:p>
+            <a:r>
+              <a:rPr lang="en-US" sz="2400" dirty="0"/>
+              <a:t>Cover Image</a:t>
+            </a:r>
+          </a:p>
+        </p:txBody>
+      </p:sp>
+      <p:sp>
+        <p:nvSpPr>
+          <p:cNvPr id="11" name="TextBox 10">
+            <a:extLst>
+              <a:ext uri="{FF2B5EF4-FFF2-40B4-BE49-F238E27FC236}">
+                <a16:creationId xmlns:a16="http://schemas.microsoft.com/office/drawing/2014/main" id="{F448BF06-1713-E74D-9CBD-5310C855C01A}"/>
+              </a:ext>
+            </a:extLst>
+          </p:cNvPr>
+          <p:cNvSpPr txBox="1"/>
+          <p:nvPr/>
+        </p:nvSpPr>
+        <p:spPr>
+          <a:xfrm>
+            <a:off x="8009466" y="4854788"/>
+            <a:ext cx="1744645" cy="461665"/>
+          </a:xfrm>
+          <a:prstGeom prst="rect">
+            <a:avLst/>
+          </a:prstGeom>
+          <a:noFill/>
+        </p:spPr>
+        <p:txBody>
+          <a:bodyPr wrap="none" rtlCol="0">
+            <a:spAutoFit/>
+          </a:bodyPr>
+          <a:lstStyle/>
+          <a:p>
+            <a:r>
+              <a:rPr lang="en-US" sz="2400" dirty="0" err="1"/>
+              <a:t>Stego</a:t>
+            </a:r>
+            <a:r>
+              <a:rPr lang="en-US" sz="2400" dirty="0"/>
+              <a:t> Image</a:t>
+            </a:r>
+          </a:p>
+        </p:txBody>
+      </p:sp>
+      <p:sp>
+        <p:nvSpPr>
+          <p:cNvPr id="4" name="Slide Number Placeholder 3">
+            <a:extLst>
+              <a:ext uri="{FF2B5EF4-FFF2-40B4-BE49-F238E27FC236}">
+                <a16:creationId xmlns:a16="http://schemas.microsoft.com/office/drawing/2014/main" id="{D9A21A22-0F95-CB47-8319-99937027EBDE}"/>
+              </a:ext>
+            </a:extLst>
+          </p:cNvPr>
+          <p:cNvSpPr>
+            <a:spLocks noGrp="1"/>
+          </p:cNvSpPr>
+          <p:nvPr>
+            <p:ph type="sldNum" sz="quarter" idx="12"/>
+          </p:nvPr>
+        </p:nvSpPr>
+        <p:spPr/>
+        <p:txBody>
+          <a:bodyPr/>
+          <a:lstStyle/>
+          <a:p>
+            <a:fld id="{6D22F896-40B5-4ADD-8801-0D06FADFA095}" type="slidenum">
+              <a:rPr lang="en-US" smtClean="0"/>
+              <a:t>5</a:t>
+            </a:fld>
+            <a:endParaRPr lang="en-US" dirty="0"/>
+          </a:p>
+        </p:txBody>
+      </p:sp>
+    </p:spTree>
+    <p:extLst>
+      <p:ext uri="{BB962C8B-B14F-4D97-AF65-F5344CB8AC3E}">
+        <p14:creationId xmlns:p14="http://schemas.microsoft.com/office/powerpoint/2010/main" val="3398999166"/>
+      </p:ext>
+    </p:extLst>
+  </p:cSld>
+  <p:clrMapOvr>
+    <a:masterClrMapping/>
+  </p:clrMapOvr>
+</p:sld>
+</file>
+
+<file path=ppt/slides/slide6.xml><?xml version="1.0" encoding="utf-8"?>
+<p:sld xmlns:a="http://schemas.openxmlformats.org/drawingml/2006/main" xmlns:r="http://schemas.openxmlformats.org/officeDocument/2006/relationships" xmlns:p="http://schemas.openxmlformats.org/presentationml/2006/main">
+  <p:cSld>
+    <p:spTree>
+      <p:nvGrpSpPr>
+        <p:cNvPr id="1" name=""/>
+        <p:cNvGrpSpPr/>
+        <p:nvPr/>
+      </p:nvGrpSpPr>
+      <p:grpSpPr>
+        <a:xfrm>
+          <a:off x="0" y="0"/>
+          <a:ext cx="0" cy="0"/>
+          <a:chOff x="0" y="0"/>
+          <a:chExt cx="0" cy="0"/>
+        </a:xfrm>
+      </p:grpSpPr>
+      <p:sp>
+        <p:nvSpPr>
+          <p:cNvPr id="2" name="Title 1">
+            <a:extLst>
+              <a:ext uri="{FF2B5EF4-FFF2-40B4-BE49-F238E27FC236}">
+                <a16:creationId xmlns:a16="http://schemas.microsoft.com/office/drawing/2014/main" id="{F9A46120-3913-6F48-973B-67BB109289D9}"/>
+              </a:ext>
+            </a:extLst>
+          </p:cNvPr>
+          <p:cNvSpPr>
+            <a:spLocks noGrp="1"/>
+          </p:cNvSpPr>
+          <p:nvPr>
+            <p:ph type="title"/>
+          </p:nvPr>
+        </p:nvSpPr>
+        <p:spPr>
+          <a:xfrm>
+            <a:off x="1141413" y="618518"/>
+            <a:ext cx="9905998" cy="838500"/>
+          </a:xfrm>
+        </p:spPr>
+        <p:txBody>
+          <a:bodyPr/>
+          <a:lstStyle/>
+          <a:p>
+            <a:r>
+              <a:rPr lang="en-US" cap="none" dirty="0"/>
+              <a:t>Pixels made of </a:t>
+            </a:r>
+            <a:r>
+              <a:rPr lang="en-US" cap="none" dirty="0">
+                <a:solidFill>
+                  <a:srgbClr val="FF0000"/>
+                </a:solidFill>
+              </a:rPr>
+              <a:t>red</a:t>
+            </a:r>
+            <a:r>
+              <a:rPr lang="en-US" cap="none" dirty="0"/>
+              <a:t>, </a:t>
+            </a:r>
+            <a:r>
+              <a:rPr lang="en-US" cap="none" dirty="0">
+                <a:solidFill>
+                  <a:srgbClr val="00B050"/>
+                </a:solidFill>
+              </a:rPr>
+              <a:t>green</a:t>
+            </a:r>
+            <a:r>
+              <a:rPr lang="en-US" cap="none" dirty="0"/>
+              <a:t> &amp; </a:t>
+            </a:r>
+            <a:r>
+              <a:rPr lang="en-US" cap="none" dirty="0">
+                <a:solidFill>
+                  <a:srgbClr val="0070C0"/>
+                </a:solidFill>
+              </a:rPr>
+              <a:t>blue</a:t>
+            </a:r>
+            <a:r>
+              <a:rPr lang="en-US" cap="none" dirty="0"/>
+              <a:t> </a:t>
+            </a:r>
+            <a:r>
+              <a:rPr lang="en-US" cap="none" dirty="0" err="1"/>
+              <a:t>colour</a:t>
+            </a:r>
+            <a:r>
+              <a:rPr lang="en-US" cap="none" dirty="0"/>
+              <a:t> values </a:t>
+            </a:r>
+          </a:p>
+        </p:txBody>
+      </p:sp>
+      <p:pic>
+        <p:nvPicPr>
+          <p:cNvPr id="7" name="Picture 6">
+            <a:extLst>
+              <a:ext uri="{FF2B5EF4-FFF2-40B4-BE49-F238E27FC236}">
+                <a16:creationId xmlns:a16="http://schemas.microsoft.com/office/drawing/2014/main" id="{FF4A90BD-7035-0444-8845-F8FEC8951DFF}"/>
+              </a:ext>
+            </a:extLst>
+          </p:cNvPr>
+          <p:cNvPicPr>
+            <a:picLocks noChangeAspect="1"/>
+          </p:cNvPicPr>
+          <p:nvPr/>
+        </p:nvPicPr>
+        <p:blipFill>
+          <a:blip r:embed="rId2"/>
+          <a:stretch>
+            <a:fillRect/>
+          </a:stretch>
+        </p:blipFill>
+        <p:spPr>
+          <a:xfrm>
+            <a:off x="1141413" y="1972807"/>
+            <a:ext cx="4737100" cy="1447800"/>
+          </a:xfrm>
+          <a:prstGeom prst="rect">
+            <a:avLst/>
+          </a:prstGeom>
+        </p:spPr>
+      </p:pic>
+      <p:sp>
+        <p:nvSpPr>
+          <p:cNvPr id="10" name="Content Placeholder 2">
+            <a:extLst>
+              <a:ext uri="{FF2B5EF4-FFF2-40B4-BE49-F238E27FC236}">
+                <a16:creationId xmlns:a16="http://schemas.microsoft.com/office/drawing/2014/main" id="{DCEB1A91-A348-5648-ADCC-B70CB0F0991F}"/>
+              </a:ext>
+            </a:extLst>
+          </p:cNvPr>
+          <p:cNvSpPr>
+            <a:spLocks noGrp="1"/>
+          </p:cNvSpPr>
+          <p:nvPr>
+            <p:ph idx="1"/>
+          </p:nvPr>
+        </p:nvSpPr>
+        <p:spPr>
+          <a:xfrm>
+            <a:off x="1141412" y="3936396"/>
+            <a:ext cx="6530047" cy="694981"/>
+          </a:xfrm>
+        </p:spPr>
+        <p:txBody>
+          <a:bodyPr/>
+          <a:lstStyle/>
+          <a:p>
+            <a:r>
+              <a:rPr lang="en-US" dirty="0"/>
+              <a:t>Each R, G, B part is a byte ranging from 0 - 255</a:t>
+            </a:r>
+          </a:p>
+        </p:txBody>
+      </p:sp>
+      <p:sp>
+        <p:nvSpPr>
+          <p:cNvPr id="4" name="Slide Number Placeholder 3">
+            <a:extLst>
+              <a:ext uri="{FF2B5EF4-FFF2-40B4-BE49-F238E27FC236}">
+                <a16:creationId xmlns:a16="http://schemas.microsoft.com/office/drawing/2014/main" id="{FC576A45-EAF1-2C46-B218-7D113EC4A302}"/>
+              </a:ext>
+            </a:extLst>
+          </p:cNvPr>
+          <p:cNvSpPr>
+            <a:spLocks noGrp="1"/>
+          </p:cNvSpPr>
+          <p:nvPr>
+            <p:ph type="sldNum" sz="quarter" idx="12"/>
+          </p:nvPr>
+        </p:nvSpPr>
+        <p:spPr/>
+        <p:txBody>
+          <a:bodyPr/>
+          <a:lstStyle/>
+          <a:p>
+            <a:fld id="{6D22F896-40B5-4ADD-8801-0D06FADFA095}" type="slidenum">
+              <a:rPr lang="en-US" smtClean="0"/>
+              <a:t>6</a:t>
+            </a:fld>
+            <a:endParaRPr lang="en-US" dirty="0"/>
+          </a:p>
+        </p:txBody>
+      </p:sp>
+    </p:spTree>
+    <p:extLst>
+      <p:ext uri="{BB962C8B-B14F-4D97-AF65-F5344CB8AC3E}">
+        <p14:creationId xmlns:p14="http://schemas.microsoft.com/office/powerpoint/2010/main" val="1387754857"/>
+      </p:ext>
+    </p:extLst>
+  </p:cSld>
+  <p:clrMapOvr>
+    <a:masterClrMapping/>
+  </p:clrMapOvr>
+</p:sld>
+</file>
+
+<file path=ppt/slides/slide7.xml><?xml version="1.0" encoding="utf-8"?>
+<p:sld xmlns:a="http://schemas.openxmlformats.org/drawingml/2006/main" xmlns:r="http://schemas.openxmlformats.org/officeDocument/2006/relationships" xmlns:p="http://schemas.openxmlformats.org/presentationml/2006/main">
+  <p:cSld>
+    <p:spTree>
+      <p:nvGrpSpPr>
+        <p:cNvPr id="1" name=""/>
+        <p:cNvGrpSpPr/>
+        <p:nvPr/>
+      </p:nvGrpSpPr>
+      <p:grpSpPr>
+        <a:xfrm>
+          <a:off x="0" y="0"/>
+          <a:ext cx="0" cy="0"/>
+          <a:chOff x="0" y="0"/>
+          <a:chExt cx="0" cy="0"/>
+        </a:xfrm>
+      </p:grpSpPr>
+      <p:sp>
+        <p:nvSpPr>
+          <p:cNvPr id="2" name="Title 1">
+            <a:extLst>
+              <a:ext uri="{FF2B5EF4-FFF2-40B4-BE49-F238E27FC236}">
+                <a16:creationId xmlns:a16="http://schemas.microsoft.com/office/drawing/2014/main" id="{0C5DBDCD-DB96-2945-A2E1-02173207EE33}"/>
+              </a:ext>
+            </a:extLst>
+          </p:cNvPr>
+          <p:cNvSpPr>
+            <a:spLocks noGrp="1"/>
+          </p:cNvSpPr>
+          <p:nvPr>
+            <p:ph type="title"/>
+          </p:nvPr>
+        </p:nvSpPr>
+        <p:spPr>
+          <a:xfrm>
+            <a:off x="1141413" y="618518"/>
+            <a:ext cx="9905998" cy="664017"/>
+          </a:xfrm>
+        </p:spPr>
+        <p:txBody>
+          <a:bodyPr>
+            <a:normAutofit/>
+          </a:bodyPr>
+          <a:lstStyle/>
+          <a:p>
+            <a:r>
+              <a:rPr lang="en-US" cap="none" dirty="0"/>
+              <a:t>Reminder about how a byte is made</a:t>
+            </a:r>
+          </a:p>
+        </p:txBody>
+      </p:sp>
+      <p:graphicFrame>
+        <p:nvGraphicFramePr>
+          <p:cNvPr id="5" name="Table 4">
+            <a:extLst>
+              <a:ext uri="{FF2B5EF4-FFF2-40B4-BE49-F238E27FC236}">
+                <a16:creationId xmlns:a16="http://schemas.microsoft.com/office/drawing/2014/main" id="{5072C951-A914-2E47-94FE-21D240D4FB2E}"/>
+              </a:ext>
+            </a:extLst>
+          </p:cNvPr>
+          <p:cNvGraphicFramePr>
+            <a:graphicFrameLocks noGrp="1"/>
+          </p:cNvGraphicFramePr>
+          <p:nvPr>
+            <p:extLst>
+              <p:ext uri="{D42A27DB-BD31-4B8C-83A1-F6EECF244321}">
+                <p14:modId xmlns:p14="http://schemas.microsoft.com/office/powerpoint/2010/main" val="585775115"/>
+              </p:ext>
+            </p:extLst>
+          </p:nvPr>
+        </p:nvGraphicFramePr>
+        <p:xfrm>
+          <a:off x="1141413" y="1883332"/>
+          <a:ext cx="8128000" cy="1112520"/>
+        </p:xfrm>
+        <a:graphic>
+          <a:graphicData uri="http://schemas.openxmlformats.org/drawingml/2006/table">
+            <a:tbl>
+              <a:tblPr firstRow="1" bandRow="1">
+                <a:tableStyleId>{5C22544A-7EE6-4342-B048-85BDC9FD1C3A}</a:tableStyleId>
+              </a:tblPr>
+              <a:tblGrid>
+                <a:gridCol w="1016000">
+                  <a:extLst>
+                    <a:ext uri="{9D8B030D-6E8A-4147-A177-3AD203B41FA5}">
+                      <a16:colId xmlns:a16="http://schemas.microsoft.com/office/drawing/2014/main" val="2671422537"/>
+                    </a:ext>
+                  </a:extLst>
+                </a:gridCol>
+                <a:gridCol w="1016000">
+                  <a:extLst>
+                    <a:ext uri="{9D8B030D-6E8A-4147-A177-3AD203B41FA5}">
+                      <a16:colId xmlns:a16="http://schemas.microsoft.com/office/drawing/2014/main" val="2111798565"/>
+                    </a:ext>
+                  </a:extLst>
+                </a:gridCol>
+                <a:gridCol w="1016000">
+                  <a:extLst>
+                    <a:ext uri="{9D8B030D-6E8A-4147-A177-3AD203B41FA5}">
+                      <a16:colId xmlns:a16="http://schemas.microsoft.com/office/drawing/2014/main" val="3388073585"/>
+                    </a:ext>
+                  </a:extLst>
+                </a:gridCol>
+                <a:gridCol w="1016000">
+                  <a:extLst>
+                    <a:ext uri="{9D8B030D-6E8A-4147-A177-3AD203B41FA5}">
+                      <a16:colId xmlns:a16="http://schemas.microsoft.com/office/drawing/2014/main" val="2113521827"/>
+                    </a:ext>
+                  </a:extLst>
+                </a:gridCol>
+                <a:gridCol w="1016000">
+                  <a:extLst>
+                    <a:ext uri="{9D8B030D-6E8A-4147-A177-3AD203B41FA5}">
+                      <a16:colId xmlns:a16="http://schemas.microsoft.com/office/drawing/2014/main" val="461181146"/>
+                    </a:ext>
+                  </a:extLst>
+                </a:gridCol>
+                <a:gridCol w="1016000">
+                  <a:extLst>
+                    <a:ext uri="{9D8B030D-6E8A-4147-A177-3AD203B41FA5}">
+                      <a16:colId xmlns:a16="http://schemas.microsoft.com/office/drawing/2014/main" val="420478473"/>
+                    </a:ext>
+                  </a:extLst>
+                </a:gridCol>
+                <a:gridCol w="1016000">
+                  <a:extLst>
+                    <a:ext uri="{9D8B030D-6E8A-4147-A177-3AD203B41FA5}">
+                      <a16:colId xmlns:a16="http://schemas.microsoft.com/office/drawing/2014/main" val="685313925"/>
+                    </a:ext>
+                  </a:extLst>
+                </a:gridCol>
+                <a:gridCol w="1016000">
+                  <a:extLst>
+                    <a:ext uri="{9D8B030D-6E8A-4147-A177-3AD203B41FA5}">
+                      <a16:colId xmlns:a16="http://schemas.microsoft.com/office/drawing/2014/main" val="3612542373"/>
+                    </a:ext>
+                  </a:extLst>
+                </a:gridCol>
+              </a:tblGrid>
+              <a:tr h="370840">
+                <a:tc>
+                  <a:txBody>
+                    <a:bodyPr/>
+                    <a:lstStyle/>
+                    <a:p>
+                      <a:r>
+                        <a:rPr lang="en-US" dirty="0"/>
+                        <a:t>Bit 8</a:t>
+                      </a:r>
+                    </a:p>
+                  </a:txBody>
+                  <a:tcPr/>
+                </a:tc>
+                <a:tc>
+                  <a:txBody>
+                    <a:bodyPr/>
+                    <a:lstStyle/>
+                    <a:p>
+                      <a:r>
+                        <a:rPr lang="en-US" dirty="0"/>
+                        <a:t>Bit 7</a:t>
+                      </a:r>
+                    </a:p>
+                  </a:txBody>
+                  <a:tcPr/>
+                </a:tc>
+                <a:tc>
+                  <a:txBody>
+                    <a:bodyPr/>
+                    <a:lstStyle/>
+                    <a:p>
+                      <a:r>
+                        <a:rPr lang="en-US" dirty="0"/>
+                        <a:t>Bit 6</a:t>
+                      </a:r>
+                    </a:p>
+                  </a:txBody>
+                  <a:tcPr/>
+                </a:tc>
+                <a:tc>
+                  <a:txBody>
+                    <a:bodyPr/>
+                    <a:lstStyle/>
+                    <a:p>
+                      <a:r>
+                        <a:rPr lang="en-US" dirty="0"/>
+                        <a:t>Bit 5</a:t>
+                      </a:r>
+                    </a:p>
+                  </a:txBody>
+                  <a:tcPr/>
+                </a:tc>
+                <a:tc>
+                  <a:txBody>
+                    <a:bodyPr/>
+                    <a:lstStyle/>
+                    <a:p>
+                      <a:r>
+                        <a:rPr lang="en-US" dirty="0"/>
+                        <a:t>Bit 4</a:t>
+                      </a:r>
+                    </a:p>
+                  </a:txBody>
+                  <a:tcPr/>
+                </a:tc>
+                <a:tc>
+                  <a:txBody>
+                    <a:bodyPr/>
+                    <a:lstStyle/>
+                    <a:p>
+                      <a:r>
+                        <a:rPr lang="en-US" dirty="0"/>
+                        <a:t>Bit 3</a:t>
+                      </a:r>
+                    </a:p>
+                  </a:txBody>
+                  <a:tcPr/>
+                </a:tc>
+                <a:tc>
+                  <a:txBody>
+                    <a:bodyPr/>
+                    <a:lstStyle/>
+                    <a:p>
+                      <a:r>
+                        <a:rPr lang="en-US" dirty="0"/>
+                        <a:t>Bit 2</a:t>
+                      </a:r>
+                    </a:p>
+                  </a:txBody>
+                  <a:tcPr/>
+                </a:tc>
+                <a:tc>
+                  <a:txBody>
+                    <a:bodyPr/>
+                    <a:lstStyle/>
+                    <a:p>
+                      <a:r>
+                        <a:rPr lang="en-US" dirty="0"/>
+                        <a:t>Bit 1</a:t>
+                      </a:r>
+                    </a:p>
+                  </a:txBody>
+                  <a:tcPr/>
+                </a:tc>
+                <a:extLst>
+                  <a:ext uri="{0D108BD9-81ED-4DB2-BD59-A6C34878D82A}">
+                    <a16:rowId xmlns:a16="http://schemas.microsoft.com/office/drawing/2014/main" val="4286968109"/>
+                  </a:ext>
+                </a:extLst>
+              </a:tr>
+              <a:tr h="370840">
+                <a:tc>
+                  <a:txBody>
+                    <a:bodyPr/>
+                    <a:lstStyle/>
+                    <a:p>
+                      <a:r>
+                        <a:rPr lang="en-US" dirty="0"/>
+                        <a:t>128</a:t>
+                      </a:r>
+                    </a:p>
+                  </a:txBody>
+                  <a:tcPr/>
+                </a:tc>
+                <a:tc>
+                  <a:txBody>
+                    <a:bodyPr/>
+                    <a:lstStyle/>
+                    <a:p>
+                      <a:r>
+                        <a:rPr lang="en-US" dirty="0"/>
+                        <a:t>64</a:t>
+                      </a:r>
+                    </a:p>
+                  </a:txBody>
+                  <a:tcPr/>
+                </a:tc>
+                <a:tc>
+                  <a:txBody>
+                    <a:bodyPr/>
+                    <a:lstStyle/>
+                    <a:p>
+                      <a:r>
+                        <a:rPr lang="en-US" dirty="0"/>
+                        <a:t>32</a:t>
+                      </a:r>
+                    </a:p>
+                  </a:txBody>
+                  <a:tcPr/>
+                </a:tc>
+                <a:tc>
+                  <a:txBody>
+                    <a:bodyPr/>
+                    <a:lstStyle/>
+                    <a:p>
+                      <a:r>
+                        <a:rPr lang="en-US" dirty="0"/>
+                        <a:t>16</a:t>
+                      </a:r>
+                    </a:p>
+                  </a:txBody>
+                  <a:tcPr/>
+                </a:tc>
+                <a:tc>
+                  <a:txBody>
+                    <a:bodyPr/>
+                    <a:lstStyle/>
+                    <a:p>
+                      <a:r>
+                        <a:rPr lang="en-US" dirty="0"/>
+                        <a:t>8</a:t>
+                      </a:r>
+                    </a:p>
+                  </a:txBody>
+                  <a:tcPr/>
+                </a:tc>
+                <a:tc>
+                  <a:txBody>
+                    <a:bodyPr/>
+                    <a:lstStyle/>
+                    <a:p>
+                      <a:r>
+                        <a:rPr lang="en-US" dirty="0"/>
+                        <a:t>4</a:t>
+                      </a:r>
+                    </a:p>
+                  </a:txBody>
+                  <a:tcPr/>
+                </a:tc>
+                <a:tc>
+                  <a:txBody>
+                    <a:bodyPr/>
+                    <a:lstStyle/>
+                    <a:p>
+                      <a:r>
+                        <a:rPr lang="en-US" dirty="0"/>
+                        <a:t>2</a:t>
+                      </a:r>
+                    </a:p>
+                  </a:txBody>
+                  <a:tcPr/>
+                </a:tc>
+                <a:tc>
+                  <a:txBody>
+                    <a:bodyPr/>
+                    <a:lstStyle/>
+                    <a:p>
+                      <a:r>
+                        <a:rPr lang="en-US" dirty="0"/>
+                        <a:t>1</a:t>
+                      </a:r>
+                    </a:p>
+                  </a:txBody>
+                  <a:tcPr/>
+                </a:tc>
+                <a:extLst>
+                  <a:ext uri="{0D108BD9-81ED-4DB2-BD59-A6C34878D82A}">
+                    <a16:rowId xmlns:a16="http://schemas.microsoft.com/office/drawing/2014/main" val="1146354593"/>
+                  </a:ext>
+                </a:extLst>
+              </a:tr>
+              <a:tr h="370840">
+                <a:tc>
+                  <a:txBody>
+                    <a:bodyPr/>
+                    <a:lstStyle/>
+                    <a:p>
+                      <a:r>
+                        <a:rPr lang="en-US" dirty="0"/>
+                        <a:t>0</a:t>
+                      </a:r>
+                    </a:p>
+                  </a:txBody>
+                  <a:tcPr/>
+                </a:tc>
+                <a:tc>
+                  <a:txBody>
+                    <a:bodyPr/>
+                    <a:lstStyle/>
+                    <a:p>
+                      <a:r>
+                        <a:rPr lang="en-US" dirty="0"/>
+                        <a:t>1</a:t>
+                      </a:r>
+                    </a:p>
+                  </a:txBody>
+                  <a:tcPr/>
+                </a:tc>
+                <a:tc>
+                  <a:txBody>
+                    <a:bodyPr/>
+                    <a:lstStyle/>
+                    <a:p>
+                      <a:r>
+                        <a:rPr lang="en-US" dirty="0"/>
+                        <a:t>0</a:t>
+                      </a:r>
+                    </a:p>
+                  </a:txBody>
+                  <a:tcPr/>
+                </a:tc>
+                <a:tc>
+                  <a:txBody>
+                    <a:bodyPr/>
+                    <a:lstStyle/>
+                    <a:p>
+                      <a:r>
+                        <a:rPr lang="en-US" dirty="0"/>
+                        <a:t>0</a:t>
+                      </a:r>
+                    </a:p>
+                  </a:txBody>
+                  <a:tcPr/>
+                </a:tc>
+                <a:tc>
+                  <a:txBody>
+                    <a:bodyPr/>
+                    <a:lstStyle/>
+                    <a:p>
+                      <a:r>
+                        <a:rPr lang="en-US" dirty="0"/>
+                        <a:t>0</a:t>
+                      </a:r>
+                    </a:p>
+                  </a:txBody>
+                  <a:tcPr/>
+                </a:tc>
+                <a:tc>
+                  <a:txBody>
+                    <a:bodyPr/>
+                    <a:lstStyle/>
+                    <a:p>
+                      <a:r>
+                        <a:rPr lang="en-US" dirty="0"/>
+                        <a:t>0</a:t>
+                      </a:r>
+                    </a:p>
+                  </a:txBody>
+                  <a:tcPr/>
+                </a:tc>
+                <a:tc>
+                  <a:txBody>
+                    <a:bodyPr/>
+                    <a:lstStyle/>
+                    <a:p>
+                      <a:r>
+                        <a:rPr lang="en-US" dirty="0"/>
+                        <a:t>0</a:t>
+                      </a:r>
+                    </a:p>
+                  </a:txBody>
+                  <a:tcPr/>
+                </a:tc>
+                <a:tc>
+                  <a:txBody>
+                    <a:bodyPr/>
+                    <a:lstStyle/>
+                    <a:p>
+                      <a:r>
+                        <a:rPr lang="en-US" dirty="0"/>
+                        <a:t>1</a:t>
+                      </a:r>
+                    </a:p>
+                  </a:txBody>
+                  <a:tcPr/>
+                </a:tc>
+                <a:extLst>
+                  <a:ext uri="{0D108BD9-81ED-4DB2-BD59-A6C34878D82A}">
+                    <a16:rowId xmlns:a16="http://schemas.microsoft.com/office/drawing/2014/main" val="1394148078"/>
+                  </a:ext>
+                </a:extLst>
+              </a:tr>
+            </a:tbl>
+          </a:graphicData>
+        </a:graphic>
+      </p:graphicFrame>
+      <p:sp>
+        <p:nvSpPr>
+          <p:cNvPr id="7" name="Content Placeholder 2">
+            <a:extLst>
+              <a:ext uri="{FF2B5EF4-FFF2-40B4-BE49-F238E27FC236}">
+                <a16:creationId xmlns:a16="http://schemas.microsoft.com/office/drawing/2014/main" id="{65F10F65-6AEC-444D-8C91-760644313E7B}"/>
+              </a:ext>
+            </a:extLst>
+          </p:cNvPr>
+          <p:cNvSpPr>
+            <a:spLocks noGrp="1"/>
+          </p:cNvSpPr>
+          <p:nvPr>
+            <p:ph idx="1"/>
+          </p:nvPr>
+        </p:nvSpPr>
+        <p:spPr>
+          <a:xfrm>
+            <a:off x="1141412" y="3253839"/>
+            <a:ext cx="8128001" cy="1781299"/>
+          </a:xfrm>
+        </p:spPr>
+        <p:txBody>
+          <a:bodyPr/>
+          <a:lstStyle/>
+          <a:p>
+            <a:r>
+              <a:rPr lang="en-US" dirty="0"/>
+              <a:t>These 8 bits (a byte) represent 65 ASCII A</a:t>
+            </a:r>
+          </a:p>
+          <a:p>
+            <a:r>
+              <a:rPr lang="en-US" dirty="0"/>
+              <a:t>LSB – Bit 1</a:t>
+            </a:r>
+          </a:p>
+        </p:txBody>
+      </p:sp>
+      <p:sp>
+        <p:nvSpPr>
+          <p:cNvPr id="4" name="Slide Number Placeholder 3">
+            <a:extLst>
+              <a:ext uri="{FF2B5EF4-FFF2-40B4-BE49-F238E27FC236}">
+                <a16:creationId xmlns:a16="http://schemas.microsoft.com/office/drawing/2014/main" id="{B634B3C2-A865-4547-ABC4-B8778C4D4A1E}"/>
+              </a:ext>
+            </a:extLst>
+          </p:cNvPr>
+          <p:cNvSpPr>
+            <a:spLocks noGrp="1"/>
+          </p:cNvSpPr>
+          <p:nvPr>
+            <p:ph type="sldNum" sz="quarter" idx="12"/>
+          </p:nvPr>
+        </p:nvSpPr>
+        <p:spPr/>
+        <p:txBody>
+          <a:bodyPr/>
+          <a:lstStyle/>
+          <a:p>
+            <a:fld id="{6D22F896-40B5-4ADD-8801-0D06FADFA095}" type="slidenum">
+              <a:rPr lang="en-US" smtClean="0"/>
+              <a:t>7</a:t>
+            </a:fld>
+            <a:endParaRPr lang="en-US" dirty="0"/>
+          </a:p>
+        </p:txBody>
+      </p:sp>
+    </p:spTree>
+    <p:extLst>
+      <p:ext uri="{BB962C8B-B14F-4D97-AF65-F5344CB8AC3E}">
+        <p14:creationId xmlns:p14="http://schemas.microsoft.com/office/powerpoint/2010/main" val="1186706910"/>
+      </p:ext>
+    </p:extLst>
+  </p:cSld>
+  <p:clrMapOvr>
+    <a:masterClrMapping/>
+  </p:clrMapOvr>
+</p:sld>
+</file>
+
+<file path=ppt/slides/slide8.xml><?xml version="1.0" encoding="utf-8"?>
+<p:sld xmlns:a="http://schemas.openxmlformats.org/drawingml/2006/main" xmlns:r="http://schemas.openxmlformats.org/officeDocument/2006/relationships" xmlns:p="http://schemas.openxmlformats.org/presentationml/2006/main">
+  <p:cSld>
+    <p:spTree>
+      <p:nvGrpSpPr>
+        <p:cNvPr id="1" name=""/>
+        <p:cNvGrpSpPr/>
+        <p:nvPr/>
+      </p:nvGrpSpPr>
+      <p:grpSpPr>
+        <a:xfrm>
+          <a:off x="0" y="0"/>
+          <a:ext cx="0" cy="0"/>
+          <a:chOff x="0" y="0"/>
+          <a:chExt cx="0" cy="0"/>
+        </a:xfrm>
+      </p:grpSpPr>
+      <p:sp>
+        <p:nvSpPr>
+          <p:cNvPr id="2" name="Title 1">
+            <a:extLst>
+              <a:ext uri="{FF2B5EF4-FFF2-40B4-BE49-F238E27FC236}">
+                <a16:creationId xmlns:a16="http://schemas.microsoft.com/office/drawing/2014/main" id="{BCD6B80F-AFF0-2649-A343-C93F55B476E9}"/>
+              </a:ext>
+            </a:extLst>
+          </p:cNvPr>
+          <p:cNvSpPr>
+            <a:spLocks noGrp="1"/>
+          </p:cNvSpPr>
+          <p:nvPr>
+            <p:ph type="title"/>
+          </p:nvPr>
+        </p:nvSpPr>
+        <p:spPr>
+          <a:xfrm>
+            <a:off x="1141413" y="618518"/>
+            <a:ext cx="6067706" cy="699643"/>
+          </a:xfrm>
+        </p:spPr>
+        <p:txBody>
+          <a:bodyPr>
+            <a:normAutofit fontScale="90000"/>
+          </a:bodyPr>
+          <a:lstStyle/>
+          <a:p>
+            <a:r>
+              <a:rPr lang="en-US" cap="none" dirty="0"/>
+              <a:t>Altering the 4 Least Significant Bits</a:t>
+            </a:r>
+          </a:p>
+        </p:txBody>
+      </p:sp>
+      <p:sp>
+        <p:nvSpPr>
+          <p:cNvPr id="5" name="Rounded Rectangle 4">
+            <a:extLst>
+              <a:ext uri="{FF2B5EF4-FFF2-40B4-BE49-F238E27FC236}">
+                <a16:creationId xmlns:a16="http://schemas.microsoft.com/office/drawing/2014/main" id="{99A1D3F3-1F0B-CE4A-99EA-D0C8444793FA}"/>
+              </a:ext>
+            </a:extLst>
+          </p:cNvPr>
+          <p:cNvSpPr/>
+          <p:nvPr/>
+        </p:nvSpPr>
+        <p:spPr>
+          <a:xfrm>
+            <a:off x="4381552" y="2115403"/>
+            <a:ext cx="1080655" cy="1080655"/>
+          </a:xfrm>
+          <a:prstGeom prst="roundRect">
+            <a:avLst/>
+          </a:prstGeom>
+          <a:solidFill>
+            <a:srgbClr val="00FF00"/>
+          </a:solidFill>
+        </p:spPr>
+        <p:style>
+          <a:lnRef idx="2">
+            <a:schemeClr val="accent1">
+              <a:shade val="50000"/>
+            </a:schemeClr>
+          </a:lnRef>
+          <a:fillRef idx="1">
+            <a:schemeClr val="accent1"/>
+          </a:fillRef>
+          <a:effectRef idx="0">
+            <a:schemeClr val="accent1"/>
+          </a:effectRef>
+          <a:fontRef idx="minor">
+            <a:schemeClr val="lt1"/>
+          </a:fontRef>
+        </p:style>
+        <p:txBody>
+          <a:bodyPr rtlCol="0" anchor="ctr"/>
+          <a:lstStyle/>
+          <a:p>
+            <a:pPr algn="ctr"/>
+            <a:endParaRPr lang="en-US"/>
+          </a:p>
+        </p:txBody>
+      </p:sp>
+      <p:sp>
+        <p:nvSpPr>
+          <p:cNvPr id="6" name="Rounded Rectangle 5">
+            <a:extLst>
+              <a:ext uri="{FF2B5EF4-FFF2-40B4-BE49-F238E27FC236}">
+                <a16:creationId xmlns:a16="http://schemas.microsoft.com/office/drawing/2014/main" id="{DCB10C9F-610D-434A-9D4D-6C2C02C1FE48}"/>
+              </a:ext>
+            </a:extLst>
+          </p:cNvPr>
+          <p:cNvSpPr/>
+          <p:nvPr/>
+        </p:nvSpPr>
+        <p:spPr>
+          <a:xfrm>
+            <a:off x="6057952" y="2115403"/>
+            <a:ext cx="1080655" cy="1080655"/>
+          </a:xfrm>
+          <a:prstGeom prst="roundRect">
+            <a:avLst/>
+          </a:prstGeom>
+          <a:solidFill>
+            <a:srgbClr val="00F000"/>
+          </a:solidFill>
+        </p:spPr>
+        <p:style>
+          <a:lnRef idx="2">
+            <a:schemeClr val="accent1">
+              <a:shade val="50000"/>
+            </a:schemeClr>
+          </a:lnRef>
+          <a:fillRef idx="1">
+            <a:schemeClr val="accent1"/>
+          </a:fillRef>
+          <a:effectRef idx="0">
+            <a:schemeClr val="accent1"/>
+          </a:effectRef>
+          <a:fontRef idx="minor">
+            <a:schemeClr val="lt1"/>
+          </a:fontRef>
+        </p:style>
+        <p:txBody>
+          <a:bodyPr rtlCol="0" anchor="ctr"/>
+          <a:lstStyle/>
+          <a:p>
+            <a:pPr algn="ctr"/>
+            <a:endParaRPr lang="en-US"/>
+          </a:p>
+        </p:txBody>
+      </p:sp>
+      <p:sp>
+        <p:nvSpPr>
+          <p:cNvPr id="7" name="TextBox 6">
+            <a:extLst>
+              <a:ext uri="{FF2B5EF4-FFF2-40B4-BE49-F238E27FC236}">
+                <a16:creationId xmlns:a16="http://schemas.microsoft.com/office/drawing/2014/main" id="{15A34625-08C9-E045-BE4F-E4DD62E49410}"/>
+              </a:ext>
+            </a:extLst>
+          </p:cNvPr>
+          <p:cNvSpPr txBox="1"/>
+          <p:nvPr/>
+        </p:nvSpPr>
+        <p:spPr>
+          <a:xfrm>
+            <a:off x="4066516" y="3252223"/>
+            <a:ext cx="1710725" cy="369332"/>
+          </a:xfrm>
+          <a:prstGeom prst="rect">
+            <a:avLst/>
+          </a:prstGeom>
+          <a:noFill/>
+        </p:spPr>
+        <p:txBody>
+          <a:bodyPr wrap="none" rtlCol="0">
+            <a:spAutoFit/>
+          </a:bodyPr>
+          <a:lstStyle/>
+          <a:p>
+            <a:r>
+              <a:rPr lang="en-US" dirty="0"/>
+              <a:t>RGB( 0, 255, 0 )</a:t>
+            </a:r>
+          </a:p>
+        </p:txBody>
+      </p:sp>
+      <p:sp>
+        <p:nvSpPr>
+          <p:cNvPr id="8" name="TextBox 7">
+            <a:extLst>
+              <a:ext uri="{FF2B5EF4-FFF2-40B4-BE49-F238E27FC236}">
+                <a16:creationId xmlns:a16="http://schemas.microsoft.com/office/drawing/2014/main" id="{8BAE30B0-06CC-C54E-BFB5-BB5BCB7D60FA}"/>
+              </a:ext>
+            </a:extLst>
+          </p:cNvPr>
+          <p:cNvSpPr txBox="1"/>
+          <p:nvPr/>
+        </p:nvSpPr>
+        <p:spPr>
+          <a:xfrm>
+            <a:off x="5742916" y="3252223"/>
+            <a:ext cx="1710725" cy="369332"/>
+          </a:xfrm>
+          <a:prstGeom prst="rect">
+            <a:avLst/>
+          </a:prstGeom>
+          <a:noFill/>
+        </p:spPr>
+        <p:txBody>
+          <a:bodyPr wrap="none" rtlCol="0">
+            <a:spAutoFit/>
+          </a:bodyPr>
+          <a:lstStyle/>
+          <a:p>
+            <a:r>
+              <a:rPr lang="en-US" dirty="0"/>
+              <a:t>RGB( 0, 240, 0 )</a:t>
+            </a:r>
+          </a:p>
+        </p:txBody>
+      </p:sp>
+      <p:sp>
+        <p:nvSpPr>
+          <p:cNvPr id="9" name="Rounded Rectangle 8">
+            <a:extLst>
+              <a:ext uri="{FF2B5EF4-FFF2-40B4-BE49-F238E27FC236}">
+                <a16:creationId xmlns:a16="http://schemas.microsoft.com/office/drawing/2014/main" id="{03B59BEF-DB25-A04A-B2DF-BB2B7F23C68D}"/>
+              </a:ext>
+            </a:extLst>
+          </p:cNvPr>
+          <p:cNvSpPr/>
+          <p:nvPr/>
+        </p:nvSpPr>
+        <p:spPr>
+          <a:xfrm>
+            <a:off x="861288" y="2115403"/>
+            <a:ext cx="1080655" cy="1080655"/>
+          </a:xfrm>
+          <a:prstGeom prst="roundRect">
+            <a:avLst/>
+          </a:prstGeom>
+          <a:solidFill>
+            <a:srgbClr val="FF0000"/>
+          </a:solidFill>
+        </p:spPr>
+        <p:style>
+          <a:lnRef idx="2">
+            <a:schemeClr val="accent1">
+              <a:shade val="50000"/>
+            </a:schemeClr>
+          </a:lnRef>
+          <a:fillRef idx="1">
+            <a:schemeClr val="accent1"/>
+          </a:fillRef>
+          <a:effectRef idx="0">
+            <a:schemeClr val="accent1"/>
+          </a:effectRef>
+          <a:fontRef idx="minor">
+            <a:schemeClr val="lt1"/>
+          </a:fontRef>
+        </p:style>
+        <p:txBody>
+          <a:bodyPr rtlCol="0" anchor="ctr"/>
+          <a:lstStyle/>
+          <a:p>
+            <a:pPr algn="ctr"/>
+            <a:endParaRPr lang="en-US" dirty="0"/>
+          </a:p>
+        </p:txBody>
+      </p:sp>
+      <p:sp>
+        <p:nvSpPr>
+          <p:cNvPr id="10" name="Rounded Rectangle 9">
+            <a:extLst>
+              <a:ext uri="{FF2B5EF4-FFF2-40B4-BE49-F238E27FC236}">
+                <a16:creationId xmlns:a16="http://schemas.microsoft.com/office/drawing/2014/main" id="{3313E353-93C7-BE44-93C0-0ECB54BD0F7E}"/>
+              </a:ext>
+            </a:extLst>
+          </p:cNvPr>
+          <p:cNvSpPr/>
+          <p:nvPr/>
+        </p:nvSpPr>
+        <p:spPr>
+          <a:xfrm>
+            <a:off x="2537688" y="2115403"/>
+            <a:ext cx="1080655" cy="1080655"/>
+          </a:xfrm>
+          <a:prstGeom prst="roundRect">
+            <a:avLst/>
+          </a:prstGeom>
+          <a:solidFill>
+            <a:srgbClr val="F00000"/>
+          </a:solidFill>
+        </p:spPr>
+        <p:style>
+          <a:lnRef idx="2">
+            <a:schemeClr val="accent1">
+              <a:shade val="50000"/>
+            </a:schemeClr>
+          </a:lnRef>
+          <a:fillRef idx="1">
+            <a:schemeClr val="accent1"/>
+          </a:fillRef>
+          <a:effectRef idx="0">
+            <a:schemeClr val="accent1"/>
+          </a:effectRef>
+          <a:fontRef idx="minor">
+            <a:schemeClr val="lt1"/>
+          </a:fontRef>
+        </p:style>
+        <p:txBody>
+          <a:bodyPr rtlCol="0" anchor="ctr"/>
+          <a:lstStyle/>
+          <a:p>
+            <a:pPr algn="ctr"/>
+            <a:endParaRPr lang="en-US" dirty="0"/>
+          </a:p>
+        </p:txBody>
+      </p:sp>
+      <p:sp>
+        <p:nvSpPr>
+          <p:cNvPr id="11" name="TextBox 10">
+            <a:extLst>
+              <a:ext uri="{FF2B5EF4-FFF2-40B4-BE49-F238E27FC236}">
+                <a16:creationId xmlns:a16="http://schemas.microsoft.com/office/drawing/2014/main" id="{F30FF892-322A-DF4A-B190-CBA80EF22F8A}"/>
+              </a:ext>
+            </a:extLst>
+          </p:cNvPr>
+          <p:cNvSpPr txBox="1"/>
+          <p:nvPr/>
+        </p:nvSpPr>
+        <p:spPr>
+          <a:xfrm>
+            <a:off x="540613" y="3252223"/>
+            <a:ext cx="1710725" cy="369332"/>
+          </a:xfrm>
+          <a:prstGeom prst="rect">
+            <a:avLst/>
+          </a:prstGeom>
+          <a:noFill/>
+        </p:spPr>
+        <p:txBody>
+          <a:bodyPr wrap="none" rtlCol="0">
+            <a:spAutoFit/>
+          </a:bodyPr>
+          <a:lstStyle/>
+          <a:p>
+            <a:r>
+              <a:rPr lang="en-US" dirty="0"/>
+              <a:t>RGB( 255, 0, 0 )</a:t>
+            </a:r>
+          </a:p>
+        </p:txBody>
+      </p:sp>
+      <p:sp>
+        <p:nvSpPr>
+          <p:cNvPr id="12" name="TextBox 11">
+            <a:extLst>
+              <a:ext uri="{FF2B5EF4-FFF2-40B4-BE49-F238E27FC236}">
+                <a16:creationId xmlns:a16="http://schemas.microsoft.com/office/drawing/2014/main" id="{FD9137A5-0659-D74F-93BE-D0A1F6874BB9}"/>
+              </a:ext>
+            </a:extLst>
+          </p:cNvPr>
+          <p:cNvSpPr txBox="1"/>
+          <p:nvPr/>
+        </p:nvSpPr>
+        <p:spPr>
+          <a:xfrm>
+            <a:off x="2222652" y="3252223"/>
+            <a:ext cx="1710725" cy="369332"/>
+          </a:xfrm>
+          <a:prstGeom prst="rect">
+            <a:avLst/>
+          </a:prstGeom>
+          <a:noFill/>
+        </p:spPr>
+        <p:txBody>
+          <a:bodyPr wrap="none" rtlCol="0">
+            <a:spAutoFit/>
+          </a:bodyPr>
+          <a:lstStyle/>
+          <a:p>
+            <a:r>
+              <a:rPr lang="en-US" dirty="0"/>
+              <a:t>RGB( 240, 0, 0 )</a:t>
+            </a:r>
+          </a:p>
+        </p:txBody>
+      </p:sp>
+      <p:sp>
+        <p:nvSpPr>
+          <p:cNvPr id="13" name="Rounded Rectangle 12">
+            <a:extLst>
+              <a:ext uri="{FF2B5EF4-FFF2-40B4-BE49-F238E27FC236}">
+                <a16:creationId xmlns:a16="http://schemas.microsoft.com/office/drawing/2014/main" id="{DEB1757D-7B41-214E-9729-46BC6DFD0790}"/>
+              </a:ext>
+            </a:extLst>
+          </p:cNvPr>
+          <p:cNvSpPr/>
+          <p:nvPr/>
+        </p:nvSpPr>
+        <p:spPr>
+          <a:xfrm>
+            <a:off x="7904810" y="2115403"/>
+            <a:ext cx="1080655" cy="1080655"/>
+          </a:xfrm>
+          <a:prstGeom prst="roundRect">
+            <a:avLst/>
+          </a:prstGeom>
+          <a:solidFill>
+            <a:srgbClr val="0000FF"/>
+          </a:solidFill>
+        </p:spPr>
+        <p:style>
+          <a:lnRef idx="2">
+            <a:schemeClr val="accent1">
+              <a:shade val="50000"/>
+            </a:schemeClr>
+          </a:lnRef>
+          <a:fillRef idx="1">
+            <a:schemeClr val="accent1"/>
+          </a:fillRef>
+          <a:effectRef idx="0">
+            <a:schemeClr val="accent1"/>
+          </a:effectRef>
+          <a:fontRef idx="minor">
+            <a:schemeClr val="lt1"/>
+          </a:fontRef>
+        </p:style>
+        <p:txBody>
+          <a:bodyPr rtlCol="0" anchor="ctr"/>
+          <a:lstStyle/>
+          <a:p>
+            <a:pPr algn="ctr"/>
+            <a:endParaRPr lang="en-US" dirty="0"/>
+          </a:p>
+        </p:txBody>
+      </p:sp>
+      <p:sp>
+        <p:nvSpPr>
+          <p:cNvPr id="14" name="Rounded Rectangle 13">
+            <a:extLst>
+              <a:ext uri="{FF2B5EF4-FFF2-40B4-BE49-F238E27FC236}">
+                <a16:creationId xmlns:a16="http://schemas.microsoft.com/office/drawing/2014/main" id="{8B01D1B6-68C4-7440-8702-AD178559A462}"/>
+              </a:ext>
+            </a:extLst>
+          </p:cNvPr>
+          <p:cNvSpPr/>
+          <p:nvPr/>
+        </p:nvSpPr>
+        <p:spPr>
+          <a:xfrm>
+            <a:off x="9581210" y="2115403"/>
+            <a:ext cx="1080655" cy="1080655"/>
+          </a:xfrm>
+          <a:prstGeom prst="roundRect">
+            <a:avLst/>
+          </a:prstGeom>
+          <a:solidFill>
+            <a:srgbClr val="0000F0"/>
+          </a:solidFill>
+        </p:spPr>
+        <p:style>
+          <a:lnRef idx="2">
+            <a:schemeClr val="accent1">
+              <a:shade val="50000"/>
+            </a:schemeClr>
+          </a:lnRef>
+          <a:fillRef idx="1">
+            <a:schemeClr val="accent1"/>
+          </a:fillRef>
+          <a:effectRef idx="0">
+            <a:schemeClr val="accent1"/>
+          </a:effectRef>
+          <a:fontRef idx="minor">
+            <a:schemeClr val="lt1"/>
+          </a:fontRef>
+        </p:style>
+        <p:txBody>
+          <a:bodyPr rtlCol="0" anchor="ctr"/>
+          <a:lstStyle/>
+          <a:p>
+            <a:pPr algn="ctr"/>
+            <a:endParaRPr lang="en-US"/>
+          </a:p>
+        </p:txBody>
+      </p:sp>
+      <p:sp>
+        <p:nvSpPr>
+          <p:cNvPr id="15" name="TextBox 14">
+            <a:extLst>
+              <a:ext uri="{FF2B5EF4-FFF2-40B4-BE49-F238E27FC236}">
+                <a16:creationId xmlns:a16="http://schemas.microsoft.com/office/drawing/2014/main" id="{2DD6ED9B-0A32-F144-8D0F-B8B2A56B1A93}"/>
+              </a:ext>
+            </a:extLst>
+          </p:cNvPr>
+          <p:cNvSpPr txBox="1"/>
+          <p:nvPr/>
+        </p:nvSpPr>
+        <p:spPr>
+          <a:xfrm>
+            <a:off x="7589774" y="3252223"/>
+            <a:ext cx="1710725" cy="369332"/>
+          </a:xfrm>
+          <a:prstGeom prst="rect">
+            <a:avLst/>
+          </a:prstGeom>
+          <a:noFill/>
+        </p:spPr>
+        <p:txBody>
+          <a:bodyPr wrap="none" rtlCol="0">
+            <a:spAutoFit/>
+          </a:bodyPr>
+          <a:lstStyle/>
+          <a:p>
+            <a:r>
+              <a:rPr lang="en-US" dirty="0"/>
+              <a:t>RGB( 0, 0, 255 )</a:t>
+            </a:r>
+          </a:p>
+        </p:txBody>
+      </p:sp>
+      <p:sp>
+        <p:nvSpPr>
+          <p:cNvPr id="16" name="TextBox 15">
+            <a:extLst>
+              <a:ext uri="{FF2B5EF4-FFF2-40B4-BE49-F238E27FC236}">
+                <a16:creationId xmlns:a16="http://schemas.microsoft.com/office/drawing/2014/main" id="{DE72199D-F410-0F40-989A-49A4F3393A2B}"/>
+              </a:ext>
+            </a:extLst>
+          </p:cNvPr>
+          <p:cNvSpPr txBox="1"/>
+          <p:nvPr/>
+        </p:nvSpPr>
+        <p:spPr>
+          <a:xfrm>
+            <a:off x="9266174" y="3252223"/>
+            <a:ext cx="1710725" cy="369332"/>
+          </a:xfrm>
+          <a:prstGeom prst="rect">
+            <a:avLst/>
+          </a:prstGeom>
+          <a:noFill/>
+        </p:spPr>
+        <p:txBody>
+          <a:bodyPr wrap="none" rtlCol="0">
+            <a:spAutoFit/>
+          </a:bodyPr>
+          <a:lstStyle/>
+          <a:p>
+            <a:r>
+              <a:rPr lang="en-US" dirty="0"/>
+              <a:t>RGB( 0, 0, 240 )</a:t>
+            </a:r>
+          </a:p>
+        </p:txBody>
+      </p:sp>
+      <p:sp>
+        <p:nvSpPr>
+          <p:cNvPr id="4" name="Slide Number Placeholder 3">
+            <a:extLst>
+              <a:ext uri="{FF2B5EF4-FFF2-40B4-BE49-F238E27FC236}">
+                <a16:creationId xmlns:a16="http://schemas.microsoft.com/office/drawing/2014/main" id="{3A4EFE36-79B0-8A41-B57F-65F7E3B35A48}"/>
+              </a:ext>
+            </a:extLst>
+          </p:cNvPr>
+          <p:cNvSpPr>
+            <a:spLocks noGrp="1"/>
+          </p:cNvSpPr>
+          <p:nvPr>
+            <p:ph type="sldNum" sz="quarter" idx="12"/>
+          </p:nvPr>
+        </p:nvSpPr>
+        <p:spPr/>
+        <p:txBody>
+          <a:bodyPr/>
+          <a:lstStyle/>
+          <a:p>
+            <a:fld id="{6D22F896-40B5-4ADD-8801-0D06FADFA095}" type="slidenum">
+              <a:rPr lang="en-US" smtClean="0"/>
+              <a:t>8</a:t>
+            </a:fld>
+            <a:endParaRPr lang="en-US" dirty="0"/>
+          </a:p>
+        </p:txBody>
+      </p:sp>
+      <p:graphicFrame>
+        <p:nvGraphicFramePr>
+          <p:cNvPr id="23" name="Table 22">
+            <a:extLst>
+              <a:ext uri="{FF2B5EF4-FFF2-40B4-BE49-F238E27FC236}">
+                <a16:creationId xmlns:a16="http://schemas.microsoft.com/office/drawing/2014/main" id="{02F7562C-08F7-3C46-AE7C-D04EA5F01686}"/>
+              </a:ext>
+            </a:extLst>
+          </p:cNvPr>
+          <p:cNvGraphicFramePr>
+            <a:graphicFrameLocks noGrp="1"/>
+          </p:cNvGraphicFramePr>
+          <p:nvPr>
+            <p:extLst>
+              <p:ext uri="{D42A27DB-BD31-4B8C-83A1-F6EECF244321}">
+                <p14:modId xmlns:p14="http://schemas.microsoft.com/office/powerpoint/2010/main" val="2048706159"/>
+              </p:ext>
+            </p:extLst>
+          </p:nvPr>
+        </p:nvGraphicFramePr>
+        <p:xfrm>
+          <a:off x="1959041" y="4418798"/>
+          <a:ext cx="8128000" cy="1107440"/>
+        </p:xfrm>
+        <a:graphic>
+          <a:graphicData uri="http://schemas.openxmlformats.org/drawingml/2006/table">
+            <a:tbl>
+              <a:tblPr firstRow="1" bandRow="1">
+                <a:tableStyleId>{5C22544A-7EE6-4342-B048-85BDC9FD1C3A}</a:tableStyleId>
+              </a:tblPr>
+              <a:tblGrid>
+                <a:gridCol w="1016000">
+                  <a:extLst>
+                    <a:ext uri="{9D8B030D-6E8A-4147-A177-3AD203B41FA5}">
+                      <a16:colId xmlns:a16="http://schemas.microsoft.com/office/drawing/2014/main" val="2671422537"/>
+                    </a:ext>
+                  </a:extLst>
+                </a:gridCol>
+                <a:gridCol w="1016000">
+                  <a:extLst>
+                    <a:ext uri="{9D8B030D-6E8A-4147-A177-3AD203B41FA5}">
+                      <a16:colId xmlns:a16="http://schemas.microsoft.com/office/drawing/2014/main" val="2111798565"/>
+                    </a:ext>
+                  </a:extLst>
+                </a:gridCol>
+                <a:gridCol w="1016000">
+                  <a:extLst>
+                    <a:ext uri="{9D8B030D-6E8A-4147-A177-3AD203B41FA5}">
+                      <a16:colId xmlns:a16="http://schemas.microsoft.com/office/drawing/2014/main" val="3388073585"/>
+                    </a:ext>
+                  </a:extLst>
+                </a:gridCol>
+                <a:gridCol w="1016000">
+                  <a:extLst>
+                    <a:ext uri="{9D8B030D-6E8A-4147-A177-3AD203B41FA5}">
+                      <a16:colId xmlns:a16="http://schemas.microsoft.com/office/drawing/2014/main" val="2113521827"/>
+                    </a:ext>
+                  </a:extLst>
+                </a:gridCol>
+                <a:gridCol w="1016000">
+                  <a:extLst>
+                    <a:ext uri="{9D8B030D-6E8A-4147-A177-3AD203B41FA5}">
+                      <a16:colId xmlns:a16="http://schemas.microsoft.com/office/drawing/2014/main" val="461181146"/>
+                    </a:ext>
+                  </a:extLst>
+                </a:gridCol>
+                <a:gridCol w="1016000">
+                  <a:extLst>
+                    <a:ext uri="{9D8B030D-6E8A-4147-A177-3AD203B41FA5}">
+                      <a16:colId xmlns:a16="http://schemas.microsoft.com/office/drawing/2014/main" val="420478473"/>
+                    </a:ext>
+                  </a:extLst>
+                </a:gridCol>
+                <a:gridCol w="1016000">
+                  <a:extLst>
+                    <a:ext uri="{9D8B030D-6E8A-4147-A177-3AD203B41FA5}">
+                      <a16:colId xmlns:a16="http://schemas.microsoft.com/office/drawing/2014/main" val="685313925"/>
+                    </a:ext>
+                  </a:extLst>
+                </a:gridCol>
+                <a:gridCol w="1016000">
+                  <a:extLst>
+                    <a:ext uri="{9D8B030D-6E8A-4147-A177-3AD203B41FA5}">
+                      <a16:colId xmlns:a16="http://schemas.microsoft.com/office/drawing/2014/main" val="3612542373"/>
+                    </a:ext>
+                  </a:extLst>
+                </a:gridCol>
+              </a:tblGrid>
+              <a:tr h="0">
+                <a:tc>
+                  <a:txBody>
+                    <a:bodyPr/>
+                    <a:lstStyle/>
+                    <a:p>
+                      <a:r>
+                        <a:rPr lang="en-US" dirty="0"/>
+                        <a:t>Bit 8</a:t>
+                      </a:r>
+                    </a:p>
+                  </a:txBody>
+                  <a:tcPr/>
+                </a:tc>
+                <a:tc>
+                  <a:txBody>
+                    <a:bodyPr/>
+                    <a:lstStyle/>
+                    <a:p>
+                      <a:r>
+                        <a:rPr lang="en-US" dirty="0"/>
+                        <a:t>Bit 7</a:t>
+                      </a:r>
+                    </a:p>
+                  </a:txBody>
+                  <a:tcPr/>
+                </a:tc>
+                <a:tc>
+                  <a:txBody>
+                    <a:bodyPr/>
+                    <a:lstStyle/>
+                    <a:p>
+                      <a:r>
+                        <a:rPr lang="en-US" dirty="0"/>
+                        <a:t>Bit 6</a:t>
+                      </a:r>
+                    </a:p>
+                  </a:txBody>
+                  <a:tcPr/>
+                </a:tc>
+                <a:tc>
+                  <a:txBody>
+                    <a:bodyPr/>
+                    <a:lstStyle/>
+                    <a:p>
+                      <a:r>
+                        <a:rPr lang="en-US" dirty="0"/>
+                        <a:t>Bit 5</a:t>
+                      </a:r>
+                    </a:p>
+                  </a:txBody>
+                  <a:tcPr/>
+                </a:tc>
+                <a:tc>
+                  <a:txBody>
+                    <a:bodyPr/>
+                    <a:lstStyle/>
+                    <a:p>
+                      <a:r>
+                        <a:rPr lang="en-US" dirty="0"/>
+                        <a:t>Bit 4</a:t>
+                      </a:r>
+                    </a:p>
+                  </a:txBody>
+                  <a:tcPr/>
+                </a:tc>
+                <a:tc>
+                  <a:txBody>
+                    <a:bodyPr/>
+                    <a:lstStyle/>
+                    <a:p>
+                      <a:r>
+                        <a:rPr lang="en-US" dirty="0"/>
+                        <a:t>Bit 3</a:t>
+                      </a:r>
+                    </a:p>
+                  </a:txBody>
+                  <a:tcPr/>
+                </a:tc>
+                <a:tc>
+                  <a:txBody>
+                    <a:bodyPr/>
+                    <a:lstStyle/>
+                    <a:p>
+                      <a:r>
+                        <a:rPr lang="en-US" dirty="0"/>
+                        <a:t>Bit 2</a:t>
+                      </a:r>
+                    </a:p>
+                  </a:txBody>
+                  <a:tcPr/>
+                </a:tc>
+                <a:tc>
+                  <a:txBody>
+                    <a:bodyPr/>
+                    <a:lstStyle/>
+                    <a:p>
+                      <a:r>
+                        <a:rPr lang="en-US" dirty="0"/>
+                        <a:t>Bit 1</a:t>
+                      </a:r>
+                    </a:p>
+                  </a:txBody>
+                  <a:tcPr/>
+                </a:tc>
+                <a:extLst>
+                  <a:ext uri="{0D108BD9-81ED-4DB2-BD59-A6C34878D82A}">
+                    <a16:rowId xmlns:a16="http://schemas.microsoft.com/office/drawing/2014/main" val="4286968109"/>
+                  </a:ext>
+                </a:extLst>
+              </a:tr>
+              <a:tr h="370840">
+                <a:tc>
+                  <a:txBody>
+                    <a:bodyPr/>
+                    <a:lstStyle/>
+                    <a:p>
+                      <a:r>
+                        <a:rPr lang="en-US" dirty="0"/>
+                        <a:t>128</a:t>
+                      </a:r>
+                    </a:p>
+                  </a:txBody>
+                  <a:tcPr/>
+                </a:tc>
+                <a:tc>
+                  <a:txBody>
+                    <a:bodyPr/>
+                    <a:lstStyle/>
+                    <a:p>
+                      <a:r>
+                        <a:rPr lang="en-US" dirty="0"/>
+                        <a:t>64</a:t>
+                      </a:r>
+                    </a:p>
+                  </a:txBody>
+                  <a:tcPr/>
+                </a:tc>
+                <a:tc>
+                  <a:txBody>
+                    <a:bodyPr/>
+                    <a:lstStyle/>
+                    <a:p>
+                      <a:r>
+                        <a:rPr lang="en-US" dirty="0"/>
+                        <a:t>32</a:t>
+                      </a:r>
+                    </a:p>
+                  </a:txBody>
+                  <a:tcPr/>
+                </a:tc>
+                <a:tc>
+                  <a:txBody>
+                    <a:bodyPr/>
+                    <a:lstStyle/>
+                    <a:p>
+                      <a:r>
+                        <a:rPr lang="en-US" dirty="0"/>
+                        <a:t>16</a:t>
+                      </a:r>
+                    </a:p>
+                  </a:txBody>
+                  <a:tcPr/>
+                </a:tc>
+                <a:tc>
+                  <a:txBody>
+                    <a:bodyPr/>
+                    <a:lstStyle/>
+                    <a:p>
+                      <a:r>
+                        <a:rPr lang="en-US" dirty="0"/>
+                        <a:t>8</a:t>
+                      </a:r>
+                    </a:p>
+                  </a:txBody>
+                  <a:tcPr/>
+                </a:tc>
+                <a:tc>
+                  <a:txBody>
+                    <a:bodyPr/>
+                    <a:lstStyle/>
+                    <a:p>
+                      <a:r>
+                        <a:rPr lang="en-US" dirty="0"/>
+                        <a:t>4</a:t>
+                      </a:r>
+                    </a:p>
+                  </a:txBody>
+                  <a:tcPr/>
+                </a:tc>
+                <a:tc>
+                  <a:txBody>
+                    <a:bodyPr/>
+                    <a:lstStyle/>
+                    <a:p>
+                      <a:r>
+                        <a:rPr lang="en-US" dirty="0"/>
+                        <a:t>2</a:t>
+                      </a:r>
+                    </a:p>
+                  </a:txBody>
+                  <a:tcPr/>
+                </a:tc>
+                <a:tc>
+                  <a:txBody>
+                    <a:bodyPr/>
+                    <a:lstStyle/>
+                    <a:p>
+                      <a:r>
+                        <a:rPr lang="en-US" dirty="0"/>
+                        <a:t>1</a:t>
+                      </a:r>
+                    </a:p>
+                  </a:txBody>
+                  <a:tcPr/>
+                </a:tc>
+                <a:extLst>
+                  <a:ext uri="{0D108BD9-81ED-4DB2-BD59-A6C34878D82A}">
+                    <a16:rowId xmlns:a16="http://schemas.microsoft.com/office/drawing/2014/main" val="1146354593"/>
+                  </a:ext>
+                </a:extLst>
+              </a:tr>
+              <a:tr h="370840">
+                <a:tc>
+                  <a:txBody>
+                    <a:bodyPr/>
+                    <a:lstStyle/>
+                    <a:p>
+                      <a:r>
+                        <a:rPr lang="en-US" dirty="0"/>
+                        <a:t>1</a:t>
+                      </a:r>
+                    </a:p>
+                  </a:txBody>
+                  <a:tcPr/>
+                </a:tc>
+                <a:tc>
+                  <a:txBody>
+                    <a:bodyPr/>
+                    <a:lstStyle/>
+                    <a:p>
+                      <a:r>
+                        <a:rPr lang="en-US" dirty="0"/>
+                        <a:t>1</a:t>
+                      </a:r>
+                    </a:p>
+                  </a:txBody>
+                  <a:tcPr/>
+                </a:tc>
+                <a:tc>
+                  <a:txBody>
+                    <a:bodyPr/>
+                    <a:lstStyle/>
+                    <a:p>
+                      <a:r>
+                        <a:rPr lang="en-US" dirty="0"/>
+                        <a:t>1</a:t>
+                      </a:r>
+                    </a:p>
+                  </a:txBody>
+                  <a:tcPr/>
+                </a:tc>
+                <a:tc>
+                  <a:txBody>
+                    <a:bodyPr/>
+                    <a:lstStyle/>
+                    <a:p>
+                      <a:r>
+                        <a:rPr lang="en-US" dirty="0"/>
+                        <a:t>1</a:t>
+                      </a:r>
+                    </a:p>
+                  </a:txBody>
+                  <a:tcPr/>
+                </a:tc>
+                <a:tc>
+                  <a:txBody>
+                    <a:bodyPr/>
+                    <a:lstStyle/>
+                    <a:p>
+                      <a:r>
+                        <a:rPr lang="en-US" dirty="0"/>
+                        <a:t>0</a:t>
+                      </a:r>
+                    </a:p>
+                  </a:txBody>
+                  <a:tcPr/>
+                </a:tc>
+                <a:tc>
+                  <a:txBody>
+                    <a:bodyPr/>
+                    <a:lstStyle/>
+                    <a:p>
+                      <a:r>
+                        <a:rPr lang="en-US" dirty="0"/>
+                        <a:t>0</a:t>
+                      </a:r>
+                    </a:p>
+                  </a:txBody>
+                  <a:tcPr/>
+                </a:tc>
+                <a:tc>
+                  <a:txBody>
+                    <a:bodyPr/>
+                    <a:lstStyle/>
+                    <a:p>
+                      <a:r>
+                        <a:rPr lang="en-US" dirty="0"/>
+                        <a:t>0</a:t>
+                      </a:r>
+                    </a:p>
+                  </a:txBody>
+                  <a:tcPr/>
+                </a:tc>
+                <a:tc>
+                  <a:txBody>
+                    <a:bodyPr/>
+                    <a:lstStyle/>
+                    <a:p>
+                      <a:r>
+                        <a:rPr lang="en-US" dirty="0"/>
+                        <a:t>0</a:t>
+                      </a:r>
+                    </a:p>
+                  </a:txBody>
+                  <a:tcPr/>
+                </a:tc>
+                <a:extLst>
+                  <a:ext uri="{0D108BD9-81ED-4DB2-BD59-A6C34878D82A}">
+                    <a16:rowId xmlns:a16="http://schemas.microsoft.com/office/drawing/2014/main" val="1394148078"/>
+                  </a:ext>
+                </a:extLst>
+              </a:tr>
+            </a:tbl>
+          </a:graphicData>
+        </a:graphic>
+      </p:graphicFrame>
+    </p:spTree>
+    <p:extLst>
+      <p:ext uri="{BB962C8B-B14F-4D97-AF65-F5344CB8AC3E}">
+        <p14:creationId xmlns:p14="http://schemas.microsoft.com/office/powerpoint/2010/main" val="1927266367"/>
+      </p:ext>
+    </p:extLst>
+  </p:cSld>
+  <p:clrMapOvr>
+    <a:masterClrMapping/>
+  </p:clrMapOvr>
+</p:sld>
+</file>
+
+<file path=ppt/slides/slide9.xml><?xml version="1.0" encoding="utf-8"?>
+<p:sld xmlns:a="http://schemas.openxmlformats.org/drawingml/2006/main" xmlns:r="http://schemas.openxmlformats.org/officeDocument/2006/relationships" xmlns:p="http://schemas.openxmlformats.org/presentationml/2006/main">
+  <p:cSld>
+    <p:spTree>
+      <p:nvGrpSpPr>
+        <p:cNvPr id="1" name=""/>
+        <p:cNvGrpSpPr/>
+        <p:nvPr/>
+      </p:nvGrpSpPr>
+      <p:grpSpPr>
+        <a:xfrm>
+          <a:off x="0" y="0"/>
+          <a:ext cx="0" cy="0"/>
+          <a:chOff x="0" y="0"/>
+          <a:chExt cx="0" cy="0"/>
+        </a:xfrm>
+      </p:grpSpPr>
+      <p:sp>
+        <p:nvSpPr>
+          <p:cNvPr id="2" name="Title 1">
+            <a:extLst>
+              <a:ext uri="{FF2B5EF4-FFF2-40B4-BE49-F238E27FC236}">
+                <a16:creationId xmlns:a16="http://schemas.microsoft.com/office/drawing/2014/main" id="{65117A83-6CC4-684A-87B6-3E39097EA9D9}"/>
+              </a:ext>
+            </a:extLst>
+          </p:cNvPr>
+          <p:cNvSpPr>
+            <a:spLocks noGrp="1"/>
+          </p:cNvSpPr>
+          <p:nvPr>
+            <p:ph type="title"/>
+          </p:nvPr>
+        </p:nvSpPr>
+        <p:spPr>
+          <a:xfrm>
+            <a:off x="1706758" y="447069"/>
+            <a:ext cx="7985882" cy="593062"/>
+          </a:xfrm>
+        </p:spPr>
+        <p:txBody>
+          <a:bodyPr>
+            <a:normAutofit/>
+          </a:bodyPr>
+          <a:lstStyle/>
+          <a:p>
+            <a:r>
+              <a:rPr lang="en-US" cap="none" dirty="0"/>
+              <a:t>Hiding one picture in another</a:t>
+            </a:r>
+          </a:p>
+        </p:txBody>
+      </p:sp>
+      <p:graphicFrame>
+        <p:nvGraphicFramePr>
+          <p:cNvPr id="8" name="Table 7">
+            <a:extLst>
+              <a:ext uri="{FF2B5EF4-FFF2-40B4-BE49-F238E27FC236}">
+                <a16:creationId xmlns:a16="http://schemas.microsoft.com/office/drawing/2014/main" id="{612828D2-8CEF-6640-BC07-1C8AAABB816F}"/>
+              </a:ext>
+            </a:extLst>
+          </p:cNvPr>
+          <p:cNvGraphicFramePr>
+            <a:graphicFrameLocks noGrp="1"/>
+          </p:cNvGraphicFramePr>
+          <p:nvPr>
+            <p:extLst>
+              <p:ext uri="{D42A27DB-BD31-4B8C-83A1-F6EECF244321}">
+                <p14:modId xmlns:p14="http://schemas.microsoft.com/office/powerpoint/2010/main" val="1470551061"/>
+              </p:ext>
+            </p:extLst>
+          </p:nvPr>
+        </p:nvGraphicFramePr>
+        <p:xfrm>
+          <a:off x="1706758" y="1857051"/>
+          <a:ext cx="3583320" cy="825196"/>
+        </p:xfrm>
+        <a:graphic>
+          <a:graphicData uri="http://schemas.openxmlformats.org/drawingml/2006/table">
+            <a:tbl>
+              <a:tblPr firstRow="1" bandRow="1">
+                <a:tableStyleId>{5C22544A-7EE6-4342-B048-85BDC9FD1C3A}</a:tableStyleId>
+              </a:tblPr>
+              <a:tblGrid>
+                <a:gridCol w="1194440">
+                  <a:extLst>
+                    <a:ext uri="{9D8B030D-6E8A-4147-A177-3AD203B41FA5}">
+                      <a16:colId xmlns:a16="http://schemas.microsoft.com/office/drawing/2014/main" val="3362155145"/>
+                    </a:ext>
+                  </a:extLst>
+                </a:gridCol>
+                <a:gridCol w="1194440">
+                  <a:extLst>
+                    <a:ext uri="{9D8B030D-6E8A-4147-A177-3AD203B41FA5}">
+                      <a16:colId xmlns:a16="http://schemas.microsoft.com/office/drawing/2014/main" val="1321972559"/>
+                    </a:ext>
+                  </a:extLst>
+                </a:gridCol>
+                <a:gridCol w="1194440">
+                  <a:extLst>
+                    <a:ext uri="{9D8B030D-6E8A-4147-A177-3AD203B41FA5}">
+                      <a16:colId xmlns:a16="http://schemas.microsoft.com/office/drawing/2014/main" val="2424465576"/>
+                    </a:ext>
+                  </a:extLst>
+                </a:gridCol>
+              </a:tblGrid>
+              <a:tr h="321605">
+                <a:tc>
+                  <a:txBody>
+                    <a:bodyPr/>
+                    <a:lstStyle/>
+                    <a:p>
+                      <a:pPr algn="ctr"/>
+                      <a:r>
+                        <a:rPr lang="en-US" b="0" dirty="0">
+                          <a:solidFill>
+                            <a:srgbClr val="FF0000"/>
+                          </a:solidFill>
+                        </a:rPr>
+                        <a:t>RED</a:t>
+                      </a:r>
+                    </a:p>
+                  </a:txBody>
+                  <a:tcPr>
+                    <a:solidFill>
+                      <a:schemeClr val="accent5">
+                        <a:lumMod val="40000"/>
+                        <a:lumOff val="60000"/>
+                      </a:schemeClr>
+                    </a:solidFill>
+                  </a:tcPr>
+                </a:tc>
+                <a:tc>
+                  <a:txBody>
+                    <a:bodyPr/>
+                    <a:lstStyle/>
+                    <a:p>
+                      <a:pPr algn="ctr"/>
+                      <a:r>
+                        <a:rPr lang="en-US" b="0" dirty="0">
+                          <a:solidFill>
+                            <a:srgbClr val="00B050"/>
+                          </a:solidFill>
+                        </a:rPr>
+                        <a:t>GREEN</a:t>
+                      </a:r>
+                    </a:p>
+                  </a:txBody>
+                  <a:tcPr>
+                    <a:solidFill>
+                      <a:schemeClr val="accent5">
+                        <a:lumMod val="40000"/>
+                        <a:lumOff val="60000"/>
+                      </a:schemeClr>
+                    </a:solidFill>
+                  </a:tcPr>
+                </a:tc>
+                <a:tc>
+                  <a:txBody>
+                    <a:bodyPr/>
+                    <a:lstStyle/>
+                    <a:p>
+                      <a:pPr algn="ctr"/>
+                      <a:r>
+                        <a:rPr lang="en-US" b="0" dirty="0">
+                          <a:solidFill>
+                            <a:srgbClr val="0070C0"/>
+                          </a:solidFill>
+                        </a:rPr>
+                        <a:t>BLUE</a:t>
+                      </a:r>
+                    </a:p>
+                  </a:txBody>
+                  <a:tcPr>
+                    <a:solidFill>
+                      <a:schemeClr val="accent5">
+                        <a:lumMod val="40000"/>
+                        <a:lumOff val="60000"/>
+                      </a:schemeClr>
+                    </a:solidFill>
+                  </a:tcPr>
+                </a:tc>
+                <a:extLst>
+                  <a:ext uri="{0D108BD9-81ED-4DB2-BD59-A6C34878D82A}">
+                    <a16:rowId xmlns:a16="http://schemas.microsoft.com/office/drawing/2014/main" val="592600983"/>
+                  </a:ext>
+                </a:extLst>
+              </a:tr>
+              <a:tr h="459436">
+                <a:tc>
+                  <a:txBody>
+                    <a:bodyPr/>
+                    <a:lstStyle/>
+                    <a:p>
+                      <a:r>
+                        <a:rPr lang="en-US" b="0" dirty="0"/>
+                        <a:t>11111111</a:t>
+                      </a:r>
+                    </a:p>
+                  </a:txBody>
+                  <a:tcPr>
+                    <a:solidFill>
+                      <a:schemeClr val="accent5">
+                        <a:lumMod val="40000"/>
+                        <a:lumOff val="60000"/>
+                      </a:schemeClr>
+                    </a:solidFill>
+                  </a:tcPr>
+                </a:tc>
+                <a:tc>
+                  <a:txBody>
+                    <a:bodyPr/>
+                    <a:lstStyle/>
+                    <a:p>
+                      <a:r>
+                        <a:rPr lang="en-US" b="0" dirty="0">
+                          <a:solidFill>
+                            <a:schemeClr val="bg1"/>
+                          </a:solidFill>
+                        </a:rPr>
+                        <a:t>11111111</a:t>
+                      </a:r>
+                    </a:p>
+                  </a:txBody>
+                  <a:tcPr>
+                    <a:solidFill>
+                      <a:schemeClr val="accent5">
+                        <a:lumMod val="40000"/>
+                        <a:lumOff val="60000"/>
+                      </a:schemeClr>
+                    </a:solidFill>
+                  </a:tcPr>
+                </a:tc>
+                <a:tc>
+                  <a:txBody>
+                    <a:bodyPr/>
+                    <a:lstStyle/>
+                    <a:p>
+                      <a:r>
+                        <a:rPr lang="en-US" b="0" dirty="0"/>
+                        <a:t>11111111</a:t>
+                      </a:r>
+                    </a:p>
+                  </a:txBody>
+                  <a:tcPr>
+                    <a:solidFill>
+                      <a:schemeClr val="accent5">
+                        <a:lumMod val="40000"/>
+                        <a:lumOff val="60000"/>
+                      </a:schemeClr>
+                    </a:solidFill>
+                  </a:tcPr>
+                </a:tc>
+                <a:extLst>
+                  <a:ext uri="{0D108BD9-81ED-4DB2-BD59-A6C34878D82A}">
+                    <a16:rowId xmlns:a16="http://schemas.microsoft.com/office/drawing/2014/main" val="699320502"/>
+                  </a:ext>
+                </a:extLst>
+              </a:tr>
+            </a:tbl>
+          </a:graphicData>
+        </a:graphic>
+      </p:graphicFrame>
+      <p:sp>
+        <p:nvSpPr>
+          <p:cNvPr id="3" name="Frame 2">
+            <a:extLst>
+              <a:ext uri="{FF2B5EF4-FFF2-40B4-BE49-F238E27FC236}">
+                <a16:creationId xmlns:a16="http://schemas.microsoft.com/office/drawing/2014/main" id="{D86A4EC2-E178-174C-BEEC-F5E1844F99F8}"/>
+              </a:ext>
+            </a:extLst>
+          </p:cNvPr>
+          <p:cNvSpPr/>
+          <p:nvPr/>
+        </p:nvSpPr>
+        <p:spPr>
+          <a:xfrm>
+            <a:off x="1706758" y="2186701"/>
+            <a:ext cx="659252" cy="491070"/>
+          </a:xfrm>
+          <a:prstGeom prst="frame">
+            <a:avLst/>
+          </a:prstGeom>
+        </p:spPr>
+        <p:style>
+          <a:lnRef idx="2">
+            <a:schemeClr val="accent1">
+              <a:shade val="50000"/>
+            </a:schemeClr>
+          </a:lnRef>
+          <a:fillRef idx="1">
+            <a:schemeClr val="accent1"/>
+          </a:fillRef>
+          <a:effectRef idx="0">
+            <a:schemeClr val="accent1"/>
+          </a:effectRef>
+          <a:fontRef idx="minor">
+            <a:schemeClr val="lt1"/>
+          </a:fontRef>
+        </p:style>
+        <p:txBody>
+          <a:bodyPr rtlCol="0" anchor="ctr"/>
+          <a:lstStyle/>
+          <a:p>
+            <a:pPr algn="ctr"/>
+            <a:endParaRPr lang="en-US">
+              <a:solidFill>
+                <a:schemeClr val="tx1"/>
+              </a:solidFill>
+            </a:endParaRPr>
           </a:p>
         </p:txBody>
       </p:sp>
@@ -18093,6 +19387,1196 @@
           </a:p>
         </p:txBody>
       </p:sp>
+      <p:graphicFrame>
+        <p:nvGraphicFramePr>
+          <p:cNvPr id="9" name="Table 8">
+            <a:extLst>
+              <a:ext uri="{FF2B5EF4-FFF2-40B4-BE49-F238E27FC236}">
+                <a16:creationId xmlns:a16="http://schemas.microsoft.com/office/drawing/2014/main" id="{FCC638C2-6F04-EC42-998C-F42B24859A8D}"/>
+              </a:ext>
+            </a:extLst>
+          </p:cNvPr>
+          <p:cNvGraphicFramePr>
+            <a:graphicFrameLocks noGrp="1"/>
+          </p:cNvGraphicFramePr>
+          <p:nvPr>
+            <p:extLst>
+              <p:ext uri="{D42A27DB-BD31-4B8C-83A1-F6EECF244321}">
+                <p14:modId xmlns:p14="http://schemas.microsoft.com/office/powerpoint/2010/main" val="3822741675"/>
+              </p:ext>
+            </p:extLst>
+          </p:nvPr>
+        </p:nvGraphicFramePr>
+        <p:xfrm>
+          <a:off x="1706758" y="4242531"/>
+          <a:ext cx="3583320" cy="825196"/>
+        </p:xfrm>
+        <a:graphic>
+          <a:graphicData uri="http://schemas.openxmlformats.org/drawingml/2006/table">
+            <a:tbl>
+              <a:tblPr firstRow="1" bandRow="1">
+                <a:tableStyleId>{5C22544A-7EE6-4342-B048-85BDC9FD1C3A}</a:tableStyleId>
+              </a:tblPr>
+              <a:tblGrid>
+                <a:gridCol w="1194440">
+                  <a:extLst>
+                    <a:ext uri="{9D8B030D-6E8A-4147-A177-3AD203B41FA5}">
+                      <a16:colId xmlns:a16="http://schemas.microsoft.com/office/drawing/2014/main" val="3362155145"/>
+                    </a:ext>
+                  </a:extLst>
+                </a:gridCol>
+                <a:gridCol w="1194440">
+                  <a:extLst>
+                    <a:ext uri="{9D8B030D-6E8A-4147-A177-3AD203B41FA5}">
+                      <a16:colId xmlns:a16="http://schemas.microsoft.com/office/drawing/2014/main" val="1321972559"/>
+                    </a:ext>
+                  </a:extLst>
+                </a:gridCol>
+                <a:gridCol w="1194440">
+                  <a:extLst>
+                    <a:ext uri="{9D8B030D-6E8A-4147-A177-3AD203B41FA5}">
+                      <a16:colId xmlns:a16="http://schemas.microsoft.com/office/drawing/2014/main" val="2424465576"/>
+                    </a:ext>
+                  </a:extLst>
+                </a:gridCol>
+              </a:tblGrid>
+              <a:tr h="321605">
+                <a:tc>
+                  <a:txBody>
+                    <a:bodyPr/>
+                    <a:lstStyle/>
+                    <a:p>
+                      <a:pPr algn="ctr"/>
+                      <a:r>
+                        <a:rPr lang="en-US" b="0" dirty="0">
+                          <a:solidFill>
+                            <a:srgbClr val="FF0000"/>
+                          </a:solidFill>
+                        </a:rPr>
+                        <a:t>RED</a:t>
+                      </a:r>
+                    </a:p>
+                  </a:txBody>
+                  <a:tcPr>
+                    <a:solidFill>
+                      <a:schemeClr val="accent5">
+                        <a:lumMod val="40000"/>
+                        <a:lumOff val="60000"/>
+                      </a:schemeClr>
+                    </a:solidFill>
+                  </a:tcPr>
+                </a:tc>
+                <a:tc>
+                  <a:txBody>
+                    <a:bodyPr/>
+                    <a:lstStyle/>
+                    <a:p>
+                      <a:pPr algn="ctr"/>
+                      <a:r>
+                        <a:rPr lang="en-US" b="0" dirty="0">
+                          <a:solidFill>
+                            <a:srgbClr val="00B050"/>
+                          </a:solidFill>
+                        </a:rPr>
+                        <a:t>GREEN</a:t>
+                      </a:r>
+                    </a:p>
+                  </a:txBody>
+                  <a:tcPr>
+                    <a:solidFill>
+                      <a:schemeClr val="accent5">
+                        <a:lumMod val="40000"/>
+                        <a:lumOff val="60000"/>
+                      </a:schemeClr>
+                    </a:solidFill>
+                  </a:tcPr>
+                </a:tc>
+                <a:tc>
+                  <a:txBody>
+                    <a:bodyPr/>
+                    <a:lstStyle/>
+                    <a:p>
+                      <a:pPr algn="ctr"/>
+                      <a:r>
+                        <a:rPr lang="en-US" b="0" dirty="0">
+                          <a:solidFill>
+                            <a:srgbClr val="0070C0"/>
+                          </a:solidFill>
+                        </a:rPr>
+                        <a:t>BLUE</a:t>
+                      </a:r>
+                    </a:p>
+                  </a:txBody>
+                  <a:tcPr>
+                    <a:solidFill>
+                      <a:schemeClr val="accent5">
+                        <a:lumMod val="40000"/>
+                        <a:lumOff val="60000"/>
+                      </a:schemeClr>
+                    </a:solidFill>
+                  </a:tcPr>
+                </a:tc>
+                <a:extLst>
+                  <a:ext uri="{0D108BD9-81ED-4DB2-BD59-A6C34878D82A}">
+                    <a16:rowId xmlns:a16="http://schemas.microsoft.com/office/drawing/2014/main" val="592600983"/>
+                  </a:ext>
+                </a:extLst>
+              </a:tr>
+              <a:tr h="459436">
+                <a:tc>
+                  <a:txBody>
+                    <a:bodyPr/>
+                    <a:lstStyle/>
+                    <a:p>
+                      <a:r>
+                        <a:rPr lang="en-US" b="0" dirty="0"/>
+                        <a:t>00000000</a:t>
+                      </a:r>
+                    </a:p>
+                  </a:txBody>
+                  <a:tcPr>
+                    <a:solidFill>
+                      <a:schemeClr val="accent5">
+                        <a:lumMod val="40000"/>
+                        <a:lumOff val="60000"/>
+                      </a:schemeClr>
+                    </a:solidFill>
+                  </a:tcPr>
+                </a:tc>
+                <a:tc>
+                  <a:txBody>
+                    <a:bodyPr/>
+                    <a:lstStyle/>
+                    <a:p>
+                      <a:r>
+                        <a:rPr lang="en-US" b="0" dirty="0">
+                          <a:solidFill>
+                            <a:schemeClr val="bg1"/>
+                          </a:solidFill>
+                        </a:rPr>
+                        <a:t>00000000</a:t>
+                      </a:r>
+                    </a:p>
+                  </a:txBody>
+                  <a:tcPr>
+                    <a:solidFill>
+                      <a:schemeClr val="accent5">
+                        <a:lumMod val="40000"/>
+                        <a:lumOff val="60000"/>
+                      </a:schemeClr>
+                    </a:solidFill>
+                  </a:tcPr>
+                </a:tc>
+                <a:tc>
+                  <a:txBody>
+                    <a:bodyPr/>
+                    <a:lstStyle/>
+                    <a:p>
+                      <a:r>
+                        <a:rPr lang="en-US" b="0" dirty="0"/>
+                        <a:t>00000000</a:t>
+                      </a:r>
+                    </a:p>
+                  </a:txBody>
+                  <a:tcPr>
+                    <a:solidFill>
+                      <a:schemeClr val="accent5">
+                        <a:lumMod val="40000"/>
+                        <a:lumOff val="60000"/>
+                      </a:schemeClr>
+                    </a:solidFill>
+                  </a:tcPr>
+                </a:tc>
+                <a:extLst>
+                  <a:ext uri="{0D108BD9-81ED-4DB2-BD59-A6C34878D82A}">
+                    <a16:rowId xmlns:a16="http://schemas.microsoft.com/office/drawing/2014/main" val="699320502"/>
+                  </a:ext>
+                </a:extLst>
+              </a:tr>
+            </a:tbl>
+          </a:graphicData>
+        </a:graphic>
+      </p:graphicFrame>
+      <p:sp>
+        <p:nvSpPr>
+          <p:cNvPr id="6" name="TextBox 5">
+            <a:extLst>
+              <a:ext uri="{FF2B5EF4-FFF2-40B4-BE49-F238E27FC236}">
+                <a16:creationId xmlns:a16="http://schemas.microsoft.com/office/drawing/2014/main" id="{00FD1D17-6365-5148-9CFA-86E69F591740}"/>
+              </a:ext>
+            </a:extLst>
+          </p:cNvPr>
+          <p:cNvSpPr txBox="1"/>
+          <p:nvPr/>
+        </p:nvSpPr>
+        <p:spPr>
+          <a:xfrm>
+            <a:off x="1706758" y="1428750"/>
+            <a:ext cx="3583320" cy="369332"/>
+          </a:xfrm>
+          <a:prstGeom prst="rect">
+            <a:avLst/>
+          </a:prstGeom>
+          <a:noFill/>
+        </p:spPr>
+        <p:txBody>
+          <a:bodyPr wrap="square" rtlCol="0">
+            <a:spAutoFit/>
+          </a:bodyPr>
+          <a:lstStyle/>
+          <a:p>
+            <a:r>
+              <a:rPr lang="en-US" dirty="0"/>
+              <a:t>Cover Image – 1 pixel</a:t>
+            </a:r>
+          </a:p>
+        </p:txBody>
+      </p:sp>
+      <p:sp>
+        <p:nvSpPr>
+          <p:cNvPr id="11" name="TextBox 10">
+            <a:extLst>
+              <a:ext uri="{FF2B5EF4-FFF2-40B4-BE49-F238E27FC236}">
+                <a16:creationId xmlns:a16="http://schemas.microsoft.com/office/drawing/2014/main" id="{476568B4-321A-3E40-9583-39B5E6726889}"/>
+              </a:ext>
+            </a:extLst>
+          </p:cNvPr>
+          <p:cNvSpPr txBox="1"/>
+          <p:nvPr/>
+        </p:nvSpPr>
+        <p:spPr>
+          <a:xfrm>
+            <a:off x="1706758" y="3811540"/>
+            <a:ext cx="3583320" cy="369332"/>
+          </a:xfrm>
+          <a:prstGeom prst="rect">
+            <a:avLst/>
+          </a:prstGeom>
+          <a:noFill/>
+        </p:spPr>
+        <p:txBody>
+          <a:bodyPr wrap="square" rtlCol="0">
+            <a:spAutoFit/>
+          </a:bodyPr>
+          <a:lstStyle/>
+          <a:p>
+            <a:r>
+              <a:rPr lang="en-US" dirty="0"/>
+              <a:t>Secret Image – 1 pixel</a:t>
+            </a:r>
+          </a:p>
+        </p:txBody>
+      </p:sp>
+      <p:sp>
+        <p:nvSpPr>
+          <p:cNvPr id="12" name="TextBox 11">
+            <a:extLst>
+              <a:ext uri="{FF2B5EF4-FFF2-40B4-BE49-F238E27FC236}">
+                <a16:creationId xmlns:a16="http://schemas.microsoft.com/office/drawing/2014/main" id="{9F02C8CA-F361-3149-90BF-12C70BC3B485}"/>
+              </a:ext>
+            </a:extLst>
+          </p:cNvPr>
+          <p:cNvSpPr txBox="1"/>
+          <p:nvPr/>
+        </p:nvSpPr>
+        <p:spPr>
+          <a:xfrm>
+            <a:off x="6109320" y="2677771"/>
+            <a:ext cx="3583320" cy="369332"/>
+          </a:xfrm>
+          <a:prstGeom prst="rect">
+            <a:avLst/>
+          </a:prstGeom>
+          <a:noFill/>
+        </p:spPr>
+        <p:txBody>
+          <a:bodyPr wrap="square" rtlCol="0">
+            <a:spAutoFit/>
+          </a:bodyPr>
+          <a:lstStyle/>
+          <a:p>
+            <a:r>
+              <a:rPr lang="en-US" dirty="0" err="1"/>
+              <a:t>Stego</a:t>
+            </a:r>
+            <a:r>
+              <a:rPr lang="en-US" dirty="0"/>
+              <a:t> Image – 1 pixel</a:t>
+            </a:r>
+          </a:p>
+        </p:txBody>
+      </p:sp>
+      <p:graphicFrame>
+        <p:nvGraphicFramePr>
+          <p:cNvPr id="14" name="Table 13">
+            <a:extLst>
+              <a:ext uri="{FF2B5EF4-FFF2-40B4-BE49-F238E27FC236}">
+                <a16:creationId xmlns:a16="http://schemas.microsoft.com/office/drawing/2014/main" id="{4C3C7EA2-5474-8B45-AFAB-930F933C14F6}"/>
+              </a:ext>
+            </a:extLst>
+          </p:cNvPr>
+          <p:cNvGraphicFramePr>
+            <a:graphicFrameLocks noGrp="1"/>
+          </p:cNvGraphicFramePr>
+          <p:nvPr>
+            <p:extLst>
+              <p:ext uri="{D42A27DB-BD31-4B8C-83A1-F6EECF244321}">
+                <p14:modId xmlns:p14="http://schemas.microsoft.com/office/powerpoint/2010/main" val="1245157076"/>
+              </p:ext>
+            </p:extLst>
+          </p:nvPr>
+        </p:nvGraphicFramePr>
+        <p:xfrm>
+          <a:off x="6109320" y="3062402"/>
+          <a:ext cx="4697730" cy="825196"/>
+        </p:xfrm>
+        <a:graphic>
+          <a:graphicData uri="http://schemas.openxmlformats.org/drawingml/2006/table">
+            <a:tbl>
+              <a:tblPr firstRow="1" bandRow="1">
+                <a:tableStyleId>{5C22544A-7EE6-4342-B048-85BDC9FD1C3A}</a:tableStyleId>
+              </a:tblPr>
+              <a:tblGrid>
+                <a:gridCol w="1565910">
+                  <a:extLst>
+                    <a:ext uri="{9D8B030D-6E8A-4147-A177-3AD203B41FA5}">
+                      <a16:colId xmlns:a16="http://schemas.microsoft.com/office/drawing/2014/main" val="3362155145"/>
+                    </a:ext>
+                  </a:extLst>
+                </a:gridCol>
+                <a:gridCol w="1565910">
+                  <a:extLst>
+                    <a:ext uri="{9D8B030D-6E8A-4147-A177-3AD203B41FA5}">
+                      <a16:colId xmlns:a16="http://schemas.microsoft.com/office/drawing/2014/main" val="1321972559"/>
+                    </a:ext>
+                  </a:extLst>
+                </a:gridCol>
+                <a:gridCol w="1565910">
+                  <a:extLst>
+                    <a:ext uri="{9D8B030D-6E8A-4147-A177-3AD203B41FA5}">
+                      <a16:colId xmlns:a16="http://schemas.microsoft.com/office/drawing/2014/main" val="2424465576"/>
+                    </a:ext>
+                  </a:extLst>
+                </a:gridCol>
+              </a:tblGrid>
+              <a:tr h="321605">
+                <a:tc>
+                  <a:txBody>
+                    <a:bodyPr/>
+                    <a:lstStyle/>
+                    <a:p>
+                      <a:pPr algn="ctr"/>
+                      <a:r>
+                        <a:rPr lang="en-US" b="0" dirty="0">
+                          <a:solidFill>
+                            <a:srgbClr val="FF0000"/>
+                          </a:solidFill>
+                        </a:rPr>
+                        <a:t>RED</a:t>
+                      </a:r>
+                    </a:p>
+                  </a:txBody>
+                  <a:tcPr>
+                    <a:solidFill>
+                      <a:schemeClr val="accent5">
+                        <a:lumMod val="40000"/>
+                        <a:lumOff val="60000"/>
+                      </a:schemeClr>
+                    </a:solidFill>
+                  </a:tcPr>
+                </a:tc>
+                <a:tc>
+                  <a:txBody>
+                    <a:bodyPr/>
+                    <a:lstStyle/>
+                    <a:p>
+                      <a:pPr algn="ctr"/>
+                      <a:r>
+                        <a:rPr lang="en-US" b="0" dirty="0">
+                          <a:solidFill>
+                            <a:srgbClr val="00B050"/>
+                          </a:solidFill>
+                        </a:rPr>
+                        <a:t>GREEN</a:t>
+                      </a:r>
+                    </a:p>
+                  </a:txBody>
+                  <a:tcPr>
+                    <a:solidFill>
+                      <a:schemeClr val="accent5">
+                        <a:lumMod val="40000"/>
+                        <a:lumOff val="60000"/>
+                      </a:schemeClr>
+                    </a:solidFill>
+                  </a:tcPr>
+                </a:tc>
+                <a:tc>
+                  <a:txBody>
+                    <a:bodyPr/>
+                    <a:lstStyle/>
+                    <a:p>
+                      <a:pPr algn="ctr"/>
+                      <a:r>
+                        <a:rPr lang="en-US" b="0" dirty="0">
+                          <a:solidFill>
+                            <a:srgbClr val="0070C0"/>
+                          </a:solidFill>
+                        </a:rPr>
+                        <a:t>BLUE</a:t>
+                      </a:r>
+                    </a:p>
+                  </a:txBody>
+                  <a:tcPr>
+                    <a:solidFill>
+                      <a:schemeClr val="accent5">
+                        <a:lumMod val="40000"/>
+                        <a:lumOff val="60000"/>
+                      </a:schemeClr>
+                    </a:solidFill>
+                  </a:tcPr>
+                </a:tc>
+                <a:extLst>
+                  <a:ext uri="{0D108BD9-81ED-4DB2-BD59-A6C34878D82A}">
+                    <a16:rowId xmlns:a16="http://schemas.microsoft.com/office/drawing/2014/main" val="592600983"/>
+                  </a:ext>
+                </a:extLst>
+              </a:tr>
+              <a:tr h="459436">
+                <a:tc>
+                  <a:txBody>
+                    <a:bodyPr/>
+                    <a:lstStyle/>
+                    <a:p>
+                      <a:pPr algn="ctr"/>
+                      <a:r>
+                        <a:rPr lang="en-US" b="0" dirty="0"/>
+                        <a:t>1111  0000</a:t>
+                      </a:r>
+                    </a:p>
+                  </a:txBody>
+                  <a:tcPr>
+                    <a:solidFill>
+                      <a:schemeClr val="accent5">
+                        <a:lumMod val="40000"/>
+                        <a:lumOff val="60000"/>
+                      </a:schemeClr>
+                    </a:solidFill>
+                  </a:tcPr>
+                </a:tc>
+                <a:tc>
+                  <a:txBody>
+                    <a:bodyPr/>
+                    <a:lstStyle/>
+                    <a:p>
+                      <a:pPr algn="ctr"/>
+                      <a:r>
+                        <a:rPr lang="en-US" b="0" dirty="0">
+                          <a:solidFill>
+                            <a:schemeClr val="bg1"/>
+                          </a:solidFill>
+                        </a:rPr>
+                        <a:t>1111  0000</a:t>
+                      </a:r>
+                    </a:p>
+                  </a:txBody>
+                  <a:tcPr>
+                    <a:solidFill>
+                      <a:schemeClr val="accent5">
+                        <a:lumMod val="40000"/>
+                        <a:lumOff val="60000"/>
+                      </a:schemeClr>
+                    </a:solidFill>
+                  </a:tcPr>
+                </a:tc>
+                <a:tc>
+                  <a:txBody>
+                    <a:bodyPr/>
+                    <a:lstStyle/>
+                    <a:p>
+                      <a:pPr algn="ctr"/>
+                      <a:r>
+                        <a:rPr lang="en-US" b="0" dirty="0"/>
+                        <a:t>1111  0000</a:t>
+                      </a:r>
+                    </a:p>
+                  </a:txBody>
+                  <a:tcPr>
+                    <a:solidFill>
+                      <a:schemeClr val="accent5">
+                        <a:lumMod val="40000"/>
+                        <a:lumOff val="60000"/>
+                      </a:schemeClr>
+                    </a:solidFill>
+                  </a:tcPr>
+                </a:tc>
+                <a:extLst>
+                  <a:ext uri="{0D108BD9-81ED-4DB2-BD59-A6C34878D82A}">
+                    <a16:rowId xmlns:a16="http://schemas.microsoft.com/office/drawing/2014/main" val="699320502"/>
+                  </a:ext>
+                </a:extLst>
+              </a:tr>
+            </a:tbl>
+          </a:graphicData>
+        </a:graphic>
+      </p:graphicFrame>
+      <p:sp>
+        <p:nvSpPr>
+          <p:cNvPr id="16" name="Frame 15">
+            <a:extLst>
+              <a:ext uri="{FF2B5EF4-FFF2-40B4-BE49-F238E27FC236}">
+                <a16:creationId xmlns:a16="http://schemas.microsoft.com/office/drawing/2014/main" id="{F7FF53A7-BC4F-A74C-8EFF-BB53A61F622C}"/>
+              </a:ext>
+            </a:extLst>
+          </p:cNvPr>
+          <p:cNvSpPr/>
+          <p:nvPr/>
+        </p:nvSpPr>
+        <p:spPr>
+          <a:xfrm>
+            <a:off x="2880747" y="2189226"/>
+            <a:ext cx="659252" cy="491070"/>
+          </a:xfrm>
+          <a:prstGeom prst="frame">
+            <a:avLst/>
+          </a:prstGeom>
+        </p:spPr>
+        <p:style>
+          <a:lnRef idx="2">
+            <a:schemeClr val="accent1">
+              <a:shade val="50000"/>
+            </a:schemeClr>
+          </a:lnRef>
+          <a:fillRef idx="1">
+            <a:schemeClr val="accent1"/>
+          </a:fillRef>
+          <a:effectRef idx="0">
+            <a:schemeClr val="accent1"/>
+          </a:effectRef>
+          <a:fontRef idx="minor">
+            <a:schemeClr val="lt1"/>
+          </a:fontRef>
+        </p:style>
+        <p:txBody>
+          <a:bodyPr rtlCol="0" anchor="ctr"/>
+          <a:lstStyle/>
+          <a:p>
+            <a:pPr algn="ctr"/>
+            <a:endParaRPr lang="en-US">
+              <a:solidFill>
+                <a:schemeClr val="tx1"/>
+              </a:solidFill>
+            </a:endParaRPr>
+          </a:p>
+        </p:txBody>
+      </p:sp>
+      <p:sp>
+        <p:nvSpPr>
+          <p:cNvPr id="17" name="Frame 16">
+            <a:extLst>
+              <a:ext uri="{FF2B5EF4-FFF2-40B4-BE49-F238E27FC236}">
+                <a16:creationId xmlns:a16="http://schemas.microsoft.com/office/drawing/2014/main" id="{F6D127E6-D450-B349-A5B7-F6AD58364495}"/>
+              </a:ext>
+            </a:extLst>
+          </p:cNvPr>
+          <p:cNvSpPr/>
+          <p:nvPr/>
+        </p:nvSpPr>
+        <p:spPr>
+          <a:xfrm>
+            <a:off x="4085412" y="2186701"/>
+            <a:ext cx="659252" cy="491070"/>
+          </a:xfrm>
+          <a:prstGeom prst="frame">
+            <a:avLst/>
+          </a:prstGeom>
+        </p:spPr>
+        <p:style>
+          <a:lnRef idx="2">
+            <a:schemeClr val="accent1">
+              <a:shade val="50000"/>
+            </a:schemeClr>
+          </a:lnRef>
+          <a:fillRef idx="1">
+            <a:schemeClr val="accent1"/>
+          </a:fillRef>
+          <a:effectRef idx="0">
+            <a:schemeClr val="accent1"/>
+          </a:effectRef>
+          <a:fontRef idx="minor">
+            <a:schemeClr val="lt1"/>
+          </a:fontRef>
+        </p:style>
+        <p:txBody>
+          <a:bodyPr rtlCol="0" anchor="ctr"/>
+          <a:lstStyle/>
+          <a:p>
+            <a:pPr algn="ctr"/>
+            <a:endParaRPr lang="en-US">
+              <a:solidFill>
+                <a:schemeClr val="tx1"/>
+              </a:solidFill>
+            </a:endParaRPr>
+          </a:p>
+        </p:txBody>
+      </p:sp>
+      <p:sp>
+        <p:nvSpPr>
+          <p:cNvPr id="18" name="Frame 17">
+            <a:extLst>
+              <a:ext uri="{FF2B5EF4-FFF2-40B4-BE49-F238E27FC236}">
+                <a16:creationId xmlns:a16="http://schemas.microsoft.com/office/drawing/2014/main" id="{3BE5811F-2462-D44D-89DD-46977B388647}"/>
+              </a:ext>
+            </a:extLst>
+          </p:cNvPr>
+          <p:cNvSpPr/>
+          <p:nvPr/>
+        </p:nvSpPr>
+        <p:spPr>
+          <a:xfrm>
+            <a:off x="6209591" y="3409319"/>
+            <a:ext cx="659252" cy="491070"/>
+          </a:xfrm>
+          <a:prstGeom prst="frame">
+            <a:avLst/>
+          </a:prstGeom>
+        </p:spPr>
+        <p:style>
+          <a:lnRef idx="2">
+            <a:schemeClr val="accent1">
+              <a:shade val="50000"/>
+            </a:schemeClr>
+          </a:lnRef>
+          <a:fillRef idx="1">
+            <a:schemeClr val="accent1"/>
+          </a:fillRef>
+          <a:effectRef idx="0">
+            <a:schemeClr val="accent1"/>
+          </a:effectRef>
+          <a:fontRef idx="minor">
+            <a:schemeClr val="lt1"/>
+          </a:fontRef>
+        </p:style>
+        <p:txBody>
+          <a:bodyPr rtlCol="0" anchor="ctr"/>
+          <a:lstStyle/>
+          <a:p>
+            <a:pPr algn="ctr"/>
+            <a:endParaRPr lang="en-US">
+              <a:solidFill>
+                <a:schemeClr val="tx1"/>
+              </a:solidFill>
+            </a:endParaRPr>
+          </a:p>
+        </p:txBody>
+      </p:sp>
+      <p:sp>
+        <p:nvSpPr>
+          <p:cNvPr id="19" name="Frame 18">
+            <a:extLst>
+              <a:ext uri="{FF2B5EF4-FFF2-40B4-BE49-F238E27FC236}">
+                <a16:creationId xmlns:a16="http://schemas.microsoft.com/office/drawing/2014/main" id="{8E9CF580-098D-3E4D-A1EE-1D402AB8539B}"/>
+              </a:ext>
+            </a:extLst>
+          </p:cNvPr>
+          <p:cNvSpPr/>
+          <p:nvPr/>
+        </p:nvSpPr>
+        <p:spPr>
+          <a:xfrm>
+            <a:off x="7775306" y="3409319"/>
+            <a:ext cx="659252" cy="491070"/>
+          </a:xfrm>
+          <a:prstGeom prst="frame">
+            <a:avLst/>
+          </a:prstGeom>
+        </p:spPr>
+        <p:style>
+          <a:lnRef idx="2">
+            <a:schemeClr val="accent1">
+              <a:shade val="50000"/>
+            </a:schemeClr>
+          </a:lnRef>
+          <a:fillRef idx="1">
+            <a:schemeClr val="accent1"/>
+          </a:fillRef>
+          <a:effectRef idx="0">
+            <a:schemeClr val="accent1"/>
+          </a:effectRef>
+          <a:fontRef idx="minor">
+            <a:schemeClr val="lt1"/>
+          </a:fontRef>
+        </p:style>
+        <p:txBody>
+          <a:bodyPr rtlCol="0" anchor="ctr"/>
+          <a:lstStyle/>
+          <a:p>
+            <a:pPr algn="ctr"/>
+            <a:endParaRPr lang="en-US">
+              <a:solidFill>
+                <a:schemeClr val="tx1"/>
+              </a:solidFill>
+            </a:endParaRPr>
+          </a:p>
+        </p:txBody>
+      </p:sp>
+      <p:sp>
+        <p:nvSpPr>
+          <p:cNvPr id="20" name="Frame 19">
+            <a:extLst>
+              <a:ext uri="{FF2B5EF4-FFF2-40B4-BE49-F238E27FC236}">
+                <a16:creationId xmlns:a16="http://schemas.microsoft.com/office/drawing/2014/main" id="{813C7007-B42E-8142-9245-6CF65F7E8AE3}"/>
+              </a:ext>
+            </a:extLst>
+          </p:cNvPr>
+          <p:cNvSpPr/>
+          <p:nvPr/>
+        </p:nvSpPr>
+        <p:spPr>
+          <a:xfrm>
+            <a:off x="9363014" y="3409319"/>
+            <a:ext cx="659252" cy="491070"/>
+          </a:xfrm>
+          <a:prstGeom prst="frame">
+            <a:avLst/>
+          </a:prstGeom>
+        </p:spPr>
+        <p:style>
+          <a:lnRef idx="2">
+            <a:schemeClr val="accent1">
+              <a:shade val="50000"/>
+            </a:schemeClr>
+          </a:lnRef>
+          <a:fillRef idx="1">
+            <a:schemeClr val="accent1"/>
+          </a:fillRef>
+          <a:effectRef idx="0">
+            <a:schemeClr val="accent1"/>
+          </a:effectRef>
+          <a:fontRef idx="minor">
+            <a:schemeClr val="lt1"/>
+          </a:fontRef>
+        </p:style>
+        <p:txBody>
+          <a:bodyPr rtlCol="0" anchor="ctr"/>
+          <a:lstStyle/>
+          <a:p>
+            <a:pPr algn="ctr"/>
+            <a:endParaRPr lang="en-US">
+              <a:solidFill>
+                <a:schemeClr val="tx1"/>
+              </a:solidFill>
+            </a:endParaRPr>
+          </a:p>
+        </p:txBody>
+      </p:sp>
+      <p:sp>
+        <p:nvSpPr>
+          <p:cNvPr id="21" name="Frame 20">
+            <a:extLst>
+              <a:ext uri="{FF2B5EF4-FFF2-40B4-BE49-F238E27FC236}">
+                <a16:creationId xmlns:a16="http://schemas.microsoft.com/office/drawing/2014/main" id="{1E34031C-F643-AA45-BA47-056A2CA2A40B}"/>
+              </a:ext>
+            </a:extLst>
+          </p:cNvPr>
+          <p:cNvSpPr/>
+          <p:nvPr/>
+        </p:nvSpPr>
+        <p:spPr>
+          <a:xfrm>
+            <a:off x="1706758" y="4576657"/>
+            <a:ext cx="659252" cy="491070"/>
+          </a:xfrm>
+          <a:prstGeom prst="frame">
+            <a:avLst/>
+          </a:prstGeom>
+          <a:solidFill>
+            <a:schemeClr val="accent2"/>
+          </a:solidFill>
+        </p:spPr>
+        <p:style>
+          <a:lnRef idx="2">
+            <a:schemeClr val="accent1">
+              <a:shade val="50000"/>
+            </a:schemeClr>
+          </a:lnRef>
+          <a:fillRef idx="1">
+            <a:schemeClr val="accent1"/>
+          </a:fillRef>
+          <a:effectRef idx="0">
+            <a:schemeClr val="accent1"/>
+          </a:effectRef>
+          <a:fontRef idx="minor">
+            <a:schemeClr val="lt1"/>
+          </a:fontRef>
+        </p:style>
+        <p:txBody>
+          <a:bodyPr rtlCol="0" anchor="ctr"/>
+          <a:lstStyle/>
+          <a:p>
+            <a:pPr algn="ctr"/>
+            <a:endParaRPr lang="en-US">
+              <a:solidFill>
+                <a:schemeClr val="tx1"/>
+              </a:solidFill>
+            </a:endParaRPr>
+          </a:p>
+        </p:txBody>
+      </p:sp>
+      <p:sp>
+        <p:nvSpPr>
+          <p:cNvPr id="22" name="Frame 21">
+            <a:extLst>
+              <a:ext uri="{FF2B5EF4-FFF2-40B4-BE49-F238E27FC236}">
+                <a16:creationId xmlns:a16="http://schemas.microsoft.com/office/drawing/2014/main" id="{C5A2A3DE-DD33-1449-B2AE-099B7244BB11}"/>
+              </a:ext>
+            </a:extLst>
+          </p:cNvPr>
+          <p:cNvSpPr/>
+          <p:nvPr/>
+        </p:nvSpPr>
+        <p:spPr>
+          <a:xfrm>
+            <a:off x="2880747" y="4583865"/>
+            <a:ext cx="659252" cy="491070"/>
+          </a:xfrm>
+          <a:prstGeom prst="frame">
+            <a:avLst/>
+          </a:prstGeom>
+          <a:solidFill>
+            <a:schemeClr val="accent2"/>
+          </a:solidFill>
+        </p:spPr>
+        <p:style>
+          <a:lnRef idx="2">
+            <a:schemeClr val="accent1">
+              <a:shade val="50000"/>
+            </a:schemeClr>
+          </a:lnRef>
+          <a:fillRef idx="1">
+            <a:schemeClr val="accent1"/>
+          </a:fillRef>
+          <a:effectRef idx="0">
+            <a:schemeClr val="accent1"/>
+          </a:effectRef>
+          <a:fontRef idx="minor">
+            <a:schemeClr val="lt1"/>
+          </a:fontRef>
+        </p:style>
+        <p:txBody>
+          <a:bodyPr rtlCol="0" anchor="ctr"/>
+          <a:lstStyle/>
+          <a:p>
+            <a:pPr algn="ctr"/>
+            <a:endParaRPr lang="en-US">
+              <a:solidFill>
+                <a:schemeClr val="tx1"/>
+              </a:solidFill>
+            </a:endParaRPr>
+          </a:p>
+        </p:txBody>
+      </p:sp>
+      <p:sp>
+        <p:nvSpPr>
+          <p:cNvPr id="23" name="Frame 22">
+            <a:extLst>
+              <a:ext uri="{FF2B5EF4-FFF2-40B4-BE49-F238E27FC236}">
+                <a16:creationId xmlns:a16="http://schemas.microsoft.com/office/drawing/2014/main" id="{445B4911-6598-7A49-879B-03BB085BCB62}"/>
+              </a:ext>
+            </a:extLst>
+          </p:cNvPr>
+          <p:cNvSpPr/>
+          <p:nvPr/>
+        </p:nvSpPr>
+        <p:spPr>
+          <a:xfrm>
+            <a:off x="4087256" y="4583865"/>
+            <a:ext cx="659252" cy="491070"/>
+          </a:xfrm>
+          <a:prstGeom prst="frame">
+            <a:avLst/>
+          </a:prstGeom>
+          <a:solidFill>
+            <a:schemeClr val="accent2"/>
+          </a:solidFill>
+        </p:spPr>
+        <p:style>
+          <a:lnRef idx="2">
+            <a:schemeClr val="accent1">
+              <a:shade val="50000"/>
+            </a:schemeClr>
+          </a:lnRef>
+          <a:fillRef idx="1">
+            <a:schemeClr val="accent1"/>
+          </a:fillRef>
+          <a:effectRef idx="0">
+            <a:schemeClr val="accent1"/>
+          </a:effectRef>
+          <a:fontRef idx="minor">
+            <a:schemeClr val="lt1"/>
+          </a:fontRef>
+        </p:style>
+        <p:txBody>
+          <a:bodyPr rtlCol="0" anchor="ctr"/>
+          <a:lstStyle/>
+          <a:p>
+            <a:pPr algn="ctr"/>
+            <a:endParaRPr lang="en-US">
+              <a:solidFill>
+                <a:schemeClr val="tx1"/>
+              </a:solidFill>
+            </a:endParaRPr>
+          </a:p>
+        </p:txBody>
+      </p:sp>
+      <p:sp>
+        <p:nvSpPr>
+          <p:cNvPr id="24" name="Frame 23">
+            <a:extLst>
+              <a:ext uri="{FF2B5EF4-FFF2-40B4-BE49-F238E27FC236}">
+                <a16:creationId xmlns:a16="http://schemas.microsoft.com/office/drawing/2014/main" id="{B9BFCB35-030D-A44A-BDC0-AFD9C6B3C65D}"/>
+              </a:ext>
+            </a:extLst>
+          </p:cNvPr>
+          <p:cNvSpPr/>
+          <p:nvPr/>
+        </p:nvSpPr>
+        <p:spPr>
+          <a:xfrm>
+            <a:off x="6868843" y="3409319"/>
+            <a:ext cx="659252" cy="491070"/>
+          </a:xfrm>
+          <a:prstGeom prst="frame">
+            <a:avLst/>
+          </a:prstGeom>
+          <a:solidFill>
+            <a:schemeClr val="accent2"/>
+          </a:solidFill>
+        </p:spPr>
+        <p:style>
+          <a:lnRef idx="2">
+            <a:schemeClr val="accent1">
+              <a:shade val="50000"/>
+            </a:schemeClr>
+          </a:lnRef>
+          <a:fillRef idx="1">
+            <a:schemeClr val="accent1"/>
+          </a:fillRef>
+          <a:effectRef idx="0">
+            <a:schemeClr val="accent1"/>
+          </a:effectRef>
+          <a:fontRef idx="minor">
+            <a:schemeClr val="lt1"/>
+          </a:fontRef>
+        </p:style>
+        <p:txBody>
+          <a:bodyPr rtlCol="0" anchor="ctr"/>
+          <a:lstStyle/>
+          <a:p>
+            <a:pPr algn="ctr"/>
+            <a:endParaRPr lang="en-US">
+              <a:solidFill>
+                <a:schemeClr val="tx1"/>
+              </a:solidFill>
+            </a:endParaRPr>
+          </a:p>
+        </p:txBody>
+      </p:sp>
+      <p:sp>
+        <p:nvSpPr>
+          <p:cNvPr id="25" name="Frame 24">
+            <a:extLst>
+              <a:ext uri="{FF2B5EF4-FFF2-40B4-BE49-F238E27FC236}">
+                <a16:creationId xmlns:a16="http://schemas.microsoft.com/office/drawing/2014/main" id="{DA5818B6-E7C3-7540-8D9B-09C7FFD3CD15}"/>
+              </a:ext>
+            </a:extLst>
+          </p:cNvPr>
+          <p:cNvSpPr/>
+          <p:nvPr/>
+        </p:nvSpPr>
+        <p:spPr>
+          <a:xfrm>
+            <a:off x="8434558" y="3409319"/>
+            <a:ext cx="659252" cy="491070"/>
+          </a:xfrm>
+          <a:prstGeom prst="frame">
+            <a:avLst/>
+          </a:prstGeom>
+          <a:solidFill>
+            <a:schemeClr val="accent2"/>
+          </a:solidFill>
+        </p:spPr>
+        <p:style>
+          <a:lnRef idx="2">
+            <a:schemeClr val="accent1">
+              <a:shade val="50000"/>
+            </a:schemeClr>
+          </a:lnRef>
+          <a:fillRef idx="1">
+            <a:schemeClr val="accent1"/>
+          </a:fillRef>
+          <a:effectRef idx="0">
+            <a:schemeClr val="accent1"/>
+          </a:effectRef>
+          <a:fontRef idx="minor">
+            <a:schemeClr val="lt1"/>
+          </a:fontRef>
+        </p:style>
+        <p:txBody>
+          <a:bodyPr rtlCol="0" anchor="ctr"/>
+          <a:lstStyle/>
+          <a:p>
+            <a:pPr algn="ctr"/>
+            <a:endParaRPr lang="en-US">
+              <a:solidFill>
+                <a:schemeClr val="tx1"/>
+              </a:solidFill>
+            </a:endParaRPr>
+          </a:p>
+        </p:txBody>
+      </p:sp>
+      <p:sp>
+        <p:nvSpPr>
+          <p:cNvPr id="26" name="Frame 25">
+            <a:extLst>
+              <a:ext uri="{FF2B5EF4-FFF2-40B4-BE49-F238E27FC236}">
+                <a16:creationId xmlns:a16="http://schemas.microsoft.com/office/drawing/2014/main" id="{54F95F8A-E402-8046-B176-C3A6967ACC74}"/>
+              </a:ext>
+            </a:extLst>
+          </p:cNvPr>
+          <p:cNvSpPr/>
+          <p:nvPr/>
+        </p:nvSpPr>
+        <p:spPr>
+          <a:xfrm>
+            <a:off x="10022266" y="3402924"/>
+            <a:ext cx="659252" cy="491070"/>
+          </a:xfrm>
+          <a:prstGeom prst="frame">
+            <a:avLst/>
+          </a:prstGeom>
+          <a:solidFill>
+            <a:schemeClr val="accent2"/>
+          </a:solidFill>
+        </p:spPr>
+        <p:style>
+          <a:lnRef idx="2">
+            <a:schemeClr val="accent1">
+              <a:shade val="50000"/>
+            </a:schemeClr>
+          </a:lnRef>
+          <a:fillRef idx="1">
+            <a:schemeClr val="accent1"/>
+          </a:fillRef>
+          <a:effectRef idx="0">
+            <a:schemeClr val="accent1"/>
+          </a:effectRef>
+          <a:fontRef idx="minor">
+            <a:schemeClr val="lt1"/>
+          </a:fontRef>
+        </p:style>
+        <p:txBody>
+          <a:bodyPr rtlCol="0" anchor="ctr"/>
+          <a:lstStyle/>
+          <a:p>
+            <a:pPr algn="ctr"/>
+            <a:endParaRPr lang="en-US">
+              <a:solidFill>
+                <a:schemeClr val="tx1"/>
+              </a:solidFill>
+            </a:endParaRPr>
+          </a:p>
+        </p:txBody>
+      </p:sp>
+      <p:cxnSp>
+        <p:nvCxnSpPr>
+          <p:cNvPr id="28" name="Curved Connector 27">
+            <a:extLst>
+              <a:ext uri="{FF2B5EF4-FFF2-40B4-BE49-F238E27FC236}">
+                <a16:creationId xmlns:a16="http://schemas.microsoft.com/office/drawing/2014/main" id="{6657D054-DD72-794E-9DF2-63A3843824B5}"/>
+              </a:ext>
+            </a:extLst>
+          </p:cNvPr>
+          <p:cNvCxnSpPr>
+            <a:stCxn id="3" idx="2"/>
+            <a:endCxn id="18" idx="1"/>
+          </p:cNvCxnSpPr>
+          <p:nvPr/>
+        </p:nvCxnSpPr>
+        <p:spPr>
+          <a:xfrm rot="16200000" flipH="1">
+            <a:off x="3634446" y="1079708"/>
+            <a:ext cx="977083" cy="4173207"/>
+          </a:xfrm>
+          <a:prstGeom prst="curvedConnector2">
+            <a:avLst/>
+          </a:prstGeom>
+          <a:ln w="63500">
+            <a:tailEnd type="triangle"/>
+          </a:ln>
+        </p:spPr>
+        <p:style>
+          <a:lnRef idx="1">
+            <a:schemeClr val="accent1"/>
+          </a:lnRef>
+          <a:fillRef idx="0">
+            <a:schemeClr val="accent1"/>
+          </a:fillRef>
+          <a:effectRef idx="0">
+            <a:schemeClr val="accent1"/>
+          </a:effectRef>
+          <a:fontRef idx="minor">
+            <a:schemeClr val="tx1"/>
+          </a:fontRef>
+        </p:style>
+      </p:cxnSp>
+      <p:cxnSp>
+        <p:nvCxnSpPr>
+          <p:cNvPr id="30" name="Curved Connector 29">
+            <a:extLst>
+              <a:ext uri="{FF2B5EF4-FFF2-40B4-BE49-F238E27FC236}">
+                <a16:creationId xmlns:a16="http://schemas.microsoft.com/office/drawing/2014/main" id="{61F78B58-D5C8-F843-B77B-9359D1A88299}"/>
+              </a:ext>
+            </a:extLst>
+          </p:cNvPr>
+          <p:cNvCxnSpPr>
+            <a:cxnSpLocks/>
+            <a:stCxn id="21" idx="2"/>
+            <a:endCxn id="24" idx="2"/>
+          </p:cNvCxnSpPr>
+          <p:nvPr/>
+        </p:nvCxnSpPr>
+        <p:spPr>
+          <a:xfrm rot="5400000" flipH="1" flipV="1">
+            <a:off x="4033757" y="1903015"/>
+            <a:ext cx="1167338" cy="5162085"/>
+          </a:xfrm>
+          <a:prstGeom prst="curvedConnector3">
+            <a:avLst>
+              <a:gd name="adj1" fmla="val -79638"/>
+            </a:avLst>
+          </a:prstGeom>
+          <a:ln w="63500">
+            <a:solidFill>
+              <a:schemeClr val="accent2"/>
+            </a:solidFill>
+            <a:tailEnd type="triangle"/>
+          </a:ln>
+        </p:spPr>
+        <p:style>
+          <a:lnRef idx="1">
+            <a:schemeClr val="accent1"/>
+          </a:lnRef>
+          <a:fillRef idx="0">
+            <a:schemeClr val="accent1"/>
+          </a:fillRef>
+          <a:effectRef idx="0">
+            <a:schemeClr val="accent1"/>
+          </a:effectRef>
+          <a:fontRef idx="minor">
+            <a:schemeClr val="tx1"/>
+          </a:fontRef>
+        </p:style>
+      </p:cxnSp>
     </p:spTree>
     <p:extLst>
       <p:ext uri="{BB962C8B-B14F-4D97-AF65-F5344CB8AC3E}">

--- a/kainosSteg.pptx
+++ b/kainosSteg.pptx
@@ -5,25 +5,26 @@
     <p:sldMasterId id="2147483648" r:id="rId1"/>
   </p:sldMasterIdLst>
   <p:notesMasterIdLst>
-    <p:notesMasterId r:id="rId18"/>
+    <p:notesMasterId r:id="rId19"/>
   </p:notesMasterIdLst>
   <p:sldIdLst>
     <p:sldId id="256" r:id="rId2"/>
     <p:sldId id="259" r:id="rId3"/>
-    <p:sldId id="265" r:id="rId4"/>
-    <p:sldId id="263" r:id="rId5"/>
-    <p:sldId id="257" r:id="rId6"/>
-    <p:sldId id="260" r:id="rId7"/>
-    <p:sldId id="258" r:id="rId8"/>
-    <p:sldId id="268" r:id="rId9"/>
-    <p:sldId id="262" r:id="rId10"/>
-    <p:sldId id="270" r:id="rId11"/>
-    <p:sldId id="269" r:id="rId12"/>
-    <p:sldId id="266" r:id="rId13"/>
-    <p:sldId id="267" r:id="rId14"/>
-    <p:sldId id="264" r:id="rId15"/>
-    <p:sldId id="271" r:id="rId16"/>
-    <p:sldId id="272" r:id="rId17"/>
+    <p:sldId id="273" r:id="rId4"/>
+    <p:sldId id="265" r:id="rId5"/>
+    <p:sldId id="263" r:id="rId6"/>
+    <p:sldId id="257" r:id="rId7"/>
+    <p:sldId id="260" r:id="rId8"/>
+    <p:sldId id="258" r:id="rId9"/>
+    <p:sldId id="268" r:id="rId10"/>
+    <p:sldId id="262" r:id="rId11"/>
+    <p:sldId id="270" r:id="rId12"/>
+    <p:sldId id="269" r:id="rId13"/>
+    <p:sldId id="266" r:id="rId14"/>
+    <p:sldId id="267" r:id="rId15"/>
+    <p:sldId id="264" r:id="rId16"/>
+    <p:sldId id="271" r:id="rId17"/>
+    <p:sldId id="272" r:id="rId18"/>
   </p:sldIdLst>
   <p:sldSz cx="12192000" cy="6858000"/>
   <p:notesSz cx="6858000" cy="9144000"/>
@@ -212,7 +213,7 @@
           <a:p>
             <a:fld id="{38802A40-7C21-F942-8653-C2194C12E3D8}" type="datetimeFigureOut">
               <a:rPr lang="en-US" smtClean="0"/>
-              <a:t>4/13/18</a:t>
+              <a:t>5/1/18</a:t>
             </a:fld>
             <a:endParaRPr lang="en-US"/>
           </a:p>
@@ -529,7 +530,7 @@
           <a:noFill/>
           <a:extLst>
             <a:ext uri="{909E8E84-426E-40dd-AFC4-6F175D3DCCD1}">
-              <a14:hiddenFill xmlns:a14="http://schemas.microsoft.com/office/drawing/2010/main" xmlns="">
+              <a14:hiddenFill xmlns="" xmlns:a14="http://schemas.microsoft.com/office/drawing/2010/main">
                 <a:solidFill>
                   <a:srgbClr val="FFFFFF"/>
                 </a:solidFill>
@@ -589,7 +590,7 @@
             </a:ln>
             <a:extLst>
               <a:ext uri="{91240B29-F687-4f45-9708-019B960494DF}">
-                <a14:hiddenLine xmlns:a14="http://schemas.microsoft.com/office/drawing/2010/main" xmlns="" w="9525">
+                <a14:hiddenLine xmlns="" xmlns:a14="http://schemas.microsoft.com/office/drawing/2010/main" w="9525">
                   <a:solidFill>
                     <a:srgbClr val="000000"/>
                   </a:solidFill>
@@ -679,7 +680,7 @@
             </a:ln>
             <a:extLst>
               <a:ext uri="{91240B29-F687-4f45-9708-019B960494DF}">
-                <a14:hiddenLine xmlns:a14="http://schemas.microsoft.com/office/drawing/2010/main" xmlns="" w="9525">
+                <a14:hiddenLine xmlns="" xmlns:a14="http://schemas.microsoft.com/office/drawing/2010/main" w="9525">
                   <a:solidFill>
                     <a:srgbClr val="000000"/>
                   </a:solidFill>
@@ -769,7 +770,7 @@
             </a:ln>
             <a:extLst>
               <a:ext uri="{91240B29-F687-4f45-9708-019B960494DF}">
-                <a14:hiddenLine xmlns:a14="http://schemas.microsoft.com/office/drawing/2010/main" xmlns="" w="9525">
+                <a14:hiddenLine xmlns="" xmlns:a14="http://schemas.microsoft.com/office/drawing/2010/main" w="9525">
                   <a:solidFill>
                     <a:srgbClr val="000000"/>
                   </a:solidFill>
@@ -803,7 +804,7 @@
             </a:ln>
             <a:extLst>
               <a:ext uri="{91240B29-F687-4f45-9708-019B960494DF}">
-                <a14:hiddenLine xmlns:a14="http://schemas.microsoft.com/office/drawing/2010/main" xmlns="" w="9525">
+                <a14:hiddenLine xmlns="" xmlns:a14="http://schemas.microsoft.com/office/drawing/2010/main" w="9525">
                   <a:solidFill>
                     <a:srgbClr val="000000"/>
                   </a:solidFill>
@@ -893,7 +894,7 @@
             </a:ln>
             <a:extLst>
               <a:ext uri="{91240B29-F687-4f45-9708-019B960494DF}">
-                <a14:hiddenLine xmlns:a14="http://schemas.microsoft.com/office/drawing/2010/main" xmlns="" w="9525">
+                <a14:hiddenLine xmlns="" xmlns:a14="http://schemas.microsoft.com/office/drawing/2010/main" w="9525">
                   <a:solidFill>
                     <a:srgbClr val="000000"/>
                   </a:solidFill>
@@ -955,7 +956,7 @@
             </a:ln>
             <a:extLst>
               <a:ext uri="{91240B29-F687-4f45-9708-019B960494DF}">
-                <a14:hiddenLine xmlns:a14="http://schemas.microsoft.com/office/drawing/2010/main" xmlns="" w="9525">
+                <a14:hiddenLine xmlns="" xmlns:a14="http://schemas.microsoft.com/office/drawing/2010/main" w="9525">
                   <a:solidFill>
                     <a:srgbClr val="000000"/>
                   </a:solidFill>
@@ -1017,7 +1018,7 @@
             </a:ln>
             <a:extLst>
               <a:ext uri="{91240B29-F687-4f45-9708-019B960494DF}">
-                <a14:hiddenLine xmlns:a14="http://schemas.microsoft.com/office/drawing/2010/main" xmlns="" w="9525">
+                <a14:hiddenLine xmlns="" xmlns:a14="http://schemas.microsoft.com/office/drawing/2010/main" w="9525">
                   <a:solidFill>
                     <a:srgbClr val="000000"/>
                   </a:solidFill>
@@ -1107,7 +1108,7 @@
             </a:ln>
             <a:extLst>
               <a:ext uri="{91240B29-F687-4f45-9708-019B960494DF}">
-                <a14:hiddenLine xmlns:a14="http://schemas.microsoft.com/office/drawing/2010/main" xmlns="" w="9525">
+                <a14:hiddenLine xmlns="" xmlns:a14="http://schemas.microsoft.com/office/drawing/2010/main" w="9525">
                   <a:solidFill>
                     <a:srgbClr val="000000"/>
                   </a:solidFill>
@@ -1169,7 +1170,7 @@
             </a:ln>
             <a:extLst>
               <a:ext uri="{91240B29-F687-4f45-9708-019B960494DF}">
-                <a14:hiddenLine xmlns:a14="http://schemas.microsoft.com/office/drawing/2010/main" xmlns="" w="9525">
+                <a14:hiddenLine xmlns="" xmlns:a14="http://schemas.microsoft.com/office/drawing/2010/main" w="9525">
                   <a:solidFill>
                     <a:srgbClr val="000000"/>
                   </a:solidFill>
@@ -1231,7 +1232,7 @@
             </a:ln>
             <a:extLst>
               <a:ext uri="{91240B29-F687-4f45-9708-019B960494DF}">
-                <a14:hiddenLine xmlns:a14="http://schemas.microsoft.com/office/drawing/2010/main" xmlns="" w="9525">
+                <a14:hiddenLine xmlns="" xmlns:a14="http://schemas.microsoft.com/office/drawing/2010/main" w="9525">
                   <a:solidFill>
                     <a:srgbClr val="000000"/>
                   </a:solidFill>
@@ -1321,7 +1322,7 @@
             </a:ln>
             <a:extLst>
               <a:ext uri="{91240B29-F687-4f45-9708-019B960494DF}">
-                <a14:hiddenLine xmlns:a14="http://schemas.microsoft.com/office/drawing/2010/main" xmlns="" w="9525">
+                <a14:hiddenLine xmlns="" xmlns:a14="http://schemas.microsoft.com/office/drawing/2010/main" w="9525">
                   <a:solidFill>
                     <a:srgbClr val="000000"/>
                   </a:solidFill>
@@ -1411,7 +1412,7 @@
             </a:ln>
             <a:extLst>
               <a:ext uri="{91240B29-F687-4f45-9708-019B960494DF}">
-                <a14:hiddenLine xmlns:a14="http://schemas.microsoft.com/office/drawing/2010/main" xmlns="" w="9525">
+                <a14:hiddenLine xmlns="" xmlns:a14="http://schemas.microsoft.com/office/drawing/2010/main" w="9525">
                   <a:solidFill>
                     <a:srgbClr val="000000"/>
                   </a:solidFill>
@@ -1473,7 +1474,7 @@
             </a:ln>
             <a:extLst>
               <a:ext uri="{91240B29-F687-4f45-9708-019B960494DF}">
-                <a14:hiddenLine xmlns:a14="http://schemas.microsoft.com/office/drawing/2010/main" xmlns="" w="9525">
+                <a14:hiddenLine xmlns="" xmlns:a14="http://schemas.microsoft.com/office/drawing/2010/main" w="9525">
                   <a:solidFill>
                     <a:srgbClr val="000000"/>
                   </a:solidFill>
@@ -1583,7 +1584,7 @@
             </a:ln>
             <a:extLst>
               <a:ext uri="{91240B29-F687-4f45-9708-019B960494DF}">
-                <a14:hiddenLine xmlns:a14="http://schemas.microsoft.com/office/drawing/2010/main" xmlns="" w="9525">
+                <a14:hiddenLine xmlns="" xmlns:a14="http://schemas.microsoft.com/office/drawing/2010/main" w="9525">
                   <a:solidFill>
                     <a:srgbClr val="000000"/>
                   </a:solidFill>
@@ -1645,7 +1646,7 @@
             </a:ln>
             <a:extLst>
               <a:ext uri="{91240B29-F687-4f45-9708-019B960494DF}">
-                <a14:hiddenLine xmlns:a14="http://schemas.microsoft.com/office/drawing/2010/main" xmlns="" w="9525">
+                <a14:hiddenLine xmlns="" xmlns:a14="http://schemas.microsoft.com/office/drawing/2010/main" w="9525">
                   <a:solidFill>
                     <a:srgbClr val="000000"/>
                   </a:solidFill>
@@ -1735,7 +1736,7 @@
             </a:ln>
             <a:extLst>
               <a:ext uri="{91240B29-F687-4f45-9708-019B960494DF}">
-                <a14:hiddenLine xmlns:a14="http://schemas.microsoft.com/office/drawing/2010/main" xmlns="" w="9525">
+                <a14:hiddenLine xmlns="" xmlns:a14="http://schemas.microsoft.com/office/drawing/2010/main" w="9525">
                   <a:solidFill>
                     <a:srgbClr val="000000"/>
                   </a:solidFill>
@@ -1825,7 +1826,7 @@
             </a:ln>
             <a:extLst>
               <a:ext uri="{91240B29-F687-4f45-9708-019B960494DF}">
-                <a14:hiddenLine xmlns:a14="http://schemas.microsoft.com/office/drawing/2010/main" xmlns="" w="9525">
+                <a14:hiddenLine xmlns="" xmlns:a14="http://schemas.microsoft.com/office/drawing/2010/main" w="9525">
                   <a:solidFill>
                     <a:srgbClr val="000000"/>
                   </a:solidFill>
@@ -1887,7 +1888,7 @@
             </a:ln>
             <a:extLst>
               <a:ext uri="{91240B29-F687-4f45-9708-019B960494DF}">
-                <a14:hiddenLine xmlns:a14="http://schemas.microsoft.com/office/drawing/2010/main" xmlns="" w="9525">
+                <a14:hiddenLine xmlns="" xmlns:a14="http://schemas.microsoft.com/office/drawing/2010/main" w="9525">
                   <a:solidFill>
                     <a:srgbClr val="000000"/>
                   </a:solidFill>
@@ -1977,7 +1978,7 @@
             </a:ln>
             <a:extLst>
               <a:ext uri="{91240B29-F687-4f45-9708-019B960494DF}">
-                <a14:hiddenLine xmlns:a14="http://schemas.microsoft.com/office/drawing/2010/main" xmlns="" w="9525">
+                <a14:hiddenLine xmlns="" xmlns:a14="http://schemas.microsoft.com/office/drawing/2010/main" w="9525">
                   <a:solidFill>
                     <a:srgbClr val="000000"/>
                   </a:solidFill>
@@ -2067,7 +2068,7 @@
             </a:ln>
             <a:extLst>
               <a:ext uri="{91240B29-F687-4f45-9708-019B960494DF}">
-                <a14:hiddenLine xmlns:a14="http://schemas.microsoft.com/office/drawing/2010/main" xmlns="" w="9525">
+                <a14:hiddenLine xmlns="" xmlns:a14="http://schemas.microsoft.com/office/drawing/2010/main" w="9525">
                   <a:solidFill>
                     <a:srgbClr val="000000"/>
                   </a:solidFill>
@@ -2123,7 +2124,7 @@
             </a:ln>
             <a:extLst>
               <a:ext uri="{91240B29-F687-4f45-9708-019B960494DF}">
-                <a14:hiddenLine xmlns:a14="http://schemas.microsoft.com/office/drawing/2010/main" xmlns="" w="9525">
+                <a14:hiddenLine xmlns="" xmlns:a14="http://schemas.microsoft.com/office/drawing/2010/main" w="9525">
                   <a:solidFill>
                     <a:srgbClr val="000000"/>
                   </a:solidFill>
@@ -2213,7 +2214,7 @@
             </a:ln>
             <a:extLst>
               <a:ext uri="{91240B29-F687-4f45-9708-019B960494DF}">
-                <a14:hiddenLine xmlns:a14="http://schemas.microsoft.com/office/drawing/2010/main" xmlns="" w="9525">
+                <a14:hiddenLine xmlns="" xmlns:a14="http://schemas.microsoft.com/office/drawing/2010/main" w="9525">
                   <a:solidFill>
                     <a:srgbClr val="000000"/>
                   </a:solidFill>
@@ -2269,7 +2270,7 @@
             </a:ln>
             <a:extLst>
               <a:ext uri="{91240B29-F687-4f45-9708-019B960494DF}">
-                <a14:hiddenLine xmlns:a14="http://schemas.microsoft.com/office/drawing/2010/main" xmlns="" w="9525">
+                <a14:hiddenLine xmlns="" xmlns:a14="http://schemas.microsoft.com/office/drawing/2010/main" w="9525">
                   <a:solidFill>
                     <a:srgbClr val="000000"/>
                   </a:solidFill>
@@ -2359,7 +2360,7 @@
             </a:ln>
             <a:extLst>
               <a:ext uri="{91240B29-F687-4f45-9708-019B960494DF}">
-                <a14:hiddenLine xmlns:a14="http://schemas.microsoft.com/office/drawing/2010/main" xmlns="" w="9525">
+                <a14:hiddenLine xmlns="" xmlns:a14="http://schemas.microsoft.com/office/drawing/2010/main" w="9525">
                   <a:solidFill>
                     <a:srgbClr val="000000"/>
                   </a:solidFill>
@@ -2427,7 +2428,7 @@
             </a:ln>
             <a:extLst>
               <a:ext uri="{91240B29-F687-4f45-9708-019B960494DF}">
-                <a14:hiddenLine xmlns:a14="http://schemas.microsoft.com/office/drawing/2010/main" xmlns="" w="9525">
+                <a14:hiddenLine xmlns="" xmlns:a14="http://schemas.microsoft.com/office/drawing/2010/main" w="9525">
                   <a:solidFill>
                     <a:srgbClr val="000000"/>
                   </a:solidFill>
@@ -2517,7 +2518,7 @@
             </a:ln>
             <a:extLst>
               <a:ext uri="{91240B29-F687-4f45-9708-019B960494DF}">
-                <a14:hiddenLine xmlns:a14="http://schemas.microsoft.com/office/drawing/2010/main" xmlns="" w="9525">
+                <a14:hiddenLine xmlns="" xmlns:a14="http://schemas.microsoft.com/office/drawing/2010/main" w="9525">
                   <a:solidFill>
                     <a:srgbClr val="000000"/>
                   </a:solidFill>
@@ -2585,7 +2586,7 @@
             </a:ln>
             <a:extLst>
               <a:ext uri="{91240B29-F687-4f45-9708-019B960494DF}">
-                <a14:hiddenLine xmlns:a14="http://schemas.microsoft.com/office/drawing/2010/main" xmlns="" w="9525">
+                <a14:hiddenLine xmlns="" xmlns:a14="http://schemas.microsoft.com/office/drawing/2010/main" w="9525">
                   <a:solidFill>
                     <a:srgbClr val="000000"/>
                   </a:solidFill>
@@ -2675,7 +2676,7 @@
             </a:ln>
             <a:extLst>
               <a:ext uri="{91240B29-F687-4f45-9708-019B960494DF}">
-                <a14:hiddenLine xmlns:a14="http://schemas.microsoft.com/office/drawing/2010/main" xmlns="" w="9525">
+                <a14:hiddenLine xmlns="" xmlns:a14="http://schemas.microsoft.com/office/drawing/2010/main" w="9525">
                   <a:solidFill>
                     <a:srgbClr val="000000"/>
                   </a:solidFill>
@@ -2709,7 +2710,7 @@
             </a:ln>
             <a:extLst>
               <a:ext uri="{91240B29-F687-4f45-9708-019B960494DF}">
-                <a14:hiddenLine xmlns:a14="http://schemas.microsoft.com/office/drawing/2010/main" xmlns="" w="9525">
+                <a14:hiddenLine xmlns="" xmlns:a14="http://schemas.microsoft.com/office/drawing/2010/main" w="9525">
                   <a:solidFill>
                     <a:srgbClr val="000000"/>
                   </a:solidFill>
@@ -2799,7 +2800,7 @@
             </a:ln>
             <a:extLst>
               <a:ext uri="{91240B29-F687-4f45-9708-019B960494DF}">
-                <a14:hiddenLine xmlns:a14="http://schemas.microsoft.com/office/drawing/2010/main" xmlns="" w="9525">
+                <a14:hiddenLine xmlns="" xmlns:a14="http://schemas.microsoft.com/office/drawing/2010/main" w="9525">
                   <a:solidFill>
                     <a:srgbClr val="000000"/>
                   </a:solidFill>
@@ -2861,7 +2862,7 @@
             </a:ln>
             <a:extLst>
               <a:ext uri="{91240B29-F687-4f45-9708-019B960494DF}">
-                <a14:hiddenLine xmlns:a14="http://schemas.microsoft.com/office/drawing/2010/main" xmlns="" w="9525">
+                <a14:hiddenLine xmlns="" xmlns:a14="http://schemas.microsoft.com/office/drawing/2010/main" w="9525">
                   <a:solidFill>
                     <a:srgbClr val="000000"/>
                   </a:solidFill>
@@ -2923,7 +2924,7 @@
             </a:ln>
             <a:extLst>
               <a:ext uri="{91240B29-F687-4f45-9708-019B960494DF}">
-                <a14:hiddenLine xmlns:a14="http://schemas.microsoft.com/office/drawing/2010/main" xmlns="" w="9525">
+                <a14:hiddenLine xmlns="" xmlns:a14="http://schemas.microsoft.com/office/drawing/2010/main" w="9525">
                   <a:solidFill>
                     <a:srgbClr val="000000"/>
                   </a:solidFill>
@@ -3013,7 +3014,7 @@
             </a:ln>
             <a:extLst>
               <a:ext uri="{91240B29-F687-4f45-9708-019B960494DF}">
-                <a14:hiddenLine xmlns:a14="http://schemas.microsoft.com/office/drawing/2010/main" xmlns="" w="9525">
+                <a14:hiddenLine xmlns="" xmlns:a14="http://schemas.microsoft.com/office/drawing/2010/main" w="9525">
                   <a:solidFill>
                     <a:srgbClr val="000000"/>
                   </a:solidFill>
@@ -3081,7 +3082,7 @@
             </a:ln>
             <a:extLst>
               <a:ext uri="{91240B29-F687-4f45-9708-019B960494DF}">
-                <a14:hiddenLine xmlns:a14="http://schemas.microsoft.com/office/drawing/2010/main" xmlns="" w="9525">
+                <a14:hiddenLine xmlns="" xmlns:a14="http://schemas.microsoft.com/office/drawing/2010/main" w="9525">
                   <a:solidFill>
                     <a:srgbClr val="000000"/>
                   </a:solidFill>
@@ -3143,7 +3144,7 @@
             </a:ln>
             <a:extLst>
               <a:ext uri="{91240B29-F687-4f45-9708-019B960494DF}">
-                <a14:hiddenLine xmlns:a14="http://schemas.microsoft.com/office/drawing/2010/main" xmlns="" w="9525">
+                <a14:hiddenLine xmlns="" xmlns:a14="http://schemas.microsoft.com/office/drawing/2010/main" w="9525">
                   <a:solidFill>
                     <a:srgbClr val="000000"/>
                   </a:solidFill>
@@ -3233,7 +3234,7 @@
             </a:ln>
             <a:extLst>
               <a:ext uri="{91240B29-F687-4f45-9708-019B960494DF}">
-                <a14:hiddenLine xmlns:a14="http://schemas.microsoft.com/office/drawing/2010/main" xmlns="" w="9525">
+                <a14:hiddenLine xmlns="" xmlns:a14="http://schemas.microsoft.com/office/drawing/2010/main" w="9525">
                   <a:solidFill>
                     <a:srgbClr val="000000"/>
                   </a:solidFill>
@@ -3295,7 +3296,7 @@
             </a:ln>
             <a:extLst>
               <a:ext uri="{91240B29-F687-4f45-9708-019B960494DF}">
-                <a14:hiddenLine xmlns:a14="http://schemas.microsoft.com/office/drawing/2010/main" xmlns="" w="9525">
+                <a14:hiddenLine xmlns="" xmlns:a14="http://schemas.microsoft.com/office/drawing/2010/main" w="9525">
                   <a:solidFill>
                     <a:srgbClr val="000000"/>
                   </a:solidFill>
@@ -3385,7 +3386,7 @@
             </a:ln>
             <a:extLst>
               <a:ext uri="{91240B29-F687-4f45-9708-019B960494DF}">
-                <a14:hiddenLine xmlns:a14="http://schemas.microsoft.com/office/drawing/2010/main" xmlns="" w="9525">
+                <a14:hiddenLine xmlns="" xmlns:a14="http://schemas.microsoft.com/office/drawing/2010/main" w="9525">
                   <a:solidFill>
                     <a:srgbClr val="000000"/>
                   </a:solidFill>
@@ -3447,7 +3448,7 @@
             </a:ln>
             <a:extLst>
               <a:ext uri="{91240B29-F687-4f45-9708-019B960494DF}">
-                <a14:hiddenLine xmlns:a14="http://schemas.microsoft.com/office/drawing/2010/main" xmlns="" w="9525">
+                <a14:hiddenLine xmlns="" xmlns:a14="http://schemas.microsoft.com/office/drawing/2010/main" w="9525">
                   <a:solidFill>
                     <a:srgbClr val="000000"/>
                   </a:solidFill>
@@ -3537,7 +3538,7 @@
             </a:ln>
             <a:extLst>
               <a:ext uri="{91240B29-F687-4f45-9708-019B960494DF}">
-                <a14:hiddenLine xmlns:a14="http://schemas.microsoft.com/office/drawing/2010/main" xmlns="" w="9525">
+                <a14:hiddenLine xmlns="" xmlns:a14="http://schemas.microsoft.com/office/drawing/2010/main" w="9525">
                   <a:solidFill>
                     <a:srgbClr val="000000"/>
                   </a:solidFill>
@@ -3571,7 +3572,7 @@
             </a:ln>
             <a:extLst>
               <a:ext uri="{91240B29-F687-4f45-9708-019B960494DF}">
-                <a14:hiddenLine xmlns:a14="http://schemas.microsoft.com/office/drawing/2010/main" xmlns="" w="9525">
+                <a14:hiddenLine xmlns="" xmlns:a14="http://schemas.microsoft.com/office/drawing/2010/main" w="9525">
                   <a:solidFill>
                     <a:srgbClr val="000000"/>
                   </a:solidFill>
@@ -3636,7 +3637,7 @@
             </a:ln>
             <a:extLst>
               <a:ext uri="{91240B29-F687-4f45-9708-019B960494DF}">
-                <a14:hiddenLine xmlns:a14="http://schemas.microsoft.com/office/drawing/2010/main" xmlns="" w="9525">
+                <a14:hiddenLine xmlns="" xmlns:a14="http://schemas.microsoft.com/office/drawing/2010/main" w="9525">
                   <a:solidFill>
                     <a:srgbClr val="000000"/>
                   </a:solidFill>
@@ -3726,7 +3727,7 @@
             </a:ln>
             <a:extLst>
               <a:ext uri="{91240B29-F687-4f45-9708-019B960494DF}">
-                <a14:hiddenLine xmlns:a14="http://schemas.microsoft.com/office/drawing/2010/main" xmlns="" w="9525">
+                <a14:hiddenLine xmlns="" xmlns:a14="http://schemas.microsoft.com/office/drawing/2010/main" w="9525">
                   <a:solidFill>
                     <a:srgbClr val="000000"/>
                   </a:solidFill>
@@ -3788,7 +3789,7 @@
             </a:ln>
             <a:extLst>
               <a:ext uri="{91240B29-F687-4f45-9708-019B960494DF}">
-                <a14:hiddenLine xmlns:a14="http://schemas.microsoft.com/office/drawing/2010/main" xmlns="" w="9525">
+                <a14:hiddenLine xmlns="" xmlns:a14="http://schemas.microsoft.com/office/drawing/2010/main" w="9525">
                   <a:solidFill>
                     <a:srgbClr val="000000"/>
                   </a:solidFill>
@@ -3878,7 +3879,7 @@
             </a:ln>
             <a:extLst>
               <a:ext uri="{91240B29-F687-4f45-9708-019B960494DF}">
-                <a14:hiddenLine xmlns:a14="http://schemas.microsoft.com/office/drawing/2010/main" xmlns="" w="9525">
+                <a14:hiddenLine xmlns="" xmlns:a14="http://schemas.microsoft.com/office/drawing/2010/main" w="9525">
                   <a:solidFill>
                     <a:srgbClr val="000000"/>
                   </a:solidFill>
@@ -3968,7 +3969,7 @@
             </a:ln>
             <a:extLst>
               <a:ext uri="{91240B29-F687-4f45-9708-019B960494DF}">
-                <a14:hiddenLine xmlns:a14="http://schemas.microsoft.com/office/drawing/2010/main" xmlns="" w="9525">
+                <a14:hiddenLine xmlns="" xmlns:a14="http://schemas.microsoft.com/office/drawing/2010/main" w="9525">
                   <a:solidFill>
                     <a:srgbClr val="000000"/>
                   </a:solidFill>
@@ -4033,7 +4034,7 @@
             </a:ln>
             <a:extLst>
               <a:ext uri="{91240B29-F687-4f45-9708-019B960494DF}">
-                <a14:hiddenLine xmlns:a14="http://schemas.microsoft.com/office/drawing/2010/main" xmlns="" w="9525">
+                <a14:hiddenLine xmlns="" xmlns:a14="http://schemas.microsoft.com/office/drawing/2010/main" w="9525">
                   <a:solidFill>
                     <a:srgbClr val="000000"/>
                   </a:solidFill>
@@ -4095,7 +4096,7 @@
             </a:ln>
             <a:extLst>
               <a:ext uri="{91240B29-F687-4f45-9708-019B960494DF}">
-                <a14:hiddenLine xmlns:a14="http://schemas.microsoft.com/office/drawing/2010/main" xmlns="" w="9525">
+                <a14:hiddenLine xmlns="" xmlns:a14="http://schemas.microsoft.com/office/drawing/2010/main" w="9525">
                   <a:solidFill>
                     <a:srgbClr val="000000"/>
                   </a:solidFill>
@@ -4185,7 +4186,7 @@
             </a:ln>
             <a:extLst>
               <a:ext uri="{91240B29-F687-4f45-9708-019B960494DF}">
-                <a14:hiddenLine xmlns:a14="http://schemas.microsoft.com/office/drawing/2010/main" xmlns="" w="9525">
+                <a14:hiddenLine xmlns="" xmlns:a14="http://schemas.microsoft.com/office/drawing/2010/main" w="9525">
                   <a:solidFill>
                     <a:srgbClr val="000000"/>
                   </a:solidFill>
@@ -4275,7 +4276,7 @@
             </a:ln>
             <a:extLst>
               <a:ext uri="{91240B29-F687-4f45-9708-019B960494DF}">
-                <a14:hiddenLine xmlns:a14="http://schemas.microsoft.com/office/drawing/2010/main" xmlns="" w="9525">
+                <a14:hiddenLine xmlns="" xmlns:a14="http://schemas.microsoft.com/office/drawing/2010/main" w="9525">
                   <a:solidFill>
                     <a:srgbClr val="000000"/>
                   </a:solidFill>
@@ -4337,7 +4338,7 @@
             </a:ln>
             <a:extLst>
               <a:ext uri="{91240B29-F687-4f45-9708-019B960494DF}">
-                <a14:hiddenLine xmlns:a14="http://schemas.microsoft.com/office/drawing/2010/main" xmlns="" w="9525">
+                <a14:hiddenLine xmlns="" xmlns:a14="http://schemas.microsoft.com/office/drawing/2010/main" w="9525">
                   <a:solidFill>
                     <a:srgbClr val="000000"/>
                   </a:solidFill>
@@ -4457,7 +4458,7 @@
             </a:ln>
             <a:extLst>
               <a:ext uri="{91240B29-F687-4f45-9708-019B960494DF}">
-                <a14:hiddenLine xmlns:a14="http://schemas.microsoft.com/office/drawing/2010/main" xmlns="" w="9525">
+                <a14:hiddenLine xmlns="" xmlns:a14="http://schemas.microsoft.com/office/drawing/2010/main" w="9525">
                   <a:solidFill>
                     <a:srgbClr val="000000"/>
                   </a:solidFill>
@@ -4525,7 +4526,7 @@
             </a:ln>
             <a:extLst>
               <a:ext uri="{91240B29-F687-4f45-9708-019B960494DF}">
-                <a14:hiddenLine xmlns:a14="http://schemas.microsoft.com/office/drawing/2010/main" xmlns="" w="9525">
+                <a14:hiddenLine xmlns="" xmlns:a14="http://schemas.microsoft.com/office/drawing/2010/main" w="9525">
                   <a:solidFill>
                     <a:srgbClr val="000000"/>
                   </a:solidFill>
@@ -4615,7 +4616,7 @@
             </a:ln>
             <a:extLst>
               <a:ext uri="{91240B29-F687-4f45-9708-019B960494DF}">
-                <a14:hiddenLine xmlns:a14="http://schemas.microsoft.com/office/drawing/2010/main" xmlns="" w="9525">
+                <a14:hiddenLine xmlns="" xmlns:a14="http://schemas.microsoft.com/office/drawing/2010/main" w="9525">
                   <a:solidFill>
                     <a:srgbClr val="000000"/>
                   </a:solidFill>
@@ -4755,7 +4756,7 @@
           <a:p>
             <a:fld id="{E66287FE-E6DB-6640-B2B1-BFB57AADA521}" type="datetime1">
               <a:rPr lang="en-GB" smtClean="0"/>
-              <a:t>13/04/2018</a:t>
+              <a:t>01/05/2018</a:t>
             </a:fld>
             <a:endParaRPr lang="en-US" dirty="0"/>
           </a:p>
@@ -5017,7 +5018,7 @@
           <a:p>
             <a:fld id="{4D8A46F2-FD5C-F141-BAFB-10CBF39FB898}" type="datetime1">
               <a:rPr lang="en-GB" smtClean="0"/>
-              <a:t>13/04/2018</a:t>
+              <a:t>01/05/2018</a:t>
             </a:fld>
             <a:endParaRPr lang="en-US" dirty="0"/>
           </a:p>
@@ -5208,7 +5209,7 @@
           <a:p>
             <a:fld id="{EBAEAF30-D115-CC46-9737-1135F6292321}" type="datetime1">
               <a:rPr lang="en-GB" smtClean="0"/>
-              <a:t>13/04/2018</a:t>
+              <a:t>01/05/2018</a:t>
             </a:fld>
             <a:endParaRPr lang="en-US" dirty="0"/>
           </a:p>
@@ -5466,7 +5467,7 @@
           <a:p>
             <a:fld id="{D406C959-642D-E34E-9D46-58394362E00A}" type="datetime1">
               <a:rPr lang="en-GB" smtClean="0"/>
-              <a:t>13/04/2018</a:t>
+              <a:t>01/05/2018</a:t>
             </a:fld>
             <a:endParaRPr lang="en-US" dirty="0"/>
           </a:p>
@@ -5895,7 +5896,7 @@
           <a:p>
             <a:fld id="{AC497D32-2840-2146-B40C-F512D97EA0E9}" type="datetime1">
               <a:rPr lang="en-GB" smtClean="0"/>
-              <a:t>13/04/2018</a:t>
+              <a:t>01/05/2018</a:t>
             </a:fld>
             <a:endParaRPr lang="en-US" dirty="0"/>
           </a:p>
@@ -6436,7 +6437,7 @@
           <a:p>
             <a:fld id="{D1D1E05D-5917-484A-9732-5B2D4D4A1CE6}" type="datetime1">
               <a:rPr lang="en-GB" smtClean="0"/>
-              <a:t>13/04/2018</a:t>
+              <a:t>01/05/2018</a:t>
             </a:fld>
             <a:endParaRPr lang="en-US" dirty="0"/>
           </a:p>
@@ -7151,7 +7152,7 @@
           <a:p>
             <a:fld id="{6A27734D-9DD0-8E40-A99A-935B1F878F10}" type="datetime1">
               <a:rPr lang="en-GB" smtClean="0"/>
-              <a:t>13/04/2018</a:t>
+              <a:t>01/05/2018</a:t>
             </a:fld>
             <a:endParaRPr lang="en-US" dirty="0"/>
           </a:p>
@@ -7316,7 +7317,7 @@
           <a:p>
             <a:fld id="{C111EEE5-F88A-A145-98C1-E080E6FF3829}" type="datetime1">
               <a:rPr lang="en-GB" smtClean="0"/>
-              <a:t>13/04/2018</a:t>
+              <a:t>01/05/2018</a:t>
             </a:fld>
             <a:endParaRPr lang="en-US" dirty="0"/>
           </a:p>
@@ -7491,7 +7492,7 @@
           <a:p>
             <a:fld id="{AA3DB9F5-8892-B240-8F68-0E1DF5139BA9}" type="datetime1">
               <a:rPr lang="en-GB" smtClean="0"/>
-              <a:t>13/04/2018</a:t>
+              <a:t>01/05/2018</a:t>
             </a:fld>
             <a:endParaRPr lang="en-US" dirty="0"/>
           </a:p>
@@ -7656,7 +7657,7 @@
           <a:p>
             <a:fld id="{D9C34071-2D55-834B-ABA2-DBA3F1BC9487}" type="datetime1">
               <a:rPr lang="en-GB" smtClean="0"/>
-              <a:t>13/04/2018</a:t>
+              <a:t>01/05/2018</a:t>
             </a:fld>
             <a:endParaRPr lang="en-US" dirty="0"/>
           </a:p>
@@ -7901,7 +7902,7 @@
           <a:p>
             <a:fld id="{CA9588CE-D72A-7144-B575-004E99DE10CD}" type="datetime1">
               <a:rPr lang="en-GB" smtClean="0"/>
-              <a:t>13/04/2018</a:t>
+              <a:t>01/05/2018</a:t>
             </a:fld>
             <a:endParaRPr lang="en-US" dirty="0"/>
           </a:p>
@@ -8128,7 +8129,7 @@
           <a:p>
             <a:fld id="{046A8B55-F057-C14C-9D59-3FD572266CF0}" type="datetime1">
               <a:rPr lang="en-GB" smtClean="0"/>
-              <a:t>13/04/2018</a:t>
+              <a:t>01/05/2018</a:t>
             </a:fld>
             <a:endParaRPr lang="en-US" dirty="0"/>
           </a:p>
@@ -8504,7 +8505,7 @@
           <a:p>
             <a:fld id="{6EBFBBEE-E0FF-5F46-90AA-365964775437}" type="datetime1">
               <a:rPr lang="en-GB" smtClean="0"/>
-              <a:t>13/04/2018</a:t>
+              <a:t>01/05/2018</a:t>
             </a:fld>
             <a:endParaRPr lang="en-US" dirty="0"/>
           </a:p>
@@ -8617,7 +8618,7 @@
           <a:p>
             <a:fld id="{67104C7E-6951-C942-B89F-1978CD77B240}" type="datetime1">
               <a:rPr lang="en-GB" smtClean="0"/>
-              <a:t>13/04/2018</a:t>
+              <a:t>01/05/2018</a:t>
             </a:fld>
             <a:endParaRPr lang="en-US" dirty="0"/>
           </a:p>
@@ -8707,7 +8708,7 @@
           <a:p>
             <a:fld id="{A56EC332-5D25-0D44-ACA5-4595425E575C}" type="datetime1">
               <a:rPr lang="en-GB" smtClean="0"/>
-              <a:t>13/04/2018</a:t>
+              <a:t>01/05/2018</a:t>
             </a:fld>
             <a:endParaRPr lang="en-US" dirty="0"/>
           </a:p>
@@ -8951,7 +8952,7 @@
           <a:p>
             <a:fld id="{BA7B8CEB-6545-EE4E-95E9-9E4FB7B57DB2}" type="datetime1">
               <a:rPr lang="en-GB" smtClean="0"/>
-              <a:t>13/04/2018</a:t>
+              <a:t>01/05/2018</a:t>
             </a:fld>
             <a:endParaRPr lang="en-US" dirty="0"/>
           </a:p>
@@ -9226,7 +9227,7 @@
           <a:p>
             <a:fld id="{C512505A-655C-694B-A88B-680700DC2E78}" type="datetime1">
               <a:rPr lang="en-GB" smtClean="0"/>
-              <a:t>13/04/2018</a:t>
+              <a:t>01/05/2018</a:t>
             </a:fld>
             <a:endParaRPr lang="en-US" dirty="0"/>
           </a:p>
@@ -9337,7 +9338,7 @@
           <a:noFill/>
           <a:extLst>
             <a:ext uri="{909E8E84-426E-40dd-AFC4-6F175D3DCCD1}">
-              <a14:hiddenFill xmlns:a14="http://schemas.microsoft.com/office/drawing/2010/main" xmlns="">
+              <a14:hiddenFill xmlns="" xmlns:a14="http://schemas.microsoft.com/office/drawing/2010/main">
                 <a:solidFill>
                   <a:srgbClr val="FFFFFF"/>
                 </a:solidFill>
@@ -9411,7 +9412,7 @@
               </a:ln>
               <a:extLst>
                 <a:ext uri="{91240B29-F687-4f45-9708-019B960494DF}">
-                  <a14:hiddenLine xmlns:a14="http://schemas.microsoft.com/office/drawing/2010/main" xmlns="" w="9525">
+                  <a14:hiddenLine xmlns="" xmlns:a14="http://schemas.microsoft.com/office/drawing/2010/main" w="9525">
                     <a:solidFill>
                       <a:srgbClr val="000000"/>
                     </a:solidFill>
@@ -9501,7 +9502,7 @@
               </a:ln>
               <a:extLst>
                 <a:ext uri="{91240B29-F687-4f45-9708-019B960494DF}">
-                  <a14:hiddenLine xmlns:a14="http://schemas.microsoft.com/office/drawing/2010/main" xmlns="" w="9525">
+                  <a14:hiddenLine xmlns="" xmlns:a14="http://schemas.microsoft.com/office/drawing/2010/main" w="9525">
                     <a:solidFill>
                       <a:srgbClr val="000000"/>
                     </a:solidFill>
@@ -9591,7 +9592,7 @@
               </a:ln>
               <a:extLst>
                 <a:ext uri="{91240B29-F687-4f45-9708-019B960494DF}">
-                  <a14:hiddenLine xmlns:a14="http://schemas.microsoft.com/office/drawing/2010/main" xmlns="" w="9525">
+                  <a14:hiddenLine xmlns="" xmlns:a14="http://schemas.microsoft.com/office/drawing/2010/main" w="9525">
                     <a:solidFill>
                       <a:srgbClr val="000000"/>
                     </a:solidFill>
@@ -9653,7 +9654,7 @@
               </a:ln>
               <a:extLst>
                 <a:ext uri="{91240B29-F687-4f45-9708-019B960494DF}">
-                  <a14:hiddenLine xmlns:a14="http://schemas.microsoft.com/office/drawing/2010/main" xmlns="" w="9525">
+                  <a14:hiddenLine xmlns="" xmlns:a14="http://schemas.microsoft.com/office/drawing/2010/main" w="9525">
                     <a:solidFill>
                       <a:srgbClr val="000000"/>
                     </a:solidFill>
@@ -9743,7 +9744,7 @@
               </a:ln>
               <a:extLst>
                 <a:ext uri="{91240B29-F687-4f45-9708-019B960494DF}">
-                  <a14:hiddenLine xmlns:a14="http://schemas.microsoft.com/office/drawing/2010/main" xmlns="" w="9525">
+                  <a14:hiddenLine xmlns="" xmlns:a14="http://schemas.microsoft.com/office/drawing/2010/main" w="9525">
                     <a:solidFill>
                       <a:srgbClr val="000000"/>
                     </a:solidFill>
@@ -9805,7 +9806,7 @@
               </a:ln>
               <a:extLst>
                 <a:ext uri="{91240B29-F687-4f45-9708-019B960494DF}">
-                  <a14:hiddenLine xmlns:a14="http://schemas.microsoft.com/office/drawing/2010/main" xmlns="" w="9525">
+                  <a14:hiddenLine xmlns="" xmlns:a14="http://schemas.microsoft.com/office/drawing/2010/main" w="9525">
                     <a:solidFill>
                       <a:srgbClr val="000000"/>
                     </a:solidFill>
@@ -9867,7 +9868,7 @@
               </a:ln>
               <a:extLst>
                 <a:ext uri="{91240B29-F687-4f45-9708-019B960494DF}">
-                  <a14:hiddenLine xmlns:a14="http://schemas.microsoft.com/office/drawing/2010/main" xmlns="" w="9525">
+                  <a14:hiddenLine xmlns="" xmlns:a14="http://schemas.microsoft.com/office/drawing/2010/main" w="9525">
                     <a:solidFill>
                       <a:srgbClr val="000000"/>
                     </a:solidFill>
@@ -9957,7 +9958,7 @@
               </a:ln>
               <a:extLst>
                 <a:ext uri="{91240B29-F687-4f45-9708-019B960494DF}">
-                  <a14:hiddenLine xmlns:a14="http://schemas.microsoft.com/office/drawing/2010/main" xmlns="" w="9525">
+                  <a14:hiddenLine xmlns="" xmlns:a14="http://schemas.microsoft.com/office/drawing/2010/main" w="9525">
                     <a:solidFill>
                       <a:srgbClr val="000000"/>
                     </a:solidFill>
@@ -10047,7 +10048,7 @@
               </a:ln>
               <a:extLst>
                 <a:ext uri="{91240B29-F687-4f45-9708-019B960494DF}">
-                  <a14:hiddenLine xmlns:a14="http://schemas.microsoft.com/office/drawing/2010/main" xmlns="" w="9525">
+                  <a14:hiddenLine xmlns="" xmlns:a14="http://schemas.microsoft.com/office/drawing/2010/main" w="9525">
                     <a:solidFill>
                       <a:srgbClr val="000000"/>
                     </a:solidFill>
@@ -10109,7 +10110,7 @@
               </a:ln>
               <a:extLst>
                 <a:ext uri="{91240B29-F687-4f45-9708-019B960494DF}">
-                  <a14:hiddenLine xmlns:a14="http://schemas.microsoft.com/office/drawing/2010/main" xmlns="" w="9525">
+                  <a14:hiddenLine xmlns="" xmlns:a14="http://schemas.microsoft.com/office/drawing/2010/main" w="9525">
                     <a:solidFill>
                       <a:srgbClr val="000000"/>
                     </a:solidFill>
@@ -10219,7 +10220,7 @@
               </a:ln>
               <a:extLst>
                 <a:ext uri="{91240B29-F687-4f45-9708-019B960494DF}">
-                  <a14:hiddenLine xmlns:a14="http://schemas.microsoft.com/office/drawing/2010/main" xmlns="" w="9525">
+                  <a14:hiddenLine xmlns="" xmlns:a14="http://schemas.microsoft.com/office/drawing/2010/main" w="9525">
                     <a:solidFill>
                       <a:srgbClr val="000000"/>
                     </a:solidFill>
@@ -10303,7 +10304,7 @@
               </a:ln>
               <a:extLst>
                 <a:ext uri="{91240B29-F687-4f45-9708-019B960494DF}">
-                  <a14:hiddenLine xmlns:a14="http://schemas.microsoft.com/office/drawing/2010/main" xmlns="" w="9525">
+                  <a14:hiddenLine xmlns="" xmlns:a14="http://schemas.microsoft.com/office/drawing/2010/main" w="9525">
                     <a:solidFill>
                       <a:srgbClr val="000000"/>
                     </a:solidFill>
@@ -10365,7 +10366,7 @@
               </a:ln>
               <a:extLst>
                 <a:ext uri="{91240B29-F687-4f45-9708-019B960494DF}">
-                  <a14:hiddenLine xmlns:a14="http://schemas.microsoft.com/office/drawing/2010/main" xmlns="" w="9525">
+                  <a14:hiddenLine xmlns="" xmlns:a14="http://schemas.microsoft.com/office/drawing/2010/main" w="9525">
                     <a:solidFill>
                       <a:srgbClr val="000000"/>
                     </a:solidFill>
@@ -10427,7 +10428,7 @@
               </a:ln>
               <a:extLst>
                 <a:ext uri="{91240B29-F687-4f45-9708-019B960494DF}">
-                  <a14:hiddenLine xmlns:a14="http://schemas.microsoft.com/office/drawing/2010/main" xmlns="" w="9525">
+                  <a14:hiddenLine xmlns="" xmlns:a14="http://schemas.microsoft.com/office/drawing/2010/main" w="9525">
                     <a:solidFill>
                       <a:srgbClr val="000000"/>
                     </a:solidFill>
@@ -10517,7 +10518,7 @@
               </a:ln>
               <a:extLst>
                 <a:ext uri="{91240B29-F687-4f45-9708-019B960494DF}">
-                  <a14:hiddenLine xmlns:a14="http://schemas.microsoft.com/office/drawing/2010/main" xmlns="" w="9525">
+                  <a14:hiddenLine xmlns="" xmlns:a14="http://schemas.microsoft.com/office/drawing/2010/main" w="9525">
                     <a:solidFill>
                       <a:srgbClr val="000000"/>
                     </a:solidFill>
@@ -10551,7 +10552,7 @@
               </a:ln>
               <a:extLst>
                 <a:ext uri="{91240B29-F687-4f45-9708-019B960494DF}">
-                  <a14:hiddenLine xmlns:a14="http://schemas.microsoft.com/office/drawing/2010/main" xmlns="" w="9525">
+                  <a14:hiddenLine xmlns="" xmlns:a14="http://schemas.microsoft.com/office/drawing/2010/main" w="9525">
                     <a:solidFill>
                       <a:srgbClr val="000000"/>
                     </a:solidFill>
@@ -10616,7 +10617,7 @@
               </a:ln>
               <a:extLst>
                 <a:ext uri="{91240B29-F687-4f45-9708-019B960494DF}">
-                  <a14:hiddenLine xmlns:a14="http://schemas.microsoft.com/office/drawing/2010/main" xmlns="" w="9525">
+                  <a14:hiddenLine xmlns="" xmlns:a14="http://schemas.microsoft.com/office/drawing/2010/main" w="9525">
                     <a:solidFill>
                       <a:srgbClr val="000000"/>
                     </a:solidFill>
@@ -10706,7 +10707,7 @@
               </a:ln>
               <a:extLst>
                 <a:ext uri="{91240B29-F687-4f45-9708-019B960494DF}">
-                  <a14:hiddenLine xmlns:a14="http://schemas.microsoft.com/office/drawing/2010/main" xmlns="" w="9525">
+                  <a14:hiddenLine xmlns="" xmlns:a14="http://schemas.microsoft.com/office/drawing/2010/main" w="9525">
                     <a:solidFill>
                       <a:srgbClr val="000000"/>
                     </a:solidFill>
@@ -10768,7 +10769,7 @@
               </a:ln>
               <a:extLst>
                 <a:ext uri="{91240B29-F687-4f45-9708-019B960494DF}">
-                  <a14:hiddenLine xmlns:a14="http://schemas.microsoft.com/office/drawing/2010/main" xmlns="" w="9525">
+                  <a14:hiddenLine xmlns="" xmlns:a14="http://schemas.microsoft.com/office/drawing/2010/main" w="9525">
                     <a:solidFill>
                       <a:srgbClr val="000000"/>
                     </a:solidFill>
@@ -10858,7 +10859,7 @@
               </a:ln>
               <a:extLst>
                 <a:ext uri="{91240B29-F687-4f45-9708-019B960494DF}">
-                  <a14:hiddenLine xmlns:a14="http://schemas.microsoft.com/office/drawing/2010/main" xmlns="" w="9525">
+                  <a14:hiddenLine xmlns="" xmlns:a14="http://schemas.microsoft.com/office/drawing/2010/main" w="9525">
                     <a:solidFill>
                       <a:srgbClr val="000000"/>
                     </a:solidFill>
@@ -10923,7 +10924,7 @@
               </a:ln>
               <a:extLst>
                 <a:ext uri="{91240B29-F687-4f45-9708-019B960494DF}">
-                  <a14:hiddenLine xmlns:a14="http://schemas.microsoft.com/office/drawing/2010/main" xmlns="" w="9525">
+                  <a14:hiddenLine xmlns="" xmlns:a14="http://schemas.microsoft.com/office/drawing/2010/main" w="9525">
                     <a:solidFill>
                       <a:srgbClr val="000000"/>
                     </a:solidFill>
@@ -10985,7 +10986,7 @@
               </a:ln>
               <a:extLst>
                 <a:ext uri="{91240B29-F687-4f45-9708-019B960494DF}">
-                  <a14:hiddenLine xmlns:a14="http://schemas.microsoft.com/office/drawing/2010/main" xmlns="" w="9525">
+                  <a14:hiddenLine xmlns="" xmlns:a14="http://schemas.microsoft.com/office/drawing/2010/main" w="9525">
                     <a:solidFill>
                       <a:srgbClr val="000000"/>
                     </a:solidFill>
@@ -11075,7 +11076,7 @@
               </a:ln>
               <a:extLst>
                 <a:ext uri="{91240B29-F687-4f45-9708-019B960494DF}">
-                  <a14:hiddenLine xmlns:a14="http://schemas.microsoft.com/office/drawing/2010/main" xmlns="" w="9525">
+                  <a14:hiddenLine xmlns="" xmlns:a14="http://schemas.microsoft.com/office/drawing/2010/main" w="9525">
                     <a:solidFill>
                       <a:srgbClr val="000000"/>
                     </a:solidFill>
@@ -11165,7 +11166,7 @@
               </a:ln>
               <a:extLst>
                 <a:ext uri="{91240B29-F687-4f45-9708-019B960494DF}">
-                  <a14:hiddenLine xmlns:a14="http://schemas.microsoft.com/office/drawing/2010/main" xmlns="" w="9525">
+                  <a14:hiddenLine xmlns="" xmlns:a14="http://schemas.microsoft.com/office/drawing/2010/main" w="9525">
                     <a:solidFill>
                       <a:srgbClr val="000000"/>
                     </a:solidFill>
@@ -11230,7 +11231,7 @@
               </a:ln>
               <a:extLst>
                 <a:ext uri="{91240B29-F687-4f45-9708-019B960494DF}">
-                  <a14:hiddenLine xmlns:a14="http://schemas.microsoft.com/office/drawing/2010/main" xmlns="" w="9525">
+                  <a14:hiddenLine xmlns="" xmlns:a14="http://schemas.microsoft.com/office/drawing/2010/main" w="9525">
                     <a:solidFill>
                       <a:srgbClr val="000000"/>
                     </a:solidFill>
@@ -11350,7 +11351,7 @@
               </a:ln>
               <a:extLst>
                 <a:ext uri="{91240B29-F687-4f45-9708-019B960494DF}">
-                  <a14:hiddenLine xmlns:a14="http://schemas.microsoft.com/office/drawing/2010/main" xmlns="" w="9525">
+                  <a14:hiddenLine xmlns="" xmlns:a14="http://schemas.microsoft.com/office/drawing/2010/main" w="9525">
                     <a:solidFill>
                       <a:srgbClr val="000000"/>
                     </a:solidFill>
@@ -11448,7 +11449,7 @@
               </a:ln>
               <a:extLst>
                 <a:ext uri="{91240B29-F687-4f45-9708-019B960494DF}">
-                  <a14:hiddenLine xmlns:a14="http://schemas.microsoft.com/office/drawing/2010/main" xmlns="" w="9525">
+                  <a14:hiddenLine xmlns="" xmlns:a14="http://schemas.microsoft.com/office/drawing/2010/main" w="9525">
                     <a:solidFill>
                       <a:srgbClr val="000000"/>
                     </a:solidFill>
@@ -11563,7 +11564,7 @@
               </a:ln>
               <a:extLst>
                 <a:ext uri="{91240B29-F687-4f45-9708-019B960494DF}">
-                  <a14:hiddenLine xmlns:a14="http://schemas.microsoft.com/office/drawing/2010/main" xmlns="" w="9525">
+                  <a14:hiddenLine xmlns="" xmlns:a14="http://schemas.microsoft.com/office/drawing/2010/main" w="9525">
                     <a:solidFill>
                       <a:srgbClr val="000000"/>
                     </a:solidFill>
@@ -11653,7 +11654,7 @@
               </a:ln>
               <a:extLst>
                 <a:ext uri="{91240B29-F687-4f45-9708-019B960494DF}">
-                  <a14:hiddenLine xmlns:a14="http://schemas.microsoft.com/office/drawing/2010/main" xmlns="" w="9525">
+                  <a14:hiddenLine xmlns="" xmlns:a14="http://schemas.microsoft.com/office/drawing/2010/main" w="9525">
                     <a:solidFill>
                       <a:srgbClr val="000000"/>
                     </a:solidFill>
@@ -11718,7 +11719,7 @@
               </a:ln>
               <a:extLst>
                 <a:ext uri="{91240B29-F687-4f45-9708-019B960494DF}">
-                  <a14:hiddenLine xmlns:a14="http://schemas.microsoft.com/office/drawing/2010/main" xmlns="" w="9525">
+                  <a14:hiddenLine xmlns="" xmlns:a14="http://schemas.microsoft.com/office/drawing/2010/main" w="9525">
                     <a:solidFill>
                       <a:srgbClr val="000000"/>
                     </a:solidFill>
@@ -11808,7 +11809,7 @@
               </a:ln>
               <a:extLst>
                 <a:ext uri="{91240B29-F687-4f45-9708-019B960494DF}">
-                  <a14:hiddenLine xmlns:a14="http://schemas.microsoft.com/office/drawing/2010/main" xmlns="" w="9525">
+                  <a14:hiddenLine xmlns="" xmlns:a14="http://schemas.microsoft.com/office/drawing/2010/main" w="9525">
                     <a:solidFill>
                       <a:srgbClr val="000000"/>
                     </a:solidFill>
@@ -11876,7 +11877,7 @@
               </a:ln>
               <a:extLst>
                 <a:ext uri="{91240B29-F687-4f45-9708-019B960494DF}">
-                  <a14:hiddenLine xmlns:a14="http://schemas.microsoft.com/office/drawing/2010/main" xmlns="" w="9525">
+                  <a14:hiddenLine xmlns="" xmlns:a14="http://schemas.microsoft.com/office/drawing/2010/main" w="9525">
                     <a:solidFill>
                       <a:srgbClr val="000000"/>
                     </a:solidFill>
@@ -11966,7 +11967,7 @@
               </a:ln>
               <a:extLst>
                 <a:ext uri="{91240B29-F687-4f45-9708-019B960494DF}">
-                  <a14:hiddenLine xmlns:a14="http://schemas.microsoft.com/office/drawing/2010/main" xmlns="" w="9525">
+                  <a14:hiddenLine xmlns="" xmlns:a14="http://schemas.microsoft.com/office/drawing/2010/main" w="9525">
                     <a:solidFill>
                       <a:srgbClr val="000000"/>
                     </a:solidFill>
@@ -12034,7 +12035,7 @@
               </a:ln>
               <a:extLst>
                 <a:ext uri="{91240B29-F687-4f45-9708-019B960494DF}">
-                  <a14:hiddenLine xmlns:a14="http://schemas.microsoft.com/office/drawing/2010/main" xmlns="" w="9525">
+                  <a14:hiddenLine xmlns="" xmlns:a14="http://schemas.microsoft.com/office/drawing/2010/main" w="9525">
                     <a:solidFill>
                       <a:srgbClr val="000000"/>
                     </a:solidFill>
@@ -12124,7 +12125,7 @@
               </a:ln>
               <a:extLst>
                 <a:ext uri="{91240B29-F687-4f45-9708-019B960494DF}">
-                  <a14:hiddenLine xmlns:a14="http://schemas.microsoft.com/office/drawing/2010/main" xmlns="" w="9525">
+                  <a14:hiddenLine xmlns="" xmlns:a14="http://schemas.microsoft.com/office/drawing/2010/main" w="9525">
                     <a:solidFill>
                       <a:srgbClr val="000000"/>
                     </a:solidFill>
@@ -12158,7 +12159,7 @@
               </a:ln>
               <a:extLst>
                 <a:ext uri="{91240B29-F687-4f45-9708-019B960494DF}">
-                  <a14:hiddenLine xmlns:a14="http://schemas.microsoft.com/office/drawing/2010/main" xmlns="" w="9525">
+                  <a14:hiddenLine xmlns="" xmlns:a14="http://schemas.microsoft.com/office/drawing/2010/main" w="9525">
                     <a:solidFill>
                       <a:srgbClr val="000000"/>
                     </a:solidFill>
@@ -12298,7 +12299,7 @@
           <a:p>
             <a:fld id="{BE97ED8E-737B-E442-9A16-1F9BE8B41904}" type="datetime1">
               <a:rPr lang="en-GB" smtClean="0"/>
-              <a:t>13/04/2018</a:t>
+              <a:t>01/05/2018</a:t>
             </a:fld>
             <a:endParaRPr lang="en-US" dirty="0"/>
           </a:p>
@@ -12888,6 +12889,266 @@
           </a:p>
         </p:txBody>
       </p:sp>
+      <p:graphicFrame>
+        <p:nvGraphicFramePr>
+          <p:cNvPr id="8" name="Table 7">
+            <a:extLst>
+              <a:ext uri="{FF2B5EF4-FFF2-40B4-BE49-F238E27FC236}">
+                <a16:creationId xmlns:a16="http://schemas.microsoft.com/office/drawing/2014/main" id="{612828D2-8CEF-6640-BC07-1C8AAABB816F}"/>
+              </a:ext>
+            </a:extLst>
+          </p:cNvPr>
+          <p:cNvGraphicFramePr>
+            <a:graphicFrameLocks noGrp="1"/>
+          </p:cNvGraphicFramePr>
+          <p:nvPr>
+            <p:extLst>
+              <p:ext uri="{D42A27DB-BD31-4B8C-83A1-F6EECF244321}">
+                <p14:modId xmlns:p14="http://schemas.microsoft.com/office/powerpoint/2010/main" val="1470551061"/>
+              </p:ext>
+            </p:extLst>
+          </p:nvPr>
+        </p:nvGraphicFramePr>
+        <p:xfrm>
+          <a:off x="1706758" y="1857051"/>
+          <a:ext cx="3583320" cy="825196"/>
+        </p:xfrm>
+        <a:graphic>
+          <a:graphicData uri="http://schemas.openxmlformats.org/drawingml/2006/table">
+            <a:tbl>
+              <a:tblPr firstRow="1" bandRow="1">
+                <a:tableStyleId>{5C22544A-7EE6-4342-B048-85BDC9FD1C3A}</a:tableStyleId>
+              </a:tblPr>
+              <a:tblGrid>
+                <a:gridCol w="1194440">
+                  <a:extLst>
+                    <a:ext uri="{9D8B030D-6E8A-4147-A177-3AD203B41FA5}">
+                      <a16:colId xmlns:a16="http://schemas.microsoft.com/office/drawing/2014/main" val="3362155145"/>
+                    </a:ext>
+                  </a:extLst>
+                </a:gridCol>
+                <a:gridCol w="1194440">
+                  <a:extLst>
+                    <a:ext uri="{9D8B030D-6E8A-4147-A177-3AD203B41FA5}">
+                      <a16:colId xmlns:a16="http://schemas.microsoft.com/office/drawing/2014/main" val="1321972559"/>
+                    </a:ext>
+                  </a:extLst>
+                </a:gridCol>
+                <a:gridCol w="1194440">
+                  <a:extLst>
+                    <a:ext uri="{9D8B030D-6E8A-4147-A177-3AD203B41FA5}">
+                      <a16:colId xmlns:a16="http://schemas.microsoft.com/office/drawing/2014/main" val="2424465576"/>
+                    </a:ext>
+                  </a:extLst>
+                </a:gridCol>
+              </a:tblGrid>
+              <a:tr h="321605">
+                <a:tc>
+                  <a:txBody>
+                    <a:bodyPr/>
+                    <a:lstStyle/>
+                    <a:p>
+                      <a:pPr algn="ctr"/>
+                      <a:r>
+                        <a:rPr lang="en-US" b="0" dirty="0">
+                          <a:solidFill>
+                            <a:srgbClr val="FF0000"/>
+                          </a:solidFill>
+                        </a:rPr>
+                        <a:t>RED</a:t>
+                      </a:r>
+                    </a:p>
+                  </a:txBody>
+                  <a:tcPr>
+                    <a:solidFill>
+                      <a:schemeClr val="accent5">
+                        <a:lumMod val="40000"/>
+                        <a:lumOff val="60000"/>
+                      </a:schemeClr>
+                    </a:solidFill>
+                  </a:tcPr>
+                </a:tc>
+                <a:tc>
+                  <a:txBody>
+                    <a:bodyPr/>
+                    <a:lstStyle/>
+                    <a:p>
+                      <a:pPr algn="ctr"/>
+                      <a:r>
+                        <a:rPr lang="en-US" b="0" dirty="0">
+                          <a:solidFill>
+                            <a:srgbClr val="00B050"/>
+                          </a:solidFill>
+                        </a:rPr>
+                        <a:t>GREEN</a:t>
+                      </a:r>
+                    </a:p>
+                  </a:txBody>
+                  <a:tcPr>
+                    <a:solidFill>
+                      <a:schemeClr val="accent5">
+                        <a:lumMod val="40000"/>
+                        <a:lumOff val="60000"/>
+                      </a:schemeClr>
+                    </a:solidFill>
+                  </a:tcPr>
+                </a:tc>
+                <a:tc>
+                  <a:txBody>
+                    <a:bodyPr/>
+                    <a:lstStyle/>
+                    <a:p>
+                      <a:pPr algn="ctr"/>
+                      <a:r>
+                        <a:rPr lang="en-US" b="0" dirty="0">
+                          <a:solidFill>
+                            <a:srgbClr val="0070C0"/>
+                          </a:solidFill>
+                        </a:rPr>
+                        <a:t>BLUE</a:t>
+                      </a:r>
+                    </a:p>
+                  </a:txBody>
+                  <a:tcPr>
+                    <a:solidFill>
+                      <a:schemeClr val="accent5">
+                        <a:lumMod val="40000"/>
+                        <a:lumOff val="60000"/>
+                      </a:schemeClr>
+                    </a:solidFill>
+                  </a:tcPr>
+                </a:tc>
+                <a:extLst>
+                  <a:ext uri="{0D108BD9-81ED-4DB2-BD59-A6C34878D82A}">
+                    <a16:rowId xmlns:a16="http://schemas.microsoft.com/office/drawing/2014/main" val="592600983"/>
+                  </a:ext>
+                </a:extLst>
+              </a:tr>
+              <a:tr h="459436">
+                <a:tc>
+                  <a:txBody>
+                    <a:bodyPr/>
+                    <a:lstStyle/>
+                    <a:p>
+                      <a:r>
+                        <a:rPr lang="en-US" b="0" dirty="0"/>
+                        <a:t>11111111</a:t>
+                      </a:r>
+                    </a:p>
+                  </a:txBody>
+                  <a:tcPr>
+                    <a:solidFill>
+                      <a:schemeClr val="accent5">
+                        <a:lumMod val="40000"/>
+                        <a:lumOff val="60000"/>
+                      </a:schemeClr>
+                    </a:solidFill>
+                  </a:tcPr>
+                </a:tc>
+                <a:tc>
+                  <a:txBody>
+                    <a:bodyPr/>
+                    <a:lstStyle/>
+                    <a:p>
+                      <a:r>
+                        <a:rPr lang="en-US" b="0" dirty="0">
+                          <a:solidFill>
+                            <a:schemeClr val="bg1"/>
+                          </a:solidFill>
+                        </a:rPr>
+                        <a:t>11111111</a:t>
+                      </a:r>
+                    </a:p>
+                  </a:txBody>
+                  <a:tcPr>
+                    <a:solidFill>
+                      <a:schemeClr val="accent5">
+                        <a:lumMod val="40000"/>
+                        <a:lumOff val="60000"/>
+                      </a:schemeClr>
+                    </a:solidFill>
+                  </a:tcPr>
+                </a:tc>
+                <a:tc>
+                  <a:txBody>
+                    <a:bodyPr/>
+                    <a:lstStyle/>
+                    <a:p>
+                      <a:r>
+                        <a:rPr lang="en-US" b="0" dirty="0"/>
+                        <a:t>11111111</a:t>
+                      </a:r>
+                    </a:p>
+                  </a:txBody>
+                  <a:tcPr>
+                    <a:solidFill>
+                      <a:schemeClr val="accent5">
+                        <a:lumMod val="40000"/>
+                        <a:lumOff val="60000"/>
+                      </a:schemeClr>
+                    </a:solidFill>
+                  </a:tcPr>
+                </a:tc>
+                <a:extLst>
+                  <a:ext uri="{0D108BD9-81ED-4DB2-BD59-A6C34878D82A}">
+                    <a16:rowId xmlns:a16="http://schemas.microsoft.com/office/drawing/2014/main" val="699320502"/>
+                  </a:ext>
+                </a:extLst>
+              </a:tr>
+            </a:tbl>
+          </a:graphicData>
+        </a:graphic>
+      </p:graphicFrame>
+      <p:sp>
+        <p:nvSpPr>
+          <p:cNvPr id="3" name="Frame 2">
+            <a:extLst>
+              <a:ext uri="{FF2B5EF4-FFF2-40B4-BE49-F238E27FC236}">
+                <a16:creationId xmlns:a16="http://schemas.microsoft.com/office/drawing/2014/main" id="{D86A4EC2-E178-174C-BEEC-F5E1844F99F8}"/>
+              </a:ext>
+            </a:extLst>
+          </p:cNvPr>
+          <p:cNvSpPr/>
+          <p:nvPr/>
+        </p:nvSpPr>
+        <p:spPr>
+          <a:xfrm>
+            <a:off x="1706758" y="2186701"/>
+            <a:ext cx="659252" cy="491070"/>
+          </a:xfrm>
+          <a:prstGeom prst="frame">
+            <a:avLst/>
+          </a:prstGeom>
+        </p:spPr>
+        <p:style>
+          <a:lnRef idx="2">
+            <a:schemeClr val="accent1">
+              <a:shade val="50000"/>
+            </a:schemeClr>
+          </a:lnRef>
+          <a:fillRef idx="1">
+            <a:schemeClr val="accent1"/>
+          </a:fillRef>
+          <a:effectRef idx="0">
+            <a:schemeClr val="accent1"/>
+          </a:effectRef>
+          <a:fontRef idx="minor">
+            <a:schemeClr val="lt1"/>
+          </a:fontRef>
+        </p:style>
+        <p:txBody>
+          <a:bodyPr rtlCol="0" anchor="ctr"/>
+          <a:lstStyle/>
+          <a:p>
+            <a:pPr algn="ctr"/>
+            <a:endParaRPr lang="en-US">
+              <a:solidFill>
+                <a:schemeClr val="tx1"/>
+              </a:solidFill>
+            </a:endParaRPr>
+          </a:p>
+        </p:txBody>
+      </p:sp>
       <p:sp>
         <p:nvSpPr>
           <p:cNvPr id="5" name="Slide Number Placeholder 4">
@@ -12912,6 +13173,1290 @@
             <a:fld id="{6D22F896-40B5-4ADD-8801-0D06FADFA095}" type="slidenum">
               <a:rPr lang="en-US" smtClean="0"/>
               <a:t>10</a:t>
+            </a:fld>
+            <a:endParaRPr lang="en-US" dirty="0"/>
+          </a:p>
+        </p:txBody>
+      </p:sp>
+      <p:graphicFrame>
+        <p:nvGraphicFramePr>
+          <p:cNvPr id="9" name="Table 8">
+            <a:extLst>
+              <a:ext uri="{FF2B5EF4-FFF2-40B4-BE49-F238E27FC236}">
+                <a16:creationId xmlns:a16="http://schemas.microsoft.com/office/drawing/2014/main" id="{FCC638C2-6F04-EC42-998C-F42B24859A8D}"/>
+              </a:ext>
+            </a:extLst>
+          </p:cNvPr>
+          <p:cNvGraphicFramePr>
+            <a:graphicFrameLocks noGrp="1"/>
+          </p:cNvGraphicFramePr>
+          <p:nvPr>
+            <p:extLst>
+              <p:ext uri="{D42A27DB-BD31-4B8C-83A1-F6EECF244321}">
+                <p14:modId xmlns:p14="http://schemas.microsoft.com/office/powerpoint/2010/main" val="3822741675"/>
+              </p:ext>
+            </p:extLst>
+          </p:nvPr>
+        </p:nvGraphicFramePr>
+        <p:xfrm>
+          <a:off x="1706758" y="4242531"/>
+          <a:ext cx="3583320" cy="825196"/>
+        </p:xfrm>
+        <a:graphic>
+          <a:graphicData uri="http://schemas.openxmlformats.org/drawingml/2006/table">
+            <a:tbl>
+              <a:tblPr firstRow="1" bandRow="1">
+                <a:tableStyleId>{5C22544A-7EE6-4342-B048-85BDC9FD1C3A}</a:tableStyleId>
+              </a:tblPr>
+              <a:tblGrid>
+                <a:gridCol w="1194440">
+                  <a:extLst>
+                    <a:ext uri="{9D8B030D-6E8A-4147-A177-3AD203B41FA5}">
+                      <a16:colId xmlns:a16="http://schemas.microsoft.com/office/drawing/2014/main" val="3362155145"/>
+                    </a:ext>
+                  </a:extLst>
+                </a:gridCol>
+                <a:gridCol w="1194440">
+                  <a:extLst>
+                    <a:ext uri="{9D8B030D-6E8A-4147-A177-3AD203B41FA5}">
+                      <a16:colId xmlns:a16="http://schemas.microsoft.com/office/drawing/2014/main" val="1321972559"/>
+                    </a:ext>
+                  </a:extLst>
+                </a:gridCol>
+                <a:gridCol w="1194440">
+                  <a:extLst>
+                    <a:ext uri="{9D8B030D-6E8A-4147-A177-3AD203B41FA5}">
+                      <a16:colId xmlns:a16="http://schemas.microsoft.com/office/drawing/2014/main" val="2424465576"/>
+                    </a:ext>
+                  </a:extLst>
+                </a:gridCol>
+              </a:tblGrid>
+              <a:tr h="321605">
+                <a:tc>
+                  <a:txBody>
+                    <a:bodyPr/>
+                    <a:lstStyle/>
+                    <a:p>
+                      <a:pPr algn="ctr"/>
+                      <a:r>
+                        <a:rPr lang="en-US" b="0" dirty="0">
+                          <a:solidFill>
+                            <a:srgbClr val="FF0000"/>
+                          </a:solidFill>
+                        </a:rPr>
+                        <a:t>RED</a:t>
+                      </a:r>
+                    </a:p>
+                  </a:txBody>
+                  <a:tcPr>
+                    <a:solidFill>
+                      <a:schemeClr val="accent5">
+                        <a:lumMod val="40000"/>
+                        <a:lumOff val="60000"/>
+                      </a:schemeClr>
+                    </a:solidFill>
+                  </a:tcPr>
+                </a:tc>
+                <a:tc>
+                  <a:txBody>
+                    <a:bodyPr/>
+                    <a:lstStyle/>
+                    <a:p>
+                      <a:pPr algn="ctr"/>
+                      <a:r>
+                        <a:rPr lang="en-US" b="0" dirty="0">
+                          <a:solidFill>
+                            <a:srgbClr val="00B050"/>
+                          </a:solidFill>
+                        </a:rPr>
+                        <a:t>GREEN</a:t>
+                      </a:r>
+                    </a:p>
+                  </a:txBody>
+                  <a:tcPr>
+                    <a:solidFill>
+                      <a:schemeClr val="accent5">
+                        <a:lumMod val="40000"/>
+                        <a:lumOff val="60000"/>
+                      </a:schemeClr>
+                    </a:solidFill>
+                  </a:tcPr>
+                </a:tc>
+                <a:tc>
+                  <a:txBody>
+                    <a:bodyPr/>
+                    <a:lstStyle/>
+                    <a:p>
+                      <a:pPr algn="ctr"/>
+                      <a:r>
+                        <a:rPr lang="en-US" b="0" dirty="0">
+                          <a:solidFill>
+                            <a:srgbClr val="0070C0"/>
+                          </a:solidFill>
+                        </a:rPr>
+                        <a:t>BLUE</a:t>
+                      </a:r>
+                    </a:p>
+                  </a:txBody>
+                  <a:tcPr>
+                    <a:solidFill>
+                      <a:schemeClr val="accent5">
+                        <a:lumMod val="40000"/>
+                        <a:lumOff val="60000"/>
+                      </a:schemeClr>
+                    </a:solidFill>
+                  </a:tcPr>
+                </a:tc>
+                <a:extLst>
+                  <a:ext uri="{0D108BD9-81ED-4DB2-BD59-A6C34878D82A}">
+                    <a16:rowId xmlns:a16="http://schemas.microsoft.com/office/drawing/2014/main" val="592600983"/>
+                  </a:ext>
+                </a:extLst>
+              </a:tr>
+              <a:tr h="459436">
+                <a:tc>
+                  <a:txBody>
+                    <a:bodyPr/>
+                    <a:lstStyle/>
+                    <a:p>
+                      <a:r>
+                        <a:rPr lang="en-US" b="0" dirty="0"/>
+                        <a:t>00000000</a:t>
+                      </a:r>
+                    </a:p>
+                  </a:txBody>
+                  <a:tcPr>
+                    <a:solidFill>
+                      <a:schemeClr val="accent5">
+                        <a:lumMod val="40000"/>
+                        <a:lumOff val="60000"/>
+                      </a:schemeClr>
+                    </a:solidFill>
+                  </a:tcPr>
+                </a:tc>
+                <a:tc>
+                  <a:txBody>
+                    <a:bodyPr/>
+                    <a:lstStyle/>
+                    <a:p>
+                      <a:r>
+                        <a:rPr lang="en-US" b="0" dirty="0">
+                          <a:solidFill>
+                            <a:schemeClr val="bg1"/>
+                          </a:solidFill>
+                        </a:rPr>
+                        <a:t>00000000</a:t>
+                      </a:r>
+                    </a:p>
+                  </a:txBody>
+                  <a:tcPr>
+                    <a:solidFill>
+                      <a:schemeClr val="accent5">
+                        <a:lumMod val="40000"/>
+                        <a:lumOff val="60000"/>
+                      </a:schemeClr>
+                    </a:solidFill>
+                  </a:tcPr>
+                </a:tc>
+                <a:tc>
+                  <a:txBody>
+                    <a:bodyPr/>
+                    <a:lstStyle/>
+                    <a:p>
+                      <a:r>
+                        <a:rPr lang="en-US" b="0" dirty="0"/>
+                        <a:t>00000000</a:t>
+                      </a:r>
+                    </a:p>
+                  </a:txBody>
+                  <a:tcPr>
+                    <a:solidFill>
+                      <a:schemeClr val="accent5">
+                        <a:lumMod val="40000"/>
+                        <a:lumOff val="60000"/>
+                      </a:schemeClr>
+                    </a:solidFill>
+                  </a:tcPr>
+                </a:tc>
+                <a:extLst>
+                  <a:ext uri="{0D108BD9-81ED-4DB2-BD59-A6C34878D82A}">
+                    <a16:rowId xmlns:a16="http://schemas.microsoft.com/office/drawing/2014/main" val="699320502"/>
+                  </a:ext>
+                </a:extLst>
+              </a:tr>
+            </a:tbl>
+          </a:graphicData>
+        </a:graphic>
+      </p:graphicFrame>
+      <p:sp>
+        <p:nvSpPr>
+          <p:cNvPr id="6" name="TextBox 5">
+            <a:extLst>
+              <a:ext uri="{FF2B5EF4-FFF2-40B4-BE49-F238E27FC236}">
+                <a16:creationId xmlns:a16="http://schemas.microsoft.com/office/drawing/2014/main" id="{00FD1D17-6365-5148-9CFA-86E69F591740}"/>
+              </a:ext>
+            </a:extLst>
+          </p:cNvPr>
+          <p:cNvSpPr txBox="1"/>
+          <p:nvPr/>
+        </p:nvSpPr>
+        <p:spPr>
+          <a:xfrm>
+            <a:off x="1706758" y="1428750"/>
+            <a:ext cx="3583320" cy="369332"/>
+          </a:xfrm>
+          <a:prstGeom prst="rect">
+            <a:avLst/>
+          </a:prstGeom>
+          <a:noFill/>
+        </p:spPr>
+        <p:txBody>
+          <a:bodyPr wrap="square" rtlCol="0">
+            <a:spAutoFit/>
+          </a:bodyPr>
+          <a:lstStyle/>
+          <a:p>
+            <a:r>
+              <a:rPr lang="en-US" dirty="0"/>
+              <a:t>Cover Image – 1 pixel</a:t>
+            </a:r>
+          </a:p>
+        </p:txBody>
+      </p:sp>
+      <p:sp>
+        <p:nvSpPr>
+          <p:cNvPr id="11" name="TextBox 10">
+            <a:extLst>
+              <a:ext uri="{FF2B5EF4-FFF2-40B4-BE49-F238E27FC236}">
+                <a16:creationId xmlns:a16="http://schemas.microsoft.com/office/drawing/2014/main" id="{476568B4-321A-3E40-9583-39B5E6726889}"/>
+              </a:ext>
+            </a:extLst>
+          </p:cNvPr>
+          <p:cNvSpPr txBox="1"/>
+          <p:nvPr/>
+        </p:nvSpPr>
+        <p:spPr>
+          <a:xfrm>
+            <a:off x="1706758" y="3811540"/>
+            <a:ext cx="3583320" cy="369332"/>
+          </a:xfrm>
+          <a:prstGeom prst="rect">
+            <a:avLst/>
+          </a:prstGeom>
+          <a:noFill/>
+        </p:spPr>
+        <p:txBody>
+          <a:bodyPr wrap="square" rtlCol="0">
+            <a:spAutoFit/>
+          </a:bodyPr>
+          <a:lstStyle/>
+          <a:p>
+            <a:r>
+              <a:rPr lang="en-US" dirty="0"/>
+              <a:t>Secret Image – 1 pixel</a:t>
+            </a:r>
+          </a:p>
+        </p:txBody>
+      </p:sp>
+      <p:sp>
+        <p:nvSpPr>
+          <p:cNvPr id="12" name="TextBox 11">
+            <a:extLst>
+              <a:ext uri="{FF2B5EF4-FFF2-40B4-BE49-F238E27FC236}">
+                <a16:creationId xmlns:a16="http://schemas.microsoft.com/office/drawing/2014/main" id="{9F02C8CA-F361-3149-90BF-12C70BC3B485}"/>
+              </a:ext>
+            </a:extLst>
+          </p:cNvPr>
+          <p:cNvSpPr txBox="1"/>
+          <p:nvPr/>
+        </p:nvSpPr>
+        <p:spPr>
+          <a:xfrm>
+            <a:off x="6109320" y="2677771"/>
+            <a:ext cx="3583320" cy="369332"/>
+          </a:xfrm>
+          <a:prstGeom prst="rect">
+            <a:avLst/>
+          </a:prstGeom>
+          <a:noFill/>
+        </p:spPr>
+        <p:txBody>
+          <a:bodyPr wrap="square" rtlCol="0">
+            <a:spAutoFit/>
+          </a:bodyPr>
+          <a:lstStyle/>
+          <a:p>
+            <a:r>
+              <a:rPr lang="en-US" dirty="0" err="1"/>
+              <a:t>Stego</a:t>
+            </a:r>
+            <a:r>
+              <a:rPr lang="en-US" dirty="0"/>
+              <a:t> Image – 1 pixel</a:t>
+            </a:r>
+          </a:p>
+        </p:txBody>
+      </p:sp>
+      <p:graphicFrame>
+        <p:nvGraphicFramePr>
+          <p:cNvPr id="14" name="Table 13">
+            <a:extLst>
+              <a:ext uri="{FF2B5EF4-FFF2-40B4-BE49-F238E27FC236}">
+                <a16:creationId xmlns:a16="http://schemas.microsoft.com/office/drawing/2014/main" id="{4C3C7EA2-5474-8B45-AFAB-930F933C14F6}"/>
+              </a:ext>
+            </a:extLst>
+          </p:cNvPr>
+          <p:cNvGraphicFramePr>
+            <a:graphicFrameLocks noGrp="1"/>
+          </p:cNvGraphicFramePr>
+          <p:nvPr>
+            <p:extLst>
+              <p:ext uri="{D42A27DB-BD31-4B8C-83A1-F6EECF244321}">
+                <p14:modId xmlns:p14="http://schemas.microsoft.com/office/powerpoint/2010/main" val="1245157076"/>
+              </p:ext>
+            </p:extLst>
+          </p:nvPr>
+        </p:nvGraphicFramePr>
+        <p:xfrm>
+          <a:off x="6109320" y="3062402"/>
+          <a:ext cx="4697730" cy="825196"/>
+        </p:xfrm>
+        <a:graphic>
+          <a:graphicData uri="http://schemas.openxmlformats.org/drawingml/2006/table">
+            <a:tbl>
+              <a:tblPr firstRow="1" bandRow="1">
+                <a:tableStyleId>{5C22544A-7EE6-4342-B048-85BDC9FD1C3A}</a:tableStyleId>
+              </a:tblPr>
+              <a:tblGrid>
+                <a:gridCol w="1565910">
+                  <a:extLst>
+                    <a:ext uri="{9D8B030D-6E8A-4147-A177-3AD203B41FA5}">
+                      <a16:colId xmlns:a16="http://schemas.microsoft.com/office/drawing/2014/main" val="3362155145"/>
+                    </a:ext>
+                  </a:extLst>
+                </a:gridCol>
+                <a:gridCol w="1565910">
+                  <a:extLst>
+                    <a:ext uri="{9D8B030D-6E8A-4147-A177-3AD203B41FA5}">
+                      <a16:colId xmlns:a16="http://schemas.microsoft.com/office/drawing/2014/main" val="1321972559"/>
+                    </a:ext>
+                  </a:extLst>
+                </a:gridCol>
+                <a:gridCol w="1565910">
+                  <a:extLst>
+                    <a:ext uri="{9D8B030D-6E8A-4147-A177-3AD203B41FA5}">
+                      <a16:colId xmlns:a16="http://schemas.microsoft.com/office/drawing/2014/main" val="2424465576"/>
+                    </a:ext>
+                  </a:extLst>
+                </a:gridCol>
+              </a:tblGrid>
+              <a:tr h="321605">
+                <a:tc>
+                  <a:txBody>
+                    <a:bodyPr/>
+                    <a:lstStyle/>
+                    <a:p>
+                      <a:pPr algn="ctr"/>
+                      <a:r>
+                        <a:rPr lang="en-US" b="0" dirty="0">
+                          <a:solidFill>
+                            <a:srgbClr val="FF0000"/>
+                          </a:solidFill>
+                        </a:rPr>
+                        <a:t>RED</a:t>
+                      </a:r>
+                    </a:p>
+                  </a:txBody>
+                  <a:tcPr>
+                    <a:solidFill>
+                      <a:schemeClr val="accent5">
+                        <a:lumMod val="40000"/>
+                        <a:lumOff val="60000"/>
+                      </a:schemeClr>
+                    </a:solidFill>
+                  </a:tcPr>
+                </a:tc>
+                <a:tc>
+                  <a:txBody>
+                    <a:bodyPr/>
+                    <a:lstStyle/>
+                    <a:p>
+                      <a:pPr algn="ctr"/>
+                      <a:r>
+                        <a:rPr lang="en-US" b="0" dirty="0">
+                          <a:solidFill>
+                            <a:srgbClr val="00B050"/>
+                          </a:solidFill>
+                        </a:rPr>
+                        <a:t>GREEN</a:t>
+                      </a:r>
+                    </a:p>
+                  </a:txBody>
+                  <a:tcPr>
+                    <a:solidFill>
+                      <a:schemeClr val="accent5">
+                        <a:lumMod val="40000"/>
+                        <a:lumOff val="60000"/>
+                      </a:schemeClr>
+                    </a:solidFill>
+                  </a:tcPr>
+                </a:tc>
+                <a:tc>
+                  <a:txBody>
+                    <a:bodyPr/>
+                    <a:lstStyle/>
+                    <a:p>
+                      <a:pPr algn="ctr"/>
+                      <a:r>
+                        <a:rPr lang="en-US" b="0" dirty="0">
+                          <a:solidFill>
+                            <a:srgbClr val="0070C0"/>
+                          </a:solidFill>
+                        </a:rPr>
+                        <a:t>BLUE</a:t>
+                      </a:r>
+                    </a:p>
+                  </a:txBody>
+                  <a:tcPr>
+                    <a:solidFill>
+                      <a:schemeClr val="accent5">
+                        <a:lumMod val="40000"/>
+                        <a:lumOff val="60000"/>
+                      </a:schemeClr>
+                    </a:solidFill>
+                  </a:tcPr>
+                </a:tc>
+                <a:extLst>
+                  <a:ext uri="{0D108BD9-81ED-4DB2-BD59-A6C34878D82A}">
+                    <a16:rowId xmlns:a16="http://schemas.microsoft.com/office/drawing/2014/main" val="592600983"/>
+                  </a:ext>
+                </a:extLst>
+              </a:tr>
+              <a:tr h="459436">
+                <a:tc>
+                  <a:txBody>
+                    <a:bodyPr/>
+                    <a:lstStyle/>
+                    <a:p>
+                      <a:pPr algn="ctr"/>
+                      <a:r>
+                        <a:rPr lang="en-US" b="0" dirty="0"/>
+                        <a:t>1111  0000</a:t>
+                      </a:r>
+                    </a:p>
+                  </a:txBody>
+                  <a:tcPr>
+                    <a:solidFill>
+                      <a:schemeClr val="accent5">
+                        <a:lumMod val="40000"/>
+                        <a:lumOff val="60000"/>
+                      </a:schemeClr>
+                    </a:solidFill>
+                  </a:tcPr>
+                </a:tc>
+                <a:tc>
+                  <a:txBody>
+                    <a:bodyPr/>
+                    <a:lstStyle/>
+                    <a:p>
+                      <a:pPr algn="ctr"/>
+                      <a:r>
+                        <a:rPr lang="en-US" b="0" dirty="0">
+                          <a:solidFill>
+                            <a:schemeClr val="bg1"/>
+                          </a:solidFill>
+                        </a:rPr>
+                        <a:t>1111  0000</a:t>
+                      </a:r>
+                    </a:p>
+                  </a:txBody>
+                  <a:tcPr>
+                    <a:solidFill>
+                      <a:schemeClr val="accent5">
+                        <a:lumMod val="40000"/>
+                        <a:lumOff val="60000"/>
+                      </a:schemeClr>
+                    </a:solidFill>
+                  </a:tcPr>
+                </a:tc>
+                <a:tc>
+                  <a:txBody>
+                    <a:bodyPr/>
+                    <a:lstStyle/>
+                    <a:p>
+                      <a:pPr algn="ctr"/>
+                      <a:r>
+                        <a:rPr lang="en-US" b="0" dirty="0"/>
+                        <a:t>1111  0000</a:t>
+                      </a:r>
+                    </a:p>
+                  </a:txBody>
+                  <a:tcPr>
+                    <a:solidFill>
+                      <a:schemeClr val="accent5">
+                        <a:lumMod val="40000"/>
+                        <a:lumOff val="60000"/>
+                      </a:schemeClr>
+                    </a:solidFill>
+                  </a:tcPr>
+                </a:tc>
+                <a:extLst>
+                  <a:ext uri="{0D108BD9-81ED-4DB2-BD59-A6C34878D82A}">
+                    <a16:rowId xmlns:a16="http://schemas.microsoft.com/office/drawing/2014/main" val="699320502"/>
+                  </a:ext>
+                </a:extLst>
+              </a:tr>
+            </a:tbl>
+          </a:graphicData>
+        </a:graphic>
+      </p:graphicFrame>
+      <p:sp>
+        <p:nvSpPr>
+          <p:cNvPr id="16" name="Frame 15">
+            <a:extLst>
+              <a:ext uri="{FF2B5EF4-FFF2-40B4-BE49-F238E27FC236}">
+                <a16:creationId xmlns:a16="http://schemas.microsoft.com/office/drawing/2014/main" id="{F7FF53A7-BC4F-A74C-8EFF-BB53A61F622C}"/>
+              </a:ext>
+            </a:extLst>
+          </p:cNvPr>
+          <p:cNvSpPr/>
+          <p:nvPr/>
+        </p:nvSpPr>
+        <p:spPr>
+          <a:xfrm>
+            <a:off x="2880747" y="2189226"/>
+            <a:ext cx="659252" cy="491070"/>
+          </a:xfrm>
+          <a:prstGeom prst="frame">
+            <a:avLst/>
+          </a:prstGeom>
+        </p:spPr>
+        <p:style>
+          <a:lnRef idx="2">
+            <a:schemeClr val="accent1">
+              <a:shade val="50000"/>
+            </a:schemeClr>
+          </a:lnRef>
+          <a:fillRef idx="1">
+            <a:schemeClr val="accent1"/>
+          </a:fillRef>
+          <a:effectRef idx="0">
+            <a:schemeClr val="accent1"/>
+          </a:effectRef>
+          <a:fontRef idx="minor">
+            <a:schemeClr val="lt1"/>
+          </a:fontRef>
+        </p:style>
+        <p:txBody>
+          <a:bodyPr rtlCol="0" anchor="ctr"/>
+          <a:lstStyle/>
+          <a:p>
+            <a:pPr algn="ctr"/>
+            <a:endParaRPr lang="en-US">
+              <a:solidFill>
+                <a:schemeClr val="tx1"/>
+              </a:solidFill>
+            </a:endParaRPr>
+          </a:p>
+        </p:txBody>
+      </p:sp>
+      <p:sp>
+        <p:nvSpPr>
+          <p:cNvPr id="17" name="Frame 16">
+            <a:extLst>
+              <a:ext uri="{FF2B5EF4-FFF2-40B4-BE49-F238E27FC236}">
+                <a16:creationId xmlns:a16="http://schemas.microsoft.com/office/drawing/2014/main" id="{F6D127E6-D450-B349-A5B7-F6AD58364495}"/>
+              </a:ext>
+            </a:extLst>
+          </p:cNvPr>
+          <p:cNvSpPr/>
+          <p:nvPr/>
+        </p:nvSpPr>
+        <p:spPr>
+          <a:xfrm>
+            <a:off x="4085412" y="2186701"/>
+            <a:ext cx="659252" cy="491070"/>
+          </a:xfrm>
+          <a:prstGeom prst="frame">
+            <a:avLst/>
+          </a:prstGeom>
+        </p:spPr>
+        <p:style>
+          <a:lnRef idx="2">
+            <a:schemeClr val="accent1">
+              <a:shade val="50000"/>
+            </a:schemeClr>
+          </a:lnRef>
+          <a:fillRef idx="1">
+            <a:schemeClr val="accent1"/>
+          </a:fillRef>
+          <a:effectRef idx="0">
+            <a:schemeClr val="accent1"/>
+          </a:effectRef>
+          <a:fontRef idx="minor">
+            <a:schemeClr val="lt1"/>
+          </a:fontRef>
+        </p:style>
+        <p:txBody>
+          <a:bodyPr rtlCol="0" anchor="ctr"/>
+          <a:lstStyle/>
+          <a:p>
+            <a:pPr algn="ctr"/>
+            <a:endParaRPr lang="en-US">
+              <a:solidFill>
+                <a:schemeClr val="tx1"/>
+              </a:solidFill>
+            </a:endParaRPr>
+          </a:p>
+        </p:txBody>
+      </p:sp>
+      <p:sp>
+        <p:nvSpPr>
+          <p:cNvPr id="18" name="Frame 17">
+            <a:extLst>
+              <a:ext uri="{FF2B5EF4-FFF2-40B4-BE49-F238E27FC236}">
+                <a16:creationId xmlns:a16="http://schemas.microsoft.com/office/drawing/2014/main" id="{3BE5811F-2462-D44D-89DD-46977B388647}"/>
+              </a:ext>
+            </a:extLst>
+          </p:cNvPr>
+          <p:cNvSpPr/>
+          <p:nvPr/>
+        </p:nvSpPr>
+        <p:spPr>
+          <a:xfrm>
+            <a:off x="6209591" y="3409319"/>
+            <a:ext cx="659252" cy="491070"/>
+          </a:xfrm>
+          <a:prstGeom prst="frame">
+            <a:avLst/>
+          </a:prstGeom>
+        </p:spPr>
+        <p:style>
+          <a:lnRef idx="2">
+            <a:schemeClr val="accent1">
+              <a:shade val="50000"/>
+            </a:schemeClr>
+          </a:lnRef>
+          <a:fillRef idx="1">
+            <a:schemeClr val="accent1"/>
+          </a:fillRef>
+          <a:effectRef idx="0">
+            <a:schemeClr val="accent1"/>
+          </a:effectRef>
+          <a:fontRef idx="minor">
+            <a:schemeClr val="lt1"/>
+          </a:fontRef>
+        </p:style>
+        <p:txBody>
+          <a:bodyPr rtlCol="0" anchor="ctr"/>
+          <a:lstStyle/>
+          <a:p>
+            <a:pPr algn="ctr"/>
+            <a:endParaRPr lang="en-US">
+              <a:solidFill>
+                <a:schemeClr val="tx1"/>
+              </a:solidFill>
+            </a:endParaRPr>
+          </a:p>
+        </p:txBody>
+      </p:sp>
+      <p:sp>
+        <p:nvSpPr>
+          <p:cNvPr id="19" name="Frame 18">
+            <a:extLst>
+              <a:ext uri="{FF2B5EF4-FFF2-40B4-BE49-F238E27FC236}">
+                <a16:creationId xmlns:a16="http://schemas.microsoft.com/office/drawing/2014/main" id="{8E9CF580-098D-3E4D-A1EE-1D402AB8539B}"/>
+              </a:ext>
+            </a:extLst>
+          </p:cNvPr>
+          <p:cNvSpPr/>
+          <p:nvPr/>
+        </p:nvSpPr>
+        <p:spPr>
+          <a:xfrm>
+            <a:off x="7775306" y="3409319"/>
+            <a:ext cx="659252" cy="491070"/>
+          </a:xfrm>
+          <a:prstGeom prst="frame">
+            <a:avLst/>
+          </a:prstGeom>
+        </p:spPr>
+        <p:style>
+          <a:lnRef idx="2">
+            <a:schemeClr val="accent1">
+              <a:shade val="50000"/>
+            </a:schemeClr>
+          </a:lnRef>
+          <a:fillRef idx="1">
+            <a:schemeClr val="accent1"/>
+          </a:fillRef>
+          <a:effectRef idx="0">
+            <a:schemeClr val="accent1"/>
+          </a:effectRef>
+          <a:fontRef idx="minor">
+            <a:schemeClr val="lt1"/>
+          </a:fontRef>
+        </p:style>
+        <p:txBody>
+          <a:bodyPr rtlCol="0" anchor="ctr"/>
+          <a:lstStyle/>
+          <a:p>
+            <a:pPr algn="ctr"/>
+            <a:endParaRPr lang="en-US">
+              <a:solidFill>
+                <a:schemeClr val="tx1"/>
+              </a:solidFill>
+            </a:endParaRPr>
+          </a:p>
+        </p:txBody>
+      </p:sp>
+      <p:sp>
+        <p:nvSpPr>
+          <p:cNvPr id="20" name="Frame 19">
+            <a:extLst>
+              <a:ext uri="{FF2B5EF4-FFF2-40B4-BE49-F238E27FC236}">
+                <a16:creationId xmlns:a16="http://schemas.microsoft.com/office/drawing/2014/main" id="{813C7007-B42E-8142-9245-6CF65F7E8AE3}"/>
+              </a:ext>
+            </a:extLst>
+          </p:cNvPr>
+          <p:cNvSpPr/>
+          <p:nvPr/>
+        </p:nvSpPr>
+        <p:spPr>
+          <a:xfrm>
+            <a:off x="9363014" y="3409319"/>
+            <a:ext cx="659252" cy="491070"/>
+          </a:xfrm>
+          <a:prstGeom prst="frame">
+            <a:avLst/>
+          </a:prstGeom>
+        </p:spPr>
+        <p:style>
+          <a:lnRef idx="2">
+            <a:schemeClr val="accent1">
+              <a:shade val="50000"/>
+            </a:schemeClr>
+          </a:lnRef>
+          <a:fillRef idx="1">
+            <a:schemeClr val="accent1"/>
+          </a:fillRef>
+          <a:effectRef idx="0">
+            <a:schemeClr val="accent1"/>
+          </a:effectRef>
+          <a:fontRef idx="minor">
+            <a:schemeClr val="lt1"/>
+          </a:fontRef>
+        </p:style>
+        <p:txBody>
+          <a:bodyPr rtlCol="0" anchor="ctr"/>
+          <a:lstStyle/>
+          <a:p>
+            <a:pPr algn="ctr"/>
+            <a:endParaRPr lang="en-US">
+              <a:solidFill>
+                <a:schemeClr val="tx1"/>
+              </a:solidFill>
+            </a:endParaRPr>
+          </a:p>
+        </p:txBody>
+      </p:sp>
+      <p:sp>
+        <p:nvSpPr>
+          <p:cNvPr id="21" name="Frame 20">
+            <a:extLst>
+              <a:ext uri="{FF2B5EF4-FFF2-40B4-BE49-F238E27FC236}">
+                <a16:creationId xmlns:a16="http://schemas.microsoft.com/office/drawing/2014/main" id="{1E34031C-F643-AA45-BA47-056A2CA2A40B}"/>
+              </a:ext>
+            </a:extLst>
+          </p:cNvPr>
+          <p:cNvSpPr/>
+          <p:nvPr/>
+        </p:nvSpPr>
+        <p:spPr>
+          <a:xfrm>
+            <a:off x="1706758" y="4576657"/>
+            <a:ext cx="659252" cy="491070"/>
+          </a:xfrm>
+          <a:prstGeom prst="frame">
+            <a:avLst/>
+          </a:prstGeom>
+          <a:solidFill>
+            <a:schemeClr val="accent2"/>
+          </a:solidFill>
+        </p:spPr>
+        <p:style>
+          <a:lnRef idx="2">
+            <a:schemeClr val="accent1">
+              <a:shade val="50000"/>
+            </a:schemeClr>
+          </a:lnRef>
+          <a:fillRef idx="1">
+            <a:schemeClr val="accent1"/>
+          </a:fillRef>
+          <a:effectRef idx="0">
+            <a:schemeClr val="accent1"/>
+          </a:effectRef>
+          <a:fontRef idx="minor">
+            <a:schemeClr val="lt1"/>
+          </a:fontRef>
+        </p:style>
+        <p:txBody>
+          <a:bodyPr rtlCol="0" anchor="ctr"/>
+          <a:lstStyle/>
+          <a:p>
+            <a:pPr algn="ctr"/>
+            <a:endParaRPr lang="en-US">
+              <a:solidFill>
+                <a:schemeClr val="tx1"/>
+              </a:solidFill>
+            </a:endParaRPr>
+          </a:p>
+        </p:txBody>
+      </p:sp>
+      <p:sp>
+        <p:nvSpPr>
+          <p:cNvPr id="22" name="Frame 21">
+            <a:extLst>
+              <a:ext uri="{FF2B5EF4-FFF2-40B4-BE49-F238E27FC236}">
+                <a16:creationId xmlns:a16="http://schemas.microsoft.com/office/drawing/2014/main" id="{C5A2A3DE-DD33-1449-B2AE-099B7244BB11}"/>
+              </a:ext>
+            </a:extLst>
+          </p:cNvPr>
+          <p:cNvSpPr/>
+          <p:nvPr/>
+        </p:nvSpPr>
+        <p:spPr>
+          <a:xfrm>
+            <a:off x="2880747" y="4583865"/>
+            <a:ext cx="659252" cy="491070"/>
+          </a:xfrm>
+          <a:prstGeom prst="frame">
+            <a:avLst/>
+          </a:prstGeom>
+          <a:solidFill>
+            <a:schemeClr val="accent2"/>
+          </a:solidFill>
+        </p:spPr>
+        <p:style>
+          <a:lnRef idx="2">
+            <a:schemeClr val="accent1">
+              <a:shade val="50000"/>
+            </a:schemeClr>
+          </a:lnRef>
+          <a:fillRef idx="1">
+            <a:schemeClr val="accent1"/>
+          </a:fillRef>
+          <a:effectRef idx="0">
+            <a:schemeClr val="accent1"/>
+          </a:effectRef>
+          <a:fontRef idx="minor">
+            <a:schemeClr val="lt1"/>
+          </a:fontRef>
+        </p:style>
+        <p:txBody>
+          <a:bodyPr rtlCol="0" anchor="ctr"/>
+          <a:lstStyle/>
+          <a:p>
+            <a:pPr algn="ctr"/>
+            <a:endParaRPr lang="en-US">
+              <a:solidFill>
+                <a:schemeClr val="tx1"/>
+              </a:solidFill>
+            </a:endParaRPr>
+          </a:p>
+        </p:txBody>
+      </p:sp>
+      <p:sp>
+        <p:nvSpPr>
+          <p:cNvPr id="23" name="Frame 22">
+            <a:extLst>
+              <a:ext uri="{FF2B5EF4-FFF2-40B4-BE49-F238E27FC236}">
+                <a16:creationId xmlns:a16="http://schemas.microsoft.com/office/drawing/2014/main" id="{445B4911-6598-7A49-879B-03BB085BCB62}"/>
+              </a:ext>
+            </a:extLst>
+          </p:cNvPr>
+          <p:cNvSpPr/>
+          <p:nvPr/>
+        </p:nvSpPr>
+        <p:spPr>
+          <a:xfrm>
+            <a:off x="4087256" y="4583865"/>
+            <a:ext cx="659252" cy="491070"/>
+          </a:xfrm>
+          <a:prstGeom prst="frame">
+            <a:avLst/>
+          </a:prstGeom>
+          <a:solidFill>
+            <a:schemeClr val="accent2"/>
+          </a:solidFill>
+        </p:spPr>
+        <p:style>
+          <a:lnRef idx="2">
+            <a:schemeClr val="accent1">
+              <a:shade val="50000"/>
+            </a:schemeClr>
+          </a:lnRef>
+          <a:fillRef idx="1">
+            <a:schemeClr val="accent1"/>
+          </a:fillRef>
+          <a:effectRef idx="0">
+            <a:schemeClr val="accent1"/>
+          </a:effectRef>
+          <a:fontRef idx="minor">
+            <a:schemeClr val="lt1"/>
+          </a:fontRef>
+        </p:style>
+        <p:txBody>
+          <a:bodyPr rtlCol="0" anchor="ctr"/>
+          <a:lstStyle/>
+          <a:p>
+            <a:pPr algn="ctr"/>
+            <a:endParaRPr lang="en-US">
+              <a:solidFill>
+                <a:schemeClr val="tx1"/>
+              </a:solidFill>
+            </a:endParaRPr>
+          </a:p>
+        </p:txBody>
+      </p:sp>
+      <p:sp>
+        <p:nvSpPr>
+          <p:cNvPr id="24" name="Frame 23">
+            <a:extLst>
+              <a:ext uri="{FF2B5EF4-FFF2-40B4-BE49-F238E27FC236}">
+                <a16:creationId xmlns:a16="http://schemas.microsoft.com/office/drawing/2014/main" id="{B9BFCB35-030D-A44A-BDC0-AFD9C6B3C65D}"/>
+              </a:ext>
+            </a:extLst>
+          </p:cNvPr>
+          <p:cNvSpPr/>
+          <p:nvPr/>
+        </p:nvSpPr>
+        <p:spPr>
+          <a:xfrm>
+            <a:off x="6868843" y="3409319"/>
+            <a:ext cx="659252" cy="491070"/>
+          </a:xfrm>
+          <a:prstGeom prst="frame">
+            <a:avLst/>
+          </a:prstGeom>
+          <a:solidFill>
+            <a:schemeClr val="accent2"/>
+          </a:solidFill>
+        </p:spPr>
+        <p:style>
+          <a:lnRef idx="2">
+            <a:schemeClr val="accent1">
+              <a:shade val="50000"/>
+            </a:schemeClr>
+          </a:lnRef>
+          <a:fillRef idx="1">
+            <a:schemeClr val="accent1"/>
+          </a:fillRef>
+          <a:effectRef idx="0">
+            <a:schemeClr val="accent1"/>
+          </a:effectRef>
+          <a:fontRef idx="minor">
+            <a:schemeClr val="lt1"/>
+          </a:fontRef>
+        </p:style>
+        <p:txBody>
+          <a:bodyPr rtlCol="0" anchor="ctr"/>
+          <a:lstStyle/>
+          <a:p>
+            <a:pPr algn="ctr"/>
+            <a:endParaRPr lang="en-US">
+              <a:solidFill>
+                <a:schemeClr val="tx1"/>
+              </a:solidFill>
+            </a:endParaRPr>
+          </a:p>
+        </p:txBody>
+      </p:sp>
+      <p:sp>
+        <p:nvSpPr>
+          <p:cNvPr id="25" name="Frame 24">
+            <a:extLst>
+              <a:ext uri="{FF2B5EF4-FFF2-40B4-BE49-F238E27FC236}">
+                <a16:creationId xmlns:a16="http://schemas.microsoft.com/office/drawing/2014/main" id="{DA5818B6-E7C3-7540-8D9B-09C7FFD3CD15}"/>
+              </a:ext>
+            </a:extLst>
+          </p:cNvPr>
+          <p:cNvSpPr/>
+          <p:nvPr/>
+        </p:nvSpPr>
+        <p:spPr>
+          <a:xfrm>
+            <a:off x="8434558" y="3409319"/>
+            <a:ext cx="659252" cy="491070"/>
+          </a:xfrm>
+          <a:prstGeom prst="frame">
+            <a:avLst/>
+          </a:prstGeom>
+          <a:solidFill>
+            <a:schemeClr val="accent2"/>
+          </a:solidFill>
+        </p:spPr>
+        <p:style>
+          <a:lnRef idx="2">
+            <a:schemeClr val="accent1">
+              <a:shade val="50000"/>
+            </a:schemeClr>
+          </a:lnRef>
+          <a:fillRef idx="1">
+            <a:schemeClr val="accent1"/>
+          </a:fillRef>
+          <a:effectRef idx="0">
+            <a:schemeClr val="accent1"/>
+          </a:effectRef>
+          <a:fontRef idx="minor">
+            <a:schemeClr val="lt1"/>
+          </a:fontRef>
+        </p:style>
+        <p:txBody>
+          <a:bodyPr rtlCol="0" anchor="ctr"/>
+          <a:lstStyle/>
+          <a:p>
+            <a:pPr algn="ctr"/>
+            <a:endParaRPr lang="en-US">
+              <a:solidFill>
+                <a:schemeClr val="tx1"/>
+              </a:solidFill>
+            </a:endParaRPr>
+          </a:p>
+        </p:txBody>
+      </p:sp>
+      <p:sp>
+        <p:nvSpPr>
+          <p:cNvPr id="26" name="Frame 25">
+            <a:extLst>
+              <a:ext uri="{FF2B5EF4-FFF2-40B4-BE49-F238E27FC236}">
+                <a16:creationId xmlns:a16="http://schemas.microsoft.com/office/drawing/2014/main" id="{54F95F8A-E402-8046-B176-C3A6967ACC74}"/>
+              </a:ext>
+            </a:extLst>
+          </p:cNvPr>
+          <p:cNvSpPr/>
+          <p:nvPr/>
+        </p:nvSpPr>
+        <p:spPr>
+          <a:xfrm>
+            <a:off x="10022266" y="3402924"/>
+            <a:ext cx="659252" cy="491070"/>
+          </a:xfrm>
+          <a:prstGeom prst="frame">
+            <a:avLst/>
+          </a:prstGeom>
+          <a:solidFill>
+            <a:schemeClr val="accent2"/>
+          </a:solidFill>
+        </p:spPr>
+        <p:style>
+          <a:lnRef idx="2">
+            <a:schemeClr val="accent1">
+              <a:shade val="50000"/>
+            </a:schemeClr>
+          </a:lnRef>
+          <a:fillRef idx="1">
+            <a:schemeClr val="accent1"/>
+          </a:fillRef>
+          <a:effectRef idx="0">
+            <a:schemeClr val="accent1"/>
+          </a:effectRef>
+          <a:fontRef idx="minor">
+            <a:schemeClr val="lt1"/>
+          </a:fontRef>
+        </p:style>
+        <p:txBody>
+          <a:bodyPr rtlCol="0" anchor="ctr"/>
+          <a:lstStyle/>
+          <a:p>
+            <a:pPr algn="ctr"/>
+            <a:endParaRPr lang="en-US">
+              <a:solidFill>
+                <a:schemeClr val="tx1"/>
+              </a:solidFill>
+            </a:endParaRPr>
+          </a:p>
+        </p:txBody>
+      </p:sp>
+      <p:cxnSp>
+        <p:nvCxnSpPr>
+          <p:cNvPr id="28" name="Curved Connector 27">
+            <a:extLst>
+              <a:ext uri="{FF2B5EF4-FFF2-40B4-BE49-F238E27FC236}">
+                <a16:creationId xmlns:a16="http://schemas.microsoft.com/office/drawing/2014/main" id="{6657D054-DD72-794E-9DF2-63A3843824B5}"/>
+              </a:ext>
+            </a:extLst>
+          </p:cNvPr>
+          <p:cNvCxnSpPr>
+            <a:stCxn id="3" idx="2"/>
+            <a:endCxn id="18" idx="1"/>
+          </p:cNvCxnSpPr>
+          <p:nvPr/>
+        </p:nvCxnSpPr>
+        <p:spPr>
+          <a:xfrm rot="16200000" flipH="1">
+            <a:off x="3634446" y="1079708"/>
+            <a:ext cx="977083" cy="4173207"/>
+          </a:xfrm>
+          <a:prstGeom prst="curvedConnector2">
+            <a:avLst/>
+          </a:prstGeom>
+          <a:ln w="63500">
+            <a:tailEnd type="triangle"/>
+          </a:ln>
+        </p:spPr>
+        <p:style>
+          <a:lnRef idx="1">
+            <a:schemeClr val="accent1"/>
+          </a:lnRef>
+          <a:fillRef idx="0">
+            <a:schemeClr val="accent1"/>
+          </a:fillRef>
+          <a:effectRef idx="0">
+            <a:schemeClr val="accent1"/>
+          </a:effectRef>
+          <a:fontRef idx="minor">
+            <a:schemeClr val="tx1"/>
+          </a:fontRef>
+        </p:style>
+      </p:cxnSp>
+      <p:cxnSp>
+        <p:nvCxnSpPr>
+          <p:cNvPr id="30" name="Curved Connector 29">
+            <a:extLst>
+              <a:ext uri="{FF2B5EF4-FFF2-40B4-BE49-F238E27FC236}">
+                <a16:creationId xmlns:a16="http://schemas.microsoft.com/office/drawing/2014/main" id="{61F78B58-D5C8-F843-B77B-9359D1A88299}"/>
+              </a:ext>
+            </a:extLst>
+          </p:cNvPr>
+          <p:cNvCxnSpPr>
+            <a:cxnSpLocks/>
+            <a:stCxn id="21" idx="2"/>
+            <a:endCxn id="24" idx="2"/>
+          </p:cNvCxnSpPr>
+          <p:nvPr/>
+        </p:nvCxnSpPr>
+        <p:spPr>
+          <a:xfrm rot="5400000" flipH="1" flipV="1">
+            <a:off x="4033757" y="1903015"/>
+            <a:ext cx="1167338" cy="5162085"/>
+          </a:xfrm>
+          <a:prstGeom prst="curvedConnector3">
+            <a:avLst>
+              <a:gd name="adj1" fmla="val -79638"/>
+            </a:avLst>
+          </a:prstGeom>
+          <a:ln w="63500">
+            <a:solidFill>
+              <a:schemeClr val="accent2"/>
+            </a:solidFill>
+            <a:tailEnd type="triangle"/>
+          </a:ln>
+        </p:spPr>
+        <p:style>
+          <a:lnRef idx="1">
+            <a:schemeClr val="accent1"/>
+          </a:lnRef>
+          <a:fillRef idx="0">
+            <a:schemeClr val="accent1"/>
+          </a:fillRef>
+          <a:effectRef idx="0">
+            <a:schemeClr val="accent1"/>
+          </a:effectRef>
+          <a:fontRef idx="minor">
+            <a:schemeClr val="tx1"/>
+          </a:fontRef>
+        </p:style>
+      </p:cxnSp>
+    </p:spTree>
+    <p:extLst>
+      <p:ext uri="{BB962C8B-B14F-4D97-AF65-F5344CB8AC3E}">
+        <p14:creationId xmlns:p14="http://schemas.microsoft.com/office/powerpoint/2010/main" val="2582040194"/>
+      </p:ext>
+    </p:extLst>
+  </p:cSld>
+  <p:clrMapOvr>
+    <a:masterClrMapping/>
+  </p:clrMapOvr>
+</p:sld>
+</file>
+
+<file path=ppt/slides/slide11.xml><?xml version="1.0" encoding="utf-8"?>
+<p:sld xmlns:a="http://schemas.openxmlformats.org/drawingml/2006/main" xmlns:r="http://schemas.openxmlformats.org/officeDocument/2006/relationships" xmlns:p="http://schemas.openxmlformats.org/presentationml/2006/main">
+  <p:cSld>
+    <p:spTree>
+      <p:nvGrpSpPr>
+        <p:cNvPr id="1" name=""/>
+        <p:cNvGrpSpPr/>
+        <p:nvPr/>
+      </p:nvGrpSpPr>
+      <p:grpSpPr>
+        <a:xfrm>
+          <a:off x="0" y="0"/>
+          <a:ext cx="0" cy="0"/>
+          <a:chOff x="0" y="0"/>
+          <a:chExt cx="0" cy="0"/>
+        </a:xfrm>
+      </p:grpSpPr>
+      <p:sp>
+        <p:nvSpPr>
+          <p:cNvPr id="2" name="Title 1">
+            <a:extLst>
+              <a:ext uri="{FF2B5EF4-FFF2-40B4-BE49-F238E27FC236}">
+                <a16:creationId xmlns:a16="http://schemas.microsoft.com/office/drawing/2014/main" id="{65117A83-6CC4-684A-87B6-3E39097EA9D9}"/>
+              </a:ext>
+            </a:extLst>
+          </p:cNvPr>
+          <p:cNvSpPr>
+            <a:spLocks noGrp="1"/>
+          </p:cNvSpPr>
+          <p:nvPr>
+            <p:ph type="title"/>
+          </p:nvPr>
+        </p:nvSpPr>
+        <p:spPr>
+          <a:xfrm>
+            <a:off x="1706758" y="447069"/>
+            <a:ext cx="7985882" cy="593062"/>
+          </a:xfrm>
+        </p:spPr>
+        <p:txBody>
+          <a:bodyPr>
+            <a:normAutofit/>
+          </a:bodyPr>
+          <a:lstStyle/>
+          <a:p>
+            <a:r>
+              <a:rPr lang="en-US" cap="none" dirty="0"/>
+              <a:t>Hiding one picture in another</a:t>
+            </a:r>
+          </a:p>
+        </p:txBody>
+      </p:sp>
+      <p:sp>
+        <p:nvSpPr>
+          <p:cNvPr id="5" name="Slide Number Placeholder 4">
+            <a:extLst>
+              <a:ext uri="{FF2B5EF4-FFF2-40B4-BE49-F238E27FC236}">
+                <a16:creationId xmlns:a16="http://schemas.microsoft.com/office/drawing/2014/main" id="{A6F13C7A-3477-1E45-8926-24C65836A72F}"/>
+              </a:ext>
+            </a:extLst>
+          </p:cNvPr>
+          <p:cNvSpPr>
+            <a:spLocks noGrp="1"/>
+          </p:cNvSpPr>
+          <p:nvPr>
+            <p:ph type="sldNum" sz="quarter" idx="12"/>
+          </p:nvPr>
+        </p:nvSpPr>
+        <p:spPr/>
+        <p:txBody>
+          <a:bodyPr/>
+          <a:lstStyle/>
+          <a:p>
+            <a:fld id="{6D22F896-40B5-4ADD-8801-0D06FADFA095}" type="slidenum">
+              <a:rPr lang="en-US" smtClean="0"/>
+              <a:t>11</a:t>
             </a:fld>
             <a:endParaRPr lang="en-US" dirty="0"/>
           </a:p>
@@ -13194,7 +14739,7 @@
 </p:sld>
 </file>
 
-<file path=ppt/slides/slide11.xml><?xml version="1.0" encoding="utf-8"?>
+<file path=ppt/slides/slide12.xml><?xml version="1.0" encoding="utf-8"?>
 <p:sld xmlns:a="http://schemas.openxmlformats.org/drawingml/2006/main" xmlns:r="http://schemas.openxmlformats.org/officeDocument/2006/relationships" xmlns:p="http://schemas.openxmlformats.org/presentationml/2006/main">
   <p:cSld>
     <p:spTree>
@@ -14982,7 +16527,7 @@
           <a:p>
             <a:fld id="{6D22F896-40B5-4ADD-8801-0D06FADFA095}" type="slidenum">
               <a:rPr lang="en-US" smtClean="0"/>
-              <a:t>11</a:t>
+              <a:t>12</a:t>
             </a:fld>
             <a:endParaRPr lang="en-US" dirty="0"/>
           </a:p>
@@ -15094,7 +16639,7 @@
 </p:sld>
 </file>
 
-<file path=ppt/slides/slide12.xml><?xml version="1.0" encoding="utf-8"?>
+<file path=ppt/slides/slide13.xml><?xml version="1.0" encoding="utf-8"?>
 <p:sld xmlns:a="http://schemas.openxmlformats.org/drawingml/2006/main" xmlns:r="http://schemas.openxmlformats.org/officeDocument/2006/relationships" xmlns:p="http://schemas.openxmlformats.org/presentationml/2006/main">
   <p:cSld>
     <p:spTree>
@@ -15561,7 +17106,7 @@
           <a:p>
             <a:fld id="{6D22F896-40B5-4ADD-8801-0D06FADFA095}" type="slidenum">
               <a:rPr lang="en-US" smtClean="0"/>
-              <a:t>12</a:t>
+              <a:t>13</a:t>
             </a:fld>
             <a:endParaRPr lang="en-US" dirty="0"/>
           </a:p>
@@ -15580,7 +17125,7 @@
 </p:sld>
 </file>
 
-<file path=ppt/slides/slide13.xml><?xml version="1.0" encoding="utf-8"?>
+<file path=ppt/slides/slide14.xml><?xml version="1.0" encoding="utf-8"?>
 <p:sld xmlns:a="http://schemas.openxmlformats.org/drawingml/2006/main" xmlns:r="http://schemas.openxmlformats.org/officeDocument/2006/relationships" xmlns:p="http://schemas.openxmlformats.org/presentationml/2006/main">
   <p:cSld>
     <p:bg>
@@ -15955,7 +17500,7 @@
           <a:p>
             <a:fld id="{6D22F896-40B5-4ADD-8801-0D06FADFA095}" type="slidenum">
               <a:rPr lang="en-US" smtClean="0"/>
-              <a:t>13</a:t>
+              <a:t>14</a:t>
             </a:fld>
             <a:endParaRPr lang="en-US" dirty="0"/>
           </a:p>
@@ -15965,200 +17510,6 @@
     <p:extLst>
       <p:ext uri="{BB962C8B-B14F-4D97-AF65-F5344CB8AC3E}">
         <p14:creationId xmlns:p14="http://schemas.microsoft.com/office/powerpoint/2010/main" val="2579470889"/>
-      </p:ext>
-    </p:extLst>
-  </p:cSld>
-  <p:clrMapOvr>
-    <a:masterClrMapping/>
-  </p:clrMapOvr>
-</p:sld>
-</file>
-
-<file path=ppt/slides/slide14.xml><?xml version="1.0" encoding="utf-8"?>
-<p:sld xmlns:a="http://schemas.openxmlformats.org/drawingml/2006/main" xmlns:r="http://schemas.openxmlformats.org/officeDocument/2006/relationships" xmlns:p="http://schemas.openxmlformats.org/presentationml/2006/main">
-  <p:cSld>
-    <p:spTree>
-      <p:nvGrpSpPr>
-        <p:cNvPr id="1" name=""/>
-        <p:cNvGrpSpPr/>
-        <p:nvPr/>
-      </p:nvGrpSpPr>
-      <p:grpSpPr>
-        <a:xfrm>
-          <a:off x="0" y="0"/>
-          <a:ext cx="0" cy="0"/>
-          <a:chOff x="0" y="0"/>
-          <a:chExt cx="0" cy="0"/>
-        </a:xfrm>
-      </p:grpSpPr>
-      <p:sp>
-        <p:nvSpPr>
-          <p:cNvPr id="2" name="Title 1">
-            <a:extLst>
-              <a:ext uri="{FF2B5EF4-FFF2-40B4-BE49-F238E27FC236}">
-                <a16:creationId xmlns:a16="http://schemas.microsoft.com/office/drawing/2014/main" id="{E76ACBFC-6E6D-C64E-A436-A90FDA851B5E}"/>
-              </a:ext>
-            </a:extLst>
-          </p:cNvPr>
-          <p:cNvSpPr>
-            <a:spLocks noGrp="1"/>
-          </p:cNvSpPr>
-          <p:nvPr>
-            <p:ph type="title"/>
-          </p:nvPr>
-        </p:nvSpPr>
-        <p:spPr>
-          <a:xfrm>
-            <a:off x="1141413" y="618518"/>
-            <a:ext cx="2183678" cy="616516"/>
-          </a:xfrm>
-        </p:spPr>
-        <p:txBody>
-          <a:bodyPr>
-            <a:normAutofit fontScale="90000"/>
-          </a:bodyPr>
-          <a:lstStyle/>
-          <a:p>
-            <a:r>
-              <a:rPr lang="en-US" cap="none" dirty="0"/>
-              <a:t>Challenge 1</a:t>
-            </a:r>
-          </a:p>
-        </p:txBody>
-      </p:sp>
-      <p:sp>
-        <p:nvSpPr>
-          <p:cNvPr id="3" name="Content Placeholder 2">
-            <a:extLst>
-              <a:ext uri="{FF2B5EF4-FFF2-40B4-BE49-F238E27FC236}">
-                <a16:creationId xmlns:a16="http://schemas.microsoft.com/office/drawing/2014/main" id="{DB8573B4-A4C7-3F44-AEBF-15040796222B}"/>
-              </a:ext>
-            </a:extLst>
-          </p:cNvPr>
-          <p:cNvSpPr>
-            <a:spLocks noGrp="1"/>
-          </p:cNvSpPr>
-          <p:nvPr>
-            <p:ph idx="1"/>
-          </p:nvPr>
-        </p:nvSpPr>
-        <p:spPr/>
-        <p:txBody>
-          <a:bodyPr>
-            <a:normAutofit/>
-          </a:bodyPr>
-          <a:lstStyle/>
-          <a:p>
-            <a:r>
-              <a:rPr lang="en-US" dirty="0"/>
-              <a:t>Clone sample code from </a:t>
-            </a:r>
-            <a:r>
-              <a:rPr lang="en-US" b="1" dirty="0"/>
-              <a:t>https://</a:t>
-            </a:r>
-            <a:r>
-              <a:rPr lang="en-US" b="1" dirty="0" err="1"/>
-              <a:t>github.com</a:t>
-            </a:r>
-            <a:r>
-              <a:rPr lang="en-US" b="1" dirty="0"/>
-              <a:t>/</a:t>
-            </a:r>
-            <a:r>
-              <a:rPr lang="en-US" b="1" dirty="0" err="1"/>
-              <a:t>torrens</a:t>
-            </a:r>
-            <a:r>
-              <a:rPr lang="en-US" b="1" dirty="0"/>
-              <a:t>/</a:t>
-            </a:r>
-            <a:r>
-              <a:rPr lang="en-US" b="1" dirty="0" err="1"/>
-              <a:t>kainosSteg</a:t>
-            </a:r>
-            <a:endParaRPr lang="en-US" b="1" dirty="0"/>
-          </a:p>
-          <a:p>
-            <a:r>
-              <a:rPr lang="en-US" dirty="0"/>
-              <a:t>Install python3  - </a:t>
-            </a:r>
-            <a:r>
-              <a:rPr lang="en-US" b="1" dirty="0"/>
-              <a:t>brew install python </a:t>
-            </a:r>
-          </a:p>
-          <a:p>
-            <a:r>
-              <a:rPr lang="en-US" dirty="0"/>
-              <a:t>Install python image library - </a:t>
-            </a:r>
-            <a:r>
-              <a:rPr lang="en-GB" b="1" dirty="0"/>
-              <a:t>pip3 install pillow</a:t>
-            </a:r>
-            <a:endParaRPr lang="en-US" b="1" dirty="0"/>
-          </a:p>
-          <a:p>
-            <a:r>
-              <a:rPr lang="en-US" dirty="0"/>
-              <a:t>Prove that your environment can execute </a:t>
-            </a:r>
-            <a:r>
-              <a:rPr lang="en-US" dirty="0" err="1"/>
-              <a:t>image_run.sh</a:t>
-            </a:r>
-            <a:r>
-              <a:rPr lang="en-US" dirty="0"/>
-              <a:t> to see image hiding work.</a:t>
-            </a:r>
-          </a:p>
-          <a:p>
-            <a:r>
-              <a:rPr lang="en-US" dirty="0"/>
-              <a:t>Try and understand how the code is working</a:t>
-            </a:r>
-            <a:endParaRPr lang="en-GB" dirty="0"/>
-          </a:p>
-          <a:p>
-            <a:endParaRPr lang="en-GB" dirty="0"/>
-          </a:p>
-        </p:txBody>
-      </p:sp>
-      <p:sp>
-        <p:nvSpPr>
-          <p:cNvPr id="5" name="Slide Number Placeholder 4">
-            <a:extLst>
-              <a:ext uri="{FF2B5EF4-FFF2-40B4-BE49-F238E27FC236}">
-                <a16:creationId xmlns:a16="http://schemas.microsoft.com/office/drawing/2014/main" id="{A22EB552-3E2A-D246-9919-F907FBC733A7}"/>
-              </a:ext>
-            </a:extLst>
-          </p:cNvPr>
-          <p:cNvSpPr>
-            <a:spLocks noGrp="1"/>
-          </p:cNvSpPr>
-          <p:nvPr>
-            <p:ph type="sldNum" sz="quarter" idx="12"/>
-          </p:nvPr>
-        </p:nvSpPr>
-        <p:spPr/>
-        <p:txBody>
-          <a:bodyPr/>
-          <a:lstStyle/>
-          <a:p>
-            <a:fld id="{6D22F896-40B5-4ADD-8801-0D06FADFA095}" type="slidenum">
-              <a:rPr lang="en-US" smtClean="0"/>
-              <a:t>14</a:t>
-            </a:fld>
-            <a:endParaRPr lang="en-US" dirty="0"/>
-          </a:p>
-        </p:txBody>
-      </p:sp>
-    </p:spTree>
-    <p:extLst>
-      <p:ext uri="{BB962C8B-B14F-4D97-AF65-F5344CB8AC3E}">
-        <p14:creationId xmlns:p14="http://schemas.microsoft.com/office/powerpoint/2010/main" val="3363327484"/>
       </p:ext>
     </p:extLst>
   </p:cSld>
@@ -16215,7 +17566,7 @@
           <a:p>
             <a:r>
               <a:rPr lang="en-US" cap="none" dirty="0"/>
-              <a:t>Challenge 2</a:t>
+              <a:t>Challenge 1</a:t>
             </a:r>
           </a:p>
         </p:txBody>
@@ -16245,50 +17596,77 @@
           <a:p>
             <a:r>
               <a:rPr lang="en-US" dirty="0"/>
-              <a:t>Hide the poem </a:t>
-            </a:r>
-            <a:r>
-              <a:rPr lang="en-GB" dirty="0"/>
-              <a:t>Death of a Naturalist, by Seamus Heaney (1,494 bytes) in the image </a:t>
-            </a:r>
-            <a:r>
-              <a:rPr lang="en-GB" dirty="0" err="1"/>
-              <a:t>mandril.png</a:t>
-            </a:r>
-            <a:r>
-              <a:rPr lang="en-GB" dirty="0"/>
-              <a:t> using </a:t>
-            </a:r>
-            <a:r>
-              <a:rPr lang="en-GB" dirty="0" err="1"/>
-              <a:t>file_steg.py</a:t>
-            </a:r>
-            <a:r>
-              <a:rPr lang="en-GB" dirty="0"/>
-              <a:t> as a base.</a:t>
-            </a:r>
-          </a:p>
-          <a:p>
-            <a:r>
-              <a:rPr lang="en-GB" dirty="0"/>
-              <a:t>You only need to get the combine method working.</a:t>
-            </a:r>
-          </a:p>
-          <a:p>
-            <a:r>
-              <a:rPr lang="en-GB" dirty="0"/>
-              <a:t>Comments should guide you.</a:t>
-            </a:r>
-          </a:p>
-          <a:p>
-            <a:r>
-              <a:rPr lang="en-GB" dirty="0"/>
-              <a:t>A solution is in file </a:t>
-            </a:r>
-            <a:r>
-              <a:rPr lang="en-GB" dirty="0" err="1"/>
-              <a:t>file_steg_solution.py</a:t>
-            </a:r>
+              <a:t>Clone sample code from </a:t>
+            </a:r>
+            <a:r>
+              <a:rPr lang="en-US" b="1" dirty="0"/>
+              <a:t>https://</a:t>
+            </a:r>
+            <a:r>
+              <a:rPr lang="en-US" b="1" dirty="0" err="1"/>
+              <a:t>github.com</a:t>
+            </a:r>
+            <a:r>
+              <a:rPr lang="en-US" b="1" dirty="0"/>
+              <a:t>/</a:t>
+            </a:r>
+            <a:r>
+              <a:rPr lang="en-US" b="1" dirty="0" err="1"/>
+              <a:t>torrens</a:t>
+            </a:r>
+            <a:r>
+              <a:rPr lang="en-US" b="1" dirty="0"/>
+              <a:t>/</a:t>
+            </a:r>
+            <a:r>
+              <a:rPr lang="en-US" b="1" dirty="0" err="1"/>
+              <a:t>kainosSteg</a:t>
+            </a:r>
+            <a:endParaRPr lang="en-US" b="1" dirty="0"/>
+          </a:p>
+          <a:p>
+            <a:r>
+              <a:rPr lang="en-US" dirty="0"/>
+              <a:t>Install python3  - </a:t>
+            </a:r>
+            <a:r>
+              <a:rPr lang="en-US" b="1" dirty="0"/>
+              <a:t>brew install python </a:t>
+            </a:r>
+          </a:p>
+          <a:p>
+            <a:r>
+              <a:rPr lang="en-US" dirty="0"/>
+              <a:t>Install python image library - </a:t>
+            </a:r>
+            <a:r>
+              <a:rPr lang="en-GB" b="1" dirty="0"/>
+              <a:t>pip3 install pillow</a:t>
+            </a:r>
+            <a:endParaRPr lang="en-US" b="1" dirty="0"/>
+          </a:p>
+          <a:p>
+            <a:r>
+              <a:rPr lang="en-US" dirty="0"/>
+              <a:t>Prove that your environment can execute </a:t>
+            </a:r>
+            <a:r>
+              <a:rPr lang="en-US" dirty="0" err="1"/>
+              <a:t>image_run.sh</a:t>
+            </a:r>
+            <a:r>
+              <a:rPr lang="en-US" dirty="0"/>
+              <a:t> to see image hiding work.</a:t>
+            </a:r>
+          </a:p>
+          <a:p>
+            <a:r>
+              <a:rPr lang="en-US" dirty="0"/>
+              <a:t>Try and understand how the code is working</a:t>
+            </a:r>
+            <a:endParaRPr lang="en-GB" dirty="0"/>
+          </a:p>
+          <a:p>
             <a:endParaRPr lang="en-GB" dirty="0"/>
           </a:p>
         </p:txBody>
@@ -16325,7 +17703,7 @@
     </p:spTree>
     <p:extLst>
       <p:ext uri="{BB962C8B-B14F-4D97-AF65-F5344CB8AC3E}">
-        <p14:creationId xmlns:p14="http://schemas.microsoft.com/office/powerpoint/2010/main" val="1819234476"/>
+        <p14:creationId xmlns:p14="http://schemas.microsoft.com/office/powerpoint/2010/main" val="3363327484"/>
       </p:ext>
     </p:extLst>
   </p:cSld>
@@ -16382,7 +17760,7 @@
           <a:p>
             <a:r>
               <a:rPr lang="en-US" cap="none" dirty="0"/>
-              <a:t>Challenge 3</a:t>
+              <a:t>Challenge 2</a:t>
             </a:r>
           </a:p>
         </p:txBody>
@@ -16412,40 +17790,50 @@
           <a:p>
             <a:r>
               <a:rPr lang="en-US" dirty="0"/>
-              <a:t>How much of the book </a:t>
+              <a:t>Hide the poem </a:t>
             </a:r>
             <a:r>
               <a:rPr lang="en-GB" dirty="0"/>
-              <a:t>Frankenstein, by Mary Shelley (450,755 bytes) can you hide in cover image?  </a:t>
-            </a:r>
-          </a:p>
-          <a:p>
+              <a:t>Death of a Naturalist, by Seamus Heaney (1,494 bytes) in the image </a:t>
+            </a:r>
+            <a:r>
+              <a:rPr lang="en-GB" dirty="0" err="1"/>
+              <a:t>mandril.png</a:t>
+            </a:r>
             <a:r>
               <a:rPr lang="en-GB" dirty="0"/>
-              <a:t>Technique 1 - Use compression.</a:t>
-            </a:r>
-          </a:p>
-          <a:p>
+              <a:t> using </a:t>
+            </a:r>
+            <a:r>
+              <a:rPr lang="en-GB" dirty="0" err="1"/>
+              <a:t>file_steg.py</a:t>
+            </a:r>
             <a:r>
               <a:rPr lang="en-GB" dirty="0"/>
-              <a:t>Technique 2 – Use more parts of the pixel.  </a:t>
+              <a:t> as a base.</a:t>
             </a:r>
           </a:p>
           <a:p>
             <a:r>
               <a:rPr lang="en-GB" dirty="0"/>
-              <a:t>Does the </a:t>
+              <a:t>You only need to get the combine method working.</a:t>
+            </a:r>
+          </a:p>
+          <a:p>
+            <a:r>
+              <a:rPr lang="en-GB" dirty="0"/>
+              <a:t>Comments should guide you.</a:t>
+            </a:r>
+          </a:p>
+          <a:p>
+            <a:r>
+              <a:rPr lang="en-GB" dirty="0"/>
+              <a:t>A solution is in file </a:t>
             </a:r>
             <a:r>
               <a:rPr lang="en-GB" dirty="0" err="1"/>
-              <a:t>stego</a:t>
-            </a:r>
-            <a:r>
-              <a:rPr lang="en-GB" dirty="0"/>
-              <a:t> image look suspect?</a:t>
-            </a:r>
-          </a:p>
-          <a:p>
+              <a:t>file_steg_solution.py</a:t>
+            </a:r>
             <a:endParaRPr lang="en-GB" dirty="0"/>
           </a:p>
         </p:txBody>
@@ -16474,6 +17862,163 @@
             <a:fld id="{6D22F896-40B5-4ADD-8801-0D06FADFA095}" type="slidenum">
               <a:rPr lang="en-US" smtClean="0"/>
               <a:t>16</a:t>
+            </a:fld>
+            <a:endParaRPr lang="en-US" dirty="0"/>
+          </a:p>
+        </p:txBody>
+      </p:sp>
+    </p:spTree>
+    <p:extLst>
+      <p:ext uri="{BB962C8B-B14F-4D97-AF65-F5344CB8AC3E}">
+        <p14:creationId xmlns:p14="http://schemas.microsoft.com/office/powerpoint/2010/main" val="1819234476"/>
+      </p:ext>
+    </p:extLst>
+  </p:cSld>
+  <p:clrMapOvr>
+    <a:masterClrMapping/>
+  </p:clrMapOvr>
+</p:sld>
+</file>
+
+<file path=ppt/slides/slide17.xml><?xml version="1.0" encoding="utf-8"?>
+<p:sld xmlns:a="http://schemas.openxmlformats.org/drawingml/2006/main" xmlns:r="http://schemas.openxmlformats.org/officeDocument/2006/relationships" xmlns:p="http://schemas.openxmlformats.org/presentationml/2006/main">
+  <p:cSld>
+    <p:spTree>
+      <p:nvGrpSpPr>
+        <p:cNvPr id="1" name=""/>
+        <p:cNvGrpSpPr/>
+        <p:nvPr/>
+      </p:nvGrpSpPr>
+      <p:grpSpPr>
+        <a:xfrm>
+          <a:off x="0" y="0"/>
+          <a:ext cx="0" cy="0"/>
+          <a:chOff x="0" y="0"/>
+          <a:chExt cx="0" cy="0"/>
+        </a:xfrm>
+      </p:grpSpPr>
+      <p:sp>
+        <p:nvSpPr>
+          <p:cNvPr id="2" name="Title 1">
+            <a:extLst>
+              <a:ext uri="{FF2B5EF4-FFF2-40B4-BE49-F238E27FC236}">
+                <a16:creationId xmlns:a16="http://schemas.microsoft.com/office/drawing/2014/main" id="{E76ACBFC-6E6D-C64E-A436-A90FDA851B5E}"/>
+              </a:ext>
+            </a:extLst>
+          </p:cNvPr>
+          <p:cNvSpPr>
+            <a:spLocks noGrp="1"/>
+          </p:cNvSpPr>
+          <p:nvPr>
+            <p:ph type="title"/>
+          </p:nvPr>
+        </p:nvSpPr>
+        <p:spPr>
+          <a:xfrm>
+            <a:off x="1141413" y="618518"/>
+            <a:ext cx="2183678" cy="616516"/>
+          </a:xfrm>
+        </p:spPr>
+        <p:txBody>
+          <a:bodyPr>
+            <a:normAutofit fontScale="90000"/>
+          </a:bodyPr>
+          <a:lstStyle/>
+          <a:p>
+            <a:r>
+              <a:rPr lang="en-US" cap="none" dirty="0"/>
+              <a:t>Challenge 3</a:t>
+            </a:r>
+          </a:p>
+        </p:txBody>
+      </p:sp>
+      <p:sp>
+        <p:nvSpPr>
+          <p:cNvPr id="3" name="Content Placeholder 2">
+            <a:extLst>
+              <a:ext uri="{FF2B5EF4-FFF2-40B4-BE49-F238E27FC236}">
+                <a16:creationId xmlns:a16="http://schemas.microsoft.com/office/drawing/2014/main" id="{DB8573B4-A4C7-3F44-AEBF-15040796222B}"/>
+              </a:ext>
+            </a:extLst>
+          </p:cNvPr>
+          <p:cNvSpPr>
+            <a:spLocks noGrp="1"/>
+          </p:cNvSpPr>
+          <p:nvPr>
+            <p:ph idx="1"/>
+          </p:nvPr>
+        </p:nvSpPr>
+        <p:spPr/>
+        <p:txBody>
+          <a:bodyPr>
+            <a:normAutofit/>
+          </a:bodyPr>
+          <a:lstStyle/>
+          <a:p>
+            <a:r>
+              <a:rPr lang="en-US" dirty="0"/>
+              <a:t>How much of the book </a:t>
+            </a:r>
+            <a:r>
+              <a:rPr lang="en-GB" dirty="0"/>
+              <a:t>Frankenstein, by Mary Shelley (450,755 bytes) can you hide in cover image?  </a:t>
+            </a:r>
+          </a:p>
+          <a:p>
+            <a:r>
+              <a:rPr lang="en-GB" dirty="0"/>
+              <a:t>Technique 1 - Use compression.</a:t>
+            </a:r>
+          </a:p>
+          <a:p>
+            <a:r>
+              <a:rPr lang="en-GB" dirty="0"/>
+              <a:t>Technique 2 – Use more parts of the pixel.  </a:t>
+            </a:r>
+          </a:p>
+          <a:p>
+            <a:r>
+              <a:rPr lang="en-GB" dirty="0"/>
+              <a:t>Does the </a:t>
+            </a:r>
+            <a:r>
+              <a:rPr lang="en-GB" dirty="0" err="1"/>
+              <a:t>stego</a:t>
+            </a:r>
+            <a:r>
+              <a:rPr lang="en-GB" dirty="0"/>
+              <a:t> image look suspect?</a:t>
+            </a:r>
+          </a:p>
+          <a:p>
+            <a:endParaRPr lang="en-GB" dirty="0"/>
+          </a:p>
+        </p:txBody>
+      </p:sp>
+      <p:sp>
+        <p:nvSpPr>
+          <p:cNvPr id="5" name="Slide Number Placeholder 4">
+            <a:extLst>
+              <a:ext uri="{FF2B5EF4-FFF2-40B4-BE49-F238E27FC236}">
+                <a16:creationId xmlns:a16="http://schemas.microsoft.com/office/drawing/2014/main" id="{A22EB552-3E2A-D246-9919-F907FBC733A7}"/>
+              </a:ext>
+            </a:extLst>
+          </p:cNvPr>
+          <p:cNvSpPr>
+            <a:spLocks noGrp="1"/>
+          </p:cNvSpPr>
+          <p:nvPr>
+            <p:ph type="sldNum" sz="quarter" idx="12"/>
+          </p:nvPr>
+        </p:nvSpPr>
+        <p:spPr/>
+        <p:txBody>
+          <a:bodyPr/>
+          <a:lstStyle/>
+          <a:p>
+            <a:fld id="{6D22F896-40B5-4ADD-8801-0D06FADFA095}" type="slidenum">
+              <a:rPr lang="en-US" smtClean="0"/>
+              <a:t>17</a:t>
             </a:fld>
             <a:endParaRPr lang="en-US" dirty="0"/>
           </a:p>
@@ -16649,6 +18194,200 @@
       </p:grpSpPr>
       <p:sp>
         <p:nvSpPr>
+          <p:cNvPr id="4" name="Slide Number Placeholder 3">
+            <a:extLst>
+              <a:ext uri="{FF2B5EF4-FFF2-40B4-BE49-F238E27FC236}">
+                <a16:creationId xmlns:a16="http://schemas.microsoft.com/office/drawing/2014/main" id="{007AD215-D4AA-104A-8A7D-84707F2DB7A4}"/>
+              </a:ext>
+            </a:extLst>
+          </p:cNvPr>
+          <p:cNvSpPr>
+            <a:spLocks noGrp="1"/>
+          </p:cNvSpPr>
+          <p:nvPr>
+            <p:ph type="sldNum" sz="quarter" idx="12"/>
+          </p:nvPr>
+        </p:nvSpPr>
+        <p:spPr/>
+        <p:txBody>
+          <a:bodyPr/>
+          <a:lstStyle/>
+          <a:p>
+            <a:fld id="{6D22F896-40B5-4ADD-8801-0D06FADFA095}" type="slidenum">
+              <a:rPr lang="en-US" smtClean="0"/>
+              <a:t>3</a:t>
+            </a:fld>
+            <a:endParaRPr lang="en-US" dirty="0"/>
+          </a:p>
+        </p:txBody>
+      </p:sp>
+      <p:sp>
+        <p:nvSpPr>
+          <p:cNvPr id="5" name="Title 1">
+            <a:extLst>
+              <a:ext uri="{FF2B5EF4-FFF2-40B4-BE49-F238E27FC236}">
+                <a16:creationId xmlns:a16="http://schemas.microsoft.com/office/drawing/2014/main" id="{4348C486-CADB-3841-B207-4FF5103E006A}"/>
+              </a:ext>
+            </a:extLst>
+          </p:cNvPr>
+          <p:cNvSpPr txBox="1">
+            <a:spLocks/>
+          </p:cNvSpPr>
+          <p:nvPr/>
+        </p:nvSpPr>
+        <p:spPr>
+          <a:xfrm>
+            <a:off x="1141412" y="651164"/>
+            <a:ext cx="9905998" cy="652142"/>
+          </a:xfrm>
+          <a:prstGeom prst="rect">
+            <a:avLst/>
+          </a:prstGeom>
+        </p:spPr>
+        <p:txBody>
+          <a:bodyPr vert="horz" lIns="91440" tIns="45720" rIns="91440" bIns="45720" rtlCol="0" anchor="ctr">
+            <a:normAutofit/>
+          </a:bodyPr>
+          <a:lstStyle>
+            <a:lvl1pPr algn="l" defTabSz="914400" rtl="0" eaLnBrk="1" latinLnBrk="0" hangingPunct="1">
+              <a:lnSpc>
+                <a:spcPct val="90000"/>
+              </a:lnSpc>
+              <a:spcBef>
+                <a:spcPct val="0"/>
+              </a:spcBef>
+              <a:buNone/>
+              <a:defRPr sz="3600" kern="1200" cap="all" baseline="0">
+                <a:solidFill>
+                  <a:schemeClr val="tx1"/>
+                </a:solidFill>
+                <a:latin typeface="+mj-lt"/>
+                <a:ea typeface="+mj-ea"/>
+                <a:cs typeface="+mj-cs"/>
+              </a:defRPr>
+            </a:lvl1pPr>
+          </a:lstStyle>
+          <a:p>
+            <a:r>
+              <a:rPr lang="en-US" cap="none" dirty="0"/>
+              <a:t>Python</a:t>
+            </a:r>
+          </a:p>
+        </p:txBody>
+      </p:sp>
+      <p:pic>
+        <p:nvPicPr>
+          <p:cNvPr id="8" name="Picture 7">
+            <a:extLst>
+              <a:ext uri="{FF2B5EF4-FFF2-40B4-BE49-F238E27FC236}">
+                <a16:creationId xmlns:a16="http://schemas.microsoft.com/office/drawing/2014/main" id="{0AEEF8E7-8643-2041-992F-1D6A727619B9}"/>
+              </a:ext>
+            </a:extLst>
+          </p:cNvPr>
+          <p:cNvPicPr>
+            <a:picLocks noChangeAspect="1"/>
+          </p:cNvPicPr>
+          <p:nvPr/>
+        </p:nvPicPr>
+        <p:blipFill>
+          <a:blip r:embed="rId2"/>
+          <a:stretch>
+            <a:fillRect/>
+          </a:stretch>
+        </p:blipFill>
+        <p:spPr>
+          <a:xfrm>
+            <a:off x="958555" y="1515417"/>
+            <a:ext cx="10588403" cy="4367857"/>
+          </a:xfrm>
+          <a:prstGeom prst="rect">
+            <a:avLst/>
+          </a:prstGeom>
+        </p:spPr>
+      </p:pic>
+      <p:sp>
+        <p:nvSpPr>
+          <p:cNvPr id="9" name="TextBox 8">
+            <a:extLst>
+              <a:ext uri="{FF2B5EF4-FFF2-40B4-BE49-F238E27FC236}">
+                <a16:creationId xmlns:a16="http://schemas.microsoft.com/office/drawing/2014/main" id="{CCD9F6F6-EC1E-E14A-9260-45D7AD74B8D9}"/>
+              </a:ext>
+            </a:extLst>
+          </p:cNvPr>
+          <p:cNvSpPr txBox="1"/>
+          <p:nvPr/>
+        </p:nvSpPr>
+        <p:spPr>
+          <a:xfrm>
+            <a:off x="4149143" y="5910719"/>
+            <a:ext cx="3890536" cy="369332"/>
+          </a:xfrm>
+          <a:prstGeom prst="rect">
+            <a:avLst/>
+          </a:prstGeom>
+          <a:noFill/>
+        </p:spPr>
+        <p:txBody>
+          <a:bodyPr wrap="square" rtlCol="0">
+            <a:spAutoFit/>
+          </a:bodyPr>
+          <a:lstStyle/>
+          <a:p>
+            <a:r>
+              <a:rPr lang="en-US" dirty="0"/>
+              <a:t>https://</a:t>
+            </a:r>
+            <a:r>
+              <a:rPr lang="en-US" dirty="0" err="1"/>
+              <a:t>www.tiobe.com</a:t>
+            </a:r>
+            <a:r>
+              <a:rPr lang="en-US" dirty="0"/>
+              <a:t>/</a:t>
+            </a:r>
+            <a:r>
+              <a:rPr lang="en-US" dirty="0" err="1"/>
+              <a:t>tiobe</a:t>
+            </a:r>
+            <a:r>
+              <a:rPr lang="en-US" dirty="0"/>
+              <a:t>-index/</a:t>
+            </a:r>
+          </a:p>
+        </p:txBody>
+      </p:sp>
+    </p:spTree>
+    <p:extLst>
+      <p:ext uri="{BB962C8B-B14F-4D97-AF65-F5344CB8AC3E}">
+        <p14:creationId xmlns:p14="http://schemas.microsoft.com/office/powerpoint/2010/main" val="1957376320"/>
+      </p:ext>
+    </p:extLst>
+  </p:cSld>
+  <p:clrMapOvr>
+    <a:masterClrMapping/>
+  </p:clrMapOvr>
+</p:sld>
+</file>
+
+<file path=ppt/slides/slide4.xml><?xml version="1.0" encoding="utf-8"?>
+<p:sld xmlns:a="http://schemas.openxmlformats.org/drawingml/2006/main" xmlns:r="http://schemas.openxmlformats.org/officeDocument/2006/relationships" xmlns:p="http://schemas.openxmlformats.org/presentationml/2006/main">
+  <p:cSld>
+    <p:spTree>
+      <p:nvGrpSpPr>
+        <p:cNvPr id="1" name=""/>
+        <p:cNvGrpSpPr/>
+        <p:nvPr/>
+      </p:nvGrpSpPr>
+      <p:grpSpPr>
+        <a:xfrm>
+          <a:off x="0" y="0"/>
+          <a:ext cx="0" cy="0"/>
+          <a:chOff x="0" y="0"/>
+          <a:chExt cx="0" cy="0"/>
+        </a:xfrm>
+      </p:grpSpPr>
+      <p:sp>
+        <p:nvSpPr>
           <p:cNvPr id="2" name="Title 1">
             <a:extLst>
               <a:ext uri="{FF2B5EF4-FFF2-40B4-BE49-F238E27FC236}">
@@ -16754,7 +18493,7 @@
           <a:p>
             <a:fld id="{6D22F896-40B5-4ADD-8801-0D06FADFA095}" type="slidenum">
               <a:rPr lang="en-US" smtClean="0"/>
-              <a:t>3</a:t>
+              <a:t>4</a:t>
             </a:fld>
             <a:endParaRPr lang="en-US" dirty="0"/>
           </a:p>
@@ -16773,7 +18512,7 @@
 </p:sld>
 </file>
 
-<file path=ppt/slides/slide4.xml><?xml version="1.0" encoding="utf-8"?>
+<file path=ppt/slides/slide5.xml><?xml version="1.0" encoding="utf-8"?>
 <p:sld xmlns:a="http://schemas.openxmlformats.org/drawingml/2006/main" xmlns:r="http://schemas.openxmlformats.org/officeDocument/2006/relationships" xmlns:p="http://schemas.openxmlformats.org/presentationml/2006/main">
   <p:cSld>
     <p:spTree>
@@ -16956,7 +18695,7 @@
           <a:p>
             <a:fld id="{6D22F896-40B5-4ADD-8801-0D06FADFA095}" type="slidenum">
               <a:rPr lang="en-US" smtClean="0"/>
-              <a:t>4</a:t>
+              <a:t>5</a:t>
             </a:fld>
             <a:endParaRPr lang="en-US" dirty="0"/>
           </a:p>
@@ -16975,7 +18714,7 @@
 </p:sld>
 </file>
 
-<file path=ppt/slides/slide5.xml><?xml version="1.0" encoding="utf-8"?>
+<file path=ppt/slides/slide6.xml><?xml version="1.0" encoding="utf-8"?>
 <p:sld xmlns:a="http://schemas.openxmlformats.org/drawingml/2006/main" xmlns:r="http://schemas.openxmlformats.org/officeDocument/2006/relationships" xmlns:p="http://schemas.openxmlformats.org/presentationml/2006/main">
   <p:cSld>
     <p:spTree>
@@ -17247,7 +18986,7 @@
           <a:p>
             <a:fld id="{6D22F896-40B5-4ADD-8801-0D06FADFA095}" type="slidenum">
               <a:rPr lang="en-US" smtClean="0"/>
-              <a:t>5</a:t>
+              <a:t>6</a:t>
             </a:fld>
             <a:endParaRPr lang="en-US" dirty="0"/>
           </a:p>
@@ -17266,7 +19005,7 @@
 </p:sld>
 </file>
 
-<file path=ppt/slides/slide6.xml><?xml version="1.0" encoding="utf-8"?>
+<file path=ppt/slides/slide7.xml><?xml version="1.0" encoding="utf-8"?>
 <p:sld xmlns:a="http://schemas.openxmlformats.org/drawingml/2006/main" xmlns:r="http://schemas.openxmlformats.org/officeDocument/2006/relationships" xmlns:p="http://schemas.openxmlformats.org/presentationml/2006/main">
   <p:cSld>
     <p:spTree>
@@ -17446,7 +19185,7 @@
           <a:p>
             <a:fld id="{6D22F896-40B5-4ADD-8801-0D06FADFA095}" type="slidenum">
               <a:rPr lang="en-US" smtClean="0"/>
-              <a:t>6</a:t>
+              <a:t>7</a:t>
             </a:fld>
             <a:endParaRPr lang="en-US" dirty="0"/>
           </a:p>
@@ -17465,7 +19204,7 @@
 </p:sld>
 </file>
 
-<file path=ppt/slides/slide7.xml><?xml version="1.0" encoding="utf-8"?>
+<file path=ppt/slides/slide8.xml><?xml version="1.0" encoding="utf-8"?>
 <p:sld xmlns:a="http://schemas.openxmlformats.org/drawingml/2006/main" xmlns:r="http://schemas.openxmlformats.org/officeDocument/2006/relationships" xmlns:p="http://schemas.openxmlformats.org/presentationml/2006/main">
   <p:cSld>
     <p:spTree>
@@ -18004,7 +19743,7 @@
           <a:p>
             <a:fld id="{6D22F896-40B5-4ADD-8801-0D06FADFA095}" type="slidenum">
               <a:rPr lang="en-US" smtClean="0"/>
-              <a:t>7</a:t>
+              <a:t>8</a:t>
             </a:fld>
             <a:endParaRPr lang="en-US" dirty="0"/>
           </a:p>
@@ -18023,7 +19762,7 @@
 </p:sld>
 </file>
 
-<file path=ppt/slides/slide8.xml><?xml version="1.0" encoding="utf-8"?>
+<file path=ppt/slides/slide9.xml><?xml version="1.0" encoding="utf-8"?>
 <p:sld xmlns:a="http://schemas.openxmlformats.org/drawingml/2006/main" xmlns:r="http://schemas.openxmlformats.org/officeDocument/2006/relationships" xmlns:p="http://schemas.openxmlformats.org/presentationml/2006/main">
   <p:cSld>
     <p:spTree>
@@ -18602,7 +20341,7 @@
           <a:p>
             <a:fld id="{6D22F896-40B5-4ADD-8801-0D06FADFA095}" type="slidenum">
               <a:rPr lang="en-US" smtClean="0"/>
-              <a:t>8</a:t>
+              <a:t>9</a:t>
             </a:fld>
             <a:endParaRPr lang="en-US" dirty="0"/>
           </a:p>
@@ -19037,1550 +20776,6 @@
     <p:extLst>
       <p:ext uri="{BB962C8B-B14F-4D97-AF65-F5344CB8AC3E}">
         <p14:creationId xmlns:p14="http://schemas.microsoft.com/office/powerpoint/2010/main" val="1927266367"/>
-      </p:ext>
-    </p:extLst>
-  </p:cSld>
-  <p:clrMapOvr>
-    <a:masterClrMapping/>
-  </p:clrMapOvr>
-</p:sld>
-</file>
-
-<file path=ppt/slides/slide9.xml><?xml version="1.0" encoding="utf-8"?>
-<p:sld xmlns:a="http://schemas.openxmlformats.org/drawingml/2006/main" xmlns:r="http://schemas.openxmlformats.org/officeDocument/2006/relationships" xmlns:p="http://schemas.openxmlformats.org/presentationml/2006/main">
-  <p:cSld>
-    <p:spTree>
-      <p:nvGrpSpPr>
-        <p:cNvPr id="1" name=""/>
-        <p:cNvGrpSpPr/>
-        <p:nvPr/>
-      </p:nvGrpSpPr>
-      <p:grpSpPr>
-        <a:xfrm>
-          <a:off x="0" y="0"/>
-          <a:ext cx="0" cy="0"/>
-          <a:chOff x="0" y="0"/>
-          <a:chExt cx="0" cy="0"/>
-        </a:xfrm>
-      </p:grpSpPr>
-      <p:sp>
-        <p:nvSpPr>
-          <p:cNvPr id="2" name="Title 1">
-            <a:extLst>
-              <a:ext uri="{FF2B5EF4-FFF2-40B4-BE49-F238E27FC236}">
-                <a16:creationId xmlns:a16="http://schemas.microsoft.com/office/drawing/2014/main" id="{65117A83-6CC4-684A-87B6-3E39097EA9D9}"/>
-              </a:ext>
-            </a:extLst>
-          </p:cNvPr>
-          <p:cNvSpPr>
-            <a:spLocks noGrp="1"/>
-          </p:cNvSpPr>
-          <p:nvPr>
-            <p:ph type="title"/>
-          </p:nvPr>
-        </p:nvSpPr>
-        <p:spPr>
-          <a:xfrm>
-            <a:off x="1706758" y="447069"/>
-            <a:ext cx="7985882" cy="593062"/>
-          </a:xfrm>
-        </p:spPr>
-        <p:txBody>
-          <a:bodyPr>
-            <a:normAutofit/>
-          </a:bodyPr>
-          <a:lstStyle/>
-          <a:p>
-            <a:r>
-              <a:rPr lang="en-US" cap="none" dirty="0"/>
-              <a:t>Hiding one picture in another</a:t>
-            </a:r>
-          </a:p>
-        </p:txBody>
-      </p:sp>
-      <p:graphicFrame>
-        <p:nvGraphicFramePr>
-          <p:cNvPr id="8" name="Table 7">
-            <a:extLst>
-              <a:ext uri="{FF2B5EF4-FFF2-40B4-BE49-F238E27FC236}">
-                <a16:creationId xmlns:a16="http://schemas.microsoft.com/office/drawing/2014/main" id="{612828D2-8CEF-6640-BC07-1C8AAABB816F}"/>
-              </a:ext>
-            </a:extLst>
-          </p:cNvPr>
-          <p:cNvGraphicFramePr>
-            <a:graphicFrameLocks noGrp="1"/>
-          </p:cNvGraphicFramePr>
-          <p:nvPr>
-            <p:extLst>
-              <p:ext uri="{D42A27DB-BD31-4B8C-83A1-F6EECF244321}">
-                <p14:modId xmlns:p14="http://schemas.microsoft.com/office/powerpoint/2010/main" val="1470551061"/>
-              </p:ext>
-            </p:extLst>
-          </p:nvPr>
-        </p:nvGraphicFramePr>
-        <p:xfrm>
-          <a:off x="1706758" y="1857051"/>
-          <a:ext cx="3583320" cy="825196"/>
-        </p:xfrm>
-        <a:graphic>
-          <a:graphicData uri="http://schemas.openxmlformats.org/drawingml/2006/table">
-            <a:tbl>
-              <a:tblPr firstRow="1" bandRow="1">
-                <a:tableStyleId>{5C22544A-7EE6-4342-B048-85BDC9FD1C3A}</a:tableStyleId>
-              </a:tblPr>
-              <a:tblGrid>
-                <a:gridCol w="1194440">
-                  <a:extLst>
-                    <a:ext uri="{9D8B030D-6E8A-4147-A177-3AD203B41FA5}">
-                      <a16:colId xmlns:a16="http://schemas.microsoft.com/office/drawing/2014/main" val="3362155145"/>
-                    </a:ext>
-                  </a:extLst>
-                </a:gridCol>
-                <a:gridCol w="1194440">
-                  <a:extLst>
-                    <a:ext uri="{9D8B030D-6E8A-4147-A177-3AD203B41FA5}">
-                      <a16:colId xmlns:a16="http://schemas.microsoft.com/office/drawing/2014/main" val="1321972559"/>
-                    </a:ext>
-                  </a:extLst>
-                </a:gridCol>
-                <a:gridCol w="1194440">
-                  <a:extLst>
-                    <a:ext uri="{9D8B030D-6E8A-4147-A177-3AD203B41FA5}">
-                      <a16:colId xmlns:a16="http://schemas.microsoft.com/office/drawing/2014/main" val="2424465576"/>
-                    </a:ext>
-                  </a:extLst>
-                </a:gridCol>
-              </a:tblGrid>
-              <a:tr h="321605">
-                <a:tc>
-                  <a:txBody>
-                    <a:bodyPr/>
-                    <a:lstStyle/>
-                    <a:p>
-                      <a:pPr algn="ctr"/>
-                      <a:r>
-                        <a:rPr lang="en-US" b="0" dirty="0">
-                          <a:solidFill>
-                            <a:srgbClr val="FF0000"/>
-                          </a:solidFill>
-                        </a:rPr>
-                        <a:t>RED</a:t>
-                      </a:r>
-                    </a:p>
-                  </a:txBody>
-                  <a:tcPr>
-                    <a:solidFill>
-                      <a:schemeClr val="accent5">
-                        <a:lumMod val="40000"/>
-                        <a:lumOff val="60000"/>
-                      </a:schemeClr>
-                    </a:solidFill>
-                  </a:tcPr>
-                </a:tc>
-                <a:tc>
-                  <a:txBody>
-                    <a:bodyPr/>
-                    <a:lstStyle/>
-                    <a:p>
-                      <a:pPr algn="ctr"/>
-                      <a:r>
-                        <a:rPr lang="en-US" b="0" dirty="0">
-                          <a:solidFill>
-                            <a:srgbClr val="00B050"/>
-                          </a:solidFill>
-                        </a:rPr>
-                        <a:t>GREEN</a:t>
-                      </a:r>
-                    </a:p>
-                  </a:txBody>
-                  <a:tcPr>
-                    <a:solidFill>
-                      <a:schemeClr val="accent5">
-                        <a:lumMod val="40000"/>
-                        <a:lumOff val="60000"/>
-                      </a:schemeClr>
-                    </a:solidFill>
-                  </a:tcPr>
-                </a:tc>
-                <a:tc>
-                  <a:txBody>
-                    <a:bodyPr/>
-                    <a:lstStyle/>
-                    <a:p>
-                      <a:pPr algn="ctr"/>
-                      <a:r>
-                        <a:rPr lang="en-US" b="0" dirty="0">
-                          <a:solidFill>
-                            <a:srgbClr val="0070C0"/>
-                          </a:solidFill>
-                        </a:rPr>
-                        <a:t>BLUE</a:t>
-                      </a:r>
-                    </a:p>
-                  </a:txBody>
-                  <a:tcPr>
-                    <a:solidFill>
-                      <a:schemeClr val="accent5">
-                        <a:lumMod val="40000"/>
-                        <a:lumOff val="60000"/>
-                      </a:schemeClr>
-                    </a:solidFill>
-                  </a:tcPr>
-                </a:tc>
-                <a:extLst>
-                  <a:ext uri="{0D108BD9-81ED-4DB2-BD59-A6C34878D82A}">
-                    <a16:rowId xmlns:a16="http://schemas.microsoft.com/office/drawing/2014/main" val="592600983"/>
-                  </a:ext>
-                </a:extLst>
-              </a:tr>
-              <a:tr h="459436">
-                <a:tc>
-                  <a:txBody>
-                    <a:bodyPr/>
-                    <a:lstStyle/>
-                    <a:p>
-                      <a:r>
-                        <a:rPr lang="en-US" b="0" dirty="0"/>
-                        <a:t>11111111</a:t>
-                      </a:r>
-                    </a:p>
-                  </a:txBody>
-                  <a:tcPr>
-                    <a:solidFill>
-                      <a:schemeClr val="accent5">
-                        <a:lumMod val="40000"/>
-                        <a:lumOff val="60000"/>
-                      </a:schemeClr>
-                    </a:solidFill>
-                  </a:tcPr>
-                </a:tc>
-                <a:tc>
-                  <a:txBody>
-                    <a:bodyPr/>
-                    <a:lstStyle/>
-                    <a:p>
-                      <a:r>
-                        <a:rPr lang="en-US" b="0" dirty="0">
-                          <a:solidFill>
-                            <a:schemeClr val="bg1"/>
-                          </a:solidFill>
-                        </a:rPr>
-                        <a:t>11111111</a:t>
-                      </a:r>
-                    </a:p>
-                  </a:txBody>
-                  <a:tcPr>
-                    <a:solidFill>
-                      <a:schemeClr val="accent5">
-                        <a:lumMod val="40000"/>
-                        <a:lumOff val="60000"/>
-                      </a:schemeClr>
-                    </a:solidFill>
-                  </a:tcPr>
-                </a:tc>
-                <a:tc>
-                  <a:txBody>
-                    <a:bodyPr/>
-                    <a:lstStyle/>
-                    <a:p>
-                      <a:r>
-                        <a:rPr lang="en-US" b="0" dirty="0"/>
-                        <a:t>11111111</a:t>
-                      </a:r>
-                    </a:p>
-                  </a:txBody>
-                  <a:tcPr>
-                    <a:solidFill>
-                      <a:schemeClr val="accent5">
-                        <a:lumMod val="40000"/>
-                        <a:lumOff val="60000"/>
-                      </a:schemeClr>
-                    </a:solidFill>
-                  </a:tcPr>
-                </a:tc>
-                <a:extLst>
-                  <a:ext uri="{0D108BD9-81ED-4DB2-BD59-A6C34878D82A}">
-                    <a16:rowId xmlns:a16="http://schemas.microsoft.com/office/drawing/2014/main" val="699320502"/>
-                  </a:ext>
-                </a:extLst>
-              </a:tr>
-            </a:tbl>
-          </a:graphicData>
-        </a:graphic>
-      </p:graphicFrame>
-      <p:sp>
-        <p:nvSpPr>
-          <p:cNvPr id="3" name="Frame 2">
-            <a:extLst>
-              <a:ext uri="{FF2B5EF4-FFF2-40B4-BE49-F238E27FC236}">
-                <a16:creationId xmlns:a16="http://schemas.microsoft.com/office/drawing/2014/main" id="{D86A4EC2-E178-174C-BEEC-F5E1844F99F8}"/>
-              </a:ext>
-            </a:extLst>
-          </p:cNvPr>
-          <p:cNvSpPr/>
-          <p:nvPr/>
-        </p:nvSpPr>
-        <p:spPr>
-          <a:xfrm>
-            <a:off x="1706758" y="2186701"/>
-            <a:ext cx="659252" cy="491070"/>
-          </a:xfrm>
-          <a:prstGeom prst="frame">
-            <a:avLst/>
-          </a:prstGeom>
-        </p:spPr>
-        <p:style>
-          <a:lnRef idx="2">
-            <a:schemeClr val="accent1">
-              <a:shade val="50000"/>
-            </a:schemeClr>
-          </a:lnRef>
-          <a:fillRef idx="1">
-            <a:schemeClr val="accent1"/>
-          </a:fillRef>
-          <a:effectRef idx="0">
-            <a:schemeClr val="accent1"/>
-          </a:effectRef>
-          <a:fontRef idx="minor">
-            <a:schemeClr val="lt1"/>
-          </a:fontRef>
-        </p:style>
-        <p:txBody>
-          <a:bodyPr rtlCol="0" anchor="ctr"/>
-          <a:lstStyle/>
-          <a:p>
-            <a:pPr algn="ctr"/>
-            <a:endParaRPr lang="en-US">
-              <a:solidFill>
-                <a:schemeClr val="tx1"/>
-              </a:solidFill>
-            </a:endParaRPr>
-          </a:p>
-        </p:txBody>
-      </p:sp>
-      <p:sp>
-        <p:nvSpPr>
-          <p:cNvPr id="5" name="Slide Number Placeholder 4">
-            <a:extLst>
-              <a:ext uri="{FF2B5EF4-FFF2-40B4-BE49-F238E27FC236}">
-                <a16:creationId xmlns:a16="http://schemas.microsoft.com/office/drawing/2014/main" id="{A6F13C7A-3477-1E45-8926-24C65836A72F}"/>
-              </a:ext>
-            </a:extLst>
-          </p:cNvPr>
-          <p:cNvSpPr>
-            <a:spLocks noGrp="1"/>
-          </p:cNvSpPr>
-          <p:nvPr>
-            <p:ph type="sldNum" sz="quarter" idx="12"/>
-          </p:nvPr>
-        </p:nvSpPr>
-        <p:spPr/>
-        <p:txBody>
-          <a:bodyPr/>
-          <a:lstStyle/>
-          <a:p>
-            <a:fld id="{6D22F896-40B5-4ADD-8801-0D06FADFA095}" type="slidenum">
-              <a:rPr lang="en-US" smtClean="0"/>
-              <a:t>9</a:t>
-            </a:fld>
-            <a:endParaRPr lang="en-US" dirty="0"/>
-          </a:p>
-        </p:txBody>
-      </p:sp>
-      <p:graphicFrame>
-        <p:nvGraphicFramePr>
-          <p:cNvPr id="9" name="Table 8">
-            <a:extLst>
-              <a:ext uri="{FF2B5EF4-FFF2-40B4-BE49-F238E27FC236}">
-                <a16:creationId xmlns:a16="http://schemas.microsoft.com/office/drawing/2014/main" id="{FCC638C2-6F04-EC42-998C-F42B24859A8D}"/>
-              </a:ext>
-            </a:extLst>
-          </p:cNvPr>
-          <p:cNvGraphicFramePr>
-            <a:graphicFrameLocks noGrp="1"/>
-          </p:cNvGraphicFramePr>
-          <p:nvPr>
-            <p:extLst>
-              <p:ext uri="{D42A27DB-BD31-4B8C-83A1-F6EECF244321}">
-                <p14:modId xmlns:p14="http://schemas.microsoft.com/office/powerpoint/2010/main" val="3822741675"/>
-              </p:ext>
-            </p:extLst>
-          </p:nvPr>
-        </p:nvGraphicFramePr>
-        <p:xfrm>
-          <a:off x="1706758" y="4242531"/>
-          <a:ext cx="3583320" cy="825196"/>
-        </p:xfrm>
-        <a:graphic>
-          <a:graphicData uri="http://schemas.openxmlformats.org/drawingml/2006/table">
-            <a:tbl>
-              <a:tblPr firstRow="1" bandRow="1">
-                <a:tableStyleId>{5C22544A-7EE6-4342-B048-85BDC9FD1C3A}</a:tableStyleId>
-              </a:tblPr>
-              <a:tblGrid>
-                <a:gridCol w="1194440">
-                  <a:extLst>
-                    <a:ext uri="{9D8B030D-6E8A-4147-A177-3AD203B41FA5}">
-                      <a16:colId xmlns:a16="http://schemas.microsoft.com/office/drawing/2014/main" val="3362155145"/>
-                    </a:ext>
-                  </a:extLst>
-                </a:gridCol>
-                <a:gridCol w="1194440">
-                  <a:extLst>
-                    <a:ext uri="{9D8B030D-6E8A-4147-A177-3AD203B41FA5}">
-                      <a16:colId xmlns:a16="http://schemas.microsoft.com/office/drawing/2014/main" val="1321972559"/>
-                    </a:ext>
-                  </a:extLst>
-                </a:gridCol>
-                <a:gridCol w="1194440">
-                  <a:extLst>
-                    <a:ext uri="{9D8B030D-6E8A-4147-A177-3AD203B41FA5}">
-                      <a16:colId xmlns:a16="http://schemas.microsoft.com/office/drawing/2014/main" val="2424465576"/>
-                    </a:ext>
-                  </a:extLst>
-                </a:gridCol>
-              </a:tblGrid>
-              <a:tr h="321605">
-                <a:tc>
-                  <a:txBody>
-                    <a:bodyPr/>
-                    <a:lstStyle/>
-                    <a:p>
-                      <a:pPr algn="ctr"/>
-                      <a:r>
-                        <a:rPr lang="en-US" b="0" dirty="0">
-                          <a:solidFill>
-                            <a:srgbClr val="FF0000"/>
-                          </a:solidFill>
-                        </a:rPr>
-                        <a:t>RED</a:t>
-                      </a:r>
-                    </a:p>
-                  </a:txBody>
-                  <a:tcPr>
-                    <a:solidFill>
-                      <a:schemeClr val="accent5">
-                        <a:lumMod val="40000"/>
-                        <a:lumOff val="60000"/>
-                      </a:schemeClr>
-                    </a:solidFill>
-                  </a:tcPr>
-                </a:tc>
-                <a:tc>
-                  <a:txBody>
-                    <a:bodyPr/>
-                    <a:lstStyle/>
-                    <a:p>
-                      <a:pPr algn="ctr"/>
-                      <a:r>
-                        <a:rPr lang="en-US" b="0" dirty="0">
-                          <a:solidFill>
-                            <a:srgbClr val="00B050"/>
-                          </a:solidFill>
-                        </a:rPr>
-                        <a:t>GREEN</a:t>
-                      </a:r>
-                    </a:p>
-                  </a:txBody>
-                  <a:tcPr>
-                    <a:solidFill>
-                      <a:schemeClr val="accent5">
-                        <a:lumMod val="40000"/>
-                        <a:lumOff val="60000"/>
-                      </a:schemeClr>
-                    </a:solidFill>
-                  </a:tcPr>
-                </a:tc>
-                <a:tc>
-                  <a:txBody>
-                    <a:bodyPr/>
-                    <a:lstStyle/>
-                    <a:p>
-                      <a:pPr algn="ctr"/>
-                      <a:r>
-                        <a:rPr lang="en-US" b="0" dirty="0">
-                          <a:solidFill>
-                            <a:srgbClr val="0070C0"/>
-                          </a:solidFill>
-                        </a:rPr>
-                        <a:t>BLUE</a:t>
-                      </a:r>
-                    </a:p>
-                  </a:txBody>
-                  <a:tcPr>
-                    <a:solidFill>
-                      <a:schemeClr val="accent5">
-                        <a:lumMod val="40000"/>
-                        <a:lumOff val="60000"/>
-                      </a:schemeClr>
-                    </a:solidFill>
-                  </a:tcPr>
-                </a:tc>
-                <a:extLst>
-                  <a:ext uri="{0D108BD9-81ED-4DB2-BD59-A6C34878D82A}">
-                    <a16:rowId xmlns:a16="http://schemas.microsoft.com/office/drawing/2014/main" val="592600983"/>
-                  </a:ext>
-                </a:extLst>
-              </a:tr>
-              <a:tr h="459436">
-                <a:tc>
-                  <a:txBody>
-                    <a:bodyPr/>
-                    <a:lstStyle/>
-                    <a:p>
-                      <a:r>
-                        <a:rPr lang="en-US" b="0" dirty="0"/>
-                        <a:t>00000000</a:t>
-                      </a:r>
-                    </a:p>
-                  </a:txBody>
-                  <a:tcPr>
-                    <a:solidFill>
-                      <a:schemeClr val="accent5">
-                        <a:lumMod val="40000"/>
-                        <a:lumOff val="60000"/>
-                      </a:schemeClr>
-                    </a:solidFill>
-                  </a:tcPr>
-                </a:tc>
-                <a:tc>
-                  <a:txBody>
-                    <a:bodyPr/>
-                    <a:lstStyle/>
-                    <a:p>
-                      <a:r>
-                        <a:rPr lang="en-US" b="0" dirty="0">
-                          <a:solidFill>
-                            <a:schemeClr val="bg1"/>
-                          </a:solidFill>
-                        </a:rPr>
-                        <a:t>00000000</a:t>
-                      </a:r>
-                    </a:p>
-                  </a:txBody>
-                  <a:tcPr>
-                    <a:solidFill>
-                      <a:schemeClr val="accent5">
-                        <a:lumMod val="40000"/>
-                        <a:lumOff val="60000"/>
-                      </a:schemeClr>
-                    </a:solidFill>
-                  </a:tcPr>
-                </a:tc>
-                <a:tc>
-                  <a:txBody>
-                    <a:bodyPr/>
-                    <a:lstStyle/>
-                    <a:p>
-                      <a:r>
-                        <a:rPr lang="en-US" b="0" dirty="0"/>
-                        <a:t>00000000</a:t>
-                      </a:r>
-                    </a:p>
-                  </a:txBody>
-                  <a:tcPr>
-                    <a:solidFill>
-                      <a:schemeClr val="accent5">
-                        <a:lumMod val="40000"/>
-                        <a:lumOff val="60000"/>
-                      </a:schemeClr>
-                    </a:solidFill>
-                  </a:tcPr>
-                </a:tc>
-                <a:extLst>
-                  <a:ext uri="{0D108BD9-81ED-4DB2-BD59-A6C34878D82A}">
-                    <a16:rowId xmlns:a16="http://schemas.microsoft.com/office/drawing/2014/main" val="699320502"/>
-                  </a:ext>
-                </a:extLst>
-              </a:tr>
-            </a:tbl>
-          </a:graphicData>
-        </a:graphic>
-      </p:graphicFrame>
-      <p:sp>
-        <p:nvSpPr>
-          <p:cNvPr id="6" name="TextBox 5">
-            <a:extLst>
-              <a:ext uri="{FF2B5EF4-FFF2-40B4-BE49-F238E27FC236}">
-                <a16:creationId xmlns:a16="http://schemas.microsoft.com/office/drawing/2014/main" id="{00FD1D17-6365-5148-9CFA-86E69F591740}"/>
-              </a:ext>
-            </a:extLst>
-          </p:cNvPr>
-          <p:cNvSpPr txBox="1"/>
-          <p:nvPr/>
-        </p:nvSpPr>
-        <p:spPr>
-          <a:xfrm>
-            <a:off x="1706758" y="1428750"/>
-            <a:ext cx="3583320" cy="369332"/>
-          </a:xfrm>
-          <a:prstGeom prst="rect">
-            <a:avLst/>
-          </a:prstGeom>
-          <a:noFill/>
-        </p:spPr>
-        <p:txBody>
-          <a:bodyPr wrap="square" rtlCol="0">
-            <a:spAutoFit/>
-          </a:bodyPr>
-          <a:lstStyle/>
-          <a:p>
-            <a:r>
-              <a:rPr lang="en-US" dirty="0"/>
-              <a:t>Cover Image – 1 pixel</a:t>
-            </a:r>
-          </a:p>
-        </p:txBody>
-      </p:sp>
-      <p:sp>
-        <p:nvSpPr>
-          <p:cNvPr id="11" name="TextBox 10">
-            <a:extLst>
-              <a:ext uri="{FF2B5EF4-FFF2-40B4-BE49-F238E27FC236}">
-                <a16:creationId xmlns:a16="http://schemas.microsoft.com/office/drawing/2014/main" id="{476568B4-321A-3E40-9583-39B5E6726889}"/>
-              </a:ext>
-            </a:extLst>
-          </p:cNvPr>
-          <p:cNvSpPr txBox="1"/>
-          <p:nvPr/>
-        </p:nvSpPr>
-        <p:spPr>
-          <a:xfrm>
-            <a:off x="1706758" y="3811540"/>
-            <a:ext cx="3583320" cy="369332"/>
-          </a:xfrm>
-          <a:prstGeom prst="rect">
-            <a:avLst/>
-          </a:prstGeom>
-          <a:noFill/>
-        </p:spPr>
-        <p:txBody>
-          <a:bodyPr wrap="square" rtlCol="0">
-            <a:spAutoFit/>
-          </a:bodyPr>
-          <a:lstStyle/>
-          <a:p>
-            <a:r>
-              <a:rPr lang="en-US" dirty="0"/>
-              <a:t>Secret Image – 1 pixel</a:t>
-            </a:r>
-          </a:p>
-        </p:txBody>
-      </p:sp>
-      <p:sp>
-        <p:nvSpPr>
-          <p:cNvPr id="12" name="TextBox 11">
-            <a:extLst>
-              <a:ext uri="{FF2B5EF4-FFF2-40B4-BE49-F238E27FC236}">
-                <a16:creationId xmlns:a16="http://schemas.microsoft.com/office/drawing/2014/main" id="{9F02C8CA-F361-3149-90BF-12C70BC3B485}"/>
-              </a:ext>
-            </a:extLst>
-          </p:cNvPr>
-          <p:cNvSpPr txBox="1"/>
-          <p:nvPr/>
-        </p:nvSpPr>
-        <p:spPr>
-          <a:xfrm>
-            <a:off x="6109320" y="2677771"/>
-            <a:ext cx="3583320" cy="369332"/>
-          </a:xfrm>
-          <a:prstGeom prst="rect">
-            <a:avLst/>
-          </a:prstGeom>
-          <a:noFill/>
-        </p:spPr>
-        <p:txBody>
-          <a:bodyPr wrap="square" rtlCol="0">
-            <a:spAutoFit/>
-          </a:bodyPr>
-          <a:lstStyle/>
-          <a:p>
-            <a:r>
-              <a:rPr lang="en-US" dirty="0" err="1"/>
-              <a:t>Stego</a:t>
-            </a:r>
-            <a:r>
-              <a:rPr lang="en-US" dirty="0"/>
-              <a:t> Image – 1 pixel</a:t>
-            </a:r>
-          </a:p>
-        </p:txBody>
-      </p:sp>
-      <p:graphicFrame>
-        <p:nvGraphicFramePr>
-          <p:cNvPr id="14" name="Table 13">
-            <a:extLst>
-              <a:ext uri="{FF2B5EF4-FFF2-40B4-BE49-F238E27FC236}">
-                <a16:creationId xmlns:a16="http://schemas.microsoft.com/office/drawing/2014/main" id="{4C3C7EA2-5474-8B45-AFAB-930F933C14F6}"/>
-              </a:ext>
-            </a:extLst>
-          </p:cNvPr>
-          <p:cNvGraphicFramePr>
-            <a:graphicFrameLocks noGrp="1"/>
-          </p:cNvGraphicFramePr>
-          <p:nvPr>
-            <p:extLst>
-              <p:ext uri="{D42A27DB-BD31-4B8C-83A1-F6EECF244321}">
-                <p14:modId xmlns:p14="http://schemas.microsoft.com/office/powerpoint/2010/main" val="1245157076"/>
-              </p:ext>
-            </p:extLst>
-          </p:nvPr>
-        </p:nvGraphicFramePr>
-        <p:xfrm>
-          <a:off x="6109320" y="3062402"/>
-          <a:ext cx="4697730" cy="825196"/>
-        </p:xfrm>
-        <a:graphic>
-          <a:graphicData uri="http://schemas.openxmlformats.org/drawingml/2006/table">
-            <a:tbl>
-              <a:tblPr firstRow="1" bandRow="1">
-                <a:tableStyleId>{5C22544A-7EE6-4342-B048-85BDC9FD1C3A}</a:tableStyleId>
-              </a:tblPr>
-              <a:tblGrid>
-                <a:gridCol w="1565910">
-                  <a:extLst>
-                    <a:ext uri="{9D8B030D-6E8A-4147-A177-3AD203B41FA5}">
-                      <a16:colId xmlns:a16="http://schemas.microsoft.com/office/drawing/2014/main" val="3362155145"/>
-                    </a:ext>
-                  </a:extLst>
-                </a:gridCol>
-                <a:gridCol w="1565910">
-                  <a:extLst>
-                    <a:ext uri="{9D8B030D-6E8A-4147-A177-3AD203B41FA5}">
-                      <a16:colId xmlns:a16="http://schemas.microsoft.com/office/drawing/2014/main" val="1321972559"/>
-                    </a:ext>
-                  </a:extLst>
-                </a:gridCol>
-                <a:gridCol w="1565910">
-                  <a:extLst>
-                    <a:ext uri="{9D8B030D-6E8A-4147-A177-3AD203B41FA5}">
-                      <a16:colId xmlns:a16="http://schemas.microsoft.com/office/drawing/2014/main" val="2424465576"/>
-                    </a:ext>
-                  </a:extLst>
-                </a:gridCol>
-              </a:tblGrid>
-              <a:tr h="321605">
-                <a:tc>
-                  <a:txBody>
-                    <a:bodyPr/>
-                    <a:lstStyle/>
-                    <a:p>
-                      <a:pPr algn="ctr"/>
-                      <a:r>
-                        <a:rPr lang="en-US" b="0" dirty="0">
-                          <a:solidFill>
-                            <a:srgbClr val="FF0000"/>
-                          </a:solidFill>
-                        </a:rPr>
-                        <a:t>RED</a:t>
-                      </a:r>
-                    </a:p>
-                  </a:txBody>
-                  <a:tcPr>
-                    <a:solidFill>
-                      <a:schemeClr val="accent5">
-                        <a:lumMod val="40000"/>
-                        <a:lumOff val="60000"/>
-                      </a:schemeClr>
-                    </a:solidFill>
-                  </a:tcPr>
-                </a:tc>
-                <a:tc>
-                  <a:txBody>
-                    <a:bodyPr/>
-                    <a:lstStyle/>
-                    <a:p>
-                      <a:pPr algn="ctr"/>
-                      <a:r>
-                        <a:rPr lang="en-US" b="0" dirty="0">
-                          <a:solidFill>
-                            <a:srgbClr val="00B050"/>
-                          </a:solidFill>
-                        </a:rPr>
-                        <a:t>GREEN</a:t>
-                      </a:r>
-                    </a:p>
-                  </a:txBody>
-                  <a:tcPr>
-                    <a:solidFill>
-                      <a:schemeClr val="accent5">
-                        <a:lumMod val="40000"/>
-                        <a:lumOff val="60000"/>
-                      </a:schemeClr>
-                    </a:solidFill>
-                  </a:tcPr>
-                </a:tc>
-                <a:tc>
-                  <a:txBody>
-                    <a:bodyPr/>
-                    <a:lstStyle/>
-                    <a:p>
-                      <a:pPr algn="ctr"/>
-                      <a:r>
-                        <a:rPr lang="en-US" b="0" dirty="0">
-                          <a:solidFill>
-                            <a:srgbClr val="0070C0"/>
-                          </a:solidFill>
-                        </a:rPr>
-                        <a:t>BLUE</a:t>
-                      </a:r>
-                    </a:p>
-                  </a:txBody>
-                  <a:tcPr>
-                    <a:solidFill>
-                      <a:schemeClr val="accent5">
-                        <a:lumMod val="40000"/>
-                        <a:lumOff val="60000"/>
-                      </a:schemeClr>
-                    </a:solidFill>
-                  </a:tcPr>
-                </a:tc>
-                <a:extLst>
-                  <a:ext uri="{0D108BD9-81ED-4DB2-BD59-A6C34878D82A}">
-                    <a16:rowId xmlns:a16="http://schemas.microsoft.com/office/drawing/2014/main" val="592600983"/>
-                  </a:ext>
-                </a:extLst>
-              </a:tr>
-              <a:tr h="459436">
-                <a:tc>
-                  <a:txBody>
-                    <a:bodyPr/>
-                    <a:lstStyle/>
-                    <a:p>
-                      <a:pPr algn="ctr"/>
-                      <a:r>
-                        <a:rPr lang="en-US" b="0" dirty="0"/>
-                        <a:t>1111  0000</a:t>
-                      </a:r>
-                    </a:p>
-                  </a:txBody>
-                  <a:tcPr>
-                    <a:solidFill>
-                      <a:schemeClr val="accent5">
-                        <a:lumMod val="40000"/>
-                        <a:lumOff val="60000"/>
-                      </a:schemeClr>
-                    </a:solidFill>
-                  </a:tcPr>
-                </a:tc>
-                <a:tc>
-                  <a:txBody>
-                    <a:bodyPr/>
-                    <a:lstStyle/>
-                    <a:p>
-                      <a:pPr algn="ctr"/>
-                      <a:r>
-                        <a:rPr lang="en-US" b="0" dirty="0">
-                          <a:solidFill>
-                            <a:schemeClr val="bg1"/>
-                          </a:solidFill>
-                        </a:rPr>
-                        <a:t>1111  0000</a:t>
-                      </a:r>
-                    </a:p>
-                  </a:txBody>
-                  <a:tcPr>
-                    <a:solidFill>
-                      <a:schemeClr val="accent5">
-                        <a:lumMod val="40000"/>
-                        <a:lumOff val="60000"/>
-                      </a:schemeClr>
-                    </a:solidFill>
-                  </a:tcPr>
-                </a:tc>
-                <a:tc>
-                  <a:txBody>
-                    <a:bodyPr/>
-                    <a:lstStyle/>
-                    <a:p>
-                      <a:pPr algn="ctr"/>
-                      <a:r>
-                        <a:rPr lang="en-US" b="0" dirty="0"/>
-                        <a:t>1111  0000</a:t>
-                      </a:r>
-                    </a:p>
-                  </a:txBody>
-                  <a:tcPr>
-                    <a:solidFill>
-                      <a:schemeClr val="accent5">
-                        <a:lumMod val="40000"/>
-                        <a:lumOff val="60000"/>
-                      </a:schemeClr>
-                    </a:solidFill>
-                  </a:tcPr>
-                </a:tc>
-                <a:extLst>
-                  <a:ext uri="{0D108BD9-81ED-4DB2-BD59-A6C34878D82A}">
-                    <a16:rowId xmlns:a16="http://schemas.microsoft.com/office/drawing/2014/main" val="699320502"/>
-                  </a:ext>
-                </a:extLst>
-              </a:tr>
-            </a:tbl>
-          </a:graphicData>
-        </a:graphic>
-      </p:graphicFrame>
-      <p:sp>
-        <p:nvSpPr>
-          <p:cNvPr id="16" name="Frame 15">
-            <a:extLst>
-              <a:ext uri="{FF2B5EF4-FFF2-40B4-BE49-F238E27FC236}">
-                <a16:creationId xmlns:a16="http://schemas.microsoft.com/office/drawing/2014/main" id="{F7FF53A7-BC4F-A74C-8EFF-BB53A61F622C}"/>
-              </a:ext>
-            </a:extLst>
-          </p:cNvPr>
-          <p:cNvSpPr/>
-          <p:nvPr/>
-        </p:nvSpPr>
-        <p:spPr>
-          <a:xfrm>
-            <a:off x="2880747" y="2189226"/>
-            <a:ext cx="659252" cy="491070"/>
-          </a:xfrm>
-          <a:prstGeom prst="frame">
-            <a:avLst/>
-          </a:prstGeom>
-        </p:spPr>
-        <p:style>
-          <a:lnRef idx="2">
-            <a:schemeClr val="accent1">
-              <a:shade val="50000"/>
-            </a:schemeClr>
-          </a:lnRef>
-          <a:fillRef idx="1">
-            <a:schemeClr val="accent1"/>
-          </a:fillRef>
-          <a:effectRef idx="0">
-            <a:schemeClr val="accent1"/>
-          </a:effectRef>
-          <a:fontRef idx="minor">
-            <a:schemeClr val="lt1"/>
-          </a:fontRef>
-        </p:style>
-        <p:txBody>
-          <a:bodyPr rtlCol="0" anchor="ctr"/>
-          <a:lstStyle/>
-          <a:p>
-            <a:pPr algn="ctr"/>
-            <a:endParaRPr lang="en-US">
-              <a:solidFill>
-                <a:schemeClr val="tx1"/>
-              </a:solidFill>
-            </a:endParaRPr>
-          </a:p>
-        </p:txBody>
-      </p:sp>
-      <p:sp>
-        <p:nvSpPr>
-          <p:cNvPr id="17" name="Frame 16">
-            <a:extLst>
-              <a:ext uri="{FF2B5EF4-FFF2-40B4-BE49-F238E27FC236}">
-                <a16:creationId xmlns:a16="http://schemas.microsoft.com/office/drawing/2014/main" id="{F6D127E6-D450-B349-A5B7-F6AD58364495}"/>
-              </a:ext>
-            </a:extLst>
-          </p:cNvPr>
-          <p:cNvSpPr/>
-          <p:nvPr/>
-        </p:nvSpPr>
-        <p:spPr>
-          <a:xfrm>
-            <a:off x="4085412" y="2186701"/>
-            <a:ext cx="659252" cy="491070"/>
-          </a:xfrm>
-          <a:prstGeom prst="frame">
-            <a:avLst/>
-          </a:prstGeom>
-        </p:spPr>
-        <p:style>
-          <a:lnRef idx="2">
-            <a:schemeClr val="accent1">
-              <a:shade val="50000"/>
-            </a:schemeClr>
-          </a:lnRef>
-          <a:fillRef idx="1">
-            <a:schemeClr val="accent1"/>
-          </a:fillRef>
-          <a:effectRef idx="0">
-            <a:schemeClr val="accent1"/>
-          </a:effectRef>
-          <a:fontRef idx="minor">
-            <a:schemeClr val="lt1"/>
-          </a:fontRef>
-        </p:style>
-        <p:txBody>
-          <a:bodyPr rtlCol="0" anchor="ctr"/>
-          <a:lstStyle/>
-          <a:p>
-            <a:pPr algn="ctr"/>
-            <a:endParaRPr lang="en-US">
-              <a:solidFill>
-                <a:schemeClr val="tx1"/>
-              </a:solidFill>
-            </a:endParaRPr>
-          </a:p>
-        </p:txBody>
-      </p:sp>
-      <p:sp>
-        <p:nvSpPr>
-          <p:cNvPr id="18" name="Frame 17">
-            <a:extLst>
-              <a:ext uri="{FF2B5EF4-FFF2-40B4-BE49-F238E27FC236}">
-                <a16:creationId xmlns:a16="http://schemas.microsoft.com/office/drawing/2014/main" id="{3BE5811F-2462-D44D-89DD-46977B388647}"/>
-              </a:ext>
-            </a:extLst>
-          </p:cNvPr>
-          <p:cNvSpPr/>
-          <p:nvPr/>
-        </p:nvSpPr>
-        <p:spPr>
-          <a:xfrm>
-            <a:off x="6209591" y="3409319"/>
-            <a:ext cx="659252" cy="491070"/>
-          </a:xfrm>
-          <a:prstGeom prst="frame">
-            <a:avLst/>
-          </a:prstGeom>
-        </p:spPr>
-        <p:style>
-          <a:lnRef idx="2">
-            <a:schemeClr val="accent1">
-              <a:shade val="50000"/>
-            </a:schemeClr>
-          </a:lnRef>
-          <a:fillRef idx="1">
-            <a:schemeClr val="accent1"/>
-          </a:fillRef>
-          <a:effectRef idx="0">
-            <a:schemeClr val="accent1"/>
-          </a:effectRef>
-          <a:fontRef idx="minor">
-            <a:schemeClr val="lt1"/>
-          </a:fontRef>
-        </p:style>
-        <p:txBody>
-          <a:bodyPr rtlCol="0" anchor="ctr"/>
-          <a:lstStyle/>
-          <a:p>
-            <a:pPr algn="ctr"/>
-            <a:endParaRPr lang="en-US">
-              <a:solidFill>
-                <a:schemeClr val="tx1"/>
-              </a:solidFill>
-            </a:endParaRPr>
-          </a:p>
-        </p:txBody>
-      </p:sp>
-      <p:sp>
-        <p:nvSpPr>
-          <p:cNvPr id="19" name="Frame 18">
-            <a:extLst>
-              <a:ext uri="{FF2B5EF4-FFF2-40B4-BE49-F238E27FC236}">
-                <a16:creationId xmlns:a16="http://schemas.microsoft.com/office/drawing/2014/main" id="{8E9CF580-098D-3E4D-A1EE-1D402AB8539B}"/>
-              </a:ext>
-            </a:extLst>
-          </p:cNvPr>
-          <p:cNvSpPr/>
-          <p:nvPr/>
-        </p:nvSpPr>
-        <p:spPr>
-          <a:xfrm>
-            <a:off x="7775306" y="3409319"/>
-            <a:ext cx="659252" cy="491070"/>
-          </a:xfrm>
-          <a:prstGeom prst="frame">
-            <a:avLst/>
-          </a:prstGeom>
-        </p:spPr>
-        <p:style>
-          <a:lnRef idx="2">
-            <a:schemeClr val="accent1">
-              <a:shade val="50000"/>
-            </a:schemeClr>
-          </a:lnRef>
-          <a:fillRef idx="1">
-            <a:schemeClr val="accent1"/>
-          </a:fillRef>
-          <a:effectRef idx="0">
-            <a:schemeClr val="accent1"/>
-          </a:effectRef>
-          <a:fontRef idx="minor">
-            <a:schemeClr val="lt1"/>
-          </a:fontRef>
-        </p:style>
-        <p:txBody>
-          <a:bodyPr rtlCol="0" anchor="ctr"/>
-          <a:lstStyle/>
-          <a:p>
-            <a:pPr algn="ctr"/>
-            <a:endParaRPr lang="en-US">
-              <a:solidFill>
-                <a:schemeClr val="tx1"/>
-              </a:solidFill>
-            </a:endParaRPr>
-          </a:p>
-        </p:txBody>
-      </p:sp>
-      <p:sp>
-        <p:nvSpPr>
-          <p:cNvPr id="20" name="Frame 19">
-            <a:extLst>
-              <a:ext uri="{FF2B5EF4-FFF2-40B4-BE49-F238E27FC236}">
-                <a16:creationId xmlns:a16="http://schemas.microsoft.com/office/drawing/2014/main" id="{813C7007-B42E-8142-9245-6CF65F7E8AE3}"/>
-              </a:ext>
-            </a:extLst>
-          </p:cNvPr>
-          <p:cNvSpPr/>
-          <p:nvPr/>
-        </p:nvSpPr>
-        <p:spPr>
-          <a:xfrm>
-            <a:off x="9363014" y="3409319"/>
-            <a:ext cx="659252" cy="491070"/>
-          </a:xfrm>
-          <a:prstGeom prst="frame">
-            <a:avLst/>
-          </a:prstGeom>
-        </p:spPr>
-        <p:style>
-          <a:lnRef idx="2">
-            <a:schemeClr val="accent1">
-              <a:shade val="50000"/>
-            </a:schemeClr>
-          </a:lnRef>
-          <a:fillRef idx="1">
-            <a:schemeClr val="accent1"/>
-          </a:fillRef>
-          <a:effectRef idx="0">
-            <a:schemeClr val="accent1"/>
-          </a:effectRef>
-          <a:fontRef idx="minor">
-            <a:schemeClr val="lt1"/>
-          </a:fontRef>
-        </p:style>
-        <p:txBody>
-          <a:bodyPr rtlCol="0" anchor="ctr"/>
-          <a:lstStyle/>
-          <a:p>
-            <a:pPr algn="ctr"/>
-            <a:endParaRPr lang="en-US">
-              <a:solidFill>
-                <a:schemeClr val="tx1"/>
-              </a:solidFill>
-            </a:endParaRPr>
-          </a:p>
-        </p:txBody>
-      </p:sp>
-      <p:sp>
-        <p:nvSpPr>
-          <p:cNvPr id="21" name="Frame 20">
-            <a:extLst>
-              <a:ext uri="{FF2B5EF4-FFF2-40B4-BE49-F238E27FC236}">
-                <a16:creationId xmlns:a16="http://schemas.microsoft.com/office/drawing/2014/main" id="{1E34031C-F643-AA45-BA47-056A2CA2A40B}"/>
-              </a:ext>
-            </a:extLst>
-          </p:cNvPr>
-          <p:cNvSpPr/>
-          <p:nvPr/>
-        </p:nvSpPr>
-        <p:spPr>
-          <a:xfrm>
-            <a:off x="1706758" y="4576657"/>
-            <a:ext cx="659252" cy="491070"/>
-          </a:xfrm>
-          <a:prstGeom prst="frame">
-            <a:avLst/>
-          </a:prstGeom>
-          <a:solidFill>
-            <a:schemeClr val="accent2"/>
-          </a:solidFill>
-        </p:spPr>
-        <p:style>
-          <a:lnRef idx="2">
-            <a:schemeClr val="accent1">
-              <a:shade val="50000"/>
-            </a:schemeClr>
-          </a:lnRef>
-          <a:fillRef idx="1">
-            <a:schemeClr val="accent1"/>
-          </a:fillRef>
-          <a:effectRef idx="0">
-            <a:schemeClr val="accent1"/>
-          </a:effectRef>
-          <a:fontRef idx="minor">
-            <a:schemeClr val="lt1"/>
-          </a:fontRef>
-        </p:style>
-        <p:txBody>
-          <a:bodyPr rtlCol="0" anchor="ctr"/>
-          <a:lstStyle/>
-          <a:p>
-            <a:pPr algn="ctr"/>
-            <a:endParaRPr lang="en-US">
-              <a:solidFill>
-                <a:schemeClr val="tx1"/>
-              </a:solidFill>
-            </a:endParaRPr>
-          </a:p>
-        </p:txBody>
-      </p:sp>
-      <p:sp>
-        <p:nvSpPr>
-          <p:cNvPr id="22" name="Frame 21">
-            <a:extLst>
-              <a:ext uri="{FF2B5EF4-FFF2-40B4-BE49-F238E27FC236}">
-                <a16:creationId xmlns:a16="http://schemas.microsoft.com/office/drawing/2014/main" id="{C5A2A3DE-DD33-1449-B2AE-099B7244BB11}"/>
-              </a:ext>
-            </a:extLst>
-          </p:cNvPr>
-          <p:cNvSpPr/>
-          <p:nvPr/>
-        </p:nvSpPr>
-        <p:spPr>
-          <a:xfrm>
-            <a:off x="2880747" y="4583865"/>
-            <a:ext cx="659252" cy="491070"/>
-          </a:xfrm>
-          <a:prstGeom prst="frame">
-            <a:avLst/>
-          </a:prstGeom>
-          <a:solidFill>
-            <a:schemeClr val="accent2"/>
-          </a:solidFill>
-        </p:spPr>
-        <p:style>
-          <a:lnRef idx="2">
-            <a:schemeClr val="accent1">
-              <a:shade val="50000"/>
-            </a:schemeClr>
-          </a:lnRef>
-          <a:fillRef idx="1">
-            <a:schemeClr val="accent1"/>
-          </a:fillRef>
-          <a:effectRef idx="0">
-            <a:schemeClr val="accent1"/>
-          </a:effectRef>
-          <a:fontRef idx="minor">
-            <a:schemeClr val="lt1"/>
-          </a:fontRef>
-        </p:style>
-        <p:txBody>
-          <a:bodyPr rtlCol="0" anchor="ctr"/>
-          <a:lstStyle/>
-          <a:p>
-            <a:pPr algn="ctr"/>
-            <a:endParaRPr lang="en-US">
-              <a:solidFill>
-                <a:schemeClr val="tx1"/>
-              </a:solidFill>
-            </a:endParaRPr>
-          </a:p>
-        </p:txBody>
-      </p:sp>
-      <p:sp>
-        <p:nvSpPr>
-          <p:cNvPr id="23" name="Frame 22">
-            <a:extLst>
-              <a:ext uri="{FF2B5EF4-FFF2-40B4-BE49-F238E27FC236}">
-                <a16:creationId xmlns:a16="http://schemas.microsoft.com/office/drawing/2014/main" id="{445B4911-6598-7A49-879B-03BB085BCB62}"/>
-              </a:ext>
-            </a:extLst>
-          </p:cNvPr>
-          <p:cNvSpPr/>
-          <p:nvPr/>
-        </p:nvSpPr>
-        <p:spPr>
-          <a:xfrm>
-            <a:off x="4087256" y="4583865"/>
-            <a:ext cx="659252" cy="491070"/>
-          </a:xfrm>
-          <a:prstGeom prst="frame">
-            <a:avLst/>
-          </a:prstGeom>
-          <a:solidFill>
-            <a:schemeClr val="accent2"/>
-          </a:solidFill>
-        </p:spPr>
-        <p:style>
-          <a:lnRef idx="2">
-            <a:schemeClr val="accent1">
-              <a:shade val="50000"/>
-            </a:schemeClr>
-          </a:lnRef>
-          <a:fillRef idx="1">
-            <a:schemeClr val="accent1"/>
-          </a:fillRef>
-          <a:effectRef idx="0">
-            <a:schemeClr val="accent1"/>
-          </a:effectRef>
-          <a:fontRef idx="minor">
-            <a:schemeClr val="lt1"/>
-          </a:fontRef>
-        </p:style>
-        <p:txBody>
-          <a:bodyPr rtlCol="0" anchor="ctr"/>
-          <a:lstStyle/>
-          <a:p>
-            <a:pPr algn="ctr"/>
-            <a:endParaRPr lang="en-US">
-              <a:solidFill>
-                <a:schemeClr val="tx1"/>
-              </a:solidFill>
-            </a:endParaRPr>
-          </a:p>
-        </p:txBody>
-      </p:sp>
-      <p:sp>
-        <p:nvSpPr>
-          <p:cNvPr id="24" name="Frame 23">
-            <a:extLst>
-              <a:ext uri="{FF2B5EF4-FFF2-40B4-BE49-F238E27FC236}">
-                <a16:creationId xmlns:a16="http://schemas.microsoft.com/office/drawing/2014/main" id="{B9BFCB35-030D-A44A-BDC0-AFD9C6B3C65D}"/>
-              </a:ext>
-            </a:extLst>
-          </p:cNvPr>
-          <p:cNvSpPr/>
-          <p:nvPr/>
-        </p:nvSpPr>
-        <p:spPr>
-          <a:xfrm>
-            <a:off x="6868843" y="3409319"/>
-            <a:ext cx="659252" cy="491070"/>
-          </a:xfrm>
-          <a:prstGeom prst="frame">
-            <a:avLst/>
-          </a:prstGeom>
-          <a:solidFill>
-            <a:schemeClr val="accent2"/>
-          </a:solidFill>
-        </p:spPr>
-        <p:style>
-          <a:lnRef idx="2">
-            <a:schemeClr val="accent1">
-              <a:shade val="50000"/>
-            </a:schemeClr>
-          </a:lnRef>
-          <a:fillRef idx="1">
-            <a:schemeClr val="accent1"/>
-          </a:fillRef>
-          <a:effectRef idx="0">
-            <a:schemeClr val="accent1"/>
-          </a:effectRef>
-          <a:fontRef idx="minor">
-            <a:schemeClr val="lt1"/>
-          </a:fontRef>
-        </p:style>
-        <p:txBody>
-          <a:bodyPr rtlCol="0" anchor="ctr"/>
-          <a:lstStyle/>
-          <a:p>
-            <a:pPr algn="ctr"/>
-            <a:endParaRPr lang="en-US">
-              <a:solidFill>
-                <a:schemeClr val="tx1"/>
-              </a:solidFill>
-            </a:endParaRPr>
-          </a:p>
-        </p:txBody>
-      </p:sp>
-      <p:sp>
-        <p:nvSpPr>
-          <p:cNvPr id="25" name="Frame 24">
-            <a:extLst>
-              <a:ext uri="{FF2B5EF4-FFF2-40B4-BE49-F238E27FC236}">
-                <a16:creationId xmlns:a16="http://schemas.microsoft.com/office/drawing/2014/main" id="{DA5818B6-E7C3-7540-8D9B-09C7FFD3CD15}"/>
-              </a:ext>
-            </a:extLst>
-          </p:cNvPr>
-          <p:cNvSpPr/>
-          <p:nvPr/>
-        </p:nvSpPr>
-        <p:spPr>
-          <a:xfrm>
-            <a:off x="8434558" y="3409319"/>
-            <a:ext cx="659252" cy="491070"/>
-          </a:xfrm>
-          <a:prstGeom prst="frame">
-            <a:avLst/>
-          </a:prstGeom>
-          <a:solidFill>
-            <a:schemeClr val="accent2"/>
-          </a:solidFill>
-        </p:spPr>
-        <p:style>
-          <a:lnRef idx="2">
-            <a:schemeClr val="accent1">
-              <a:shade val="50000"/>
-            </a:schemeClr>
-          </a:lnRef>
-          <a:fillRef idx="1">
-            <a:schemeClr val="accent1"/>
-          </a:fillRef>
-          <a:effectRef idx="0">
-            <a:schemeClr val="accent1"/>
-          </a:effectRef>
-          <a:fontRef idx="minor">
-            <a:schemeClr val="lt1"/>
-          </a:fontRef>
-        </p:style>
-        <p:txBody>
-          <a:bodyPr rtlCol="0" anchor="ctr"/>
-          <a:lstStyle/>
-          <a:p>
-            <a:pPr algn="ctr"/>
-            <a:endParaRPr lang="en-US">
-              <a:solidFill>
-                <a:schemeClr val="tx1"/>
-              </a:solidFill>
-            </a:endParaRPr>
-          </a:p>
-        </p:txBody>
-      </p:sp>
-      <p:sp>
-        <p:nvSpPr>
-          <p:cNvPr id="26" name="Frame 25">
-            <a:extLst>
-              <a:ext uri="{FF2B5EF4-FFF2-40B4-BE49-F238E27FC236}">
-                <a16:creationId xmlns:a16="http://schemas.microsoft.com/office/drawing/2014/main" id="{54F95F8A-E402-8046-B176-C3A6967ACC74}"/>
-              </a:ext>
-            </a:extLst>
-          </p:cNvPr>
-          <p:cNvSpPr/>
-          <p:nvPr/>
-        </p:nvSpPr>
-        <p:spPr>
-          <a:xfrm>
-            <a:off x="10022266" y="3402924"/>
-            <a:ext cx="659252" cy="491070"/>
-          </a:xfrm>
-          <a:prstGeom prst="frame">
-            <a:avLst/>
-          </a:prstGeom>
-          <a:solidFill>
-            <a:schemeClr val="accent2"/>
-          </a:solidFill>
-        </p:spPr>
-        <p:style>
-          <a:lnRef idx="2">
-            <a:schemeClr val="accent1">
-              <a:shade val="50000"/>
-            </a:schemeClr>
-          </a:lnRef>
-          <a:fillRef idx="1">
-            <a:schemeClr val="accent1"/>
-          </a:fillRef>
-          <a:effectRef idx="0">
-            <a:schemeClr val="accent1"/>
-          </a:effectRef>
-          <a:fontRef idx="minor">
-            <a:schemeClr val="lt1"/>
-          </a:fontRef>
-        </p:style>
-        <p:txBody>
-          <a:bodyPr rtlCol="0" anchor="ctr"/>
-          <a:lstStyle/>
-          <a:p>
-            <a:pPr algn="ctr"/>
-            <a:endParaRPr lang="en-US">
-              <a:solidFill>
-                <a:schemeClr val="tx1"/>
-              </a:solidFill>
-            </a:endParaRPr>
-          </a:p>
-        </p:txBody>
-      </p:sp>
-      <p:cxnSp>
-        <p:nvCxnSpPr>
-          <p:cNvPr id="28" name="Curved Connector 27">
-            <a:extLst>
-              <a:ext uri="{FF2B5EF4-FFF2-40B4-BE49-F238E27FC236}">
-                <a16:creationId xmlns:a16="http://schemas.microsoft.com/office/drawing/2014/main" id="{6657D054-DD72-794E-9DF2-63A3843824B5}"/>
-              </a:ext>
-            </a:extLst>
-          </p:cNvPr>
-          <p:cNvCxnSpPr>
-            <a:stCxn id="3" idx="2"/>
-            <a:endCxn id="18" idx="1"/>
-          </p:cNvCxnSpPr>
-          <p:nvPr/>
-        </p:nvCxnSpPr>
-        <p:spPr>
-          <a:xfrm rot="16200000" flipH="1">
-            <a:off x="3634446" y="1079708"/>
-            <a:ext cx="977083" cy="4173207"/>
-          </a:xfrm>
-          <a:prstGeom prst="curvedConnector2">
-            <a:avLst/>
-          </a:prstGeom>
-          <a:ln w="63500">
-            <a:tailEnd type="triangle"/>
-          </a:ln>
-        </p:spPr>
-        <p:style>
-          <a:lnRef idx="1">
-            <a:schemeClr val="accent1"/>
-          </a:lnRef>
-          <a:fillRef idx="0">
-            <a:schemeClr val="accent1"/>
-          </a:fillRef>
-          <a:effectRef idx="0">
-            <a:schemeClr val="accent1"/>
-          </a:effectRef>
-          <a:fontRef idx="minor">
-            <a:schemeClr val="tx1"/>
-          </a:fontRef>
-        </p:style>
-      </p:cxnSp>
-      <p:cxnSp>
-        <p:nvCxnSpPr>
-          <p:cNvPr id="30" name="Curved Connector 29">
-            <a:extLst>
-              <a:ext uri="{FF2B5EF4-FFF2-40B4-BE49-F238E27FC236}">
-                <a16:creationId xmlns:a16="http://schemas.microsoft.com/office/drawing/2014/main" id="{61F78B58-D5C8-F843-B77B-9359D1A88299}"/>
-              </a:ext>
-            </a:extLst>
-          </p:cNvPr>
-          <p:cNvCxnSpPr>
-            <a:cxnSpLocks/>
-            <a:stCxn id="21" idx="2"/>
-            <a:endCxn id="24" idx="2"/>
-          </p:cNvCxnSpPr>
-          <p:nvPr/>
-        </p:nvCxnSpPr>
-        <p:spPr>
-          <a:xfrm rot="5400000" flipH="1" flipV="1">
-            <a:off x="4033757" y="1903015"/>
-            <a:ext cx="1167338" cy="5162085"/>
-          </a:xfrm>
-          <a:prstGeom prst="curvedConnector3">
-            <a:avLst>
-              <a:gd name="adj1" fmla="val -79638"/>
-            </a:avLst>
-          </a:prstGeom>
-          <a:ln w="63500">
-            <a:solidFill>
-              <a:schemeClr val="accent2"/>
-            </a:solidFill>
-            <a:tailEnd type="triangle"/>
-          </a:ln>
-        </p:spPr>
-        <p:style>
-          <a:lnRef idx="1">
-            <a:schemeClr val="accent1"/>
-          </a:lnRef>
-          <a:fillRef idx="0">
-            <a:schemeClr val="accent1"/>
-          </a:fillRef>
-          <a:effectRef idx="0">
-            <a:schemeClr val="accent1"/>
-          </a:effectRef>
-          <a:fontRef idx="minor">
-            <a:schemeClr val="tx1"/>
-          </a:fontRef>
-        </p:style>
-      </p:cxnSp>
-    </p:spTree>
-    <p:extLst>
-      <p:ext uri="{BB962C8B-B14F-4D97-AF65-F5344CB8AC3E}">
-        <p14:creationId xmlns:p14="http://schemas.microsoft.com/office/powerpoint/2010/main" val="2582040194"/>
       </p:ext>
     </p:extLst>
   </p:cSld>
